--- a/PROJECT/최종프로젝트/최종프로젝트_개요/대시보드를 활용한 다이나믹 카드명세서 개요_구본성.pptx
+++ b/PROJECT/최종프로젝트/최종프로젝트_개요/대시보드를 활용한 다이나믹 카드명세서 개요_구본성.pptx
@@ -4,6 +4,9 @@
   <p:sldMasterIdLst>
     <p:sldMasterId id="2147483648" r:id="rId1"/>
   </p:sldMasterIdLst>
+  <p:notesMasterIdLst>
+    <p:notesMasterId r:id="rId15"/>
+  </p:notesMasterIdLst>
   <p:sldIdLst>
     <p:sldId id="256" r:id="rId2"/>
     <p:sldId id="257" r:id="rId3"/>
@@ -11,32 +14,37 @@
     <p:sldId id="333" r:id="rId5"/>
     <p:sldId id="334" r:id="rId6"/>
     <p:sldId id="282" r:id="rId7"/>
-    <p:sldId id="336" r:id="rId8"/>
-    <p:sldId id="337" r:id="rId9"/>
-    <p:sldId id="338" r:id="rId10"/>
-    <p:sldId id="339" r:id="rId11"/>
-    <p:sldId id="340" r:id="rId12"/>
-    <p:sldId id="335" r:id="rId13"/>
+    <p:sldId id="340" r:id="rId8"/>
+    <p:sldId id="335" r:id="rId9"/>
+    <p:sldId id="336" r:id="rId10"/>
+    <p:sldId id="337" r:id="rId11"/>
+    <p:sldId id="338" r:id="rId12"/>
+    <p:sldId id="339" r:id="rId13"/>
+    <p:sldId id="310" r:id="rId14"/>
   </p:sldIdLst>
   <p:sldSz cx="12192000" cy="6858000"/>
   <p:notesSz cx="6858000" cy="9144000"/>
   <p:embeddedFontLst>
     <p:embeddedFont>
       <p:font typeface="KoPubWorld돋움체 Bold" panose="00000800000000000000" pitchFamily="2" charset="-127"/>
-      <p:bold r:id="rId14"/>
+      <p:bold r:id="rId16"/>
     </p:embeddedFont>
     <p:embeddedFont>
       <p:font typeface="KoPubWorld돋움체 Light" panose="00000300000000000000" pitchFamily="2" charset="-127"/>
-      <p:regular r:id="rId15"/>
+      <p:regular r:id="rId17"/>
+    </p:embeddedFont>
+    <p:embeddedFont>
+      <p:font typeface="KoPub돋움체 Bold" panose="02020603020101020101" pitchFamily="18" charset="-127"/>
+      <p:regular r:id="rId18"/>
     </p:embeddedFont>
     <p:embeddedFont>
       <p:font typeface="KoPub돋움체 Light" panose="02020603020101020101" pitchFamily="18" charset="-127"/>
-      <p:regular r:id="rId16"/>
+      <p:regular r:id="rId19"/>
     </p:embeddedFont>
     <p:embeddedFont>
       <p:font typeface="맑은 고딕" panose="020B0503020000020004" pitchFamily="50" charset="-127"/>
-      <p:regular r:id="rId17"/>
-      <p:bold r:id="rId18"/>
+      <p:regular r:id="rId20"/>
+      <p:bold r:id="rId21"/>
     </p:embeddedFont>
   </p:embeddedFontLst>
   <p:defaultTextStyle>
@@ -142,6 +150,2381 @@
 </p:presentation>
 </file>
 
+<file path=ppt/notesMasters/notesMaster1.xml><?xml version="1.0" encoding="utf-8"?>
+<p:notesMaster xmlns:a="http://schemas.openxmlformats.org/drawingml/2006/main" xmlns:r="http://schemas.openxmlformats.org/officeDocument/2006/relationships" xmlns:p="http://schemas.openxmlformats.org/presentationml/2006/main">
+  <p:cSld>
+    <p:bg>
+      <p:bgRef idx="1001">
+        <a:schemeClr val="bg1"/>
+      </p:bgRef>
+    </p:bg>
+    <p:spTree>
+      <p:nvGrpSpPr>
+        <p:cNvPr id="1" name=""/>
+        <p:cNvGrpSpPr/>
+        <p:nvPr/>
+      </p:nvGrpSpPr>
+      <p:grpSpPr>
+        <a:xfrm>
+          <a:off x="0" y="0"/>
+          <a:ext cx="0" cy="0"/>
+          <a:chOff x="0" y="0"/>
+          <a:chExt cx="0" cy="0"/>
+        </a:xfrm>
+      </p:grpSpPr>
+      <p:sp>
+        <p:nvSpPr>
+          <p:cNvPr id="2" name="머리글 개체 틀 1"/>
+          <p:cNvSpPr>
+            <a:spLocks noGrp="1"/>
+          </p:cNvSpPr>
+          <p:nvPr>
+            <p:ph type="hdr" sz="quarter"/>
+          </p:nvPr>
+        </p:nvSpPr>
+        <p:spPr>
+          <a:xfrm>
+            <a:off x="0" y="0"/>
+            <a:ext cx="2971800" cy="458788"/>
+          </a:xfrm>
+          <a:prstGeom prst="rect">
+            <a:avLst/>
+          </a:prstGeom>
+        </p:spPr>
+        <p:txBody>
+          <a:bodyPr vert="horz" lIns="91440" tIns="45720" rIns="91440" bIns="45720" rtlCol="0"/>
+          <a:lstStyle>
+            <a:lvl1pPr algn="l">
+              <a:defRPr sz="1200"/>
+            </a:lvl1pPr>
+          </a:lstStyle>
+          <a:p>
+            <a:endParaRPr lang="ko-KR" altLang="en-US"/>
+          </a:p>
+        </p:txBody>
+      </p:sp>
+      <p:sp>
+        <p:nvSpPr>
+          <p:cNvPr id="3" name="날짜 개체 틀 2"/>
+          <p:cNvSpPr>
+            <a:spLocks noGrp="1"/>
+          </p:cNvSpPr>
+          <p:nvPr>
+            <p:ph type="dt" idx="1"/>
+          </p:nvPr>
+        </p:nvSpPr>
+        <p:spPr>
+          <a:xfrm>
+            <a:off x="3884613" y="0"/>
+            <a:ext cx="2971800" cy="458788"/>
+          </a:xfrm>
+          <a:prstGeom prst="rect">
+            <a:avLst/>
+          </a:prstGeom>
+        </p:spPr>
+        <p:txBody>
+          <a:bodyPr vert="horz" lIns="91440" tIns="45720" rIns="91440" bIns="45720" rtlCol="0"/>
+          <a:lstStyle>
+            <a:lvl1pPr algn="r">
+              <a:defRPr sz="1200"/>
+            </a:lvl1pPr>
+          </a:lstStyle>
+          <a:p>
+            <a:fld id="{2E311B0F-57F4-4348-8F50-D2BD9AB03C75}" type="datetimeFigureOut">
+              <a:rPr lang="ko-KR" altLang="en-US" smtClean="0"/>
+              <a:t>2021-08-19</a:t>
+            </a:fld>
+            <a:endParaRPr lang="ko-KR" altLang="en-US"/>
+          </a:p>
+        </p:txBody>
+      </p:sp>
+      <p:sp>
+        <p:nvSpPr>
+          <p:cNvPr id="4" name="슬라이드 이미지 개체 틀 3"/>
+          <p:cNvSpPr>
+            <a:spLocks noGrp="1" noRot="1" noChangeAspect="1"/>
+          </p:cNvSpPr>
+          <p:nvPr>
+            <p:ph type="sldImg" idx="2"/>
+          </p:nvPr>
+        </p:nvSpPr>
+        <p:spPr>
+          <a:xfrm>
+            <a:off x="685800" y="1143000"/>
+            <a:ext cx="5486400" cy="3086100"/>
+          </a:xfrm>
+          <a:prstGeom prst="rect">
+            <a:avLst/>
+          </a:prstGeom>
+          <a:noFill/>
+          <a:ln w="12700">
+            <a:solidFill>
+              <a:prstClr val="black"/>
+            </a:solidFill>
+          </a:ln>
+        </p:spPr>
+        <p:txBody>
+          <a:bodyPr vert="horz" lIns="91440" tIns="45720" rIns="91440" bIns="45720" rtlCol="0" anchor="ctr"/>
+          <a:lstStyle/>
+          <a:p>
+            <a:endParaRPr lang="ko-KR" altLang="en-US"/>
+          </a:p>
+        </p:txBody>
+      </p:sp>
+      <p:sp>
+        <p:nvSpPr>
+          <p:cNvPr id="5" name="슬라이드 노트 개체 틀 4"/>
+          <p:cNvSpPr>
+            <a:spLocks noGrp="1"/>
+          </p:cNvSpPr>
+          <p:nvPr>
+            <p:ph type="body" sz="quarter" idx="3"/>
+          </p:nvPr>
+        </p:nvSpPr>
+        <p:spPr>
+          <a:xfrm>
+            <a:off x="685800" y="4400550"/>
+            <a:ext cx="5486400" cy="3600450"/>
+          </a:xfrm>
+          <a:prstGeom prst="rect">
+            <a:avLst/>
+          </a:prstGeom>
+        </p:spPr>
+        <p:txBody>
+          <a:bodyPr vert="horz" lIns="91440" tIns="45720" rIns="91440" bIns="45720" rtlCol="0"/>
+          <a:lstStyle/>
+          <a:p>
+            <a:pPr lvl="0"/>
+            <a:r>
+              <a:rPr lang="ko-KR" altLang="en-US"/>
+              <a:t>마스터 텍스트 스타일을 편집하려면 클릭</a:t>
+            </a:r>
+          </a:p>
+          <a:p>
+            <a:pPr lvl="1"/>
+            <a:r>
+              <a:rPr lang="ko-KR" altLang="en-US"/>
+              <a:t>두 번째 수준</a:t>
+            </a:r>
+          </a:p>
+          <a:p>
+            <a:pPr lvl="2"/>
+            <a:r>
+              <a:rPr lang="ko-KR" altLang="en-US"/>
+              <a:t>세 번째 수준</a:t>
+            </a:r>
+          </a:p>
+          <a:p>
+            <a:pPr lvl="3"/>
+            <a:r>
+              <a:rPr lang="ko-KR" altLang="en-US"/>
+              <a:t>네 번째 수준</a:t>
+            </a:r>
+          </a:p>
+          <a:p>
+            <a:pPr lvl="4"/>
+            <a:r>
+              <a:rPr lang="ko-KR" altLang="en-US"/>
+              <a:t>다섯 번째 수준</a:t>
+            </a:r>
+          </a:p>
+        </p:txBody>
+      </p:sp>
+      <p:sp>
+        <p:nvSpPr>
+          <p:cNvPr id="6" name="바닥글 개체 틀 5"/>
+          <p:cNvSpPr>
+            <a:spLocks noGrp="1"/>
+          </p:cNvSpPr>
+          <p:nvPr>
+            <p:ph type="ftr" sz="quarter" idx="4"/>
+          </p:nvPr>
+        </p:nvSpPr>
+        <p:spPr>
+          <a:xfrm>
+            <a:off x="0" y="8685213"/>
+            <a:ext cx="2971800" cy="458787"/>
+          </a:xfrm>
+          <a:prstGeom prst="rect">
+            <a:avLst/>
+          </a:prstGeom>
+        </p:spPr>
+        <p:txBody>
+          <a:bodyPr vert="horz" lIns="91440" tIns="45720" rIns="91440" bIns="45720" rtlCol="0" anchor="b"/>
+          <a:lstStyle>
+            <a:lvl1pPr algn="l">
+              <a:defRPr sz="1200"/>
+            </a:lvl1pPr>
+          </a:lstStyle>
+          <a:p>
+            <a:endParaRPr lang="ko-KR" altLang="en-US"/>
+          </a:p>
+        </p:txBody>
+      </p:sp>
+      <p:sp>
+        <p:nvSpPr>
+          <p:cNvPr id="7" name="슬라이드 번호 개체 틀 6"/>
+          <p:cNvSpPr>
+            <a:spLocks noGrp="1"/>
+          </p:cNvSpPr>
+          <p:nvPr>
+            <p:ph type="sldNum" sz="quarter" idx="5"/>
+          </p:nvPr>
+        </p:nvSpPr>
+        <p:spPr>
+          <a:xfrm>
+            <a:off x="3884613" y="8685213"/>
+            <a:ext cx="2971800" cy="458787"/>
+          </a:xfrm>
+          <a:prstGeom prst="rect">
+            <a:avLst/>
+          </a:prstGeom>
+        </p:spPr>
+        <p:txBody>
+          <a:bodyPr vert="horz" lIns="91440" tIns="45720" rIns="91440" bIns="45720" rtlCol="0" anchor="b"/>
+          <a:lstStyle>
+            <a:lvl1pPr algn="r">
+              <a:defRPr sz="1200"/>
+            </a:lvl1pPr>
+          </a:lstStyle>
+          <a:p>
+            <a:fld id="{7606B64E-8817-4A85-8147-4DE2E6A19AFC}" type="slidenum">
+              <a:rPr lang="ko-KR" altLang="en-US" smtClean="0"/>
+              <a:t>‹#›</a:t>
+            </a:fld>
+            <a:endParaRPr lang="ko-KR" altLang="en-US"/>
+          </a:p>
+        </p:txBody>
+      </p:sp>
+    </p:spTree>
+    <p:extLst>
+      <p:ext uri="{BB962C8B-B14F-4D97-AF65-F5344CB8AC3E}">
+        <p14:creationId xmlns:p14="http://schemas.microsoft.com/office/powerpoint/2010/main" val="1608121567"/>
+      </p:ext>
+    </p:extLst>
+  </p:cSld>
+  <p:clrMap bg1="lt1" tx1="dk1" bg2="lt2" tx2="dk2" accent1="accent1" accent2="accent2" accent3="accent3" accent4="accent4" accent5="accent5" accent6="accent6" hlink="hlink" folHlink="folHlink"/>
+  <p:notesStyle>
+    <a:lvl1pPr marL="0" algn="l" defTabSz="914400" rtl="0" eaLnBrk="1" latinLnBrk="1" hangingPunct="1">
+      <a:defRPr sz="1200" kern="1200">
+        <a:solidFill>
+          <a:schemeClr val="tx1"/>
+        </a:solidFill>
+        <a:latin typeface="+mn-lt"/>
+        <a:ea typeface="+mn-ea"/>
+        <a:cs typeface="+mn-cs"/>
+      </a:defRPr>
+    </a:lvl1pPr>
+    <a:lvl2pPr marL="457200" algn="l" defTabSz="914400" rtl="0" eaLnBrk="1" latinLnBrk="1" hangingPunct="1">
+      <a:defRPr sz="1200" kern="1200">
+        <a:solidFill>
+          <a:schemeClr val="tx1"/>
+        </a:solidFill>
+        <a:latin typeface="+mn-lt"/>
+        <a:ea typeface="+mn-ea"/>
+        <a:cs typeface="+mn-cs"/>
+      </a:defRPr>
+    </a:lvl2pPr>
+    <a:lvl3pPr marL="914400" algn="l" defTabSz="914400" rtl="0" eaLnBrk="1" latinLnBrk="1" hangingPunct="1">
+      <a:defRPr sz="1200" kern="1200">
+        <a:solidFill>
+          <a:schemeClr val="tx1"/>
+        </a:solidFill>
+        <a:latin typeface="+mn-lt"/>
+        <a:ea typeface="+mn-ea"/>
+        <a:cs typeface="+mn-cs"/>
+      </a:defRPr>
+    </a:lvl3pPr>
+    <a:lvl4pPr marL="1371600" algn="l" defTabSz="914400" rtl="0" eaLnBrk="1" latinLnBrk="1" hangingPunct="1">
+      <a:defRPr sz="1200" kern="1200">
+        <a:solidFill>
+          <a:schemeClr val="tx1"/>
+        </a:solidFill>
+        <a:latin typeface="+mn-lt"/>
+        <a:ea typeface="+mn-ea"/>
+        <a:cs typeface="+mn-cs"/>
+      </a:defRPr>
+    </a:lvl4pPr>
+    <a:lvl5pPr marL="1828800" algn="l" defTabSz="914400" rtl="0" eaLnBrk="1" latinLnBrk="1" hangingPunct="1">
+      <a:defRPr sz="1200" kern="1200">
+        <a:solidFill>
+          <a:schemeClr val="tx1"/>
+        </a:solidFill>
+        <a:latin typeface="+mn-lt"/>
+        <a:ea typeface="+mn-ea"/>
+        <a:cs typeface="+mn-cs"/>
+      </a:defRPr>
+    </a:lvl5pPr>
+    <a:lvl6pPr marL="2286000" algn="l" defTabSz="914400" rtl="0" eaLnBrk="1" latinLnBrk="1" hangingPunct="1">
+      <a:defRPr sz="1200" kern="1200">
+        <a:solidFill>
+          <a:schemeClr val="tx1"/>
+        </a:solidFill>
+        <a:latin typeface="+mn-lt"/>
+        <a:ea typeface="+mn-ea"/>
+        <a:cs typeface="+mn-cs"/>
+      </a:defRPr>
+    </a:lvl6pPr>
+    <a:lvl7pPr marL="2743200" algn="l" defTabSz="914400" rtl="0" eaLnBrk="1" latinLnBrk="1" hangingPunct="1">
+      <a:defRPr sz="1200" kern="1200">
+        <a:solidFill>
+          <a:schemeClr val="tx1"/>
+        </a:solidFill>
+        <a:latin typeface="+mn-lt"/>
+        <a:ea typeface="+mn-ea"/>
+        <a:cs typeface="+mn-cs"/>
+      </a:defRPr>
+    </a:lvl7pPr>
+    <a:lvl8pPr marL="3200400" algn="l" defTabSz="914400" rtl="0" eaLnBrk="1" latinLnBrk="1" hangingPunct="1">
+      <a:defRPr sz="1200" kern="1200">
+        <a:solidFill>
+          <a:schemeClr val="tx1"/>
+        </a:solidFill>
+        <a:latin typeface="+mn-lt"/>
+        <a:ea typeface="+mn-ea"/>
+        <a:cs typeface="+mn-cs"/>
+      </a:defRPr>
+    </a:lvl8pPr>
+    <a:lvl9pPr marL="3657600" algn="l" defTabSz="914400" rtl="0" eaLnBrk="1" latinLnBrk="1" hangingPunct="1">
+      <a:defRPr sz="1200" kern="1200">
+        <a:solidFill>
+          <a:schemeClr val="tx1"/>
+        </a:solidFill>
+        <a:latin typeface="+mn-lt"/>
+        <a:ea typeface="+mn-ea"/>
+        <a:cs typeface="+mn-cs"/>
+      </a:defRPr>
+    </a:lvl9pPr>
+  </p:notesStyle>
+</p:notesMaster>
+</file>
+
+<file path=ppt/notesSlides/notesSlide1.xml><?xml version="1.0" encoding="utf-8"?>
+<p:notes xmlns:a="http://schemas.openxmlformats.org/drawingml/2006/main" xmlns:r="http://schemas.openxmlformats.org/officeDocument/2006/relationships" xmlns:p="http://schemas.openxmlformats.org/presentationml/2006/main">
+  <p:cSld>
+    <p:spTree>
+      <p:nvGrpSpPr>
+        <p:cNvPr id="1" name=""/>
+        <p:cNvGrpSpPr/>
+        <p:nvPr/>
+      </p:nvGrpSpPr>
+      <p:grpSpPr>
+        <a:xfrm>
+          <a:off x="0" y="0"/>
+          <a:ext cx="0" cy="0"/>
+          <a:chOff x="0" y="0"/>
+          <a:chExt cx="0" cy="0"/>
+        </a:xfrm>
+      </p:grpSpPr>
+      <p:sp>
+        <p:nvSpPr>
+          <p:cNvPr id="2" name="슬라이드 이미지 개체 틀 1"/>
+          <p:cNvSpPr>
+            <a:spLocks noGrp="1" noRot="1" noChangeAspect="1"/>
+          </p:cNvSpPr>
+          <p:nvPr>
+            <p:ph type="sldImg"/>
+          </p:nvPr>
+        </p:nvSpPr>
+        <p:spPr/>
+      </p:sp>
+      <p:sp>
+        <p:nvSpPr>
+          <p:cNvPr id="3" name="슬라이드 노트 개체 틀 2"/>
+          <p:cNvSpPr>
+            <a:spLocks noGrp="1"/>
+          </p:cNvSpPr>
+          <p:nvPr>
+            <p:ph type="body" idx="1"/>
+          </p:nvPr>
+        </p:nvSpPr>
+        <p:spPr/>
+        <p:txBody>
+          <a:bodyPr/>
+          <a:lstStyle/>
+          <a:p>
+            <a:r>
+              <a:rPr lang="ko-KR" altLang="en-US" dirty="0"/>
+              <a:t>안녕하세요</a:t>
+            </a:r>
+            <a:endParaRPr lang="en-US" altLang="ko-KR" dirty="0"/>
+          </a:p>
+          <a:p>
+            <a:pPr marL="0" marR="0" lvl="0" indent="0" algn="l" defTabSz="914400" rtl="0" eaLnBrk="1" fontAlgn="auto" latinLnBrk="1" hangingPunct="1">
+              <a:lnSpc>
+                <a:spcPct val="100000"/>
+              </a:lnSpc>
+              <a:spcBef>
+                <a:spcPts val="0"/>
+              </a:spcBef>
+              <a:spcAft>
+                <a:spcPts val="0"/>
+              </a:spcAft>
+              <a:buClrTx/>
+              <a:buSzTx/>
+              <a:buFontTx/>
+              <a:buNone/>
+              <a:tabLst/>
+              <a:defRPr/>
+            </a:pPr>
+            <a:r>
+              <a:rPr lang="ko-KR" altLang="en-US" dirty="0"/>
+              <a:t>데이터분석과 </a:t>
+            </a:r>
+            <a:r>
+              <a:rPr lang="ko-KR" altLang="en-US" dirty="0" err="1"/>
+              <a:t>구본성입니다</a:t>
+            </a:r>
+            <a:r>
+              <a:rPr lang="en-US" altLang="ko-KR" dirty="0"/>
+              <a:t>.</a:t>
+            </a:r>
+            <a:endParaRPr lang="ko-KR" altLang="en-US" dirty="0"/>
+          </a:p>
+          <a:p>
+            <a:r>
+              <a:rPr lang="ko-KR" altLang="en-US" dirty="0"/>
+              <a:t>마지막 발표로 대시보드를 활용한 다이나믹 카드명세서라는 주제로 발표를 진행하겠습니다</a:t>
+            </a:r>
+            <a:r>
+              <a:rPr lang="en-US" altLang="ko-KR" dirty="0"/>
+              <a:t>. </a:t>
+            </a:r>
+            <a:endParaRPr lang="ko-KR" altLang="en-US" dirty="0"/>
+          </a:p>
+        </p:txBody>
+      </p:sp>
+      <p:sp>
+        <p:nvSpPr>
+          <p:cNvPr id="4" name="슬라이드 번호 개체 틀 3"/>
+          <p:cNvSpPr>
+            <a:spLocks noGrp="1"/>
+          </p:cNvSpPr>
+          <p:nvPr>
+            <p:ph type="sldNum" sz="quarter" idx="5"/>
+          </p:nvPr>
+        </p:nvSpPr>
+        <p:spPr/>
+        <p:txBody>
+          <a:bodyPr/>
+          <a:lstStyle/>
+          <a:p>
+            <a:fld id="{7606B64E-8817-4A85-8147-4DE2E6A19AFC}" type="slidenum">
+              <a:rPr lang="ko-KR" altLang="en-US" smtClean="0"/>
+              <a:t>1</a:t>
+            </a:fld>
+            <a:endParaRPr lang="ko-KR" altLang="en-US"/>
+          </a:p>
+        </p:txBody>
+      </p:sp>
+    </p:spTree>
+    <p:extLst>
+      <p:ext uri="{BB962C8B-B14F-4D97-AF65-F5344CB8AC3E}">
+        <p14:creationId xmlns:p14="http://schemas.microsoft.com/office/powerpoint/2010/main" val="2178089285"/>
+      </p:ext>
+    </p:extLst>
+  </p:cSld>
+  <p:clrMapOvr>
+    <a:masterClrMapping/>
+  </p:clrMapOvr>
+</p:notes>
+</file>
+
+<file path=ppt/notesSlides/notesSlide10.xml><?xml version="1.0" encoding="utf-8"?>
+<p:notes xmlns:a="http://schemas.openxmlformats.org/drawingml/2006/main" xmlns:r="http://schemas.openxmlformats.org/officeDocument/2006/relationships" xmlns:p="http://schemas.openxmlformats.org/presentationml/2006/main">
+  <p:cSld>
+    <p:spTree>
+      <p:nvGrpSpPr>
+        <p:cNvPr id="1" name=""/>
+        <p:cNvGrpSpPr/>
+        <p:nvPr/>
+      </p:nvGrpSpPr>
+      <p:grpSpPr>
+        <a:xfrm>
+          <a:off x="0" y="0"/>
+          <a:ext cx="0" cy="0"/>
+          <a:chOff x="0" y="0"/>
+          <a:chExt cx="0" cy="0"/>
+        </a:xfrm>
+      </p:grpSpPr>
+      <p:sp>
+        <p:nvSpPr>
+          <p:cNvPr id="2" name="슬라이드 이미지 개체 틀 1"/>
+          <p:cNvSpPr>
+            <a:spLocks noGrp="1" noRot="1" noChangeAspect="1"/>
+          </p:cNvSpPr>
+          <p:nvPr>
+            <p:ph type="sldImg"/>
+          </p:nvPr>
+        </p:nvSpPr>
+        <p:spPr/>
+      </p:sp>
+      <p:sp>
+        <p:nvSpPr>
+          <p:cNvPr id="3" name="슬라이드 노트 개체 틀 2"/>
+          <p:cNvSpPr>
+            <a:spLocks noGrp="1"/>
+          </p:cNvSpPr>
+          <p:nvPr>
+            <p:ph type="body" idx="1"/>
+          </p:nvPr>
+        </p:nvSpPr>
+        <p:spPr/>
+        <p:txBody>
+          <a:bodyPr/>
+          <a:lstStyle/>
+          <a:p>
+            <a:r>
+              <a:rPr lang="ko-KR" altLang="en-US" dirty="0" err="1"/>
+              <a:t>두번쨰는</a:t>
+            </a:r>
+            <a:r>
+              <a:rPr lang="ko-KR" altLang="en-US" dirty="0"/>
+              <a:t> 실시간 내역서입니다</a:t>
+            </a:r>
+            <a:r>
+              <a:rPr lang="en-US" altLang="ko-KR" dirty="0"/>
+              <a:t>.</a:t>
+            </a:r>
+          </a:p>
+          <a:p>
+            <a:endParaRPr lang="en-US" altLang="ko-KR" dirty="0"/>
+          </a:p>
+          <a:p>
+            <a:r>
+              <a:rPr lang="ko-KR" altLang="en-US" dirty="0"/>
+              <a:t>최근 한달에서 </a:t>
+            </a:r>
+            <a:r>
+              <a:rPr lang="en-US" altLang="ko-KR" dirty="0"/>
+              <a:t>3</a:t>
+            </a:r>
+            <a:r>
+              <a:rPr lang="ko-KR" altLang="en-US" dirty="0"/>
+              <a:t>달까지의 카드 내역서를 보여주는 기능입니다</a:t>
+            </a:r>
+            <a:r>
+              <a:rPr lang="en-US" altLang="ko-KR" dirty="0"/>
+              <a:t>.</a:t>
+            </a:r>
+          </a:p>
+          <a:p>
+            <a:r>
+              <a:rPr lang="ko-KR" altLang="en-US" dirty="0"/>
+              <a:t>거래 내역이나 할부목록의 기본 기능 뿐만 아니라</a:t>
+            </a:r>
+            <a:r>
+              <a:rPr lang="en-US" altLang="ko-KR" dirty="0"/>
+              <a:t>,</a:t>
+            </a:r>
+          </a:p>
+          <a:p>
+            <a:endParaRPr lang="en-US" altLang="ko-KR" dirty="0"/>
+          </a:p>
+          <a:p>
+            <a:r>
+              <a:rPr lang="ko-KR" altLang="en-US" dirty="0"/>
+              <a:t>한주간 거래에 대해 이번주는 식비 지출이 </a:t>
+            </a:r>
+            <a:r>
+              <a:rPr lang="ko-KR" altLang="en-US" dirty="0" err="1"/>
+              <a:t>많다거나</a:t>
+            </a:r>
+            <a:r>
+              <a:rPr lang="en-US" altLang="ko-KR" dirty="0"/>
+              <a:t>, </a:t>
+            </a:r>
+            <a:r>
+              <a:rPr lang="ko-KR" altLang="en-US" dirty="0"/>
+              <a:t>돈을 적게 사용했다 등의 </a:t>
+            </a:r>
+            <a:r>
+              <a:rPr lang="ko-KR" altLang="en-US" dirty="0" err="1"/>
+              <a:t>집중해봐야할</a:t>
+            </a:r>
+            <a:r>
+              <a:rPr lang="ko-KR" altLang="en-US" dirty="0"/>
+              <a:t> 인사이트를 제공할 예정입니다</a:t>
+            </a:r>
+            <a:r>
+              <a:rPr lang="en-US" altLang="ko-KR" dirty="0"/>
+              <a:t>.</a:t>
+            </a:r>
+            <a:endParaRPr lang="ko-KR" altLang="en-US" dirty="0"/>
+          </a:p>
+        </p:txBody>
+      </p:sp>
+      <p:sp>
+        <p:nvSpPr>
+          <p:cNvPr id="4" name="슬라이드 번호 개체 틀 3"/>
+          <p:cNvSpPr>
+            <a:spLocks noGrp="1"/>
+          </p:cNvSpPr>
+          <p:nvPr>
+            <p:ph type="sldNum" sz="quarter" idx="5"/>
+          </p:nvPr>
+        </p:nvSpPr>
+        <p:spPr/>
+        <p:txBody>
+          <a:bodyPr/>
+          <a:lstStyle/>
+          <a:p>
+            <a:fld id="{7606B64E-8817-4A85-8147-4DE2E6A19AFC}" type="slidenum">
+              <a:rPr lang="ko-KR" altLang="en-US" smtClean="0"/>
+              <a:t>10</a:t>
+            </a:fld>
+            <a:endParaRPr lang="ko-KR" altLang="en-US"/>
+          </a:p>
+        </p:txBody>
+      </p:sp>
+    </p:spTree>
+    <p:extLst>
+      <p:ext uri="{BB962C8B-B14F-4D97-AF65-F5344CB8AC3E}">
+        <p14:creationId xmlns:p14="http://schemas.microsoft.com/office/powerpoint/2010/main" val="2938427993"/>
+      </p:ext>
+    </p:extLst>
+  </p:cSld>
+  <p:clrMapOvr>
+    <a:masterClrMapping/>
+  </p:clrMapOvr>
+</p:notes>
+</file>
+
+<file path=ppt/notesSlides/notesSlide11.xml><?xml version="1.0" encoding="utf-8"?>
+<p:notes xmlns:a="http://schemas.openxmlformats.org/drawingml/2006/main" xmlns:r="http://schemas.openxmlformats.org/officeDocument/2006/relationships" xmlns:p="http://schemas.openxmlformats.org/presentationml/2006/main">
+  <p:cSld>
+    <p:spTree>
+      <p:nvGrpSpPr>
+        <p:cNvPr id="1" name=""/>
+        <p:cNvGrpSpPr/>
+        <p:nvPr/>
+      </p:nvGrpSpPr>
+      <p:grpSpPr>
+        <a:xfrm>
+          <a:off x="0" y="0"/>
+          <a:ext cx="0" cy="0"/>
+          <a:chOff x="0" y="0"/>
+          <a:chExt cx="0" cy="0"/>
+        </a:xfrm>
+      </p:grpSpPr>
+      <p:sp>
+        <p:nvSpPr>
+          <p:cNvPr id="2" name="슬라이드 이미지 개체 틀 1"/>
+          <p:cNvSpPr>
+            <a:spLocks noGrp="1" noRot="1" noChangeAspect="1"/>
+          </p:cNvSpPr>
+          <p:nvPr>
+            <p:ph type="sldImg"/>
+          </p:nvPr>
+        </p:nvSpPr>
+        <p:spPr/>
+      </p:sp>
+      <p:sp>
+        <p:nvSpPr>
+          <p:cNvPr id="3" name="슬라이드 노트 개체 틀 2"/>
+          <p:cNvSpPr>
+            <a:spLocks noGrp="1"/>
+          </p:cNvSpPr>
+          <p:nvPr>
+            <p:ph type="body" idx="1"/>
+          </p:nvPr>
+        </p:nvSpPr>
+        <p:spPr/>
+        <p:txBody>
+          <a:bodyPr/>
+          <a:lstStyle/>
+          <a:p>
+            <a:r>
+              <a:rPr lang="ko-KR" altLang="en-US" dirty="0"/>
+              <a:t>세번째는 </a:t>
+            </a:r>
+            <a:r>
+              <a:rPr lang="ko-KR" altLang="en-US" dirty="0" err="1"/>
+              <a:t>월간거래리포트입니다</a:t>
+            </a:r>
+            <a:r>
+              <a:rPr lang="en-US" altLang="ko-KR" dirty="0"/>
+              <a:t>.</a:t>
+            </a:r>
+          </a:p>
+          <a:p>
+            <a:endParaRPr lang="en-US" altLang="ko-KR" dirty="0"/>
+          </a:p>
+          <a:p>
+            <a:r>
+              <a:rPr lang="ko-KR" altLang="en-US" dirty="0"/>
+              <a:t>주간 거래와 </a:t>
+            </a:r>
+            <a:r>
+              <a:rPr lang="ko-KR" altLang="en-US" dirty="0" err="1"/>
+              <a:t>요일별</a:t>
+            </a:r>
+            <a:r>
+              <a:rPr lang="ko-KR" altLang="en-US" dirty="0"/>
+              <a:t> 거래 분석을 통해 이번달의 거래를 되짚어 볼 수 있으며</a:t>
+            </a:r>
+            <a:r>
+              <a:rPr lang="en-US" altLang="ko-KR" dirty="0"/>
+              <a:t>,</a:t>
+            </a:r>
+          </a:p>
+          <a:p>
+            <a:pPr marL="0" marR="0" lvl="0" indent="0" algn="l" defTabSz="914400" rtl="0" eaLnBrk="1" fontAlgn="auto" latinLnBrk="1" hangingPunct="1">
+              <a:lnSpc>
+                <a:spcPct val="100000"/>
+              </a:lnSpc>
+              <a:spcBef>
+                <a:spcPts val="0"/>
+              </a:spcBef>
+              <a:spcAft>
+                <a:spcPts val="0"/>
+              </a:spcAft>
+              <a:buClrTx/>
+              <a:buSzTx/>
+              <a:buFontTx/>
+              <a:buNone/>
+              <a:tabLst/>
+              <a:defRPr/>
+            </a:pPr>
+            <a:r>
+              <a:rPr lang="ko-KR" altLang="en-US" dirty="0"/>
+              <a:t>거래 금액을 기준으로 내가 주로 어느 부분에 소비했는지</a:t>
+            </a:r>
+            <a:r>
+              <a:rPr lang="en-US" altLang="ko-KR" dirty="0"/>
+              <a:t>,</a:t>
+            </a:r>
+          </a:p>
+          <a:p>
+            <a:pPr marL="0" marR="0" lvl="0" indent="0" algn="l" defTabSz="914400" rtl="0" eaLnBrk="1" fontAlgn="auto" latinLnBrk="1" hangingPunct="1">
+              <a:lnSpc>
+                <a:spcPct val="100000"/>
+              </a:lnSpc>
+              <a:spcBef>
+                <a:spcPts val="0"/>
+              </a:spcBef>
+              <a:spcAft>
+                <a:spcPts val="0"/>
+              </a:spcAft>
+              <a:buClrTx/>
+              <a:buSzTx/>
+              <a:buFontTx/>
+              <a:buNone/>
+              <a:tabLst/>
+              <a:defRPr/>
+            </a:pPr>
+            <a:r>
+              <a:rPr lang="ko-KR" altLang="en-US" dirty="0"/>
+              <a:t>또한 주로 거래한 카테고리에 대해 구체적인 소비 항목은 무엇인지 </a:t>
+            </a:r>
+            <a:r>
+              <a:rPr lang="ko-KR" altLang="en-US" dirty="0" err="1"/>
+              <a:t>알아볼수</a:t>
+            </a:r>
+            <a:r>
+              <a:rPr lang="ko-KR" altLang="en-US" dirty="0"/>
+              <a:t> 있습니다</a:t>
+            </a:r>
+            <a:r>
+              <a:rPr lang="en-US" altLang="ko-KR" dirty="0"/>
+              <a:t>.</a:t>
+            </a:r>
+          </a:p>
+          <a:p>
+            <a:endParaRPr lang="en-US" altLang="ko-KR" dirty="0"/>
+          </a:p>
+        </p:txBody>
+      </p:sp>
+      <p:sp>
+        <p:nvSpPr>
+          <p:cNvPr id="4" name="슬라이드 번호 개체 틀 3"/>
+          <p:cNvSpPr>
+            <a:spLocks noGrp="1"/>
+          </p:cNvSpPr>
+          <p:nvPr>
+            <p:ph type="sldNum" sz="quarter" idx="5"/>
+          </p:nvPr>
+        </p:nvSpPr>
+        <p:spPr/>
+        <p:txBody>
+          <a:bodyPr/>
+          <a:lstStyle/>
+          <a:p>
+            <a:fld id="{7606B64E-8817-4A85-8147-4DE2E6A19AFC}" type="slidenum">
+              <a:rPr lang="ko-KR" altLang="en-US" smtClean="0"/>
+              <a:t>11</a:t>
+            </a:fld>
+            <a:endParaRPr lang="ko-KR" altLang="en-US"/>
+          </a:p>
+        </p:txBody>
+      </p:sp>
+    </p:spTree>
+    <p:extLst>
+      <p:ext uri="{BB962C8B-B14F-4D97-AF65-F5344CB8AC3E}">
+        <p14:creationId xmlns:p14="http://schemas.microsoft.com/office/powerpoint/2010/main" val="2423781653"/>
+      </p:ext>
+    </p:extLst>
+  </p:cSld>
+  <p:clrMapOvr>
+    <a:masterClrMapping/>
+  </p:clrMapOvr>
+</p:notes>
+</file>
+
+<file path=ppt/notesSlides/notesSlide12.xml><?xml version="1.0" encoding="utf-8"?>
+<p:notes xmlns:a="http://schemas.openxmlformats.org/drawingml/2006/main" xmlns:r="http://schemas.openxmlformats.org/officeDocument/2006/relationships" xmlns:p="http://schemas.openxmlformats.org/presentationml/2006/main">
+  <p:cSld>
+    <p:spTree>
+      <p:nvGrpSpPr>
+        <p:cNvPr id="1" name=""/>
+        <p:cNvGrpSpPr/>
+        <p:nvPr/>
+      </p:nvGrpSpPr>
+      <p:grpSpPr>
+        <a:xfrm>
+          <a:off x="0" y="0"/>
+          <a:ext cx="0" cy="0"/>
+          <a:chOff x="0" y="0"/>
+          <a:chExt cx="0" cy="0"/>
+        </a:xfrm>
+      </p:grpSpPr>
+      <p:sp>
+        <p:nvSpPr>
+          <p:cNvPr id="2" name="슬라이드 이미지 개체 틀 1"/>
+          <p:cNvSpPr>
+            <a:spLocks noGrp="1" noRot="1" noChangeAspect="1"/>
+          </p:cNvSpPr>
+          <p:nvPr>
+            <p:ph type="sldImg"/>
+          </p:nvPr>
+        </p:nvSpPr>
+        <p:spPr/>
+      </p:sp>
+      <p:sp>
+        <p:nvSpPr>
+          <p:cNvPr id="3" name="슬라이드 노트 개체 틀 2"/>
+          <p:cNvSpPr>
+            <a:spLocks noGrp="1"/>
+          </p:cNvSpPr>
+          <p:nvPr>
+            <p:ph type="body" idx="1"/>
+          </p:nvPr>
+        </p:nvSpPr>
+        <p:spPr/>
+        <p:txBody>
+          <a:bodyPr/>
+          <a:lstStyle/>
+          <a:p>
+            <a:r>
+              <a:rPr lang="ko-KR" altLang="en-US" dirty="0"/>
+              <a:t>마지막으로 총 거래 분석입니다</a:t>
+            </a:r>
+            <a:r>
+              <a:rPr lang="en-US" altLang="ko-KR" dirty="0"/>
+              <a:t>.</a:t>
+            </a:r>
+          </a:p>
+          <a:p>
+            <a:endParaRPr lang="en-US" altLang="ko-KR" dirty="0"/>
+          </a:p>
+          <a:p>
+            <a:r>
+              <a:rPr lang="ko-KR" altLang="en-US" dirty="0"/>
+              <a:t>기본적으로 총 거래기간</a:t>
+            </a:r>
+            <a:r>
+              <a:rPr lang="en-US" altLang="ko-KR" dirty="0"/>
+              <a:t>, </a:t>
+            </a:r>
+            <a:r>
+              <a:rPr lang="ko-KR" altLang="en-US" dirty="0"/>
+              <a:t>총 거래건수</a:t>
+            </a:r>
+            <a:r>
+              <a:rPr lang="en-US" altLang="ko-KR" dirty="0"/>
+              <a:t>, </a:t>
+            </a:r>
+            <a:r>
+              <a:rPr lang="ko-KR" altLang="en-US" dirty="0"/>
+              <a:t>총 거래금액이나 회원등급 등을 조회할 수 있으며</a:t>
+            </a:r>
+            <a:r>
+              <a:rPr lang="en-US" altLang="ko-KR" dirty="0"/>
+              <a:t>,</a:t>
+            </a:r>
+          </a:p>
+          <a:p>
+            <a:r>
+              <a:rPr lang="ko-KR" altLang="en-US" dirty="0"/>
+              <a:t>월별 거래 분석을 통해 평균적으로 자신의 지출이 어느 월에 가장 </a:t>
+            </a:r>
+            <a:r>
+              <a:rPr lang="ko-KR" altLang="en-US" dirty="0" err="1"/>
+              <a:t>많은지</a:t>
+            </a:r>
+            <a:r>
+              <a:rPr lang="ko-KR" altLang="en-US" dirty="0"/>
+              <a:t> 알 </a:t>
+            </a:r>
+            <a:r>
+              <a:rPr lang="ko-KR" altLang="en-US" dirty="0" err="1"/>
+              <a:t>수있습니다</a:t>
+            </a:r>
+            <a:r>
+              <a:rPr lang="en-US" altLang="ko-KR" dirty="0"/>
+              <a:t>.</a:t>
+            </a:r>
+          </a:p>
+          <a:p>
+            <a:r>
+              <a:rPr lang="ko-KR" altLang="en-US" dirty="0"/>
+              <a:t>또한</a:t>
+            </a:r>
+            <a:r>
+              <a:rPr lang="en-US" altLang="ko-KR" dirty="0"/>
+              <a:t>, </a:t>
+            </a:r>
+            <a:r>
+              <a:rPr lang="ko-KR" altLang="en-US" dirty="0"/>
+              <a:t>계절성을 담은 시계열 모형을 </a:t>
+            </a:r>
+            <a:r>
+              <a:rPr lang="ko-KR" altLang="en-US" dirty="0" err="1"/>
+              <a:t>바탕으로한</a:t>
+            </a:r>
+            <a:r>
+              <a:rPr lang="ko-KR" altLang="en-US" dirty="0"/>
+              <a:t> 역대 거래추세를 통해 이 </a:t>
+            </a:r>
+            <a:r>
+              <a:rPr lang="ko-KR" altLang="en-US" dirty="0" err="1"/>
+              <a:t>다음년의</a:t>
+            </a:r>
+            <a:r>
+              <a:rPr lang="ko-KR" altLang="en-US" dirty="0"/>
+              <a:t> 지출에 대해 예측해 볼 수 있습니다</a:t>
+            </a:r>
+            <a:r>
+              <a:rPr lang="en-US" altLang="ko-KR" dirty="0"/>
+              <a:t>.</a:t>
+            </a:r>
+            <a:endParaRPr lang="ko-KR" altLang="en-US" dirty="0"/>
+          </a:p>
+        </p:txBody>
+      </p:sp>
+      <p:sp>
+        <p:nvSpPr>
+          <p:cNvPr id="4" name="슬라이드 번호 개체 틀 3"/>
+          <p:cNvSpPr>
+            <a:spLocks noGrp="1"/>
+          </p:cNvSpPr>
+          <p:nvPr>
+            <p:ph type="sldNum" sz="quarter" idx="5"/>
+          </p:nvPr>
+        </p:nvSpPr>
+        <p:spPr/>
+        <p:txBody>
+          <a:bodyPr/>
+          <a:lstStyle/>
+          <a:p>
+            <a:fld id="{7606B64E-8817-4A85-8147-4DE2E6A19AFC}" type="slidenum">
+              <a:rPr lang="ko-KR" altLang="en-US" smtClean="0"/>
+              <a:t>12</a:t>
+            </a:fld>
+            <a:endParaRPr lang="ko-KR" altLang="en-US"/>
+          </a:p>
+        </p:txBody>
+      </p:sp>
+    </p:spTree>
+    <p:extLst>
+      <p:ext uri="{BB962C8B-B14F-4D97-AF65-F5344CB8AC3E}">
+        <p14:creationId xmlns:p14="http://schemas.microsoft.com/office/powerpoint/2010/main" val="3867094258"/>
+      </p:ext>
+    </p:extLst>
+  </p:cSld>
+  <p:clrMapOvr>
+    <a:masterClrMapping/>
+  </p:clrMapOvr>
+</p:notes>
+</file>
+
+<file path=ppt/notesSlides/notesSlide13.xml><?xml version="1.0" encoding="utf-8"?>
+<p:notes xmlns:a="http://schemas.openxmlformats.org/drawingml/2006/main" xmlns:r="http://schemas.openxmlformats.org/officeDocument/2006/relationships" xmlns:p="http://schemas.openxmlformats.org/presentationml/2006/main">
+  <p:cSld>
+    <p:spTree>
+      <p:nvGrpSpPr>
+        <p:cNvPr id="1" name=""/>
+        <p:cNvGrpSpPr/>
+        <p:nvPr/>
+      </p:nvGrpSpPr>
+      <p:grpSpPr>
+        <a:xfrm>
+          <a:off x="0" y="0"/>
+          <a:ext cx="0" cy="0"/>
+          <a:chOff x="0" y="0"/>
+          <a:chExt cx="0" cy="0"/>
+        </a:xfrm>
+      </p:grpSpPr>
+      <p:sp>
+        <p:nvSpPr>
+          <p:cNvPr id="2" name="슬라이드 이미지 개체 틀 1"/>
+          <p:cNvSpPr>
+            <a:spLocks noGrp="1" noRot="1" noChangeAspect="1"/>
+          </p:cNvSpPr>
+          <p:nvPr>
+            <p:ph type="sldImg"/>
+          </p:nvPr>
+        </p:nvSpPr>
+        <p:spPr/>
+      </p:sp>
+      <p:sp>
+        <p:nvSpPr>
+          <p:cNvPr id="3" name="슬라이드 노트 개체 틀 2"/>
+          <p:cNvSpPr>
+            <a:spLocks noGrp="1"/>
+          </p:cNvSpPr>
+          <p:nvPr>
+            <p:ph type="body" idx="1"/>
+          </p:nvPr>
+        </p:nvSpPr>
+        <p:spPr/>
+        <p:txBody>
+          <a:bodyPr/>
+          <a:lstStyle/>
+          <a:p>
+            <a:pPr algn="just" latinLnBrk="1"/>
+            <a:r>
+              <a:rPr lang="ko-KR" altLang="en-US" sz="1800" kern="100" dirty="0">
+                <a:effectLst/>
+                <a:latin typeface="맑은 고딕" panose="020B0503020000020004" pitchFamily="50" charset="-127"/>
+                <a:ea typeface="맑은 고딕" panose="020B0503020000020004" pitchFamily="50" charset="-127"/>
+                <a:cs typeface="Times New Roman" panose="02020603050405020304" pitchFamily="18" charset="0"/>
+              </a:rPr>
+              <a:t>이상으로 발표 마치도록 하겠습니다</a:t>
+            </a:r>
+            <a:r>
+              <a:rPr lang="en-US" altLang="ko-KR" sz="1800" kern="100" dirty="0">
+                <a:effectLst/>
+                <a:latin typeface="맑은 고딕" panose="020B0503020000020004" pitchFamily="50" charset="-127"/>
+                <a:ea typeface="맑은 고딕" panose="020B0503020000020004" pitchFamily="50" charset="-127"/>
+                <a:cs typeface="Times New Roman" panose="02020603050405020304" pitchFamily="18" charset="0"/>
+              </a:rPr>
+              <a:t>.</a:t>
+            </a:r>
+          </a:p>
+          <a:p>
+            <a:pPr algn="just" latinLnBrk="1"/>
+            <a:r>
+              <a:rPr lang="ko-KR" altLang="en-US"/>
+              <a:t>감사합니다</a:t>
+            </a:r>
+            <a:r>
+              <a:rPr lang="en-US" altLang="ko-KR" dirty="0"/>
+              <a:t>.</a:t>
+            </a:r>
+            <a:endParaRPr lang="ko-KR" altLang="en-US" dirty="0"/>
+          </a:p>
+        </p:txBody>
+      </p:sp>
+      <p:sp>
+        <p:nvSpPr>
+          <p:cNvPr id="4" name="슬라이드 번호 개체 틀 3"/>
+          <p:cNvSpPr>
+            <a:spLocks noGrp="1"/>
+          </p:cNvSpPr>
+          <p:nvPr>
+            <p:ph type="sldNum" sz="quarter" idx="5"/>
+          </p:nvPr>
+        </p:nvSpPr>
+        <p:spPr/>
+        <p:txBody>
+          <a:bodyPr/>
+          <a:lstStyle/>
+          <a:p>
+            <a:fld id="{0355DB73-170E-404A-A494-1D58197C85DC}" type="slidenum">
+              <a:rPr lang="ko-KR" altLang="en-US" smtClean="0"/>
+              <a:t>13</a:t>
+            </a:fld>
+            <a:endParaRPr lang="ko-KR" altLang="en-US"/>
+          </a:p>
+        </p:txBody>
+      </p:sp>
+    </p:spTree>
+    <p:extLst>
+      <p:ext uri="{BB962C8B-B14F-4D97-AF65-F5344CB8AC3E}">
+        <p14:creationId xmlns:p14="http://schemas.microsoft.com/office/powerpoint/2010/main" val="1554239503"/>
+      </p:ext>
+    </p:extLst>
+  </p:cSld>
+  <p:clrMapOvr>
+    <a:masterClrMapping/>
+  </p:clrMapOvr>
+</p:notes>
+</file>
+
+<file path=ppt/notesSlides/notesSlide2.xml><?xml version="1.0" encoding="utf-8"?>
+<p:notes xmlns:a="http://schemas.openxmlformats.org/drawingml/2006/main" xmlns:r="http://schemas.openxmlformats.org/officeDocument/2006/relationships" xmlns:p="http://schemas.openxmlformats.org/presentationml/2006/main">
+  <p:cSld>
+    <p:spTree>
+      <p:nvGrpSpPr>
+        <p:cNvPr id="1" name=""/>
+        <p:cNvGrpSpPr/>
+        <p:nvPr/>
+      </p:nvGrpSpPr>
+      <p:grpSpPr>
+        <a:xfrm>
+          <a:off x="0" y="0"/>
+          <a:ext cx="0" cy="0"/>
+          <a:chOff x="0" y="0"/>
+          <a:chExt cx="0" cy="0"/>
+        </a:xfrm>
+      </p:grpSpPr>
+      <p:sp>
+        <p:nvSpPr>
+          <p:cNvPr id="2" name="슬라이드 이미지 개체 틀 1"/>
+          <p:cNvSpPr>
+            <a:spLocks noGrp="1" noRot="1" noChangeAspect="1"/>
+          </p:cNvSpPr>
+          <p:nvPr>
+            <p:ph type="sldImg"/>
+          </p:nvPr>
+        </p:nvSpPr>
+        <p:spPr/>
+      </p:sp>
+      <p:sp>
+        <p:nvSpPr>
+          <p:cNvPr id="3" name="슬라이드 노트 개체 틀 2"/>
+          <p:cNvSpPr>
+            <a:spLocks noGrp="1"/>
+          </p:cNvSpPr>
+          <p:nvPr>
+            <p:ph type="body" idx="1"/>
+          </p:nvPr>
+        </p:nvSpPr>
+        <p:spPr/>
+        <p:txBody>
+          <a:bodyPr/>
+          <a:lstStyle/>
+          <a:p>
+            <a:r>
+              <a:rPr lang="ko-KR" altLang="en-US" dirty="0"/>
+              <a:t>발표 순서는 배경 및 동기</a:t>
+            </a:r>
+            <a:r>
+              <a:rPr lang="en-US" altLang="ko-KR" dirty="0"/>
+              <a:t>, </a:t>
+            </a:r>
+            <a:r>
+              <a:rPr lang="ko-KR" altLang="en-US" dirty="0"/>
+              <a:t>개요</a:t>
+            </a:r>
+            <a:r>
+              <a:rPr lang="en-US" altLang="ko-KR" dirty="0"/>
+              <a:t>, </a:t>
+            </a:r>
+            <a:r>
+              <a:rPr lang="ko-KR" altLang="en-US" dirty="0"/>
+              <a:t>기능소개</a:t>
+            </a:r>
+            <a:r>
+              <a:rPr lang="en-US" altLang="ko-KR" dirty="0"/>
+              <a:t>, </a:t>
+            </a:r>
+            <a:r>
+              <a:rPr lang="ko-KR" altLang="en-US" dirty="0"/>
+              <a:t>기대효과 순서로 진행하겠습니다</a:t>
+            </a:r>
+            <a:r>
+              <a:rPr lang="en-US" altLang="ko-KR" dirty="0"/>
+              <a:t>.</a:t>
+            </a:r>
+            <a:endParaRPr lang="ko-KR" altLang="en-US" dirty="0"/>
+          </a:p>
+        </p:txBody>
+      </p:sp>
+      <p:sp>
+        <p:nvSpPr>
+          <p:cNvPr id="4" name="슬라이드 번호 개체 틀 3"/>
+          <p:cNvSpPr>
+            <a:spLocks noGrp="1"/>
+          </p:cNvSpPr>
+          <p:nvPr>
+            <p:ph type="sldNum" sz="quarter" idx="5"/>
+          </p:nvPr>
+        </p:nvSpPr>
+        <p:spPr/>
+        <p:txBody>
+          <a:bodyPr/>
+          <a:lstStyle/>
+          <a:p>
+            <a:fld id="{7606B64E-8817-4A85-8147-4DE2E6A19AFC}" type="slidenum">
+              <a:rPr lang="ko-KR" altLang="en-US" smtClean="0"/>
+              <a:t>2</a:t>
+            </a:fld>
+            <a:endParaRPr lang="ko-KR" altLang="en-US"/>
+          </a:p>
+        </p:txBody>
+      </p:sp>
+    </p:spTree>
+    <p:extLst>
+      <p:ext uri="{BB962C8B-B14F-4D97-AF65-F5344CB8AC3E}">
+        <p14:creationId xmlns:p14="http://schemas.microsoft.com/office/powerpoint/2010/main" val="4219861601"/>
+      </p:ext>
+    </p:extLst>
+  </p:cSld>
+  <p:clrMapOvr>
+    <a:masterClrMapping/>
+  </p:clrMapOvr>
+</p:notes>
+</file>
+
+<file path=ppt/notesSlides/notesSlide3.xml><?xml version="1.0" encoding="utf-8"?>
+<p:notes xmlns:a="http://schemas.openxmlformats.org/drawingml/2006/main" xmlns:r="http://schemas.openxmlformats.org/officeDocument/2006/relationships" xmlns:p="http://schemas.openxmlformats.org/presentationml/2006/main">
+  <p:cSld>
+    <p:spTree>
+      <p:nvGrpSpPr>
+        <p:cNvPr id="1" name=""/>
+        <p:cNvGrpSpPr/>
+        <p:nvPr/>
+      </p:nvGrpSpPr>
+      <p:grpSpPr>
+        <a:xfrm>
+          <a:off x="0" y="0"/>
+          <a:ext cx="0" cy="0"/>
+          <a:chOff x="0" y="0"/>
+          <a:chExt cx="0" cy="0"/>
+        </a:xfrm>
+      </p:grpSpPr>
+      <p:sp>
+        <p:nvSpPr>
+          <p:cNvPr id="2" name="슬라이드 이미지 개체 틀 1"/>
+          <p:cNvSpPr>
+            <a:spLocks noGrp="1" noRot="1" noChangeAspect="1"/>
+          </p:cNvSpPr>
+          <p:nvPr>
+            <p:ph type="sldImg"/>
+          </p:nvPr>
+        </p:nvSpPr>
+        <p:spPr/>
+      </p:sp>
+      <p:sp>
+        <p:nvSpPr>
+          <p:cNvPr id="3" name="슬라이드 노트 개체 틀 2"/>
+          <p:cNvSpPr>
+            <a:spLocks noGrp="1"/>
+          </p:cNvSpPr>
+          <p:nvPr>
+            <p:ph type="body" idx="1"/>
+          </p:nvPr>
+        </p:nvSpPr>
+        <p:spPr/>
+        <p:txBody>
+          <a:bodyPr/>
+          <a:lstStyle/>
+          <a:p>
+            <a:r>
+              <a:rPr lang="ko-KR" altLang="en-US" dirty="0"/>
+              <a:t>먼저 이 프로젝트를 진행하게 된 배경에 대해 말씀드리겠습니다</a:t>
+            </a:r>
+            <a:r>
+              <a:rPr lang="en-US" altLang="ko-KR" dirty="0"/>
+              <a:t>.</a:t>
+            </a:r>
+          </a:p>
+          <a:p>
+            <a:r>
+              <a:rPr lang="ko-KR" altLang="en-US" dirty="0"/>
+              <a:t>저는 평소 하나카드를 비상금카드로 주로 사용하는 편인데요</a:t>
+            </a:r>
+            <a:r>
+              <a:rPr lang="en-US" altLang="ko-KR" dirty="0"/>
+              <a:t>. </a:t>
+            </a:r>
+            <a:r>
+              <a:rPr lang="ko-KR" altLang="en-US" dirty="0"/>
+              <a:t>주로 식음료를 구매하는데 사용하거나 교통부문에 사용합니다</a:t>
+            </a:r>
+            <a:r>
+              <a:rPr lang="en-US" altLang="ko-KR" dirty="0"/>
+              <a:t>.</a:t>
+            </a:r>
+          </a:p>
+          <a:p>
+            <a:endParaRPr lang="en-US" altLang="ko-KR" dirty="0"/>
+          </a:p>
+          <a:p>
+            <a:r>
+              <a:rPr lang="ko-KR" altLang="en-US" dirty="0" err="1"/>
+              <a:t>어느날</a:t>
+            </a:r>
+            <a:r>
+              <a:rPr lang="ko-KR" altLang="en-US" dirty="0"/>
+              <a:t> 제가 하나카드에서 제가 어떤 부문에 주로 소비가 이루어지는지 알고자 했지만</a:t>
+            </a:r>
+            <a:r>
+              <a:rPr lang="en-US" altLang="ko-KR" dirty="0"/>
+              <a:t>, </a:t>
+            </a:r>
+            <a:r>
+              <a:rPr lang="ko-KR" altLang="en-US" dirty="0"/>
+              <a:t>하나카드 카드이용내역은 상호명과 금액만 제공하고 있었습니다</a:t>
+            </a:r>
+            <a:r>
+              <a:rPr lang="en-US" altLang="ko-KR" dirty="0"/>
+              <a:t>.</a:t>
+            </a:r>
+            <a:endParaRPr lang="ko-KR" altLang="en-US" dirty="0"/>
+          </a:p>
+        </p:txBody>
+      </p:sp>
+      <p:sp>
+        <p:nvSpPr>
+          <p:cNvPr id="4" name="슬라이드 번호 개체 틀 3"/>
+          <p:cNvSpPr>
+            <a:spLocks noGrp="1"/>
+          </p:cNvSpPr>
+          <p:nvPr>
+            <p:ph type="sldNum" sz="quarter" idx="5"/>
+          </p:nvPr>
+        </p:nvSpPr>
+        <p:spPr/>
+        <p:txBody>
+          <a:bodyPr/>
+          <a:lstStyle/>
+          <a:p>
+            <a:fld id="{7606B64E-8817-4A85-8147-4DE2E6A19AFC}" type="slidenum">
+              <a:rPr lang="ko-KR" altLang="en-US" smtClean="0"/>
+              <a:t>3</a:t>
+            </a:fld>
+            <a:endParaRPr lang="ko-KR" altLang="en-US"/>
+          </a:p>
+        </p:txBody>
+      </p:sp>
+    </p:spTree>
+    <p:extLst>
+      <p:ext uri="{BB962C8B-B14F-4D97-AF65-F5344CB8AC3E}">
+        <p14:creationId xmlns:p14="http://schemas.microsoft.com/office/powerpoint/2010/main" val="1437825221"/>
+      </p:ext>
+    </p:extLst>
+  </p:cSld>
+  <p:clrMapOvr>
+    <a:masterClrMapping/>
+  </p:clrMapOvr>
+</p:notes>
+</file>
+
+<file path=ppt/notesSlides/notesSlide4.xml><?xml version="1.0" encoding="utf-8"?>
+<p:notes xmlns:a="http://schemas.openxmlformats.org/drawingml/2006/main" xmlns:r="http://schemas.openxmlformats.org/officeDocument/2006/relationships" xmlns:p="http://schemas.openxmlformats.org/presentationml/2006/main">
+  <p:cSld>
+    <p:spTree>
+      <p:nvGrpSpPr>
+        <p:cNvPr id="1" name=""/>
+        <p:cNvGrpSpPr/>
+        <p:nvPr/>
+      </p:nvGrpSpPr>
+      <p:grpSpPr>
+        <a:xfrm>
+          <a:off x="0" y="0"/>
+          <a:ext cx="0" cy="0"/>
+          <a:chOff x="0" y="0"/>
+          <a:chExt cx="0" cy="0"/>
+        </a:xfrm>
+      </p:grpSpPr>
+      <p:sp>
+        <p:nvSpPr>
+          <p:cNvPr id="2" name="슬라이드 이미지 개체 틀 1"/>
+          <p:cNvSpPr>
+            <a:spLocks noGrp="1" noRot="1" noChangeAspect="1"/>
+          </p:cNvSpPr>
+          <p:nvPr>
+            <p:ph type="sldImg"/>
+          </p:nvPr>
+        </p:nvSpPr>
+        <p:spPr/>
+      </p:sp>
+      <p:sp>
+        <p:nvSpPr>
+          <p:cNvPr id="3" name="슬라이드 노트 개체 틀 2"/>
+          <p:cNvSpPr>
+            <a:spLocks noGrp="1"/>
+          </p:cNvSpPr>
+          <p:nvPr>
+            <p:ph type="body" idx="1"/>
+          </p:nvPr>
+        </p:nvSpPr>
+        <p:spPr/>
+        <p:txBody>
+          <a:bodyPr/>
+          <a:lstStyle/>
+          <a:p>
+            <a:r>
+              <a:rPr lang="ko-KR" altLang="en-US" dirty="0"/>
+              <a:t>어떤 부문에서 소비가 많이 이루어 졌는지</a:t>
+            </a:r>
+            <a:r>
+              <a:rPr lang="en-US" altLang="ko-KR" dirty="0"/>
+              <a:t>, </a:t>
+            </a:r>
+            <a:r>
+              <a:rPr lang="ko-KR" altLang="en-US" dirty="0"/>
+              <a:t>어떤 카테고리에서 많은 지출이 있었는지에 대한 구체적인 정보는 담겨있지 않았고</a:t>
+            </a:r>
+            <a:r>
+              <a:rPr lang="en-US" altLang="ko-KR" dirty="0"/>
+              <a:t>,</a:t>
+            </a:r>
+          </a:p>
+          <a:p>
+            <a:r>
+              <a:rPr lang="ko-KR" altLang="en-US" dirty="0"/>
+              <a:t>사용자인 제가 카드 소비 내역을 일일이 직접 계산을 상황을 </a:t>
+            </a:r>
+            <a:r>
+              <a:rPr lang="ko-KR" altLang="en-US" dirty="0" err="1"/>
+              <a:t>해야하는</a:t>
+            </a:r>
+            <a:r>
+              <a:rPr lang="ko-KR" altLang="en-US" dirty="0"/>
+              <a:t> 상황이었습니다</a:t>
+            </a:r>
+            <a:r>
+              <a:rPr lang="en-US" altLang="ko-KR" dirty="0"/>
+              <a:t>.</a:t>
+            </a:r>
+          </a:p>
+          <a:p>
+            <a:endParaRPr lang="en-US" altLang="ko-KR" dirty="0"/>
+          </a:p>
+          <a:p>
+            <a:r>
+              <a:rPr lang="ko-KR" altLang="en-US" dirty="0"/>
+              <a:t>물론 카드명세서를 </a:t>
+            </a:r>
+            <a:r>
+              <a:rPr lang="ko-KR" altLang="en-US" dirty="0" err="1"/>
+              <a:t>슥</a:t>
+            </a:r>
+            <a:r>
+              <a:rPr lang="ko-KR" altLang="en-US" dirty="0"/>
+              <a:t> 훑어보면서 대략적인 소비의 방향은 </a:t>
+            </a:r>
+            <a:r>
+              <a:rPr lang="ko-KR" altLang="en-US" dirty="0" err="1"/>
+              <a:t>알수</a:t>
+            </a:r>
+            <a:r>
+              <a:rPr lang="ko-KR" altLang="en-US" dirty="0"/>
+              <a:t> 있었지만</a:t>
+            </a:r>
+            <a:r>
+              <a:rPr lang="en-US" altLang="ko-KR" dirty="0"/>
+              <a:t>, </a:t>
+            </a:r>
+            <a:r>
+              <a:rPr lang="ko-KR" altLang="en-US" dirty="0"/>
+              <a:t>지난달 대비 소비금액이 증가했는지 감소했는지 등에 대한 정보는 </a:t>
+            </a:r>
+            <a:r>
+              <a:rPr lang="ko-KR" altLang="en-US" dirty="0" err="1"/>
+              <a:t>한달전</a:t>
+            </a:r>
+            <a:r>
+              <a:rPr lang="ko-KR" altLang="en-US" dirty="0"/>
+              <a:t> 이나 </a:t>
+            </a:r>
+            <a:r>
+              <a:rPr lang="ko-KR" altLang="en-US" dirty="0" err="1"/>
+              <a:t>두달전</a:t>
+            </a:r>
+            <a:r>
+              <a:rPr lang="ko-KR" altLang="en-US" dirty="0"/>
+              <a:t> 정보까지 참조해야 </a:t>
+            </a:r>
+            <a:r>
+              <a:rPr lang="ko-KR" altLang="en-US" dirty="0" err="1"/>
+              <a:t>알수</a:t>
+            </a:r>
+            <a:r>
+              <a:rPr lang="ko-KR" altLang="en-US" dirty="0"/>
+              <a:t> 있을 정도로 불편했습니다</a:t>
+            </a:r>
+            <a:r>
+              <a:rPr lang="en-US" altLang="ko-KR" dirty="0"/>
+              <a:t>.</a:t>
+            </a:r>
+          </a:p>
+        </p:txBody>
+      </p:sp>
+      <p:sp>
+        <p:nvSpPr>
+          <p:cNvPr id="4" name="슬라이드 번호 개체 틀 3"/>
+          <p:cNvSpPr>
+            <a:spLocks noGrp="1"/>
+          </p:cNvSpPr>
+          <p:nvPr>
+            <p:ph type="sldNum" sz="quarter" idx="5"/>
+          </p:nvPr>
+        </p:nvSpPr>
+        <p:spPr/>
+        <p:txBody>
+          <a:bodyPr/>
+          <a:lstStyle/>
+          <a:p>
+            <a:fld id="{7606B64E-8817-4A85-8147-4DE2E6A19AFC}" type="slidenum">
+              <a:rPr lang="ko-KR" altLang="en-US" smtClean="0"/>
+              <a:t>4</a:t>
+            </a:fld>
+            <a:endParaRPr lang="ko-KR" altLang="en-US"/>
+          </a:p>
+        </p:txBody>
+      </p:sp>
+    </p:spTree>
+    <p:extLst>
+      <p:ext uri="{BB962C8B-B14F-4D97-AF65-F5344CB8AC3E}">
+        <p14:creationId xmlns:p14="http://schemas.microsoft.com/office/powerpoint/2010/main" val="2613707463"/>
+      </p:ext>
+    </p:extLst>
+  </p:cSld>
+  <p:clrMapOvr>
+    <a:masterClrMapping/>
+  </p:clrMapOvr>
+</p:notes>
+</file>
+
+<file path=ppt/notesSlides/notesSlide5.xml><?xml version="1.0" encoding="utf-8"?>
+<p:notes xmlns:a="http://schemas.openxmlformats.org/drawingml/2006/main" xmlns:r="http://schemas.openxmlformats.org/officeDocument/2006/relationships" xmlns:p="http://schemas.openxmlformats.org/presentationml/2006/main">
+  <p:cSld>
+    <p:spTree>
+      <p:nvGrpSpPr>
+        <p:cNvPr id="1" name=""/>
+        <p:cNvGrpSpPr/>
+        <p:nvPr/>
+      </p:nvGrpSpPr>
+      <p:grpSpPr>
+        <a:xfrm>
+          <a:off x="0" y="0"/>
+          <a:ext cx="0" cy="0"/>
+          <a:chOff x="0" y="0"/>
+          <a:chExt cx="0" cy="0"/>
+        </a:xfrm>
+      </p:grpSpPr>
+      <p:sp>
+        <p:nvSpPr>
+          <p:cNvPr id="2" name="슬라이드 이미지 개체 틀 1"/>
+          <p:cNvSpPr>
+            <a:spLocks noGrp="1" noRot="1" noChangeAspect="1"/>
+          </p:cNvSpPr>
+          <p:nvPr>
+            <p:ph type="sldImg"/>
+          </p:nvPr>
+        </p:nvSpPr>
+        <p:spPr/>
+      </p:sp>
+      <p:sp>
+        <p:nvSpPr>
+          <p:cNvPr id="3" name="슬라이드 노트 개체 틀 2"/>
+          <p:cNvSpPr>
+            <a:spLocks noGrp="1"/>
+          </p:cNvSpPr>
+          <p:nvPr>
+            <p:ph type="body" idx="1"/>
+          </p:nvPr>
+        </p:nvSpPr>
+        <p:spPr/>
+        <p:txBody>
+          <a:bodyPr/>
+          <a:lstStyle/>
+          <a:p>
+            <a:r>
+              <a:rPr lang="ko-KR" altLang="en-US" dirty="0"/>
+              <a:t>따라서 저는 월간 소비내역서에 사용자의 소비에 대한 정보 그리고 인사이트를 담아 고객들이 자신의 소비를 되짚어 </a:t>
+            </a:r>
+            <a:r>
+              <a:rPr lang="ko-KR" altLang="en-US" dirty="0" err="1"/>
+              <a:t>볼수</a:t>
+            </a:r>
+            <a:r>
+              <a:rPr lang="ko-KR" altLang="en-US" dirty="0"/>
+              <a:t> 있도록 하고</a:t>
+            </a:r>
+            <a:r>
+              <a:rPr lang="en-US" altLang="ko-KR" dirty="0"/>
+              <a:t>,</a:t>
+            </a:r>
+          </a:p>
+          <a:p>
+            <a:r>
+              <a:rPr lang="ko-KR" altLang="en-US" dirty="0"/>
+              <a:t>소비패턴의 특성이나 간단한 정보를 한눈에 확인할 수 있는 제공할 수 있는 서비스를 만들고자 합니다</a:t>
+            </a:r>
+            <a:r>
+              <a:rPr lang="en-US" altLang="ko-KR" dirty="0"/>
+              <a:t>.</a:t>
+            </a:r>
+          </a:p>
+          <a:p>
+            <a:endParaRPr lang="en-US" altLang="ko-KR" dirty="0"/>
+          </a:p>
+          <a:p>
+            <a:r>
+              <a:rPr lang="ko-KR" altLang="en-US" dirty="0"/>
+              <a:t>또한</a:t>
+            </a:r>
+            <a:r>
+              <a:rPr lang="en-US" altLang="ko-KR" dirty="0"/>
+              <a:t>, </a:t>
+            </a:r>
+            <a:r>
+              <a:rPr lang="ko-KR" altLang="en-US" dirty="0"/>
+              <a:t>사용자가 자신의 소비 성향에 따라 알맞은 카드를 택할 수 있도록 하고자 합니다</a:t>
+            </a:r>
+            <a:r>
+              <a:rPr lang="en-US" altLang="ko-KR" dirty="0"/>
+              <a:t>.</a:t>
+            </a:r>
+          </a:p>
+          <a:p>
+            <a:endParaRPr lang="ko-KR" altLang="en-US" dirty="0"/>
+          </a:p>
+        </p:txBody>
+      </p:sp>
+      <p:sp>
+        <p:nvSpPr>
+          <p:cNvPr id="4" name="슬라이드 번호 개체 틀 3"/>
+          <p:cNvSpPr>
+            <a:spLocks noGrp="1"/>
+          </p:cNvSpPr>
+          <p:nvPr>
+            <p:ph type="sldNum" sz="quarter" idx="5"/>
+          </p:nvPr>
+        </p:nvSpPr>
+        <p:spPr/>
+        <p:txBody>
+          <a:bodyPr/>
+          <a:lstStyle/>
+          <a:p>
+            <a:fld id="{7606B64E-8817-4A85-8147-4DE2E6A19AFC}" type="slidenum">
+              <a:rPr lang="ko-KR" altLang="en-US" smtClean="0"/>
+              <a:t>5</a:t>
+            </a:fld>
+            <a:endParaRPr lang="ko-KR" altLang="en-US"/>
+          </a:p>
+        </p:txBody>
+      </p:sp>
+    </p:spTree>
+    <p:extLst>
+      <p:ext uri="{BB962C8B-B14F-4D97-AF65-F5344CB8AC3E}">
+        <p14:creationId xmlns:p14="http://schemas.microsoft.com/office/powerpoint/2010/main" val="332599113"/>
+      </p:ext>
+    </p:extLst>
+  </p:cSld>
+  <p:clrMapOvr>
+    <a:masterClrMapping/>
+  </p:clrMapOvr>
+</p:notes>
+</file>
+
+<file path=ppt/notesSlides/notesSlide6.xml><?xml version="1.0" encoding="utf-8"?>
+<p:notes xmlns:a="http://schemas.openxmlformats.org/drawingml/2006/main" xmlns:r="http://schemas.openxmlformats.org/officeDocument/2006/relationships" xmlns:p="http://schemas.openxmlformats.org/presentationml/2006/main">
+  <p:cSld>
+    <p:spTree>
+      <p:nvGrpSpPr>
+        <p:cNvPr id="1" name=""/>
+        <p:cNvGrpSpPr/>
+        <p:nvPr/>
+      </p:nvGrpSpPr>
+      <p:grpSpPr>
+        <a:xfrm>
+          <a:off x="0" y="0"/>
+          <a:ext cx="0" cy="0"/>
+          <a:chOff x="0" y="0"/>
+          <a:chExt cx="0" cy="0"/>
+        </a:xfrm>
+      </p:grpSpPr>
+      <p:sp>
+        <p:nvSpPr>
+          <p:cNvPr id="2" name="슬라이드 이미지 개체 틀 1"/>
+          <p:cNvSpPr>
+            <a:spLocks noGrp="1" noRot="1" noChangeAspect="1"/>
+          </p:cNvSpPr>
+          <p:nvPr>
+            <p:ph type="sldImg"/>
+          </p:nvPr>
+        </p:nvSpPr>
+        <p:spPr/>
+      </p:sp>
+      <p:sp>
+        <p:nvSpPr>
+          <p:cNvPr id="3" name="슬라이드 노트 개체 틀 2"/>
+          <p:cNvSpPr>
+            <a:spLocks noGrp="1"/>
+          </p:cNvSpPr>
+          <p:nvPr>
+            <p:ph type="body" idx="1"/>
+          </p:nvPr>
+        </p:nvSpPr>
+        <p:spPr/>
+        <p:txBody>
+          <a:bodyPr/>
+          <a:lstStyle/>
+          <a:p>
+            <a:r>
+              <a:rPr lang="ko-KR" altLang="en-US" dirty="0"/>
+              <a:t>이번 </a:t>
+            </a:r>
+            <a:r>
+              <a:rPr lang="en-US" altLang="ko-KR" dirty="0"/>
+              <a:t>8</a:t>
+            </a:r>
+            <a:r>
+              <a:rPr lang="ko-KR" altLang="en-US" dirty="0"/>
+              <a:t>월중순을 시작으로 </a:t>
+            </a:r>
+            <a:r>
+              <a:rPr lang="en-US" altLang="ko-KR" dirty="0"/>
+              <a:t>9</a:t>
+            </a:r>
+            <a:r>
+              <a:rPr lang="ko-KR" altLang="en-US" dirty="0"/>
+              <a:t>월말까지 개발 예정이며</a:t>
+            </a:r>
+            <a:r>
+              <a:rPr lang="en-US" altLang="ko-KR" dirty="0"/>
+              <a:t>, </a:t>
+            </a:r>
+            <a:r>
+              <a:rPr lang="ko-KR" altLang="en-US" dirty="0" err="1"/>
+              <a:t>프론트엔드는</a:t>
+            </a:r>
+            <a:r>
+              <a:rPr lang="ko-KR" altLang="en-US" dirty="0"/>
+              <a:t> </a:t>
+            </a:r>
+            <a:r>
+              <a:rPr lang="en-US" altLang="ko-KR" dirty="0"/>
+              <a:t>HTML, JS, CSS</a:t>
+            </a:r>
+            <a:r>
+              <a:rPr lang="ko-KR" altLang="en-US" dirty="0"/>
+              <a:t>를</a:t>
+            </a:r>
+            <a:endParaRPr lang="en-US" altLang="ko-KR" dirty="0"/>
+          </a:p>
+          <a:p>
+            <a:r>
+              <a:rPr lang="ko-KR" altLang="en-US" dirty="0" err="1"/>
+              <a:t>백엔드</a:t>
+            </a:r>
+            <a:r>
+              <a:rPr lang="ko-KR" altLang="en-US" dirty="0"/>
+              <a:t> 쪽에서는 자바</a:t>
+            </a:r>
+            <a:r>
+              <a:rPr lang="en-US" altLang="ko-KR" dirty="0"/>
+              <a:t>, </a:t>
+            </a:r>
+            <a:r>
+              <a:rPr lang="ko-KR" altLang="en-US" dirty="0" err="1"/>
+              <a:t>아파치탐캣</a:t>
+            </a:r>
+            <a:r>
+              <a:rPr lang="en-US" altLang="ko-KR" dirty="0"/>
+              <a:t> </a:t>
+            </a:r>
+            <a:r>
+              <a:rPr lang="ko-KR" altLang="en-US" dirty="0"/>
+              <a:t>을 통해 서버와 웹을 구성하며</a:t>
+            </a:r>
+            <a:r>
+              <a:rPr lang="en-US" altLang="ko-KR" dirty="0"/>
+              <a:t>, </a:t>
+            </a:r>
+            <a:r>
+              <a:rPr lang="ko-KR" altLang="en-US" dirty="0" err="1"/>
+              <a:t>파이썬과</a:t>
+            </a:r>
+            <a:r>
+              <a:rPr lang="ko-KR" altLang="en-US" dirty="0"/>
+              <a:t> </a:t>
+            </a:r>
+            <a:r>
+              <a:rPr lang="en-US" altLang="ko-KR" dirty="0"/>
+              <a:t>R</a:t>
+            </a:r>
+            <a:r>
+              <a:rPr lang="ko-KR" altLang="en-US" dirty="0"/>
+              <a:t>을 통한 데이터 분석을 진행하며</a:t>
+            </a:r>
+            <a:endParaRPr lang="en-US" altLang="ko-KR" dirty="0"/>
+          </a:p>
+          <a:p>
+            <a:r>
+              <a:rPr lang="ko-KR" altLang="en-US" dirty="0"/>
+              <a:t>대시보드를 구성하기 위해 </a:t>
+            </a:r>
+            <a:r>
+              <a:rPr lang="ko-KR" altLang="en-US" dirty="0" err="1"/>
+              <a:t>태블로와</a:t>
+            </a:r>
+            <a:r>
+              <a:rPr lang="ko-KR" altLang="en-US" dirty="0"/>
+              <a:t> </a:t>
+            </a:r>
+            <a:r>
+              <a:rPr lang="ko-KR" altLang="en-US" dirty="0" err="1"/>
+              <a:t>태블로</a:t>
+            </a:r>
+            <a:r>
+              <a:rPr lang="ko-KR" altLang="en-US" dirty="0"/>
+              <a:t> </a:t>
+            </a:r>
+            <a:r>
+              <a:rPr lang="ko-KR" altLang="en-US" dirty="0" err="1"/>
+              <a:t>브릿지를</a:t>
+            </a:r>
+            <a:r>
+              <a:rPr lang="ko-KR" altLang="en-US" dirty="0"/>
+              <a:t> 사용할 예정입니다</a:t>
+            </a:r>
+            <a:r>
+              <a:rPr lang="en-US" altLang="ko-KR" dirty="0"/>
+              <a:t>.</a:t>
+            </a:r>
+          </a:p>
+        </p:txBody>
+      </p:sp>
+      <p:sp>
+        <p:nvSpPr>
+          <p:cNvPr id="4" name="슬라이드 번호 개체 틀 3"/>
+          <p:cNvSpPr>
+            <a:spLocks noGrp="1"/>
+          </p:cNvSpPr>
+          <p:nvPr>
+            <p:ph type="sldNum" sz="quarter" idx="5"/>
+          </p:nvPr>
+        </p:nvSpPr>
+        <p:spPr/>
+        <p:txBody>
+          <a:bodyPr/>
+          <a:lstStyle/>
+          <a:p>
+            <a:fld id="{7606B64E-8817-4A85-8147-4DE2E6A19AFC}" type="slidenum">
+              <a:rPr lang="ko-KR" altLang="en-US" smtClean="0"/>
+              <a:t>6</a:t>
+            </a:fld>
+            <a:endParaRPr lang="ko-KR" altLang="en-US"/>
+          </a:p>
+        </p:txBody>
+      </p:sp>
+    </p:spTree>
+    <p:extLst>
+      <p:ext uri="{BB962C8B-B14F-4D97-AF65-F5344CB8AC3E}">
+        <p14:creationId xmlns:p14="http://schemas.microsoft.com/office/powerpoint/2010/main" val="3111335264"/>
+      </p:ext>
+    </p:extLst>
+  </p:cSld>
+  <p:clrMapOvr>
+    <a:masterClrMapping/>
+  </p:clrMapOvr>
+</p:notes>
+</file>
+
+<file path=ppt/notesSlides/notesSlide7.xml><?xml version="1.0" encoding="utf-8"?>
+<p:notes xmlns:a="http://schemas.openxmlformats.org/drawingml/2006/main" xmlns:r="http://schemas.openxmlformats.org/officeDocument/2006/relationships" xmlns:p="http://schemas.openxmlformats.org/presentationml/2006/main">
+  <p:cSld>
+    <p:spTree>
+      <p:nvGrpSpPr>
+        <p:cNvPr id="1" name=""/>
+        <p:cNvGrpSpPr/>
+        <p:nvPr/>
+      </p:nvGrpSpPr>
+      <p:grpSpPr>
+        <a:xfrm>
+          <a:off x="0" y="0"/>
+          <a:ext cx="0" cy="0"/>
+          <a:chOff x="0" y="0"/>
+          <a:chExt cx="0" cy="0"/>
+        </a:xfrm>
+      </p:grpSpPr>
+      <p:sp>
+        <p:nvSpPr>
+          <p:cNvPr id="2" name="슬라이드 이미지 개체 틀 1"/>
+          <p:cNvSpPr>
+            <a:spLocks noGrp="1" noRot="1" noChangeAspect="1"/>
+          </p:cNvSpPr>
+          <p:nvPr>
+            <p:ph type="sldImg"/>
+          </p:nvPr>
+        </p:nvSpPr>
+        <p:spPr/>
+      </p:sp>
+      <p:sp>
+        <p:nvSpPr>
+          <p:cNvPr id="3" name="슬라이드 노트 개체 틀 2"/>
+          <p:cNvSpPr>
+            <a:spLocks noGrp="1"/>
+          </p:cNvSpPr>
+          <p:nvPr>
+            <p:ph type="body" idx="1"/>
+          </p:nvPr>
+        </p:nvSpPr>
+        <p:spPr/>
+        <p:txBody>
+          <a:bodyPr/>
+          <a:lstStyle/>
+          <a:p>
+            <a:r>
+              <a:rPr lang="ko-KR" altLang="en-US" dirty="0"/>
+              <a:t>다음은 한달여간 진행할 개발에 대한 방향을 말씀드리겠습니다</a:t>
+            </a:r>
+            <a:r>
+              <a:rPr lang="en-US" altLang="ko-KR" dirty="0"/>
+              <a:t>.</a:t>
+            </a:r>
+          </a:p>
+          <a:p>
+            <a:endParaRPr lang="en-US" altLang="ko-KR" dirty="0"/>
+          </a:p>
+          <a:p>
+            <a:r>
+              <a:rPr lang="ko-KR" altLang="en-US" dirty="0"/>
+              <a:t>우선 경쟁사로서 뱅크샐러드가 있습니다</a:t>
+            </a:r>
+            <a:r>
+              <a:rPr lang="en-US" altLang="ko-KR" dirty="0"/>
+              <a:t>.</a:t>
+            </a:r>
+          </a:p>
+          <a:p>
+            <a:r>
+              <a:rPr lang="ko-KR" altLang="en-US" dirty="0"/>
+              <a:t>뱅크샐러드는 앞서 말씀드린 기능을 좀더 포괄적으로 제공하고 있는데요</a:t>
+            </a:r>
+            <a:endParaRPr lang="en-US" altLang="ko-KR" dirty="0"/>
+          </a:p>
+          <a:p>
+            <a:r>
+              <a:rPr lang="ko-KR" altLang="en-US" dirty="0" err="1"/>
+              <a:t>하나금융그룹뿐만</a:t>
+            </a:r>
+            <a:r>
+              <a:rPr lang="ko-KR" altLang="en-US" dirty="0"/>
+              <a:t> 아니라 대부분의 금융사의 카드나 서비스를 제공하고 있습니다</a:t>
+            </a:r>
+            <a:r>
+              <a:rPr lang="en-US" altLang="ko-KR" dirty="0"/>
+              <a:t>.</a:t>
+            </a:r>
+          </a:p>
+          <a:p>
+            <a:r>
+              <a:rPr lang="ko-KR" altLang="en-US" dirty="0"/>
+              <a:t>또한</a:t>
+            </a:r>
+            <a:r>
+              <a:rPr lang="en-US" altLang="ko-KR" dirty="0"/>
+              <a:t>, </a:t>
+            </a:r>
+            <a:r>
+              <a:rPr lang="ko-KR" altLang="en-US" dirty="0"/>
+              <a:t>주간 소비 리포트와 건강리포트를 통해 한주간 자신의 소비에서 가장 많이 사용한 금액이나 가장 많이 이용한 카테고리 등 개인의 소비를 되짚어 </a:t>
+            </a:r>
+            <a:r>
+              <a:rPr lang="ko-KR" altLang="en-US" dirty="0" err="1"/>
+              <a:t>볼수</a:t>
+            </a:r>
+            <a:r>
+              <a:rPr lang="ko-KR" altLang="en-US" dirty="0"/>
+              <a:t> 있도록 하는 기능을 제공하고 있습니다</a:t>
+            </a:r>
+            <a:r>
+              <a:rPr lang="en-US" altLang="ko-KR" dirty="0"/>
+              <a:t>.</a:t>
+            </a:r>
+          </a:p>
+          <a:p>
+            <a:endParaRPr lang="en-US" altLang="ko-KR" dirty="0"/>
+          </a:p>
+          <a:p>
+            <a:r>
+              <a:rPr lang="ko-KR" altLang="en-US" dirty="0"/>
+              <a:t>앞으로 제공할 제 서비스에서 주간소비에 더하여 구체적인 월간</a:t>
+            </a:r>
+            <a:r>
+              <a:rPr lang="en-US" altLang="ko-KR" dirty="0"/>
+              <a:t>, </a:t>
+            </a:r>
+            <a:r>
+              <a:rPr lang="ko-KR" altLang="en-US" dirty="0"/>
+              <a:t>연간 소비 분석을 통해 자신의 소비를 되짚어 보고</a:t>
+            </a:r>
+            <a:r>
+              <a:rPr lang="en-US" altLang="ko-KR" dirty="0"/>
+              <a:t>, </a:t>
+            </a:r>
+            <a:r>
+              <a:rPr lang="ko-KR" altLang="en-US" dirty="0"/>
+              <a:t>향후 소비의 방향성을 잡을 인사이트를 제공하도록 하겠습니다</a:t>
+            </a:r>
+            <a:r>
+              <a:rPr lang="en-US" altLang="ko-KR" dirty="0"/>
+              <a:t>.</a:t>
+            </a:r>
+          </a:p>
+          <a:p>
+            <a:endParaRPr lang="en-US" altLang="ko-KR" dirty="0"/>
+          </a:p>
+        </p:txBody>
+      </p:sp>
+      <p:sp>
+        <p:nvSpPr>
+          <p:cNvPr id="4" name="슬라이드 번호 개체 틀 3"/>
+          <p:cNvSpPr>
+            <a:spLocks noGrp="1"/>
+          </p:cNvSpPr>
+          <p:nvPr>
+            <p:ph type="sldNum" sz="quarter" idx="5"/>
+          </p:nvPr>
+        </p:nvSpPr>
+        <p:spPr/>
+        <p:txBody>
+          <a:bodyPr/>
+          <a:lstStyle/>
+          <a:p>
+            <a:fld id="{7606B64E-8817-4A85-8147-4DE2E6A19AFC}" type="slidenum">
+              <a:rPr lang="ko-KR" altLang="en-US" smtClean="0"/>
+              <a:t>7</a:t>
+            </a:fld>
+            <a:endParaRPr lang="ko-KR" altLang="en-US"/>
+          </a:p>
+        </p:txBody>
+      </p:sp>
+    </p:spTree>
+    <p:extLst>
+      <p:ext uri="{BB962C8B-B14F-4D97-AF65-F5344CB8AC3E}">
+        <p14:creationId xmlns:p14="http://schemas.microsoft.com/office/powerpoint/2010/main" val="2141344908"/>
+      </p:ext>
+    </p:extLst>
+  </p:cSld>
+  <p:clrMapOvr>
+    <a:masterClrMapping/>
+  </p:clrMapOvr>
+</p:notes>
+</file>
+
+<file path=ppt/notesSlides/notesSlide8.xml><?xml version="1.0" encoding="utf-8"?>
+<p:notes xmlns:a="http://schemas.openxmlformats.org/drawingml/2006/main" xmlns:r="http://schemas.openxmlformats.org/officeDocument/2006/relationships" xmlns:p="http://schemas.openxmlformats.org/presentationml/2006/main">
+  <p:cSld>
+    <p:spTree>
+      <p:nvGrpSpPr>
+        <p:cNvPr id="1" name=""/>
+        <p:cNvGrpSpPr/>
+        <p:nvPr/>
+      </p:nvGrpSpPr>
+      <p:grpSpPr>
+        <a:xfrm>
+          <a:off x="0" y="0"/>
+          <a:ext cx="0" cy="0"/>
+          <a:chOff x="0" y="0"/>
+          <a:chExt cx="0" cy="0"/>
+        </a:xfrm>
+      </p:grpSpPr>
+      <p:sp>
+        <p:nvSpPr>
+          <p:cNvPr id="2" name="슬라이드 이미지 개체 틀 1"/>
+          <p:cNvSpPr>
+            <a:spLocks noGrp="1" noRot="1" noChangeAspect="1"/>
+          </p:cNvSpPr>
+          <p:nvPr>
+            <p:ph type="sldImg"/>
+          </p:nvPr>
+        </p:nvSpPr>
+        <p:spPr/>
+      </p:sp>
+      <p:sp>
+        <p:nvSpPr>
+          <p:cNvPr id="3" name="슬라이드 노트 개체 틀 2"/>
+          <p:cNvSpPr>
+            <a:spLocks noGrp="1"/>
+          </p:cNvSpPr>
+          <p:nvPr>
+            <p:ph type="body" idx="1"/>
+          </p:nvPr>
+        </p:nvSpPr>
+        <p:spPr/>
+        <p:txBody>
+          <a:bodyPr/>
+          <a:lstStyle/>
+          <a:p>
+            <a:r>
+              <a:rPr lang="ko-KR" altLang="en-US" dirty="0"/>
+              <a:t>마지막으로 해당 서비스를 통한 기대효과를 말씀드리겠습니다</a:t>
+            </a:r>
+            <a:r>
+              <a:rPr lang="en-US" altLang="ko-KR" dirty="0"/>
+              <a:t>.</a:t>
+            </a:r>
+          </a:p>
+          <a:p>
+            <a:endParaRPr lang="en-US" altLang="ko-KR" dirty="0"/>
+          </a:p>
+          <a:p>
+            <a:r>
+              <a:rPr lang="ko-KR" altLang="en-US" dirty="0"/>
+              <a:t>해당 서비스를 통해 자신의 성향에 맞춘 카드를 알아볼 수 있고</a:t>
+            </a:r>
+            <a:r>
+              <a:rPr lang="en-US" altLang="ko-KR" dirty="0"/>
+              <a:t>, </a:t>
+            </a:r>
+            <a:r>
+              <a:rPr lang="ko-KR" altLang="en-US" dirty="0"/>
+              <a:t>고객이 자신의 성향에 맞춘 카드를 통해 더 풍부한 혜택을 누릴 수 있게 하고</a:t>
+            </a:r>
+            <a:r>
+              <a:rPr lang="en-US" altLang="ko-KR" dirty="0"/>
+              <a:t>, </a:t>
+            </a:r>
+            <a:r>
+              <a:rPr lang="ko-KR" altLang="en-US" dirty="0"/>
+              <a:t>또한 더 많은 카드 가입을 유도할 수 있습니다</a:t>
+            </a:r>
+            <a:r>
+              <a:rPr lang="en-US" altLang="ko-KR" dirty="0"/>
+              <a:t>.</a:t>
+            </a:r>
+          </a:p>
+          <a:p>
+            <a:r>
+              <a:rPr lang="ko-KR" altLang="en-US" dirty="0"/>
+              <a:t>이 서비스를 구현하기 위해서는 먼저 어떤 혜택을 선택사항으로 선택할 수 있는지</a:t>
+            </a:r>
+            <a:r>
+              <a:rPr lang="en-US" altLang="ko-KR" dirty="0"/>
+              <a:t>, </a:t>
+            </a:r>
+            <a:r>
+              <a:rPr lang="ko-KR" altLang="en-US" dirty="0"/>
+              <a:t>어떤 알고리즘으로 사용자에게 카드를 추천해줄지 보완할 예정입니다</a:t>
+            </a:r>
+            <a:r>
+              <a:rPr lang="en-US" altLang="ko-KR" dirty="0"/>
+              <a:t>.</a:t>
+            </a:r>
+          </a:p>
+          <a:p>
+            <a:endParaRPr lang="en-US" altLang="ko-KR" dirty="0"/>
+          </a:p>
+          <a:p>
+            <a:r>
+              <a:rPr lang="ko-KR" altLang="en-US" dirty="0"/>
+              <a:t>또한 지속적으로 제공해주는 인사이트와 정보를 통해 소비자는 스스로 스마트한 소비를 </a:t>
+            </a:r>
+            <a:r>
+              <a:rPr lang="ko-KR" altLang="en-US" dirty="0" err="1"/>
+              <a:t>주도해나감과</a:t>
+            </a:r>
+            <a:r>
+              <a:rPr lang="ko-KR" altLang="en-US" dirty="0"/>
+              <a:t> 동시에 앱과 서비스에 대한 의존도를 높일 수 있다는 장점이 있습니다</a:t>
+            </a:r>
+            <a:r>
+              <a:rPr lang="en-US" altLang="ko-KR" dirty="0"/>
+              <a:t>.</a:t>
+            </a:r>
+          </a:p>
+          <a:p>
+            <a:endParaRPr lang="en-US" altLang="ko-KR" dirty="0"/>
+          </a:p>
+          <a:p>
+            <a:endParaRPr lang="ko-KR" altLang="en-US" dirty="0"/>
+          </a:p>
+        </p:txBody>
+      </p:sp>
+      <p:sp>
+        <p:nvSpPr>
+          <p:cNvPr id="4" name="슬라이드 번호 개체 틀 3"/>
+          <p:cNvSpPr>
+            <a:spLocks noGrp="1"/>
+          </p:cNvSpPr>
+          <p:nvPr>
+            <p:ph type="sldNum" sz="quarter" idx="5"/>
+          </p:nvPr>
+        </p:nvSpPr>
+        <p:spPr/>
+        <p:txBody>
+          <a:bodyPr/>
+          <a:lstStyle/>
+          <a:p>
+            <a:fld id="{7606B64E-8817-4A85-8147-4DE2E6A19AFC}" type="slidenum">
+              <a:rPr lang="ko-KR" altLang="en-US" smtClean="0"/>
+              <a:t>8</a:t>
+            </a:fld>
+            <a:endParaRPr lang="ko-KR" altLang="en-US"/>
+          </a:p>
+        </p:txBody>
+      </p:sp>
+    </p:spTree>
+    <p:extLst>
+      <p:ext uri="{BB962C8B-B14F-4D97-AF65-F5344CB8AC3E}">
+        <p14:creationId xmlns:p14="http://schemas.microsoft.com/office/powerpoint/2010/main" val="1901123970"/>
+      </p:ext>
+    </p:extLst>
+  </p:cSld>
+  <p:clrMapOvr>
+    <a:masterClrMapping/>
+  </p:clrMapOvr>
+</p:notes>
+</file>
+
+<file path=ppt/notesSlides/notesSlide9.xml><?xml version="1.0" encoding="utf-8"?>
+<p:notes xmlns:a="http://schemas.openxmlformats.org/drawingml/2006/main" xmlns:r="http://schemas.openxmlformats.org/officeDocument/2006/relationships" xmlns:p="http://schemas.openxmlformats.org/presentationml/2006/main">
+  <p:cSld>
+    <p:spTree>
+      <p:nvGrpSpPr>
+        <p:cNvPr id="1" name=""/>
+        <p:cNvGrpSpPr/>
+        <p:nvPr/>
+      </p:nvGrpSpPr>
+      <p:grpSpPr>
+        <a:xfrm>
+          <a:off x="0" y="0"/>
+          <a:ext cx="0" cy="0"/>
+          <a:chOff x="0" y="0"/>
+          <a:chExt cx="0" cy="0"/>
+        </a:xfrm>
+      </p:grpSpPr>
+      <p:sp>
+        <p:nvSpPr>
+          <p:cNvPr id="2" name="슬라이드 이미지 개체 틀 1"/>
+          <p:cNvSpPr>
+            <a:spLocks noGrp="1" noRot="1" noChangeAspect="1"/>
+          </p:cNvSpPr>
+          <p:nvPr>
+            <p:ph type="sldImg"/>
+          </p:nvPr>
+        </p:nvSpPr>
+        <p:spPr/>
+      </p:sp>
+      <p:sp>
+        <p:nvSpPr>
+          <p:cNvPr id="3" name="슬라이드 노트 개체 틀 2"/>
+          <p:cNvSpPr>
+            <a:spLocks noGrp="1"/>
+          </p:cNvSpPr>
+          <p:nvPr>
+            <p:ph type="body" idx="1"/>
+          </p:nvPr>
+        </p:nvSpPr>
+        <p:spPr/>
+        <p:txBody>
+          <a:bodyPr/>
+          <a:lstStyle/>
+          <a:p>
+            <a:r>
+              <a:rPr lang="ko-KR" altLang="en-US" dirty="0"/>
+              <a:t>먼저 첫번째 기능인 내가 맞는 카드라는 기능입니다</a:t>
+            </a:r>
+            <a:r>
+              <a:rPr lang="en-US" altLang="ko-KR" dirty="0"/>
+              <a:t>.</a:t>
+            </a:r>
+          </a:p>
+          <a:p>
+            <a:endParaRPr lang="en-US" altLang="ko-KR" dirty="0"/>
+          </a:p>
+          <a:p>
+            <a:r>
+              <a:rPr lang="ko-KR" altLang="en-US" dirty="0"/>
+              <a:t>기본입력 정보인 체크카드나 신용카드</a:t>
+            </a:r>
+            <a:r>
+              <a:rPr lang="en-US" altLang="ko-KR" dirty="0"/>
+              <a:t>, </a:t>
+            </a:r>
+            <a:r>
+              <a:rPr lang="ko-KR" altLang="en-US" dirty="0"/>
+              <a:t>월평균 소비금액</a:t>
+            </a:r>
+            <a:r>
+              <a:rPr lang="en-US" altLang="ko-KR" dirty="0"/>
+              <a:t> </a:t>
+            </a:r>
+            <a:r>
+              <a:rPr lang="ko-KR" altLang="en-US" dirty="0"/>
+              <a:t>등의 정보를 적고</a:t>
+            </a:r>
+            <a:endParaRPr lang="en-US" altLang="ko-KR" dirty="0"/>
+          </a:p>
+          <a:p>
+            <a:r>
+              <a:rPr lang="ko-KR" altLang="en-US" dirty="0"/>
+              <a:t>선택정보로서 자신이 원하는 혜택을 입력합니다</a:t>
+            </a:r>
+            <a:endParaRPr lang="en-US" altLang="ko-KR" dirty="0"/>
+          </a:p>
+          <a:p>
+            <a:endParaRPr lang="en-US" altLang="ko-KR" dirty="0"/>
+          </a:p>
+          <a:p>
+            <a:r>
+              <a:rPr lang="ko-KR" altLang="en-US" dirty="0"/>
+              <a:t>이를 종합한 독립변수들의 조합하여 가장 가까운 표준화된 유클리드 거리에 있는 카드 </a:t>
+            </a:r>
+            <a:r>
+              <a:rPr lang="en-US" altLang="ko-KR" dirty="0"/>
+              <a:t>3</a:t>
+            </a:r>
+            <a:r>
+              <a:rPr lang="ko-KR" altLang="en-US" dirty="0"/>
+              <a:t>개를 추천해줄 예정입니다</a:t>
+            </a:r>
+            <a:r>
+              <a:rPr lang="en-US" altLang="ko-KR" dirty="0"/>
+              <a:t>.</a:t>
+            </a:r>
+          </a:p>
+          <a:p>
+            <a:endParaRPr lang="en-US" altLang="ko-KR" dirty="0"/>
+          </a:p>
+        </p:txBody>
+      </p:sp>
+      <p:sp>
+        <p:nvSpPr>
+          <p:cNvPr id="4" name="슬라이드 번호 개체 틀 3"/>
+          <p:cNvSpPr>
+            <a:spLocks noGrp="1"/>
+          </p:cNvSpPr>
+          <p:nvPr>
+            <p:ph type="sldNum" sz="quarter" idx="5"/>
+          </p:nvPr>
+        </p:nvSpPr>
+        <p:spPr/>
+        <p:txBody>
+          <a:bodyPr/>
+          <a:lstStyle/>
+          <a:p>
+            <a:fld id="{7606B64E-8817-4A85-8147-4DE2E6A19AFC}" type="slidenum">
+              <a:rPr lang="ko-KR" altLang="en-US" smtClean="0"/>
+              <a:t>9</a:t>
+            </a:fld>
+            <a:endParaRPr lang="ko-KR" altLang="en-US"/>
+          </a:p>
+        </p:txBody>
+      </p:sp>
+    </p:spTree>
+    <p:extLst>
+      <p:ext uri="{BB962C8B-B14F-4D97-AF65-F5344CB8AC3E}">
+        <p14:creationId xmlns:p14="http://schemas.microsoft.com/office/powerpoint/2010/main" val="3388987382"/>
+      </p:ext>
+    </p:extLst>
+  </p:cSld>
+  <p:clrMapOvr>
+    <a:masterClrMapping/>
+  </p:clrMapOvr>
+</p:notes>
+</file>
+
 <file path=ppt/slideLayouts/slideLayout1.xml><?xml version="1.0" encoding="utf-8"?>
 <p:sldLayout xmlns:a="http://schemas.openxmlformats.org/drawingml/2006/main" xmlns:r="http://schemas.openxmlformats.org/officeDocument/2006/relationships" xmlns:p="http://schemas.openxmlformats.org/presentationml/2006/main" type="title" preserve="1">
   <p:cSld name="제목 슬라이드">
@@ -289,7 +2672,7 @@
           <a:p>
             <a:fld id="{B441A2CC-AD33-4BEB-BEDF-7117FCB0AF3A}" type="datetimeFigureOut">
               <a:rPr lang="ko-KR" altLang="en-US" smtClean="0"/>
-              <a:t>2021-08-17</a:t>
+              <a:t>2021-08-19</a:t>
             </a:fld>
             <a:endParaRPr lang="ko-KR" altLang="en-US"/>
           </a:p>
@@ -487,7 +2870,7 @@
           <a:p>
             <a:fld id="{B441A2CC-AD33-4BEB-BEDF-7117FCB0AF3A}" type="datetimeFigureOut">
               <a:rPr lang="ko-KR" altLang="en-US" smtClean="0"/>
-              <a:t>2021-08-17</a:t>
+              <a:t>2021-08-19</a:t>
             </a:fld>
             <a:endParaRPr lang="ko-KR" altLang="en-US"/>
           </a:p>
@@ -695,7 +3078,7 @@
           <a:p>
             <a:fld id="{B441A2CC-AD33-4BEB-BEDF-7117FCB0AF3A}" type="datetimeFigureOut">
               <a:rPr lang="ko-KR" altLang="en-US" smtClean="0"/>
-              <a:t>2021-08-17</a:t>
+              <a:t>2021-08-19</a:t>
             </a:fld>
             <a:endParaRPr lang="ko-KR" altLang="en-US"/>
           </a:p>
@@ -893,7 +3276,7 @@
           <a:p>
             <a:fld id="{B441A2CC-AD33-4BEB-BEDF-7117FCB0AF3A}" type="datetimeFigureOut">
               <a:rPr lang="ko-KR" altLang="en-US" smtClean="0"/>
-              <a:t>2021-08-17</a:t>
+              <a:t>2021-08-19</a:t>
             </a:fld>
             <a:endParaRPr lang="ko-KR" altLang="en-US"/>
           </a:p>
@@ -1168,7 +3551,7 @@
           <a:p>
             <a:fld id="{B441A2CC-AD33-4BEB-BEDF-7117FCB0AF3A}" type="datetimeFigureOut">
               <a:rPr lang="ko-KR" altLang="en-US" smtClean="0"/>
-              <a:t>2021-08-17</a:t>
+              <a:t>2021-08-19</a:t>
             </a:fld>
             <a:endParaRPr lang="ko-KR" altLang="en-US"/>
           </a:p>
@@ -1433,7 +3816,7 @@
           <a:p>
             <a:fld id="{B441A2CC-AD33-4BEB-BEDF-7117FCB0AF3A}" type="datetimeFigureOut">
               <a:rPr lang="ko-KR" altLang="en-US" smtClean="0"/>
-              <a:t>2021-08-17</a:t>
+              <a:t>2021-08-19</a:t>
             </a:fld>
             <a:endParaRPr lang="ko-KR" altLang="en-US"/>
           </a:p>
@@ -1845,7 +4228,7 @@
           <a:p>
             <a:fld id="{B441A2CC-AD33-4BEB-BEDF-7117FCB0AF3A}" type="datetimeFigureOut">
               <a:rPr lang="ko-KR" altLang="en-US" smtClean="0"/>
-              <a:t>2021-08-17</a:t>
+              <a:t>2021-08-19</a:t>
             </a:fld>
             <a:endParaRPr lang="ko-KR" altLang="en-US"/>
           </a:p>
@@ -1986,7 +4369,7 @@
           <a:p>
             <a:fld id="{B441A2CC-AD33-4BEB-BEDF-7117FCB0AF3A}" type="datetimeFigureOut">
               <a:rPr lang="ko-KR" altLang="en-US" smtClean="0"/>
-              <a:t>2021-08-17</a:t>
+              <a:t>2021-08-19</a:t>
             </a:fld>
             <a:endParaRPr lang="ko-KR" altLang="en-US"/>
           </a:p>
@@ -2099,7 +4482,7 @@
           <a:p>
             <a:fld id="{B441A2CC-AD33-4BEB-BEDF-7117FCB0AF3A}" type="datetimeFigureOut">
               <a:rPr lang="ko-KR" altLang="en-US" smtClean="0"/>
-              <a:t>2021-08-17</a:t>
+              <a:t>2021-08-19</a:t>
             </a:fld>
             <a:endParaRPr lang="ko-KR" altLang="en-US"/>
           </a:p>
@@ -2410,7 +4793,7 @@
           <a:p>
             <a:fld id="{B441A2CC-AD33-4BEB-BEDF-7117FCB0AF3A}" type="datetimeFigureOut">
               <a:rPr lang="ko-KR" altLang="en-US" smtClean="0"/>
-              <a:t>2021-08-17</a:t>
+              <a:t>2021-08-19</a:t>
             </a:fld>
             <a:endParaRPr lang="ko-KR" altLang="en-US"/>
           </a:p>
@@ -2698,7 +5081,7 @@
           <a:p>
             <a:fld id="{B441A2CC-AD33-4BEB-BEDF-7117FCB0AF3A}" type="datetimeFigureOut">
               <a:rPr lang="ko-KR" altLang="en-US" smtClean="0"/>
-              <a:t>2021-08-17</a:t>
+              <a:t>2021-08-19</a:t>
             </a:fld>
             <a:endParaRPr lang="ko-KR" altLang="en-US"/>
           </a:p>
@@ -2945,7 +5328,7 @@
           <a:p>
             <a:fld id="{B441A2CC-AD33-4BEB-BEDF-7117FCB0AF3A}" type="datetimeFigureOut">
               <a:rPr lang="ko-KR" altLang="en-US" smtClean="0"/>
-              <a:t>2021-08-17</a:t>
+              <a:t>2021-08-19</a:t>
             </a:fld>
             <a:endParaRPr lang="ko-KR" altLang="en-US"/>
           </a:p>
@@ -3838,6 +6221,1768 @@
         <p:spPr>
           <a:xfrm>
             <a:off x="1184392" y="2200879"/>
+            <a:ext cx="8432112" cy="3108543"/>
+          </a:xfrm>
+          <a:prstGeom prst="rect">
+            <a:avLst/>
+          </a:prstGeom>
+          <a:noFill/>
+        </p:spPr>
+        <p:txBody>
+          <a:bodyPr wrap="square" rtlCol="0">
+            <a:spAutoFit/>
+          </a:bodyPr>
+          <a:lstStyle/>
+          <a:p>
+            <a:pPr marL="342900" indent="-342900">
+              <a:lnSpc>
+                <a:spcPct val="150000"/>
+              </a:lnSpc>
+              <a:buFont typeface="Wingdings" panose="05000000000000000000" pitchFamily="2" charset="2"/>
+              <a:buChar char="ü"/>
+            </a:pPr>
+            <a:r>
+              <a:rPr lang="ko-KR" altLang="en-US" sz="2000" dirty="0">
+                <a:solidFill>
+                  <a:srgbClr val="FF7C80"/>
+                </a:solidFill>
+                <a:latin typeface="KoPubWorld돋움체 Bold" panose="00000800000000000000" pitchFamily="2" charset="-127"/>
+                <a:ea typeface="KoPubWorld돋움체 Bold" panose="00000800000000000000" pitchFamily="2" charset="-127"/>
+                <a:cs typeface="KoPubWorld돋움체 Bold" panose="00000800000000000000" pitchFamily="2" charset="-127"/>
+              </a:rPr>
+              <a:t>최근 </a:t>
+            </a:r>
+            <a:r>
+              <a:rPr lang="en-US" altLang="ko-KR" sz="2000" dirty="0">
+                <a:solidFill>
+                  <a:srgbClr val="FF7C80"/>
+                </a:solidFill>
+                <a:latin typeface="KoPubWorld돋움체 Bold" panose="00000800000000000000" pitchFamily="2" charset="-127"/>
+                <a:ea typeface="KoPubWorld돋움체 Bold" panose="00000800000000000000" pitchFamily="2" charset="-127"/>
+                <a:cs typeface="KoPubWorld돋움체 Bold" panose="00000800000000000000" pitchFamily="2" charset="-127"/>
+              </a:rPr>
+              <a:t>30</a:t>
+            </a:r>
+            <a:r>
+              <a:rPr lang="ko-KR" altLang="en-US" sz="2000" dirty="0">
+                <a:solidFill>
+                  <a:srgbClr val="FF7C80"/>
+                </a:solidFill>
+                <a:latin typeface="KoPubWorld돋움체 Bold" panose="00000800000000000000" pitchFamily="2" charset="-127"/>
+                <a:ea typeface="KoPubWorld돋움체 Bold" panose="00000800000000000000" pitchFamily="2" charset="-127"/>
+                <a:cs typeface="KoPubWorld돋움체 Bold" panose="00000800000000000000" pitchFamily="2" charset="-127"/>
+              </a:rPr>
+              <a:t>일</a:t>
+            </a:r>
+            <a:r>
+              <a:rPr lang="en-US" altLang="ko-KR" sz="2000" dirty="0">
+                <a:solidFill>
+                  <a:srgbClr val="FF7C80"/>
+                </a:solidFill>
+                <a:latin typeface="KoPubWorld돋움체 Bold" panose="00000800000000000000" pitchFamily="2" charset="-127"/>
+                <a:ea typeface="KoPubWorld돋움체 Bold" panose="00000800000000000000" pitchFamily="2" charset="-127"/>
+                <a:cs typeface="KoPubWorld돋움체 Bold" panose="00000800000000000000" pitchFamily="2" charset="-127"/>
+              </a:rPr>
+              <a:t>, 60</a:t>
+            </a:r>
+            <a:r>
+              <a:rPr lang="ko-KR" altLang="en-US" sz="2000" dirty="0">
+                <a:solidFill>
+                  <a:srgbClr val="FF7C80"/>
+                </a:solidFill>
+                <a:latin typeface="KoPubWorld돋움체 Bold" panose="00000800000000000000" pitchFamily="2" charset="-127"/>
+                <a:ea typeface="KoPubWorld돋움체 Bold" panose="00000800000000000000" pitchFamily="2" charset="-127"/>
+                <a:cs typeface="KoPubWorld돋움체 Bold" panose="00000800000000000000" pitchFamily="2" charset="-127"/>
+              </a:rPr>
+              <a:t>일</a:t>
+            </a:r>
+            <a:r>
+              <a:rPr lang="en-US" altLang="ko-KR" sz="2000" dirty="0">
+                <a:solidFill>
+                  <a:srgbClr val="FF7C80"/>
+                </a:solidFill>
+                <a:latin typeface="KoPubWorld돋움체 Bold" panose="00000800000000000000" pitchFamily="2" charset="-127"/>
+                <a:ea typeface="KoPubWorld돋움체 Bold" panose="00000800000000000000" pitchFamily="2" charset="-127"/>
+                <a:cs typeface="KoPubWorld돋움체 Bold" panose="00000800000000000000" pitchFamily="2" charset="-127"/>
+              </a:rPr>
+              <a:t>, 90</a:t>
+            </a:r>
+            <a:r>
+              <a:rPr lang="ko-KR" altLang="en-US" sz="2000" dirty="0">
+                <a:solidFill>
+                  <a:srgbClr val="FF7C80"/>
+                </a:solidFill>
+                <a:latin typeface="KoPubWorld돋움체 Bold" panose="00000800000000000000" pitchFamily="2" charset="-127"/>
+                <a:ea typeface="KoPubWorld돋움체 Bold" panose="00000800000000000000" pitchFamily="2" charset="-127"/>
+                <a:cs typeface="KoPubWorld돋움체 Bold" panose="00000800000000000000" pitchFamily="2" charset="-127"/>
+              </a:rPr>
+              <a:t>일의 카드 내역서를 보여줌</a:t>
+            </a:r>
+            <a:endParaRPr lang="en-US" altLang="ko-KR" sz="2000" dirty="0">
+              <a:solidFill>
+                <a:srgbClr val="FF7C80"/>
+              </a:solidFill>
+              <a:latin typeface="KoPubWorld돋움체 Bold" panose="00000800000000000000" pitchFamily="2" charset="-127"/>
+              <a:ea typeface="KoPubWorld돋움체 Bold" panose="00000800000000000000" pitchFamily="2" charset="-127"/>
+              <a:cs typeface="KoPubWorld돋움체 Bold" panose="00000800000000000000" pitchFamily="2" charset="-127"/>
+            </a:endParaRPr>
+          </a:p>
+          <a:p>
+            <a:pPr marL="342900" indent="-342900">
+              <a:lnSpc>
+                <a:spcPct val="150000"/>
+              </a:lnSpc>
+              <a:buFont typeface="Wingdings" panose="05000000000000000000" pitchFamily="2" charset="2"/>
+              <a:buChar char="ü"/>
+            </a:pPr>
+            <a:r>
+              <a:rPr lang="ko-KR" altLang="en-US" sz="2000" dirty="0">
+                <a:solidFill>
+                  <a:schemeClr val="tx1">
+                    <a:lumMod val="65000"/>
+                    <a:lumOff val="35000"/>
+                  </a:schemeClr>
+                </a:solidFill>
+                <a:latin typeface="KoPubWorld돋움체 Light" panose="00000300000000000000" pitchFamily="2" charset="-127"/>
+                <a:ea typeface="KoPubWorld돋움체 Light" panose="00000300000000000000" pitchFamily="2" charset="-127"/>
+                <a:cs typeface="KoPubWorld돋움체 Light" panose="00000300000000000000" pitchFamily="2" charset="-127"/>
+              </a:rPr>
+              <a:t>원하는 날짜 필터링 가능</a:t>
+            </a:r>
+            <a:endParaRPr lang="en-US" altLang="ko-KR" sz="2000" dirty="0">
+              <a:solidFill>
+                <a:schemeClr val="tx1">
+                  <a:lumMod val="65000"/>
+                  <a:lumOff val="35000"/>
+                </a:schemeClr>
+              </a:solidFill>
+              <a:latin typeface="KoPubWorld돋움체 Light" panose="00000300000000000000" pitchFamily="2" charset="-127"/>
+              <a:ea typeface="KoPubWorld돋움체 Light" panose="00000300000000000000" pitchFamily="2" charset="-127"/>
+              <a:cs typeface="KoPubWorld돋움체 Light" panose="00000300000000000000" pitchFamily="2" charset="-127"/>
+            </a:endParaRPr>
+          </a:p>
+          <a:p>
+            <a:pPr marL="342900" indent="-342900">
+              <a:lnSpc>
+                <a:spcPct val="150000"/>
+              </a:lnSpc>
+              <a:buFont typeface="Wingdings" panose="05000000000000000000" pitchFamily="2" charset="2"/>
+              <a:buChar char="ü"/>
+            </a:pPr>
+            <a:r>
+              <a:rPr lang="ko-KR" altLang="en-US" sz="2000" dirty="0">
+                <a:solidFill>
+                  <a:schemeClr val="tx1">
+                    <a:lumMod val="65000"/>
+                    <a:lumOff val="35000"/>
+                  </a:schemeClr>
+                </a:solidFill>
+                <a:latin typeface="KoPubWorld돋움체 Light" panose="00000300000000000000" pitchFamily="2" charset="-127"/>
+                <a:ea typeface="KoPubWorld돋움체 Light" panose="00000300000000000000" pitchFamily="2" charset="-127"/>
+                <a:cs typeface="KoPubWorld돋움체 Light" panose="00000300000000000000" pitchFamily="2" charset="-127"/>
+              </a:rPr>
+              <a:t>갚아야 할 할부 목록 제공</a:t>
+            </a:r>
+            <a:endParaRPr lang="en-US" altLang="ko-KR" sz="2000" dirty="0">
+              <a:solidFill>
+                <a:schemeClr val="tx1">
+                  <a:lumMod val="65000"/>
+                  <a:lumOff val="35000"/>
+                </a:schemeClr>
+              </a:solidFill>
+              <a:latin typeface="KoPubWorld돋움체 Light" panose="00000300000000000000" pitchFamily="2" charset="-127"/>
+              <a:ea typeface="KoPubWorld돋움체 Light" panose="00000300000000000000" pitchFamily="2" charset="-127"/>
+              <a:cs typeface="KoPubWorld돋움체 Light" panose="00000300000000000000" pitchFamily="2" charset="-127"/>
+            </a:endParaRPr>
+          </a:p>
+          <a:p>
+            <a:pPr marL="342900" indent="-342900">
+              <a:lnSpc>
+                <a:spcPct val="150000"/>
+              </a:lnSpc>
+              <a:buFont typeface="Wingdings" panose="05000000000000000000" pitchFamily="2" charset="2"/>
+              <a:buChar char="ü"/>
+            </a:pPr>
+            <a:endParaRPr lang="en-US" altLang="ko-KR" sz="2000" dirty="0">
+              <a:solidFill>
+                <a:schemeClr val="tx1">
+                  <a:lumMod val="65000"/>
+                  <a:lumOff val="35000"/>
+                </a:schemeClr>
+              </a:solidFill>
+              <a:latin typeface="KoPubWorld돋움체 Light" panose="00000300000000000000" pitchFamily="2" charset="-127"/>
+              <a:ea typeface="KoPubWorld돋움체 Light" panose="00000300000000000000" pitchFamily="2" charset="-127"/>
+              <a:cs typeface="KoPubWorld돋움체 Light" panose="00000300000000000000" pitchFamily="2" charset="-127"/>
+            </a:endParaRPr>
+          </a:p>
+          <a:p>
+            <a:pPr marL="342900" indent="-342900">
+              <a:lnSpc>
+                <a:spcPct val="150000"/>
+              </a:lnSpc>
+              <a:buFont typeface="Wingdings" panose="05000000000000000000" pitchFamily="2" charset="2"/>
+              <a:buChar char="ü"/>
+            </a:pPr>
+            <a:r>
+              <a:rPr lang="ko-KR" altLang="en-US" sz="2000" dirty="0">
+                <a:solidFill>
+                  <a:schemeClr val="tx1">
+                    <a:lumMod val="65000"/>
+                    <a:lumOff val="35000"/>
+                  </a:schemeClr>
+                </a:solidFill>
+                <a:latin typeface="KoPubWorld돋움체 Light" panose="00000300000000000000" pitchFamily="2" charset="-127"/>
+                <a:ea typeface="KoPubWorld돋움체 Light" panose="00000300000000000000" pitchFamily="2" charset="-127"/>
+                <a:cs typeface="KoPubWorld돋움체 Light" panose="00000300000000000000" pitchFamily="2" charset="-127"/>
+              </a:rPr>
+              <a:t>주간 인사이트 제공</a:t>
+            </a:r>
+            <a:endParaRPr lang="en-US" altLang="ko-KR" sz="2000" dirty="0">
+              <a:solidFill>
+                <a:schemeClr val="tx1">
+                  <a:lumMod val="65000"/>
+                  <a:lumOff val="35000"/>
+                </a:schemeClr>
+              </a:solidFill>
+              <a:latin typeface="KoPubWorld돋움체 Light" panose="00000300000000000000" pitchFamily="2" charset="-127"/>
+              <a:ea typeface="KoPubWorld돋움체 Light" panose="00000300000000000000" pitchFamily="2" charset="-127"/>
+              <a:cs typeface="KoPubWorld돋움체 Light" panose="00000300000000000000" pitchFamily="2" charset="-127"/>
+            </a:endParaRPr>
+          </a:p>
+          <a:p>
+            <a:pPr>
+              <a:lnSpc>
+                <a:spcPct val="150000"/>
+              </a:lnSpc>
+            </a:pPr>
+            <a:r>
+              <a:rPr lang="ko-KR" altLang="en-US" sz="1600" dirty="0">
+                <a:solidFill>
+                  <a:schemeClr val="tx1">
+                    <a:lumMod val="65000"/>
+                    <a:lumOff val="35000"/>
+                  </a:schemeClr>
+                </a:solidFill>
+                <a:latin typeface="KoPubWorld돋움체 Light" panose="00000300000000000000" pitchFamily="2" charset="-127"/>
+                <a:ea typeface="KoPubWorld돋움체 Light" panose="00000300000000000000" pitchFamily="2" charset="-127"/>
+                <a:cs typeface="KoPubWorld돋움체 Light" panose="00000300000000000000" pitchFamily="2" charset="-127"/>
+              </a:rPr>
+              <a:t>예</a:t>
+            </a:r>
+            <a:r>
+              <a:rPr lang="en-US" altLang="ko-KR" sz="1600" dirty="0">
+                <a:solidFill>
+                  <a:schemeClr val="tx1">
+                    <a:lumMod val="65000"/>
+                    <a:lumOff val="35000"/>
+                  </a:schemeClr>
+                </a:solidFill>
+                <a:latin typeface="KoPubWorld돋움체 Light" panose="00000300000000000000" pitchFamily="2" charset="-127"/>
+                <a:ea typeface="KoPubWorld돋움체 Light" panose="00000300000000000000" pitchFamily="2" charset="-127"/>
+                <a:cs typeface="KoPubWorld돋움체 Light" panose="00000300000000000000" pitchFamily="2" charset="-127"/>
+              </a:rPr>
+              <a:t>) </a:t>
+            </a:r>
+            <a:r>
+              <a:rPr lang="ko-KR" altLang="en-US" sz="1600" dirty="0">
+                <a:solidFill>
+                  <a:schemeClr val="tx1">
+                    <a:lumMod val="65000"/>
+                    <a:lumOff val="35000"/>
+                  </a:schemeClr>
+                </a:solidFill>
+                <a:latin typeface="KoPubWorld돋움체 Light" panose="00000300000000000000" pitchFamily="2" charset="-127"/>
+                <a:ea typeface="KoPubWorld돋움체 Light" panose="00000300000000000000" pitchFamily="2" charset="-127"/>
+                <a:cs typeface="KoPubWorld돋움체 Light" panose="00000300000000000000" pitchFamily="2" charset="-127"/>
+              </a:rPr>
+              <a:t>이번주는 최근 </a:t>
+            </a:r>
+            <a:r>
+              <a:rPr lang="en-US" altLang="ko-KR" sz="1600" dirty="0">
+                <a:solidFill>
+                  <a:schemeClr val="tx1">
+                    <a:lumMod val="65000"/>
+                    <a:lumOff val="35000"/>
+                  </a:schemeClr>
+                </a:solidFill>
+                <a:latin typeface="KoPubWorld돋움체 Light" panose="00000300000000000000" pitchFamily="2" charset="-127"/>
+                <a:ea typeface="KoPubWorld돋움체 Light" panose="00000300000000000000" pitchFamily="2" charset="-127"/>
+                <a:cs typeface="KoPubWorld돋움체 Light" panose="00000300000000000000" pitchFamily="2" charset="-127"/>
+              </a:rPr>
+              <a:t>90</a:t>
+            </a:r>
+            <a:r>
+              <a:rPr lang="ko-KR" altLang="en-US" sz="1600" dirty="0">
+                <a:solidFill>
+                  <a:schemeClr val="tx1">
+                    <a:lumMod val="65000"/>
+                    <a:lumOff val="35000"/>
+                  </a:schemeClr>
+                </a:solidFill>
+                <a:latin typeface="KoPubWorld돋움체 Light" panose="00000300000000000000" pitchFamily="2" charset="-127"/>
+                <a:ea typeface="KoPubWorld돋움체 Light" panose="00000300000000000000" pitchFamily="2" charset="-127"/>
+                <a:cs typeface="KoPubWorld돋움체 Light" panose="00000300000000000000" pitchFamily="2" charset="-127"/>
+              </a:rPr>
+              <a:t>일 내 들어 식비 지출이 많아졌습니다</a:t>
+            </a:r>
+            <a:r>
+              <a:rPr lang="en-US" altLang="ko-KR" sz="1600" dirty="0">
+                <a:solidFill>
+                  <a:schemeClr val="tx1">
+                    <a:lumMod val="65000"/>
+                    <a:lumOff val="35000"/>
+                  </a:schemeClr>
+                </a:solidFill>
+                <a:latin typeface="KoPubWorld돋움체 Light" panose="00000300000000000000" pitchFamily="2" charset="-127"/>
+                <a:ea typeface="KoPubWorld돋움체 Light" panose="00000300000000000000" pitchFamily="2" charset="-127"/>
+                <a:cs typeface="KoPubWorld돋움체 Light" panose="00000300000000000000" pitchFamily="2" charset="-127"/>
+              </a:rPr>
+              <a:t>.</a:t>
+            </a:r>
+          </a:p>
+          <a:p>
+            <a:pPr>
+              <a:lnSpc>
+                <a:spcPct val="150000"/>
+              </a:lnSpc>
+            </a:pPr>
+            <a:r>
+              <a:rPr lang="ko-KR" altLang="en-US" sz="1600" dirty="0">
+                <a:solidFill>
+                  <a:schemeClr val="tx1">
+                    <a:lumMod val="65000"/>
+                    <a:lumOff val="35000"/>
+                  </a:schemeClr>
+                </a:solidFill>
+                <a:latin typeface="KoPubWorld돋움체 Light" panose="00000300000000000000" pitchFamily="2" charset="-127"/>
+                <a:ea typeface="KoPubWorld돋움체 Light" panose="00000300000000000000" pitchFamily="2" charset="-127"/>
+                <a:cs typeface="KoPubWorld돋움체 Light" panose="00000300000000000000" pitchFamily="2" charset="-127"/>
+              </a:rPr>
+              <a:t>예</a:t>
+            </a:r>
+            <a:r>
+              <a:rPr lang="en-US" altLang="ko-KR" sz="1600" dirty="0">
+                <a:solidFill>
+                  <a:schemeClr val="tx1">
+                    <a:lumMod val="65000"/>
+                    <a:lumOff val="35000"/>
+                  </a:schemeClr>
+                </a:solidFill>
+                <a:latin typeface="KoPubWorld돋움체 Light" panose="00000300000000000000" pitchFamily="2" charset="-127"/>
+                <a:ea typeface="KoPubWorld돋움체 Light" panose="00000300000000000000" pitchFamily="2" charset="-127"/>
+                <a:cs typeface="KoPubWorld돋움체 Light" panose="00000300000000000000" pitchFamily="2" charset="-127"/>
+              </a:rPr>
+              <a:t>) </a:t>
+            </a:r>
+            <a:r>
+              <a:rPr lang="ko-KR" altLang="en-US" sz="1600" dirty="0">
+                <a:solidFill>
+                  <a:schemeClr val="tx1">
+                    <a:lumMod val="65000"/>
+                    <a:lumOff val="35000"/>
+                  </a:schemeClr>
+                </a:solidFill>
+                <a:latin typeface="KoPubWorld돋움체 Light" panose="00000300000000000000" pitchFamily="2" charset="-127"/>
+                <a:ea typeface="KoPubWorld돋움체 Light" panose="00000300000000000000" pitchFamily="2" charset="-127"/>
+                <a:cs typeface="KoPubWorld돋움체 Light" panose="00000300000000000000" pitchFamily="2" charset="-127"/>
+              </a:rPr>
+              <a:t>이번주는 지출이 줄었군요</a:t>
+            </a:r>
+            <a:endParaRPr lang="en-US" altLang="ko-KR" sz="1600" dirty="0">
+              <a:solidFill>
+                <a:schemeClr val="tx1">
+                  <a:lumMod val="65000"/>
+                  <a:lumOff val="35000"/>
+                </a:schemeClr>
+              </a:solidFill>
+              <a:latin typeface="KoPubWorld돋움체 Light" panose="00000300000000000000" pitchFamily="2" charset="-127"/>
+              <a:ea typeface="KoPubWorld돋움체 Light" panose="00000300000000000000" pitchFamily="2" charset="-127"/>
+              <a:cs typeface="KoPubWorld돋움체 Light" panose="00000300000000000000" pitchFamily="2" charset="-127"/>
+            </a:endParaRPr>
+          </a:p>
+        </p:txBody>
+      </p:sp>
+      <p:sp>
+        <p:nvSpPr>
+          <p:cNvPr id="21" name="TextBox 20">
+            <a:extLst>
+              <a:ext uri="{FF2B5EF4-FFF2-40B4-BE49-F238E27FC236}">
+                <a16:creationId xmlns:a16="http://schemas.microsoft.com/office/drawing/2014/main" id="{034B67B2-180C-40C0-AD05-DFC58A3E1528}"/>
+              </a:ext>
+            </a:extLst>
+          </p:cNvPr>
+          <p:cNvSpPr txBox="1"/>
+          <p:nvPr/>
+        </p:nvSpPr>
+        <p:spPr>
+          <a:xfrm>
+            <a:off x="1263575" y="1615511"/>
+            <a:ext cx="4096990" cy="369332"/>
+          </a:xfrm>
+          <a:prstGeom prst="rect">
+            <a:avLst/>
+          </a:prstGeom>
+          <a:noFill/>
+        </p:spPr>
+        <p:txBody>
+          <a:bodyPr wrap="square" rtlCol="0">
+            <a:spAutoFit/>
+          </a:bodyPr>
+          <a:lstStyle/>
+          <a:p>
+            <a:r>
+              <a:rPr lang="ko-KR" altLang="en-US" dirty="0">
+                <a:solidFill>
+                  <a:schemeClr val="tx1">
+                    <a:lumMod val="65000"/>
+                    <a:lumOff val="35000"/>
+                  </a:schemeClr>
+                </a:solidFill>
+                <a:latin typeface="KoPubWorld돋움체 Bold" panose="00000800000000000000" pitchFamily="2" charset="-127"/>
+                <a:ea typeface="KoPubWorld돋움체 Bold" panose="00000800000000000000" pitchFamily="2" charset="-127"/>
+                <a:cs typeface="KoPubWorld돋움체 Bold" panose="00000800000000000000" pitchFamily="2" charset="-127"/>
+              </a:rPr>
+              <a:t>주요기능 </a:t>
+            </a:r>
+            <a:r>
+              <a:rPr lang="en-US" altLang="ko-KR" dirty="0">
+                <a:solidFill>
+                  <a:schemeClr val="tx1">
+                    <a:lumMod val="65000"/>
+                    <a:lumOff val="35000"/>
+                  </a:schemeClr>
+                </a:solidFill>
+                <a:latin typeface="KoPubWorld돋움체 Bold" panose="00000800000000000000" pitchFamily="2" charset="-127"/>
+                <a:ea typeface="KoPubWorld돋움체 Bold" panose="00000800000000000000" pitchFamily="2" charset="-127"/>
+                <a:cs typeface="KoPubWorld돋움체 Bold" panose="00000800000000000000" pitchFamily="2" charset="-127"/>
+              </a:rPr>
+              <a:t>2 : </a:t>
+            </a:r>
+            <a:r>
+              <a:rPr lang="ko-KR" altLang="en-US" dirty="0">
+                <a:solidFill>
+                  <a:schemeClr val="tx1">
+                    <a:lumMod val="65000"/>
+                    <a:lumOff val="35000"/>
+                  </a:schemeClr>
+                </a:solidFill>
+                <a:latin typeface="KoPubWorld돋움체 Bold" panose="00000800000000000000" pitchFamily="2" charset="-127"/>
+                <a:ea typeface="KoPubWorld돋움체 Bold" panose="00000800000000000000" pitchFamily="2" charset="-127"/>
+                <a:cs typeface="KoPubWorld돋움체 Bold" panose="00000800000000000000" pitchFamily="2" charset="-127"/>
+              </a:rPr>
+              <a:t>실시간 내역서</a:t>
+            </a:r>
+            <a:endParaRPr lang="en-US" altLang="ko-KR" dirty="0">
+              <a:solidFill>
+                <a:schemeClr val="tx1">
+                  <a:lumMod val="65000"/>
+                  <a:lumOff val="35000"/>
+                </a:schemeClr>
+              </a:solidFill>
+              <a:latin typeface="KoPubWorld돋움체 Bold" panose="00000800000000000000" pitchFamily="2" charset="-127"/>
+              <a:ea typeface="KoPubWorld돋움체 Bold" panose="00000800000000000000" pitchFamily="2" charset="-127"/>
+              <a:cs typeface="KoPubWorld돋움체 Bold" panose="00000800000000000000" pitchFamily="2" charset="-127"/>
+            </a:endParaRPr>
+          </a:p>
+        </p:txBody>
+      </p:sp>
+      <p:cxnSp>
+        <p:nvCxnSpPr>
+          <p:cNvPr id="22" name="직선 연결선 21">
+            <a:extLst>
+              <a:ext uri="{FF2B5EF4-FFF2-40B4-BE49-F238E27FC236}">
+                <a16:creationId xmlns:a16="http://schemas.microsoft.com/office/drawing/2014/main" id="{DC111408-1EA9-421A-9BB9-5C9C6A16BA86}"/>
+              </a:ext>
+            </a:extLst>
+          </p:cNvPr>
+          <p:cNvCxnSpPr>
+            <a:cxnSpLocks/>
+          </p:cNvCxnSpPr>
+          <p:nvPr/>
+        </p:nvCxnSpPr>
+        <p:spPr>
+          <a:xfrm>
+            <a:off x="1335584" y="1984843"/>
+            <a:ext cx="2607242" cy="0"/>
+          </a:xfrm>
+          <a:prstGeom prst="line">
+            <a:avLst/>
+          </a:prstGeom>
+          <a:ln w="15875">
+            <a:solidFill>
+              <a:schemeClr val="tx1"/>
+            </a:solidFill>
+          </a:ln>
+        </p:spPr>
+        <p:style>
+          <a:lnRef idx="1">
+            <a:schemeClr val="accent1"/>
+          </a:lnRef>
+          <a:fillRef idx="0">
+            <a:schemeClr val="accent1"/>
+          </a:fillRef>
+          <a:effectRef idx="0">
+            <a:schemeClr val="accent1"/>
+          </a:effectRef>
+          <a:fontRef idx="minor">
+            <a:schemeClr val="tx1"/>
+          </a:fontRef>
+        </p:style>
+      </p:cxnSp>
+      <p:grpSp>
+        <p:nvGrpSpPr>
+          <p:cNvPr id="11" name="그룹 10">
+            <a:extLst>
+              <a:ext uri="{FF2B5EF4-FFF2-40B4-BE49-F238E27FC236}">
+                <a16:creationId xmlns:a16="http://schemas.microsoft.com/office/drawing/2014/main" id="{CB6F9824-565E-4276-8896-3E45A9D30C6F}"/>
+              </a:ext>
+            </a:extLst>
+          </p:cNvPr>
+          <p:cNvGrpSpPr/>
+          <p:nvPr/>
+        </p:nvGrpSpPr>
+        <p:grpSpPr>
+          <a:xfrm>
+            <a:off x="643770" y="188165"/>
+            <a:ext cx="3981147" cy="830997"/>
+            <a:chOff x="357588" y="188165"/>
+            <a:chExt cx="3981147" cy="830997"/>
+          </a:xfrm>
+        </p:grpSpPr>
+        <p:sp>
+          <p:nvSpPr>
+            <p:cNvPr id="12" name="직사각형 11">
+              <a:extLst>
+                <a:ext uri="{FF2B5EF4-FFF2-40B4-BE49-F238E27FC236}">
+                  <a16:creationId xmlns:a16="http://schemas.microsoft.com/office/drawing/2014/main" id="{D104D79E-901E-43F1-8667-676DFE6C40AA}"/>
+                </a:ext>
+              </a:extLst>
+            </p:cNvPr>
+            <p:cNvSpPr/>
+            <p:nvPr/>
+          </p:nvSpPr>
+          <p:spPr>
+            <a:xfrm>
+              <a:off x="1141445" y="271010"/>
+              <a:ext cx="3197290" cy="553998"/>
+            </a:xfrm>
+            <a:prstGeom prst="rect">
+              <a:avLst/>
+            </a:prstGeom>
+          </p:spPr>
+          <p:txBody>
+            <a:bodyPr wrap="square">
+              <a:spAutoFit/>
+            </a:bodyPr>
+            <a:lstStyle/>
+            <a:p>
+              <a:r>
+                <a:rPr lang="ko-KR" altLang="en-US" dirty="0">
+                  <a:solidFill>
+                    <a:schemeClr val="tx1">
+                      <a:lumMod val="65000"/>
+                      <a:lumOff val="35000"/>
+                    </a:schemeClr>
+                  </a:solidFill>
+                  <a:latin typeface="KoPubWorld돋움체 Bold" panose="00000800000000000000" pitchFamily="2" charset="-127"/>
+                  <a:ea typeface="KoPubWorld돋움체 Bold" panose="00000800000000000000" pitchFamily="2" charset="-127"/>
+                  <a:cs typeface="KoPubWorld돋움체 Bold" panose="00000800000000000000" pitchFamily="2" charset="-127"/>
+                </a:rPr>
+                <a:t>기능소개</a:t>
+              </a:r>
+              <a:endParaRPr lang="en-US" altLang="ko-KR" dirty="0">
+                <a:solidFill>
+                  <a:schemeClr val="tx1">
+                    <a:lumMod val="65000"/>
+                    <a:lumOff val="35000"/>
+                  </a:schemeClr>
+                </a:solidFill>
+                <a:latin typeface="KoPubWorld돋움체 Bold" panose="00000800000000000000" pitchFamily="2" charset="-127"/>
+                <a:ea typeface="KoPubWorld돋움체 Bold" panose="00000800000000000000" pitchFamily="2" charset="-127"/>
+                <a:cs typeface="KoPubWorld돋움체 Bold" panose="00000800000000000000" pitchFamily="2" charset="-127"/>
+              </a:endParaRPr>
+            </a:p>
+            <a:p>
+              <a:r>
+                <a:rPr lang="ko-KR" altLang="en-US" sz="1200" dirty="0">
+                  <a:solidFill>
+                    <a:schemeClr val="tx1">
+                      <a:lumMod val="65000"/>
+                      <a:lumOff val="35000"/>
+                    </a:schemeClr>
+                  </a:solidFill>
+                  <a:latin typeface="KoPubWorld돋움체 Light" panose="00000300000000000000" pitchFamily="2" charset="-127"/>
+                  <a:ea typeface="KoPubWorld돋움체 Light" panose="00000300000000000000" pitchFamily="2" charset="-127"/>
+                  <a:cs typeface="KoPubWorld돋움체 Light" panose="00000300000000000000" pitchFamily="2" charset="-127"/>
+                </a:rPr>
+                <a:t>주요기능</a:t>
+              </a:r>
+              <a:endParaRPr lang="ko-KR" altLang="en-US" sz="1200" dirty="0">
+                <a:solidFill>
+                  <a:schemeClr val="tx1">
+                    <a:lumMod val="65000"/>
+                    <a:lumOff val="35000"/>
+                  </a:schemeClr>
+                </a:solidFill>
+                <a:latin typeface="KoPubWorld돋움체 Light" panose="020B0600000101010101" charset="-127"/>
+                <a:ea typeface="KoPubWorld돋움체 Light" panose="020B0600000101010101" charset="-127"/>
+                <a:cs typeface="KoPubWorld돋움체 Light" panose="020B0600000101010101" charset="-127"/>
+              </a:endParaRPr>
+            </a:p>
+          </p:txBody>
+        </p:sp>
+        <p:sp>
+          <p:nvSpPr>
+            <p:cNvPr id="13" name="TextBox 12">
+              <a:extLst>
+                <a:ext uri="{FF2B5EF4-FFF2-40B4-BE49-F238E27FC236}">
+                  <a16:creationId xmlns:a16="http://schemas.microsoft.com/office/drawing/2014/main" id="{4B4E0481-940E-4AFF-93C0-15DE43686079}"/>
+                </a:ext>
+              </a:extLst>
+            </p:cNvPr>
+            <p:cNvSpPr txBox="1"/>
+            <p:nvPr/>
+          </p:nvSpPr>
+          <p:spPr>
+            <a:xfrm>
+              <a:off x="357588" y="188165"/>
+              <a:ext cx="877163" cy="830997"/>
+            </a:xfrm>
+            <a:prstGeom prst="rect">
+              <a:avLst/>
+            </a:prstGeom>
+            <a:noFill/>
+          </p:spPr>
+          <p:txBody>
+            <a:bodyPr wrap="none" rtlCol="0">
+              <a:spAutoFit/>
+            </a:bodyPr>
+            <a:lstStyle/>
+            <a:p>
+              <a:r>
+                <a:rPr lang="en-US" altLang="ko-KR" sz="4800" b="1" dirty="0">
+                  <a:solidFill>
+                    <a:srgbClr val="64DECF"/>
+                  </a:solidFill>
+                  <a:latin typeface="KoPubWorld돋움체 Bold" panose="00000800000000000000" pitchFamily="2" charset="-127"/>
+                  <a:ea typeface="KoPubWorld돋움체 Bold" panose="00000800000000000000" pitchFamily="2" charset="-127"/>
+                  <a:cs typeface="KoPubWorld돋움체 Bold" panose="00000800000000000000" pitchFamily="2" charset="-127"/>
+                </a:rPr>
+                <a:t>04</a:t>
+              </a:r>
+              <a:endParaRPr lang="ko-KR" altLang="en-US" sz="4800" b="1" dirty="0">
+                <a:solidFill>
+                  <a:srgbClr val="64DECF"/>
+                </a:solidFill>
+                <a:latin typeface="KoPubWorld돋움체 Bold" panose="00000800000000000000" pitchFamily="2" charset="-127"/>
+                <a:ea typeface="KoPubWorld돋움체 Bold" panose="00000800000000000000" pitchFamily="2" charset="-127"/>
+                <a:cs typeface="KoPubWorld돋움체 Bold" panose="00000800000000000000" pitchFamily="2" charset="-127"/>
+              </a:endParaRPr>
+            </a:p>
+          </p:txBody>
+        </p:sp>
+      </p:grpSp>
+      <p:pic>
+        <p:nvPicPr>
+          <p:cNvPr id="6" name="그림 5">
+            <a:extLst>
+              <a:ext uri="{FF2B5EF4-FFF2-40B4-BE49-F238E27FC236}">
+                <a16:creationId xmlns:a16="http://schemas.microsoft.com/office/drawing/2014/main" id="{09BFA422-00B3-46DA-9594-A6307D12FD66}"/>
+              </a:ext>
+            </a:extLst>
+          </p:cNvPr>
+          <p:cNvPicPr>
+            <a:picLocks noChangeAspect="1"/>
+          </p:cNvPicPr>
+          <p:nvPr/>
+        </p:nvPicPr>
+        <p:blipFill>
+          <a:blip r:embed="rId3"/>
+          <a:stretch>
+            <a:fillRect/>
+          </a:stretch>
+        </p:blipFill>
+        <p:spPr>
+          <a:xfrm>
+            <a:off x="6939443" y="1580958"/>
+            <a:ext cx="4251471" cy="4139196"/>
+          </a:xfrm>
+          <a:prstGeom prst="rect">
+            <a:avLst/>
+          </a:prstGeom>
+        </p:spPr>
+      </p:pic>
+    </p:spTree>
+    <p:extLst>
+      <p:ext uri="{BB962C8B-B14F-4D97-AF65-F5344CB8AC3E}">
+        <p14:creationId xmlns:p14="http://schemas.microsoft.com/office/powerpoint/2010/main" val="1325226389"/>
+      </p:ext>
+    </p:extLst>
+  </p:cSld>
+  <p:clrMapOvr>
+    <a:masterClrMapping/>
+  </p:clrMapOvr>
+</p:sld>
+</file>
+
+<file path=ppt/slides/slide11.xml><?xml version="1.0" encoding="utf-8"?>
+<p:sld xmlns:a="http://schemas.openxmlformats.org/drawingml/2006/main" xmlns:r="http://schemas.openxmlformats.org/officeDocument/2006/relationships" xmlns:p="http://schemas.openxmlformats.org/presentationml/2006/main">
+  <p:cSld>
+    <p:spTree>
+      <p:nvGrpSpPr>
+        <p:cNvPr id="1" name=""/>
+        <p:cNvGrpSpPr/>
+        <p:nvPr/>
+      </p:nvGrpSpPr>
+      <p:grpSpPr>
+        <a:xfrm>
+          <a:off x="0" y="0"/>
+          <a:ext cx="0" cy="0"/>
+          <a:chOff x="0" y="0"/>
+          <a:chExt cx="0" cy="0"/>
+        </a:xfrm>
+      </p:grpSpPr>
+      <p:sp>
+        <p:nvSpPr>
+          <p:cNvPr id="23" name="직사각형 22">
+            <a:extLst>
+              <a:ext uri="{FF2B5EF4-FFF2-40B4-BE49-F238E27FC236}">
+                <a16:creationId xmlns:a16="http://schemas.microsoft.com/office/drawing/2014/main" id="{505D9C9E-8325-4A59-BEFC-3BC22C85BDAD}"/>
+              </a:ext>
+            </a:extLst>
+          </p:cNvPr>
+          <p:cNvSpPr/>
+          <p:nvPr/>
+        </p:nvSpPr>
+        <p:spPr>
+          <a:xfrm flipV="1">
+            <a:off x="557400" y="1001162"/>
+            <a:ext cx="11077200" cy="18000"/>
+          </a:xfrm>
+          <a:prstGeom prst="rect">
+            <a:avLst/>
+          </a:prstGeom>
+          <a:solidFill>
+            <a:srgbClr val="64DECF"/>
+          </a:solidFill>
+          <a:ln>
+            <a:noFill/>
+          </a:ln>
+        </p:spPr>
+        <p:style>
+          <a:lnRef idx="2">
+            <a:schemeClr val="accent1">
+              <a:shade val="50000"/>
+            </a:schemeClr>
+          </a:lnRef>
+          <a:fillRef idx="1">
+            <a:schemeClr val="accent1"/>
+          </a:fillRef>
+          <a:effectRef idx="0">
+            <a:schemeClr val="accent1"/>
+          </a:effectRef>
+          <a:fontRef idx="minor">
+            <a:schemeClr val="lt1"/>
+          </a:fontRef>
+        </p:style>
+        <p:txBody>
+          <a:bodyPr rtlCol="0" anchor="ctr"/>
+          <a:lstStyle/>
+          <a:p>
+            <a:pPr algn="ctr"/>
+            <a:endParaRPr lang="ko-KR" altLang="en-US"/>
+          </a:p>
+        </p:txBody>
+      </p:sp>
+      <p:sp>
+        <p:nvSpPr>
+          <p:cNvPr id="19" name="TextBox 18">
+            <a:extLst>
+              <a:ext uri="{FF2B5EF4-FFF2-40B4-BE49-F238E27FC236}">
+                <a16:creationId xmlns:a16="http://schemas.microsoft.com/office/drawing/2014/main" id="{CC31646F-091B-4C5A-93D5-E959CD92F4AE}"/>
+              </a:ext>
+            </a:extLst>
+          </p:cNvPr>
+          <p:cNvSpPr txBox="1"/>
+          <p:nvPr/>
+        </p:nvSpPr>
+        <p:spPr>
+          <a:xfrm>
+            <a:off x="1335585" y="1580958"/>
+            <a:ext cx="3521642" cy="584775"/>
+          </a:xfrm>
+          <a:prstGeom prst="rect">
+            <a:avLst/>
+          </a:prstGeom>
+          <a:noFill/>
+        </p:spPr>
+        <p:txBody>
+          <a:bodyPr wrap="square" rtlCol="0">
+            <a:spAutoFit/>
+          </a:bodyPr>
+          <a:lstStyle/>
+          <a:p>
+            <a:pPr algn="ctr"/>
+            <a:endParaRPr lang="en-US" altLang="ko-KR" sz="3200" dirty="0">
+              <a:solidFill>
+                <a:srgbClr val="00B0F0"/>
+              </a:solidFill>
+              <a:latin typeface="KoPub돋움체 Light" panose="00000300000000000000" pitchFamily="2" charset="-127"/>
+              <a:ea typeface="KoPub돋움체 Light" panose="00000300000000000000" pitchFamily="2" charset="-127"/>
+            </a:endParaRPr>
+          </a:p>
+        </p:txBody>
+      </p:sp>
+      <p:sp>
+        <p:nvSpPr>
+          <p:cNvPr id="20" name="TextBox 19">
+            <a:extLst>
+              <a:ext uri="{FF2B5EF4-FFF2-40B4-BE49-F238E27FC236}">
+                <a16:creationId xmlns:a16="http://schemas.microsoft.com/office/drawing/2014/main" id="{8A1568D5-F63B-4A0B-A20F-3DF8DFBA0C49}"/>
+              </a:ext>
+            </a:extLst>
+          </p:cNvPr>
+          <p:cNvSpPr txBox="1"/>
+          <p:nvPr/>
+        </p:nvSpPr>
+        <p:spPr>
+          <a:xfrm>
+            <a:off x="1184392" y="2200879"/>
+            <a:ext cx="8432112" cy="4031873"/>
+          </a:xfrm>
+          <a:prstGeom prst="rect">
+            <a:avLst/>
+          </a:prstGeom>
+          <a:noFill/>
+        </p:spPr>
+        <p:txBody>
+          <a:bodyPr wrap="square" rtlCol="0">
+            <a:spAutoFit/>
+          </a:bodyPr>
+          <a:lstStyle/>
+          <a:p>
+            <a:pPr marL="342900" indent="-342900">
+              <a:lnSpc>
+                <a:spcPct val="150000"/>
+              </a:lnSpc>
+              <a:buFont typeface="Wingdings" panose="05000000000000000000" pitchFamily="2" charset="2"/>
+              <a:buChar char="ü"/>
+            </a:pPr>
+            <a:r>
+              <a:rPr lang="ko-KR" altLang="en-US" sz="2000" dirty="0">
+                <a:solidFill>
+                  <a:srgbClr val="FF7C80"/>
+                </a:solidFill>
+                <a:latin typeface="KoPubWorld돋움체 Bold" panose="00000800000000000000" pitchFamily="2" charset="-127"/>
+                <a:ea typeface="KoPubWorld돋움체 Bold" panose="00000800000000000000" pitchFamily="2" charset="-127"/>
+                <a:cs typeface="KoPubWorld돋움체 Bold" panose="00000800000000000000" pitchFamily="2" charset="-127"/>
+              </a:rPr>
+              <a:t>매월 </a:t>
+            </a:r>
+            <a:r>
+              <a:rPr lang="en-US" altLang="ko-KR" sz="2000" dirty="0">
+                <a:solidFill>
+                  <a:srgbClr val="FF7C80"/>
+                </a:solidFill>
+                <a:latin typeface="KoPubWorld돋움체 Bold" panose="00000800000000000000" pitchFamily="2" charset="-127"/>
+                <a:ea typeface="KoPubWorld돋움체 Bold" panose="00000800000000000000" pitchFamily="2" charset="-127"/>
+                <a:cs typeface="KoPubWorld돋움체 Bold" panose="00000800000000000000" pitchFamily="2" charset="-127"/>
+              </a:rPr>
+              <a:t>1</a:t>
+            </a:r>
+            <a:r>
+              <a:rPr lang="ko-KR" altLang="en-US" sz="2000" dirty="0">
+                <a:solidFill>
+                  <a:srgbClr val="FF7C80"/>
+                </a:solidFill>
+                <a:latin typeface="KoPubWorld돋움체 Bold" panose="00000800000000000000" pitchFamily="2" charset="-127"/>
+                <a:ea typeface="KoPubWorld돋움체 Bold" panose="00000800000000000000" pitchFamily="2" charset="-127"/>
+                <a:cs typeface="KoPubWorld돋움체 Bold" panose="00000800000000000000" pitchFamily="2" charset="-127"/>
+              </a:rPr>
+              <a:t>일 사용자에게 월간 카드 거래 리포트를 발송</a:t>
+            </a:r>
+            <a:endParaRPr lang="en-US" altLang="ko-KR" sz="2000" dirty="0">
+              <a:solidFill>
+                <a:srgbClr val="FF7C80"/>
+              </a:solidFill>
+              <a:latin typeface="KoPubWorld돋움체 Bold" panose="00000800000000000000" pitchFamily="2" charset="-127"/>
+              <a:ea typeface="KoPubWorld돋움체 Bold" panose="00000800000000000000" pitchFamily="2" charset="-127"/>
+              <a:cs typeface="KoPubWorld돋움체 Bold" panose="00000800000000000000" pitchFamily="2" charset="-127"/>
+            </a:endParaRPr>
+          </a:p>
+          <a:p>
+            <a:pPr marL="342900" indent="-342900">
+              <a:lnSpc>
+                <a:spcPct val="150000"/>
+              </a:lnSpc>
+              <a:buFont typeface="Wingdings" panose="05000000000000000000" pitchFamily="2" charset="2"/>
+              <a:buChar char="ü"/>
+            </a:pPr>
+            <a:r>
+              <a:rPr lang="ko-KR" altLang="en-US" sz="2000" dirty="0">
+                <a:solidFill>
+                  <a:schemeClr val="tx1">
+                    <a:lumMod val="65000"/>
+                    <a:lumOff val="35000"/>
+                  </a:schemeClr>
+                </a:solidFill>
+                <a:latin typeface="KoPubWorld돋움체 Light" panose="00000300000000000000" pitchFamily="2" charset="-127"/>
+                <a:ea typeface="KoPubWorld돋움체 Light" panose="00000300000000000000" pitchFamily="2" charset="-127"/>
+                <a:cs typeface="KoPubWorld돋움체 Light" panose="00000300000000000000" pitchFamily="2" charset="-127"/>
+              </a:rPr>
+              <a:t>과거의 월간 거래 리포트 조회 가능</a:t>
+            </a:r>
+            <a:endParaRPr lang="en-US" altLang="ko-KR" sz="2000" dirty="0">
+              <a:solidFill>
+                <a:schemeClr val="tx1">
+                  <a:lumMod val="65000"/>
+                  <a:lumOff val="35000"/>
+                </a:schemeClr>
+              </a:solidFill>
+              <a:latin typeface="KoPubWorld돋움체 Light" panose="00000300000000000000" pitchFamily="2" charset="-127"/>
+              <a:ea typeface="KoPubWorld돋움체 Light" panose="00000300000000000000" pitchFamily="2" charset="-127"/>
+              <a:cs typeface="KoPubWorld돋움체 Light" panose="00000300000000000000" pitchFamily="2" charset="-127"/>
+            </a:endParaRPr>
+          </a:p>
+          <a:p>
+            <a:pPr marL="342900" indent="-342900">
+              <a:lnSpc>
+                <a:spcPct val="150000"/>
+              </a:lnSpc>
+              <a:buFont typeface="Wingdings" panose="05000000000000000000" pitchFamily="2" charset="2"/>
+              <a:buChar char="ü"/>
+            </a:pPr>
+            <a:endParaRPr lang="en-US" altLang="ko-KR" sz="2000" dirty="0">
+              <a:solidFill>
+                <a:schemeClr val="tx1">
+                  <a:lumMod val="65000"/>
+                  <a:lumOff val="35000"/>
+                </a:schemeClr>
+              </a:solidFill>
+              <a:latin typeface="KoPubWorld돋움체 Light" panose="00000300000000000000" pitchFamily="2" charset="-127"/>
+              <a:ea typeface="KoPubWorld돋움체 Light" panose="00000300000000000000" pitchFamily="2" charset="-127"/>
+              <a:cs typeface="KoPubWorld돋움체 Light" panose="00000300000000000000" pitchFamily="2" charset="-127"/>
+            </a:endParaRPr>
+          </a:p>
+          <a:p>
+            <a:pPr marL="342900" indent="-342900">
+              <a:lnSpc>
+                <a:spcPct val="150000"/>
+              </a:lnSpc>
+              <a:buFont typeface="Wingdings" panose="05000000000000000000" pitchFamily="2" charset="2"/>
+              <a:buChar char="ü"/>
+            </a:pPr>
+            <a:r>
+              <a:rPr lang="ko-KR" altLang="en-US" sz="2000" dirty="0">
+                <a:solidFill>
+                  <a:schemeClr val="tx1">
+                    <a:lumMod val="65000"/>
+                    <a:lumOff val="35000"/>
+                  </a:schemeClr>
+                </a:solidFill>
+                <a:latin typeface="KoPubWorld돋움체 Light" panose="00000300000000000000" pitchFamily="2" charset="-127"/>
+                <a:ea typeface="KoPubWorld돋움체 Light" panose="00000300000000000000" pitchFamily="2" charset="-127"/>
+                <a:cs typeface="KoPubWorld돋움체 Light" panose="00000300000000000000" pitchFamily="2" charset="-127"/>
+              </a:rPr>
+              <a:t>주간거래 분석 </a:t>
+            </a:r>
+            <a:r>
+              <a:rPr lang="en-US" altLang="ko-KR" sz="2000" dirty="0">
+                <a:solidFill>
+                  <a:schemeClr val="tx1">
+                    <a:lumMod val="65000"/>
+                    <a:lumOff val="35000"/>
+                  </a:schemeClr>
+                </a:solidFill>
+                <a:latin typeface="KoPubWorld돋움체 Light" panose="00000300000000000000" pitchFamily="2" charset="-127"/>
+                <a:ea typeface="KoPubWorld돋움체 Light" panose="00000300000000000000" pitchFamily="2" charset="-127"/>
+                <a:cs typeface="KoPubWorld돋움체 Light" panose="00000300000000000000" pitchFamily="2" charset="-127"/>
+              </a:rPr>
+              <a:t>(</a:t>
+            </a:r>
+            <a:r>
+              <a:rPr lang="ko-KR" altLang="en-US" sz="2000" dirty="0">
+                <a:solidFill>
+                  <a:schemeClr val="tx1">
+                    <a:lumMod val="65000"/>
+                    <a:lumOff val="35000"/>
+                  </a:schemeClr>
+                </a:solidFill>
+                <a:latin typeface="KoPubWorld돋움체 Light" panose="00000300000000000000" pitchFamily="2" charset="-127"/>
+                <a:ea typeface="KoPubWorld돋움체 Light" panose="00000300000000000000" pitchFamily="2" charset="-127"/>
+                <a:cs typeface="KoPubWorld돋움체 Light" panose="00000300000000000000" pitchFamily="2" charset="-127"/>
+              </a:rPr>
+              <a:t>가장 지출이 많은 주</a:t>
+            </a:r>
+            <a:r>
+              <a:rPr lang="en-US" altLang="ko-KR" sz="2000" dirty="0">
+                <a:solidFill>
+                  <a:schemeClr val="tx1">
+                    <a:lumMod val="65000"/>
+                    <a:lumOff val="35000"/>
+                  </a:schemeClr>
+                </a:solidFill>
+                <a:latin typeface="KoPubWorld돋움체 Light" panose="00000300000000000000" pitchFamily="2" charset="-127"/>
+                <a:ea typeface="KoPubWorld돋움체 Light" panose="00000300000000000000" pitchFamily="2" charset="-127"/>
+                <a:cs typeface="KoPubWorld돋움체 Light" panose="00000300000000000000" pitchFamily="2" charset="-127"/>
+              </a:rPr>
+              <a:t>, </a:t>
+            </a:r>
+            <a:r>
+              <a:rPr lang="ko-KR" altLang="en-US" sz="2000" dirty="0">
+                <a:solidFill>
+                  <a:schemeClr val="tx1">
+                    <a:lumMod val="65000"/>
+                    <a:lumOff val="35000"/>
+                  </a:schemeClr>
+                </a:solidFill>
+                <a:latin typeface="KoPubWorld돋움체 Light" panose="00000300000000000000" pitchFamily="2" charset="-127"/>
+                <a:ea typeface="KoPubWorld돋움체 Light" panose="00000300000000000000" pitchFamily="2" charset="-127"/>
+                <a:cs typeface="KoPubWorld돋움체 Light" panose="00000300000000000000" pitchFamily="2" charset="-127"/>
+              </a:rPr>
+              <a:t>월 평균 지출액 제공</a:t>
+            </a:r>
+            <a:r>
+              <a:rPr lang="en-US" altLang="ko-KR" sz="2000" dirty="0">
+                <a:solidFill>
+                  <a:schemeClr val="tx1">
+                    <a:lumMod val="65000"/>
+                    <a:lumOff val="35000"/>
+                  </a:schemeClr>
+                </a:solidFill>
+                <a:latin typeface="KoPubWorld돋움체 Light" panose="00000300000000000000" pitchFamily="2" charset="-127"/>
+                <a:ea typeface="KoPubWorld돋움체 Light" panose="00000300000000000000" pitchFamily="2" charset="-127"/>
+                <a:cs typeface="KoPubWorld돋움체 Light" panose="00000300000000000000" pitchFamily="2" charset="-127"/>
+              </a:rPr>
+              <a:t>)</a:t>
+            </a:r>
+          </a:p>
+          <a:p>
+            <a:pPr marL="342900" indent="-342900">
+              <a:lnSpc>
+                <a:spcPct val="150000"/>
+              </a:lnSpc>
+              <a:buFont typeface="Wingdings" panose="05000000000000000000" pitchFamily="2" charset="2"/>
+              <a:buChar char="ü"/>
+            </a:pPr>
+            <a:r>
+              <a:rPr lang="ko-KR" altLang="en-US" sz="2000" dirty="0" err="1">
+                <a:solidFill>
+                  <a:schemeClr val="tx1">
+                    <a:lumMod val="65000"/>
+                    <a:lumOff val="35000"/>
+                  </a:schemeClr>
+                </a:solidFill>
+                <a:latin typeface="KoPubWorld돋움체 Light" panose="00000300000000000000" pitchFamily="2" charset="-127"/>
+                <a:ea typeface="KoPubWorld돋움체 Light" panose="00000300000000000000" pitchFamily="2" charset="-127"/>
+                <a:cs typeface="KoPubWorld돋움체 Light" panose="00000300000000000000" pitchFamily="2" charset="-127"/>
+              </a:rPr>
+              <a:t>요일별</a:t>
+            </a:r>
+            <a:r>
+              <a:rPr lang="ko-KR" altLang="en-US" sz="2000" dirty="0">
+                <a:solidFill>
+                  <a:schemeClr val="tx1">
+                    <a:lumMod val="65000"/>
+                    <a:lumOff val="35000"/>
+                  </a:schemeClr>
+                </a:solidFill>
+                <a:latin typeface="KoPubWorld돋움체 Light" panose="00000300000000000000" pitchFamily="2" charset="-127"/>
+                <a:ea typeface="KoPubWorld돋움체 Light" panose="00000300000000000000" pitchFamily="2" charset="-127"/>
+                <a:cs typeface="KoPubWorld돋움체 Light" panose="00000300000000000000" pitchFamily="2" charset="-127"/>
+              </a:rPr>
+              <a:t> 거래 분석 </a:t>
+            </a:r>
+            <a:r>
+              <a:rPr lang="en-US" altLang="ko-KR" sz="2000" dirty="0">
+                <a:solidFill>
+                  <a:schemeClr val="tx1">
+                    <a:lumMod val="65000"/>
+                    <a:lumOff val="35000"/>
+                  </a:schemeClr>
+                </a:solidFill>
+                <a:latin typeface="KoPubWorld돋움체 Light" panose="00000300000000000000" pitchFamily="2" charset="-127"/>
+                <a:ea typeface="KoPubWorld돋움체 Light" panose="00000300000000000000" pitchFamily="2" charset="-127"/>
+                <a:cs typeface="KoPubWorld돋움체 Light" panose="00000300000000000000" pitchFamily="2" charset="-127"/>
+              </a:rPr>
+              <a:t>(</a:t>
+            </a:r>
+            <a:r>
+              <a:rPr lang="ko-KR" altLang="en-US" sz="2000" dirty="0">
+                <a:solidFill>
+                  <a:schemeClr val="tx1">
+                    <a:lumMod val="65000"/>
+                    <a:lumOff val="35000"/>
+                  </a:schemeClr>
+                </a:solidFill>
+                <a:latin typeface="KoPubWorld돋움체 Light" panose="00000300000000000000" pitchFamily="2" charset="-127"/>
+                <a:ea typeface="KoPubWorld돋움체 Light" panose="00000300000000000000" pitchFamily="2" charset="-127"/>
+                <a:cs typeface="KoPubWorld돋움체 Light" panose="00000300000000000000" pitchFamily="2" charset="-127"/>
+              </a:rPr>
+              <a:t>가장 지출이 많은 요일</a:t>
+            </a:r>
+            <a:r>
+              <a:rPr lang="en-US" altLang="ko-KR" sz="2000" dirty="0">
+                <a:solidFill>
+                  <a:schemeClr val="tx1">
+                    <a:lumMod val="65000"/>
+                    <a:lumOff val="35000"/>
+                  </a:schemeClr>
+                </a:solidFill>
+                <a:latin typeface="KoPubWorld돋움체 Light" panose="00000300000000000000" pitchFamily="2" charset="-127"/>
+                <a:ea typeface="KoPubWorld돋움체 Light" panose="00000300000000000000" pitchFamily="2" charset="-127"/>
+                <a:cs typeface="KoPubWorld돋움체 Light" panose="00000300000000000000" pitchFamily="2" charset="-127"/>
+              </a:rPr>
+              <a:t>)</a:t>
+            </a:r>
+          </a:p>
+          <a:p>
+            <a:pPr marL="342900" indent="-342900">
+              <a:lnSpc>
+                <a:spcPct val="150000"/>
+              </a:lnSpc>
+              <a:buFont typeface="Wingdings" panose="05000000000000000000" pitchFamily="2" charset="2"/>
+              <a:buChar char="ü"/>
+            </a:pPr>
+            <a:r>
+              <a:rPr lang="ko-KR" altLang="en-US" sz="2000" dirty="0">
+                <a:solidFill>
+                  <a:schemeClr val="tx1">
+                    <a:lumMod val="65000"/>
+                    <a:lumOff val="35000"/>
+                  </a:schemeClr>
+                </a:solidFill>
+                <a:latin typeface="KoPubWorld돋움체 Light" panose="00000300000000000000" pitchFamily="2" charset="-127"/>
+                <a:ea typeface="KoPubWorld돋움체 Light" panose="00000300000000000000" pitchFamily="2" charset="-127"/>
+                <a:cs typeface="KoPubWorld돋움체 Light" panose="00000300000000000000" pitchFamily="2" charset="-127"/>
+              </a:rPr>
+              <a:t>상세 거래 항목 제공</a:t>
+            </a:r>
+          </a:p>
+          <a:p>
+            <a:pPr marL="342900" indent="-342900">
+              <a:lnSpc>
+                <a:spcPct val="150000"/>
+              </a:lnSpc>
+              <a:buFont typeface="Wingdings" panose="05000000000000000000" pitchFamily="2" charset="2"/>
+              <a:buChar char="ü"/>
+            </a:pPr>
+            <a:r>
+              <a:rPr lang="ko-KR" altLang="en-US" sz="2000" dirty="0">
+                <a:solidFill>
+                  <a:schemeClr val="tx1">
+                    <a:lumMod val="65000"/>
+                    <a:lumOff val="35000"/>
+                  </a:schemeClr>
+                </a:solidFill>
+                <a:latin typeface="KoPubWorld돋움체 Light" panose="00000300000000000000" pitchFamily="2" charset="-127"/>
+                <a:ea typeface="KoPubWorld돋움체 Light" panose="00000300000000000000" pitchFamily="2" charset="-127"/>
+                <a:cs typeface="KoPubWorld돋움체 Light" panose="00000300000000000000" pitchFamily="2" charset="-127"/>
+              </a:rPr>
+              <a:t>거래금액 기준 카테고리 분포</a:t>
+            </a:r>
+          </a:p>
+          <a:p>
+            <a:pPr>
+              <a:lnSpc>
+                <a:spcPct val="150000"/>
+              </a:lnSpc>
+            </a:pPr>
+            <a:r>
+              <a:rPr lang="ko-KR" altLang="en-US" sz="1600" dirty="0">
+                <a:solidFill>
+                  <a:schemeClr val="tx1">
+                    <a:lumMod val="65000"/>
+                    <a:lumOff val="35000"/>
+                  </a:schemeClr>
+                </a:solidFill>
+                <a:latin typeface="KoPubWorld돋움체 Light" panose="00000300000000000000" pitchFamily="2" charset="-127"/>
+                <a:ea typeface="KoPubWorld돋움체 Light" panose="00000300000000000000" pitchFamily="2" charset="-127"/>
+                <a:cs typeface="KoPubWorld돋움체 Light" panose="00000300000000000000" pitchFamily="2" charset="-127"/>
+              </a:rPr>
+              <a:t>예</a:t>
+            </a:r>
+            <a:r>
+              <a:rPr lang="en-US" altLang="ko-KR" sz="1600" dirty="0">
+                <a:solidFill>
+                  <a:schemeClr val="tx1">
+                    <a:lumMod val="65000"/>
+                    <a:lumOff val="35000"/>
+                  </a:schemeClr>
+                </a:solidFill>
+                <a:latin typeface="KoPubWorld돋움체 Light" panose="00000300000000000000" pitchFamily="2" charset="-127"/>
+                <a:ea typeface="KoPubWorld돋움체 Light" panose="00000300000000000000" pitchFamily="2" charset="-127"/>
+                <a:cs typeface="KoPubWorld돋움체 Light" panose="00000300000000000000" pitchFamily="2" charset="-127"/>
+              </a:rPr>
+              <a:t>) </a:t>
+            </a:r>
+            <a:r>
+              <a:rPr lang="ko-KR" altLang="en-US" sz="1600" dirty="0">
+                <a:solidFill>
+                  <a:schemeClr val="tx1">
+                    <a:lumMod val="65000"/>
+                    <a:lumOff val="35000"/>
+                  </a:schemeClr>
+                </a:solidFill>
+                <a:latin typeface="KoPubWorld돋움체 Light" panose="00000300000000000000" pitchFamily="2" charset="-127"/>
+                <a:ea typeface="KoPubWorld돋움체 Light" panose="00000300000000000000" pitchFamily="2" charset="-127"/>
+                <a:cs typeface="KoPubWorld돋움체 Light" panose="00000300000000000000" pitchFamily="2" charset="-127"/>
+              </a:rPr>
+              <a:t>김미미님은 음식에 가장 많은 금액을 소비하셨습니다</a:t>
+            </a:r>
+            <a:r>
+              <a:rPr lang="en-US" altLang="ko-KR" sz="1600" dirty="0">
+                <a:solidFill>
+                  <a:schemeClr val="tx1">
+                    <a:lumMod val="65000"/>
+                    <a:lumOff val="35000"/>
+                  </a:schemeClr>
+                </a:solidFill>
+                <a:latin typeface="KoPubWorld돋움체 Light" panose="00000300000000000000" pitchFamily="2" charset="-127"/>
+                <a:ea typeface="KoPubWorld돋움체 Light" panose="00000300000000000000" pitchFamily="2" charset="-127"/>
+                <a:cs typeface="KoPubWorld돋움체 Light" panose="00000300000000000000" pitchFamily="2" charset="-127"/>
+              </a:rPr>
+              <a:t>.</a:t>
+            </a:r>
+          </a:p>
+          <a:p>
+            <a:pPr>
+              <a:lnSpc>
+                <a:spcPct val="150000"/>
+              </a:lnSpc>
+            </a:pPr>
+            <a:r>
+              <a:rPr lang="ko-KR" altLang="en-US" sz="1600" dirty="0">
+                <a:solidFill>
+                  <a:schemeClr val="tx1">
+                    <a:lumMod val="65000"/>
+                    <a:lumOff val="35000"/>
+                  </a:schemeClr>
+                </a:solidFill>
+                <a:latin typeface="KoPubWorld돋움체 Light" panose="00000300000000000000" pitchFamily="2" charset="-127"/>
+                <a:ea typeface="KoPubWorld돋움체 Light" panose="00000300000000000000" pitchFamily="2" charset="-127"/>
+                <a:cs typeface="KoPubWorld돋움체 Light" panose="00000300000000000000" pitchFamily="2" charset="-127"/>
+              </a:rPr>
+              <a:t>예</a:t>
+            </a:r>
+            <a:r>
+              <a:rPr lang="en-US" altLang="ko-KR" sz="1600" dirty="0">
+                <a:solidFill>
+                  <a:schemeClr val="tx1">
+                    <a:lumMod val="65000"/>
+                    <a:lumOff val="35000"/>
+                  </a:schemeClr>
+                </a:solidFill>
+                <a:latin typeface="KoPubWorld돋움체 Light" panose="00000300000000000000" pitchFamily="2" charset="-127"/>
+                <a:ea typeface="KoPubWorld돋움체 Light" panose="00000300000000000000" pitchFamily="2" charset="-127"/>
+                <a:cs typeface="KoPubWorld돋움체 Light" panose="00000300000000000000" pitchFamily="2" charset="-127"/>
+              </a:rPr>
+              <a:t>) </a:t>
+            </a:r>
+            <a:r>
+              <a:rPr lang="ko-KR" altLang="en-US" sz="1600" dirty="0">
+                <a:solidFill>
+                  <a:schemeClr val="tx1">
+                    <a:lumMod val="65000"/>
+                    <a:lumOff val="35000"/>
+                  </a:schemeClr>
+                </a:solidFill>
+                <a:latin typeface="KoPubWorld돋움체 Light" panose="00000300000000000000" pitchFamily="2" charset="-127"/>
+                <a:ea typeface="KoPubWorld돋움체 Light" panose="00000300000000000000" pitchFamily="2" charset="-127"/>
+                <a:cs typeface="KoPubWorld돋움체 Light" panose="00000300000000000000" pitchFamily="2" charset="-127"/>
+              </a:rPr>
+              <a:t>그럴 경우 음식에 관한 상세 거래 내역 제공</a:t>
+            </a:r>
+            <a:endParaRPr lang="en-US" altLang="ko-KR" sz="1200" dirty="0">
+              <a:solidFill>
+                <a:schemeClr val="tx1">
+                  <a:lumMod val="65000"/>
+                  <a:lumOff val="35000"/>
+                </a:schemeClr>
+              </a:solidFill>
+              <a:latin typeface="KoPubWorld돋움체 Light" panose="00000300000000000000" pitchFamily="2" charset="-127"/>
+              <a:ea typeface="KoPubWorld돋움체 Light" panose="00000300000000000000" pitchFamily="2" charset="-127"/>
+              <a:cs typeface="KoPubWorld돋움체 Light" panose="00000300000000000000" pitchFamily="2" charset="-127"/>
+            </a:endParaRPr>
+          </a:p>
+        </p:txBody>
+      </p:sp>
+      <p:sp>
+        <p:nvSpPr>
+          <p:cNvPr id="21" name="TextBox 20">
+            <a:extLst>
+              <a:ext uri="{FF2B5EF4-FFF2-40B4-BE49-F238E27FC236}">
+                <a16:creationId xmlns:a16="http://schemas.microsoft.com/office/drawing/2014/main" id="{034B67B2-180C-40C0-AD05-DFC58A3E1528}"/>
+              </a:ext>
+            </a:extLst>
+          </p:cNvPr>
+          <p:cNvSpPr txBox="1"/>
+          <p:nvPr/>
+        </p:nvSpPr>
+        <p:spPr>
+          <a:xfrm>
+            <a:off x="1263575" y="1615511"/>
+            <a:ext cx="4096990" cy="369332"/>
+          </a:xfrm>
+          <a:prstGeom prst="rect">
+            <a:avLst/>
+          </a:prstGeom>
+          <a:noFill/>
+        </p:spPr>
+        <p:txBody>
+          <a:bodyPr wrap="square" rtlCol="0">
+            <a:spAutoFit/>
+          </a:bodyPr>
+          <a:lstStyle/>
+          <a:p>
+            <a:r>
+              <a:rPr lang="ko-KR" altLang="en-US" dirty="0">
+                <a:solidFill>
+                  <a:schemeClr val="tx1">
+                    <a:lumMod val="65000"/>
+                    <a:lumOff val="35000"/>
+                  </a:schemeClr>
+                </a:solidFill>
+                <a:latin typeface="KoPubWorld돋움체 Bold" panose="00000800000000000000" pitchFamily="2" charset="-127"/>
+                <a:ea typeface="KoPubWorld돋움체 Bold" panose="00000800000000000000" pitchFamily="2" charset="-127"/>
+                <a:cs typeface="KoPubWorld돋움체 Bold" panose="00000800000000000000" pitchFamily="2" charset="-127"/>
+              </a:rPr>
+              <a:t>주요기능 </a:t>
+            </a:r>
+            <a:r>
+              <a:rPr lang="en-US" altLang="ko-KR" dirty="0">
+                <a:solidFill>
+                  <a:schemeClr val="tx1">
+                    <a:lumMod val="65000"/>
+                    <a:lumOff val="35000"/>
+                  </a:schemeClr>
+                </a:solidFill>
+                <a:latin typeface="KoPubWorld돋움체 Bold" panose="00000800000000000000" pitchFamily="2" charset="-127"/>
+                <a:ea typeface="KoPubWorld돋움체 Bold" panose="00000800000000000000" pitchFamily="2" charset="-127"/>
+                <a:cs typeface="KoPubWorld돋움체 Bold" panose="00000800000000000000" pitchFamily="2" charset="-127"/>
+              </a:rPr>
+              <a:t>3 : </a:t>
+            </a:r>
+            <a:r>
+              <a:rPr lang="ko-KR" altLang="en-US" dirty="0">
+                <a:solidFill>
+                  <a:schemeClr val="tx1">
+                    <a:lumMod val="65000"/>
+                    <a:lumOff val="35000"/>
+                  </a:schemeClr>
+                </a:solidFill>
+                <a:latin typeface="KoPubWorld돋움체 Bold" panose="00000800000000000000" pitchFamily="2" charset="-127"/>
+                <a:ea typeface="KoPubWorld돋움체 Bold" panose="00000800000000000000" pitchFamily="2" charset="-127"/>
+                <a:cs typeface="KoPubWorld돋움체 Bold" panose="00000800000000000000" pitchFamily="2" charset="-127"/>
+              </a:rPr>
+              <a:t>월간 거래 리포트</a:t>
+            </a:r>
+            <a:endParaRPr lang="en-US" altLang="ko-KR" dirty="0">
+              <a:solidFill>
+                <a:schemeClr val="tx1">
+                  <a:lumMod val="65000"/>
+                  <a:lumOff val="35000"/>
+                </a:schemeClr>
+              </a:solidFill>
+              <a:latin typeface="KoPubWorld돋움체 Bold" panose="00000800000000000000" pitchFamily="2" charset="-127"/>
+              <a:ea typeface="KoPubWorld돋움체 Bold" panose="00000800000000000000" pitchFamily="2" charset="-127"/>
+              <a:cs typeface="KoPubWorld돋움체 Bold" panose="00000800000000000000" pitchFamily="2" charset="-127"/>
+            </a:endParaRPr>
+          </a:p>
+        </p:txBody>
+      </p:sp>
+      <p:cxnSp>
+        <p:nvCxnSpPr>
+          <p:cNvPr id="22" name="직선 연결선 21">
+            <a:extLst>
+              <a:ext uri="{FF2B5EF4-FFF2-40B4-BE49-F238E27FC236}">
+                <a16:creationId xmlns:a16="http://schemas.microsoft.com/office/drawing/2014/main" id="{DC111408-1EA9-421A-9BB9-5C9C6A16BA86}"/>
+              </a:ext>
+            </a:extLst>
+          </p:cNvPr>
+          <p:cNvCxnSpPr>
+            <a:cxnSpLocks/>
+          </p:cNvCxnSpPr>
+          <p:nvPr/>
+        </p:nvCxnSpPr>
+        <p:spPr>
+          <a:xfrm>
+            <a:off x="1335584" y="1984843"/>
+            <a:ext cx="2867300" cy="0"/>
+          </a:xfrm>
+          <a:prstGeom prst="line">
+            <a:avLst/>
+          </a:prstGeom>
+          <a:ln w="15875">
+            <a:solidFill>
+              <a:schemeClr val="tx1"/>
+            </a:solidFill>
+          </a:ln>
+        </p:spPr>
+        <p:style>
+          <a:lnRef idx="1">
+            <a:schemeClr val="accent1"/>
+          </a:lnRef>
+          <a:fillRef idx="0">
+            <a:schemeClr val="accent1"/>
+          </a:fillRef>
+          <a:effectRef idx="0">
+            <a:schemeClr val="accent1"/>
+          </a:effectRef>
+          <a:fontRef idx="minor">
+            <a:schemeClr val="tx1"/>
+          </a:fontRef>
+        </p:style>
+      </p:cxnSp>
+      <p:grpSp>
+        <p:nvGrpSpPr>
+          <p:cNvPr id="11" name="그룹 10">
+            <a:extLst>
+              <a:ext uri="{FF2B5EF4-FFF2-40B4-BE49-F238E27FC236}">
+                <a16:creationId xmlns:a16="http://schemas.microsoft.com/office/drawing/2014/main" id="{CB6F9824-565E-4276-8896-3E45A9D30C6F}"/>
+              </a:ext>
+            </a:extLst>
+          </p:cNvPr>
+          <p:cNvGrpSpPr/>
+          <p:nvPr/>
+        </p:nvGrpSpPr>
+        <p:grpSpPr>
+          <a:xfrm>
+            <a:off x="643770" y="188165"/>
+            <a:ext cx="3981147" cy="830997"/>
+            <a:chOff x="357588" y="188165"/>
+            <a:chExt cx="3981147" cy="830997"/>
+          </a:xfrm>
+        </p:grpSpPr>
+        <p:sp>
+          <p:nvSpPr>
+            <p:cNvPr id="12" name="직사각형 11">
+              <a:extLst>
+                <a:ext uri="{FF2B5EF4-FFF2-40B4-BE49-F238E27FC236}">
+                  <a16:creationId xmlns:a16="http://schemas.microsoft.com/office/drawing/2014/main" id="{D104D79E-901E-43F1-8667-676DFE6C40AA}"/>
+                </a:ext>
+              </a:extLst>
+            </p:cNvPr>
+            <p:cNvSpPr/>
+            <p:nvPr/>
+          </p:nvSpPr>
+          <p:spPr>
+            <a:xfrm>
+              <a:off x="1141445" y="271010"/>
+              <a:ext cx="3197290" cy="553998"/>
+            </a:xfrm>
+            <a:prstGeom prst="rect">
+              <a:avLst/>
+            </a:prstGeom>
+          </p:spPr>
+          <p:txBody>
+            <a:bodyPr wrap="square">
+              <a:spAutoFit/>
+            </a:bodyPr>
+            <a:lstStyle/>
+            <a:p>
+              <a:r>
+                <a:rPr lang="ko-KR" altLang="en-US" dirty="0">
+                  <a:solidFill>
+                    <a:schemeClr val="tx1">
+                      <a:lumMod val="65000"/>
+                      <a:lumOff val="35000"/>
+                    </a:schemeClr>
+                  </a:solidFill>
+                  <a:latin typeface="KoPubWorld돋움체 Bold" panose="00000800000000000000" pitchFamily="2" charset="-127"/>
+                  <a:ea typeface="KoPubWorld돋움체 Bold" panose="00000800000000000000" pitchFamily="2" charset="-127"/>
+                  <a:cs typeface="KoPubWorld돋움체 Bold" panose="00000800000000000000" pitchFamily="2" charset="-127"/>
+                </a:rPr>
+                <a:t>기능소개</a:t>
+              </a:r>
+              <a:endParaRPr lang="en-US" altLang="ko-KR" dirty="0">
+                <a:solidFill>
+                  <a:schemeClr val="tx1">
+                    <a:lumMod val="65000"/>
+                    <a:lumOff val="35000"/>
+                  </a:schemeClr>
+                </a:solidFill>
+                <a:latin typeface="KoPubWorld돋움체 Bold" panose="00000800000000000000" pitchFamily="2" charset="-127"/>
+                <a:ea typeface="KoPubWorld돋움체 Bold" panose="00000800000000000000" pitchFamily="2" charset="-127"/>
+                <a:cs typeface="KoPubWorld돋움체 Bold" panose="00000800000000000000" pitchFamily="2" charset="-127"/>
+              </a:endParaRPr>
+            </a:p>
+            <a:p>
+              <a:r>
+                <a:rPr lang="ko-KR" altLang="en-US" sz="1200" dirty="0">
+                  <a:solidFill>
+                    <a:schemeClr val="tx1">
+                      <a:lumMod val="65000"/>
+                      <a:lumOff val="35000"/>
+                    </a:schemeClr>
+                  </a:solidFill>
+                  <a:latin typeface="KoPubWorld돋움체 Light" panose="00000300000000000000" pitchFamily="2" charset="-127"/>
+                  <a:ea typeface="KoPubWorld돋움체 Light" panose="00000300000000000000" pitchFamily="2" charset="-127"/>
+                  <a:cs typeface="KoPubWorld돋움체 Light" panose="00000300000000000000" pitchFamily="2" charset="-127"/>
+                </a:rPr>
+                <a:t>주요기능</a:t>
+              </a:r>
+              <a:endParaRPr lang="ko-KR" altLang="en-US" sz="1200" dirty="0">
+                <a:solidFill>
+                  <a:schemeClr val="tx1">
+                    <a:lumMod val="65000"/>
+                    <a:lumOff val="35000"/>
+                  </a:schemeClr>
+                </a:solidFill>
+                <a:latin typeface="KoPubWorld돋움체 Light" panose="020B0600000101010101" charset="-127"/>
+                <a:ea typeface="KoPubWorld돋움체 Light" panose="020B0600000101010101" charset="-127"/>
+                <a:cs typeface="KoPubWorld돋움체 Light" panose="020B0600000101010101" charset="-127"/>
+              </a:endParaRPr>
+            </a:p>
+          </p:txBody>
+        </p:sp>
+        <p:sp>
+          <p:nvSpPr>
+            <p:cNvPr id="13" name="TextBox 12">
+              <a:extLst>
+                <a:ext uri="{FF2B5EF4-FFF2-40B4-BE49-F238E27FC236}">
+                  <a16:creationId xmlns:a16="http://schemas.microsoft.com/office/drawing/2014/main" id="{4B4E0481-940E-4AFF-93C0-15DE43686079}"/>
+                </a:ext>
+              </a:extLst>
+            </p:cNvPr>
+            <p:cNvSpPr txBox="1"/>
+            <p:nvPr/>
+          </p:nvSpPr>
+          <p:spPr>
+            <a:xfrm>
+              <a:off x="357588" y="188165"/>
+              <a:ext cx="877163" cy="830997"/>
+            </a:xfrm>
+            <a:prstGeom prst="rect">
+              <a:avLst/>
+            </a:prstGeom>
+            <a:noFill/>
+          </p:spPr>
+          <p:txBody>
+            <a:bodyPr wrap="none" rtlCol="0">
+              <a:spAutoFit/>
+            </a:bodyPr>
+            <a:lstStyle/>
+            <a:p>
+              <a:r>
+                <a:rPr lang="en-US" altLang="ko-KR" sz="4800" b="1" dirty="0">
+                  <a:solidFill>
+                    <a:srgbClr val="64DECF"/>
+                  </a:solidFill>
+                  <a:latin typeface="KoPubWorld돋움체 Bold" panose="00000800000000000000" pitchFamily="2" charset="-127"/>
+                  <a:ea typeface="KoPubWorld돋움체 Bold" panose="00000800000000000000" pitchFamily="2" charset="-127"/>
+                  <a:cs typeface="KoPubWorld돋움체 Bold" panose="00000800000000000000" pitchFamily="2" charset="-127"/>
+                </a:rPr>
+                <a:t>04</a:t>
+              </a:r>
+              <a:endParaRPr lang="ko-KR" altLang="en-US" sz="4800" b="1" dirty="0">
+                <a:solidFill>
+                  <a:srgbClr val="64DECF"/>
+                </a:solidFill>
+                <a:latin typeface="KoPubWorld돋움체 Bold" panose="00000800000000000000" pitchFamily="2" charset="-127"/>
+                <a:ea typeface="KoPubWorld돋움체 Bold" panose="00000800000000000000" pitchFamily="2" charset="-127"/>
+                <a:cs typeface="KoPubWorld돋움체 Bold" panose="00000800000000000000" pitchFamily="2" charset="-127"/>
+              </a:endParaRPr>
+            </a:p>
+          </p:txBody>
+        </p:sp>
+      </p:grpSp>
+      <p:pic>
+        <p:nvPicPr>
+          <p:cNvPr id="4" name="그림 3">
+            <a:extLst>
+              <a:ext uri="{FF2B5EF4-FFF2-40B4-BE49-F238E27FC236}">
+                <a16:creationId xmlns:a16="http://schemas.microsoft.com/office/drawing/2014/main" id="{C6C56E9C-F21E-4F5B-BF8C-D5B1BF43A35B}"/>
+              </a:ext>
+            </a:extLst>
+          </p:cNvPr>
+          <p:cNvPicPr>
+            <a:picLocks noChangeAspect="1"/>
+          </p:cNvPicPr>
+          <p:nvPr/>
+        </p:nvPicPr>
+        <p:blipFill>
+          <a:blip r:embed="rId3"/>
+          <a:stretch>
+            <a:fillRect/>
+          </a:stretch>
+        </p:blipFill>
+        <p:spPr>
+          <a:xfrm>
+            <a:off x="7506663" y="1281784"/>
+            <a:ext cx="4219681" cy="2554814"/>
+          </a:xfrm>
+          <a:prstGeom prst="rect">
+            <a:avLst/>
+          </a:prstGeom>
+        </p:spPr>
+      </p:pic>
+      <p:pic>
+        <p:nvPicPr>
+          <p:cNvPr id="7" name="그림 6">
+            <a:extLst>
+              <a:ext uri="{FF2B5EF4-FFF2-40B4-BE49-F238E27FC236}">
+                <a16:creationId xmlns:a16="http://schemas.microsoft.com/office/drawing/2014/main" id="{5D8A150B-B6B8-4E99-B8D6-655AA1520FFB}"/>
+              </a:ext>
+            </a:extLst>
+          </p:cNvPr>
+          <p:cNvPicPr>
+            <a:picLocks noChangeAspect="1"/>
+          </p:cNvPicPr>
+          <p:nvPr/>
+        </p:nvPicPr>
+        <p:blipFill>
+          <a:blip r:embed="rId4"/>
+          <a:stretch>
+            <a:fillRect/>
+          </a:stretch>
+        </p:blipFill>
+        <p:spPr>
+          <a:xfrm>
+            <a:off x="7506663" y="3802208"/>
+            <a:ext cx="4239221" cy="2716038"/>
+          </a:xfrm>
+          <a:prstGeom prst="rect">
+            <a:avLst/>
+          </a:prstGeom>
+        </p:spPr>
+      </p:pic>
+    </p:spTree>
+    <p:extLst>
+      <p:ext uri="{BB962C8B-B14F-4D97-AF65-F5344CB8AC3E}">
+        <p14:creationId xmlns:p14="http://schemas.microsoft.com/office/powerpoint/2010/main" val="2153350462"/>
+      </p:ext>
+    </p:extLst>
+  </p:cSld>
+  <p:clrMapOvr>
+    <a:masterClrMapping/>
+  </p:clrMapOvr>
+</p:sld>
+</file>
+
+<file path=ppt/slides/slide12.xml><?xml version="1.0" encoding="utf-8"?>
+<p:sld xmlns:a="http://schemas.openxmlformats.org/drawingml/2006/main" xmlns:r="http://schemas.openxmlformats.org/officeDocument/2006/relationships" xmlns:p="http://schemas.openxmlformats.org/presentationml/2006/main">
+  <p:cSld>
+    <p:spTree>
+      <p:nvGrpSpPr>
+        <p:cNvPr id="1" name=""/>
+        <p:cNvGrpSpPr/>
+        <p:nvPr/>
+      </p:nvGrpSpPr>
+      <p:grpSpPr>
+        <a:xfrm>
+          <a:off x="0" y="0"/>
+          <a:ext cx="0" cy="0"/>
+          <a:chOff x="0" y="0"/>
+          <a:chExt cx="0" cy="0"/>
+        </a:xfrm>
+      </p:grpSpPr>
+      <p:sp>
+        <p:nvSpPr>
+          <p:cNvPr id="23" name="직사각형 22">
+            <a:extLst>
+              <a:ext uri="{FF2B5EF4-FFF2-40B4-BE49-F238E27FC236}">
+                <a16:creationId xmlns:a16="http://schemas.microsoft.com/office/drawing/2014/main" id="{505D9C9E-8325-4A59-BEFC-3BC22C85BDAD}"/>
+              </a:ext>
+            </a:extLst>
+          </p:cNvPr>
+          <p:cNvSpPr/>
+          <p:nvPr/>
+        </p:nvSpPr>
+        <p:spPr>
+          <a:xfrm flipV="1">
+            <a:off x="557400" y="1001162"/>
+            <a:ext cx="11077200" cy="18000"/>
+          </a:xfrm>
+          <a:prstGeom prst="rect">
+            <a:avLst/>
+          </a:prstGeom>
+          <a:solidFill>
+            <a:srgbClr val="64DECF"/>
+          </a:solidFill>
+          <a:ln>
+            <a:noFill/>
+          </a:ln>
+        </p:spPr>
+        <p:style>
+          <a:lnRef idx="2">
+            <a:schemeClr val="accent1">
+              <a:shade val="50000"/>
+            </a:schemeClr>
+          </a:lnRef>
+          <a:fillRef idx="1">
+            <a:schemeClr val="accent1"/>
+          </a:fillRef>
+          <a:effectRef idx="0">
+            <a:schemeClr val="accent1"/>
+          </a:effectRef>
+          <a:fontRef idx="minor">
+            <a:schemeClr val="lt1"/>
+          </a:fontRef>
+        </p:style>
+        <p:txBody>
+          <a:bodyPr rtlCol="0" anchor="ctr"/>
+          <a:lstStyle/>
+          <a:p>
+            <a:pPr algn="ctr"/>
+            <a:endParaRPr lang="ko-KR" altLang="en-US"/>
+          </a:p>
+        </p:txBody>
+      </p:sp>
+      <p:sp>
+        <p:nvSpPr>
+          <p:cNvPr id="19" name="TextBox 18">
+            <a:extLst>
+              <a:ext uri="{FF2B5EF4-FFF2-40B4-BE49-F238E27FC236}">
+                <a16:creationId xmlns:a16="http://schemas.microsoft.com/office/drawing/2014/main" id="{CC31646F-091B-4C5A-93D5-E959CD92F4AE}"/>
+              </a:ext>
+            </a:extLst>
+          </p:cNvPr>
+          <p:cNvSpPr txBox="1"/>
+          <p:nvPr/>
+        </p:nvSpPr>
+        <p:spPr>
+          <a:xfrm>
+            <a:off x="1335585" y="1580958"/>
+            <a:ext cx="3521642" cy="584775"/>
+          </a:xfrm>
+          <a:prstGeom prst="rect">
+            <a:avLst/>
+          </a:prstGeom>
+          <a:noFill/>
+        </p:spPr>
+        <p:txBody>
+          <a:bodyPr wrap="square" rtlCol="0">
+            <a:spAutoFit/>
+          </a:bodyPr>
+          <a:lstStyle/>
+          <a:p>
+            <a:pPr algn="ctr"/>
+            <a:endParaRPr lang="en-US" altLang="ko-KR" sz="3200" dirty="0">
+              <a:solidFill>
+                <a:srgbClr val="00B0F0"/>
+              </a:solidFill>
+              <a:latin typeface="KoPub돋움체 Light" panose="00000300000000000000" pitchFamily="2" charset="-127"/>
+              <a:ea typeface="KoPub돋움체 Light" panose="00000300000000000000" pitchFamily="2" charset="-127"/>
+            </a:endParaRPr>
+          </a:p>
+        </p:txBody>
+      </p:sp>
+      <p:sp>
+        <p:nvSpPr>
+          <p:cNvPr id="20" name="TextBox 19">
+            <a:extLst>
+              <a:ext uri="{FF2B5EF4-FFF2-40B4-BE49-F238E27FC236}">
+                <a16:creationId xmlns:a16="http://schemas.microsoft.com/office/drawing/2014/main" id="{8A1568D5-F63B-4A0B-A20F-3DF8DFBA0C49}"/>
+              </a:ext>
+            </a:extLst>
+          </p:cNvPr>
+          <p:cNvSpPr txBox="1"/>
+          <p:nvPr/>
+        </p:nvSpPr>
+        <p:spPr>
+          <a:xfrm>
+            <a:off x="1184392" y="2200879"/>
             <a:ext cx="8432112" cy="4024179"/>
           </a:xfrm>
           <a:prstGeom prst="rect">
@@ -4482,7 +8627,7 @@
                   <a:ea typeface="KoPubWorld돋움체 Bold" panose="00000800000000000000" pitchFamily="2" charset="-127"/>
                   <a:cs typeface="KoPubWorld돋움체 Bold" panose="00000800000000000000" pitchFamily="2" charset="-127"/>
                 </a:rPr>
-                <a:t>03</a:t>
+                <a:t>04</a:t>
               </a:r>
               <a:endParaRPr lang="ko-KR" altLang="en-US" sz="4800" b="1" dirty="0">
                 <a:solidFill>
@@ -4511,7 +8656,7 @@
           <p:nvPr/>
         </p:nvPicPr>
         <p:blipFill>
-          <a:blip r:embed="rId2"/>
+          <a:blip r:embed="rId3"/>
           <a:stretch>
             <a:fillRect/>
           </a:stretch>
@@ -4539,7 +8684,7 @@
 </p:sld>
 </file>
 
-<file path=ppt/slides/slide11.xml><?xml version="1.0" encoding="utf-8"?>
+<file path=ppt/slides/slide13.xml><?xml version="1.0" encoding="utf-8"?>
 <p:sld xmlns:a="http://schemas.openxmlformats.org/drawingml/2006/main" xmlns:r="http://schemas.openxmlformats.org/officeDocument/2006/relationships" xmlns:p="http://schemas.openxmlformats.org/presentationml/2006/main">
   <p:cSld>
     <p:spTree>
@@ -4558,10 +8703,10 @@
       </p:grpSpPr>
       <p:sp>
         <p:nvSpPr>
-          <p:cNvPr id="23" name="직사각형 22">
+          <p:cNvPr id="6" name="직사각형 5">
             <a:extLst>
               <a:ext uri="{FF2B5EF4-FFF2-40B4-BE49-F238E27FC236}">
-                <a16:creationId xmlns:a16="http://schemas.microsoft.com/office/drawing/2014/main" id="{505D9C9E-8325-4A59-BEFC-3BC22C85BDAD}"/>
+                <a16:creationId xmlns:a16="http://schemas.microsoft.com/office/drawing/2014/main" id="{8D9D9645-2F2B-4BB1-B5BA-17C241E6CFC2}"/>
               </a:ext>
             </a:extLst>
           </p:cNvPr>
@@ -4569,9 +8714,9 @@
           <p:nvPr/>
         </p:nvSpPr>
         <p:spPr>
-          <a:xfrm flipV="1">
-            <a:off x="557400" y="1001162"/>
-            <a:ext cx="11077200" cy="18000"/>
+          <a:xfrm>
+            <a:off x="0" y="0"/>
+            <a:ext cx="12213771" cy="298580"/>
           </a:xfrm>
           <a:prstGeom prst="rect">
             <a:avLst/>
@@ -4610,831 +8755,10 @@
       </p:sp>
       <p:sp>
         <p:nvSpPr>
-          <p:cNvPr id="19" name="TextBox 18">
+          <p:cNvPr id="7" name="직사각형 6">
             <a:extLst>
               <a:ext uri="{FF2B5EF4-FFF2-40B4-BE49-F238E27FC236}">
-                <a16:creationId xmlns:a16="http://schemas.microsoft.com/office/drawing/2014/main" id="{CC31646F-091B-4C5A-93D5-E959CD92F4AE}"/>
-              </a:ext>
-            </a:extLst>
-          </p:cNvPr>
-          <p:cNvSpPr txBox="1"/>
-          <p:nvPr/>
-        </p:nvSpPr>
-        <p:spPr>
-          <a:xfrm>
-            <a:off x="1335584" y="1580958"/>
-            <a:ext cx="7381025" cy="584775"/>
-          </a:xfrm>
-          <a:prstGeom prst="rect">
-            <a:avLst/>
-          </a:prstGeom>
-          <a:noFill/>
-        </p:spPr>
-        <p:txBody>
-          <a:bodyPr wrap="square" rtlCol="0">
-            <a:spAutoFit/>
-          </a:bodyPr>
-          <a:lstStyle/>
-          <a:p>
-            <a:pPr algn="ctr"/>
-            <a:endParaRPr lang="en-US" altLang="ko-KR" sz="3200" dirty="0">
-              <a:solidFill>
-                <a:srgbClr val="00B0F0"/>
-              </a:solidFill>
-              <a:latin typeface="KoPub돋움체 Light" panose="00000300000000000000" pitchFamily="2" charset="-127"/>
-              <a:ea typeface="KoPub돋움체 Light" panose="00000300000000000000" pitchFamily="2" charset="-127"/>
-            </a:endParaRPr>
-          </a:p>
-        </p:txBody>
-      </p:sp>
-      <p:sp>
-        <p:nvSpPr>
-          <p:cNvPr id="20" name="TextBox 19">
-            <a:extLst>
-              <a:ext uri="{FF2B5EF4-FFF2-40B4-BE49-F238E27FC236}">
-                <a16:creationId xmlns:a16="http://schemas.microsoft.com/office/drawing/2014/main" id="{8A1568D5-F63B-4A0B-A20F-3DF8DFBA0C49}"/>
-              </a:ext>
-            </a:extLst>
-          </p:cNvPr>
-          <p:cNvSpPr txBox="1"/>
-          <p:nvPr/>
-        </p:nvSpPr>
-        <p:spPr>
-          <a:xfrm>
-            <a:off x="1184392" y="2200879"/>
-            <a:ext cx="8432112" cy="3570208"/>
-          </a:xfrm>
-          <a:prstGeom prst="rect">
-            <a:avLst/>
-          </a:prstGeom>
-          <a:noFill/>
-        </p:spPr>
-        <p:txBody>
-          <a:bodyPr wrap="square" rtlCol="0">
-            <a:spAutoFit/>
-          </a:bodyPr>
-          <a:lstStyle/>
-          <a:p>
-            <a:pPr marL="342900" indent="-342900">
-              <a:lnSpc>
-                <a:spcPct val="150000"/>
-              </a:lnSpc>
-              <a:buFont typeface="Wingdings" panose="05000000000000000000" pitchFamily="2" charset="2"/>
-              <a:buChar char="ü"/>
-            </a:pPr>
-            <a:r>
-              <a:rPr lang="ko-KR" altLang="en-US" sz="1600" dirty="0">
-                <a:solidFill>
-                  <a:srgbClr val="FF7C80"/>
-                </a:solidFill>
-                <a:latin typeface="KoPubWorld돋움체 Bold" panose="00000800000000000000" pitchFamily="2" charset="-127"/>
-                <a:ea typeface="KoPubWorld돋움체 Bold" panose="00000800000000000000" pitchFamily="2" charset="-127"/>
-                <a:cs typeface="KoPubWorld돋움체 Bold" panose="00000800000000000000" pitchFamily="2" charset="-127"/>
-              </a:rPr>
-              <a:t>뱅크샐러드</a:t>
-            </a:r>
-            <a:endParaRPr lang="en-US" altLang="ko-KR" sz="1600" dirty="0">
-              <a:solidFill>
-                <a:srgbClr val="FF7C80"/>
-              </a:solidFill>
-              <a:latin typeface="KoPubWorld돋움체 Bold" panose="00000800000000000000" pitchFamily="2" charset="-127"/>
-              <a:ea typeface="KoPubWorld돋움체 Bold" panose="00000800000000000000" pitchFamily="2" charset="-127"/>
-              <a:cs typeface="KoPubWorld돋움체 Bold" panose="00000800000000000000" pitchFamily="2" charset="-127"/>
-            </a:endParaRPr>
-          </a:p>
-          <a:p>
-            <a:pPr marL="342900" indent="-342900">
-              <a:lnSpc>
-                <a:spcPct val="150000"/>
-              </a:lnSpc>
-              <a:buFont typeface="Wingdings" panose="05000000000000000000" pitchFamily="2" charset="2"/>
-              <a:buChar char="ü"/>
-            </a:pPr>
-            <a:endParaRPr lang="en-US" altLang="ko-KR" sz="1600" dirty="0">
-              <a:solidFill>
-                <a:srgbClr val="FF7C80"/>
-              </a:solidFill>
-              <a:latin typeface="KoPubWorld돋움체 Bold" panose="00000800000000000000" pitchFamily="2" charset="-127"/>
-              <a:ea typeface="KoPubWorld돋움체 Bold" panose="00000800000000000000" pitchFamily="2" charset="-127"/>
-              <a:cs typeface="KoPubWorld돋움체 Bold" panose="00000800000000000000" pitchFamily="2" charset="-127"/>
-            </a:endParaRPr>
-          </a:p>
-          <a:p>
-            <a:pPr marL="342900" indent="-342900">
-              <a:lnSpc>
-                <a:spcPct val="150000"/>
-              </a:lnSpc>
-              <a:buFont typeface="Wingdings" panose="05000000000000000000" pitchFamily="2" charset="2"/>
-              <a:buChar char="ü"/>
-            </a:pPr>
-            <a:r>
-              <a:rPr lang="ko-KR" altLang="en-US" sz="1600" dirty="0">
-                <a:solidFill>
-                  <a:schemeClr val="tx1">
-                    <a:lumMod val="65000"/>
-                    <a:lumOff val="35000"/>
-                  </a:schemeClr>
-                </a:solidFill>
-                <a:latin typeface="KoPubWorld돋움체 Light" panose="00000300000000000000" pitchFamily="2" charset="-127"/>
-                <a:ea typeface="KoPubWorld돋움체 Light" panose="00000300000000000000" pitchFamily="2" charset="-127"/>
-                <a:cs typeface="KoPubWorld돋움체 Light" panose="00000300000000000000" pitchFamily="2" charset="-127"/>
-              </a:rPr>
-              <a:t>하나금융그룹 뿐만 아니라 대부분 금융사의 카드나 서비스를 추천</a:t>
-            </a:r>
-            <a:endParaRPr lang="en-US" altLang="ko-KR" sz="1600" dirty="0">
-              <a:solidFill>
-                <a:schemeClr val="tx1">
-                  <a:lumMod val="65000"/>
-                  <a:lumOff val="35000"/>
-                </a:schemeClr>
-              </a:solidFill>
-              <a:latin typeface="KoPubWorld돋움체 Light" panose="00000300000000000000" pitchFamily="2" charset="-127"/>
-              <a:ea typeface="KoPubWorld돋움체 Light" panose="00000300000000000000" pitchFamily="2" charset="-127"/>
-              <a:cs typeface="KoPubWorld돋움체 Light" panose="00000300000000000000" pitchFamily="2" charset="-127"/>
-            </a:endParaRPr>
-          </a:p>
-          <a:p>
-            <a:pPr marL="342900" indent="-342900">
-              <a:lnSpc>
-                <a:spcPct val="150000"/>
-              </a:lnSpc>
-              <a:buFont typeface="Wingdings" panose="05000000000000000000" pitchFamily="2" charset="2"/>
-              <a:buChar char="ü"/>
-            </a:pPr>
-            <a:r>
-              <a:rPr lang="ko-KR" altLang="en-US" sz="1600" dirty="0">
-                <a:solidFill>
-                  <a:schemeClr val="tx1">
-                    <a:lumMod val="65000"/>
-                    <a:lumOff val="35000"/>
-                  </a:schemeClr>
-                </a:solidFill>
-                <a:latin typeface="KoPubWorld돋움체 Light" panose="00000300000000000000" pitchFamily="2" charset="-127"/>
-                <a:ea typeface="KoPubWorld돋움체 Light" panose="00000300000000000000" pitchFamily="2" charset="-127"/>
-                <a:cs typeface="KoPubWorld돋움체 Light" panose="00000300000000000000" pitchFamily="2" charset="-127"/>
-              </a:rPr>
-              <a:t>직접 은행 앱을 통해서 하는게 아닌</a:t>
-            </a:r>
-            <a:r>
-              <a:rPr lang="en-US" altLang="ko-KR" sz="1600" dirty="0">
-                <a:solidFill>
-                  <a:schemeClr val="tx1">
-                    <a:lumMod val="65000"/>
-                    <a:lumOff val="35000"/>
-                  </a:schemeClr>
-                </a:solidFill>
-                <a:latin typeface="KoPubWorld돋움체 Light" panose="00000300000000000000" pitchFamily="2" charset="-127"/>
-                <a:ea typeface="KoPubWorld돋움체 Light" panose="00000300000000000000" pitchFamily="2" charset="-127"/>
-                <a:cs typeface="KoPubWorld돋움체 Light" panose="00000300000000000000" pitchFamily="2" charset="-127"/>
-              </a:rPr>
-              <a:t>, </a:t>
-            </a:r>
-            <a:r>
-              <a:rPr lang="ko-KR" altLang="en-US" sz="1600" dirty="0">
-                <a:solidFill>
-                  <a:schemeClr val="tx1">
-                    <a:lumMod val="65000"/>
-                    <a:lumOff val="35000"/>
-                  </a:schemeClr>
-                </a:solidFill>
-                <a:latin typeface="KoPubWorld돋움체 Light" panose="00000300000000000000" pitchFamily="2" charset="-127"/>
-                <a:ea typeface="KoPubWorld돋움체 Light" panose="00000300000000000000" pitchFamily="2" charset="-127"/>
-                <a:cs typeface="KoPubWorld돋움체 Light" panose="00000300000000000000" pitchFamily="2" charset="-127"/>
-              </a:rPr>
-              <a:t>금융인증서를 통한 절차를 밟아 개인확인 후</a:t>
-            </a:r>
-            <a:br>
-              <a:rPr lang="en-US" altLang="ko-KR" sz="1600" dirty="0">
-                <a:solidFill>
-                  <a:schemeClr val="tx1">
-                    <a:lumMod val="65000"/>
-                    <a:lumOff val="35000"/>
-                  </a:schemeClr>
-                </a:solidFill>
-                <a:latin typeface="KoPubWorld돋움체 Light" panose="00000300000000000000" pitchFamily="2" charset="-127"/>
-                <a:ea typeface="KoPubWorld돋움체 Light" panose="00000300000000000000" pitchFamily="2" charset="-127"/>
-                <a:cs typeface="KoPubWorld돋움체 Light" panose="00000300000000000000" pitchFamily="2" charset="-127"/>
-              </a:rPr>
-            </a:br>
-            <a:r>
-              <a:rPr lang="ko-KR" altLang="en-US" sz="1600" dirty="0">
-                <a:solidFill>
-                  <a:schemeClr val="tx1">
-                    <a:lumMod val="65000"/>
-                    <a:lumOff val="35000"/>
-                  </a:schemeClr>
-                </a:solidFill>
-                <a:latin typeface="KoPubWorld돋움체 Light" panose="00000300000000000000" pitchFamily="2" charset="-127"/>
-                <a:ea typeface="KoPubWorld돋움체 Light" panose="00000300000000000000" pitchFamily="2" charset="-127"/>
-                <a:cs typeface="KoPubWorld돋움체 Light" panose="00000300000000000000" pitchFamily="2" charset="-127"/>
-              </a:rPr>
-              <a:t>계좌 및 카드를 연동하는 시스템</a:t>
-            </a:r>
-            <a:br>
-              <a:rPr lang="en-US" altLang="ko-KR" sz="1600" dirty="0">
-                <a:solidFill>
-                  <a:schemeClr val="tx1">
-                    <a:lumMod val="65000"/>
-                    <a:lumOff val="35000"/>
-                  </a:schemeClr>
-                </a:solidFill>
-                <a:latin typeface="KoPubWorld돋움체 Light" panose="00000300000000000000" pitchFamily="2" charset="-127"/>
-                <a:ea typeface="KoPubWorld돋움체 Light" panose="00000300000000000000" pitchFamily="2" charset="-127"/>
-                <a:cs typeface="KoPubWorld돋움체 Light" panose="00000300000000000000" pitchFamily="2" charset="-127"/>
-              </a:rPr>
-            </a:br>
-            <a:r>
-              <a:rPr lang="en-US" altLang="ko-KR" sz="1200" dirty="0">
-                <a:solidFill>
-                  <a:schemeClr val="tx1">
-                    <a:lumMod val="65000"/>
-                    <a:lumOff val="35000"/>
-                  </a:schemeClr>
-                </a:solidFill>
-                <a:latin typeface="KoPubWorld돋움체 Light" panose="00000300000000000000" pitchFamily="2" charset="-127"/>
-                <a:ea typeface="KoPubWorld돋움체 Light" panose="00000300000000000000" pitchFamily="2" charset="-127"/>
-                <a:cs typeface="KoPubWorld돋움체 Light" panose="00000300000000000000" pitchFamily="2" charset="-127"/>
-              </a:rPr>
-              <a:t>→ </a:t>
-            </a:r>
-            <a:r>
-              <a:rPr lang="ko-KR" altLang="en-US" sz="1200" dirty="0" err="1">
-                <a:solidFill>
-                  <a:schemeClr val="tx1">
-                    <a:lumMod val="65000"/>
-                    <a:lumOff val="35000"/>
-                  </a:schemeClr>
-                </a:solidFill>
-                <a:latin typeface="KoPubWorld돋움체 Light" panose="00000300000000000000" pitchFamily="2" charset="-127"/>
-                <a:ea typeface="KoPubWorld돋움체 Light" panose="00000300000000000000" pitchFamily="2" charset="-127"/>
-                <a:cs typeface="KoPubWorld돋움체 Light" panose="00000300000000000000" pitchFamily="2" charset="-127"/>
-              </a:rPr>
-              <a:t>은행사</a:t>
-            </a:r>
-            <a:r>
-              <a:rPr lang="ko-KR" altLang="en-US" sz="1200" dirty="0">
-                <a:solidFill>
-                  <a:schemeClr val="tx1">
-                    <a:lumMod val="65000"/>
-                    <a:lumOff val="35000"/>
-                  </a:schemeClr>
-                </a:solidFill>
-                <a:latin typeface="KoPubWorld돋움체 Light" panose="00000300000000000000" pitchFamily="2" charset="-127"/>
-                <a:ea typeface="KoPubWorld돋움체 Light" panose="00000300000000000000" pitchFamily="2" charset="-127"/>
-                <a:cs typeface="KoPubWorld돋움체 Light" panose="00000300000000000000" pitchFamily="2" charset="-127"/>
-              </a:rPr>
-              <a:t> 별 각기 다른 인증 시스템</a:t>
-            </a:r>
-            <a:br>
-              <a:rPr lang="en-US" altLang="ko-KR" sz="1200" dirty="0">
-                <a:solidFill>
-                  <a:schemeClr val="tx1">
-                    <a:lumMod val="65000"/>
-                    <a:lumOff val="35000"/>
-                  </a:schemeClr>
-                </a:solidFill>
-                <a:latin typeface="KoPubWorld돋움체 Light" panose="00000300000000000000" pitchFamily="2" charset="-127"/>
-                <a:ea typeface="KoPubWorld돋움체 Light" panose="00000300000000000000" pitchFamily="2" charset="-127"/>
-                <a:cs typeface="KoPubWorld돋움체 Light" panose="00000300000000000000" pitchFamily="2" charset="-127"/>
-              </a:rPr>
-            </a:br>
-            <a:r>
-              <a:rPr lang="en-US" altLang="ko-KR" sz="1200" dirty="0">
-                <a:solidFill>
-                  <a:srgbClr val="FF0000"/>
-                </a:solidFill>
-                <a:latin typeface="KoPubWorld돋움체 Light" panose="00000300000000000000" pitchFamily="2" charset="-127"/>
-                <a:ea typeface="KoPubWorld돋움체 Light" panose="00000300000000000000" pitchFamily="2" charset="-127"/>
-                <a:cs typeface="KoPubWorld돋움체 Light" panose="00000300000000000000" pitchFamily="2" charset="-127"/>
-              </a:rPr>
-              <a:t>→ </a:t>
-            </a:r>
-            <a:r>
-              <a:rPr lang="ko-KR" altLang="en-US" sz="1200" dirty="0">
-                <a:solidFill>
-                  <a:srgbClr val="FF0000"/>
-                </a:solidFill>
-                <a:latin typeface="KoPubWorld돋움체 Light" panose="00000300000000000000" pitchFamily="2" charset="-127"/>
-                <a:ea typeface="KoPubWorld돋움체 Light" panose="00000300000000000000" pitchFamily="2" charset="-127"/>
-                <a:cs typeface="KoPubWorld돋움체 Light" panose="00000300000000000000" pitchFamily="2" charset="-127"/>
-              </a:rPr>
-              <a:t>하나금융그룹만의 서비스를 제공하여 연동이나 사용에 불편함이 없게 함</a:t>
-            </a:r>
-            <a:endParaRPr lang="en-US" altLang="ko-KR" sz="1600" dirty="0">
-              <a:solidFill>
-                <a:srgbClr val="FF0000"/>
-              </a:solidFill>
-              <a:latin typeface="KoPubWorld돋움체 Light" panose="00000300000000000000" pitchFamily="2" charset="-127"/>
-              <a:ea typeface="KoPubWorld돋움체 Light" panose="00000300000000000000" pitchFamily="2" charset="-127"/>
-              <a:cs typeface="KoPubWorld돋움체 Light" panose="00000300000000000000" pitchFamily="2" charset="-127"/>
-            </a:endParaRPr>
-          </a:p>
-          <a:p>
-            <a:pPr marL="342900" indent="-342900">
-              <a:lnSpc>
-                <a:spcPct val="150000"/>
-              </a:lnSpc>
-              <a:buFont typeface="Wingdings" panose="05000000000000000000" pitchFamily="2" charset="2"/>
-              <a:buChar char="ü"/>
-            </a:pPr>
-            <a:r>
-              <a:rPr lang="ko-KR" altLang="en-US" sz="1600" dirty="0">
-                <a:solidFill>
-                  <a:schemeClr val="tx1">
-                    <a:lumMod val="65000"/>
-                    <a:lumOff val="35000"/>
-                  </a:schemeClr>
-                </a:solidFill>
-                <a:latin typeface="KoPubWorld돋움체 Light" panose="00000300000000000000" pitchFamily="2" charset="-127"/>
-                <a:ea typeface="KoPubWorld돋움체 Light" panose="00000300000000000000" pitchFamily="2" charset="-127"/>
-                <a:cs typeface="KoPubWorld돋움체 Light" panose="00000300000000000000" pitchFamily="2" charset="-127"/>
-              </a:rPr>
-              <a:t>주간</a:t>
-            </a:r>
-            <a:r>
-              <a:rPr lang="en-US" altLang="ko-KR" sz="1600" dirty="0">
-                <a:solidFill>
-                  <a:schemeClr val="tx1">
-                    <a:lumMod val="65000"/>
-                    <a:lumOff val="35000"/>
-                  </a:schemeClr>
-                </a:solidFill>
-                <a:latin typeface="KoPubWorld돋움체 Light" panose="00000300000000000000" pitchFamily="2" charset="-127"/>
-                <a:ea typeface="KoPubWorld돋움체 Light" panose="00000300000000000000" pitchFamily="2" charset="-127"/>
-                <a:cs typeface="KoPubWorld돋움체 Light" panose="00000300000000000000" pitchFamily="2" charset="-127"/>
-              </a:rPr>
-              <a:t>, </a:t>
-            </a:r>
-            <a:r>
-              <a:rPr lang="ko-KR" altLang="en-US" sz="1600" dirty="0">
-                <a:solidFill>
-                  <a:schemeClr val="tx1">
-                    <a:lumMod val="65000"/>
-                    <a:lumOff val="35000"/>
-                  </a:schemeClr>
-                </a:solidFill>
-                <a:latin typeface="KoPubWorld돋움체 Light" panose="00000300000000000000" pitchFamily="2" charset="-127"/>
-                <a:ea typeface="KoPubWorld돋움체 Light" panose="00000300000000000000" pitchFamily="2" charset="-127"/>
-                <a:cs typeface="KoPubWorld돋움체 Light" panose="00000300000000000000" pitchFamily="2" charset="-127"/>
-              </a:rPr>
-              <a:t>월간 리포트를 통해 자신의 소비를 되짚어 볼 수 있게 함</a:t>
-            </a:r>
-            <a:br>
-              <a:rPr lang="en-US" altLang="ko-KR" sz="1600" dirty="0">
-                <a:solidFill>
-                  <a:schemeClr val="tx1">
-                    <a:lumMod val="65000"/>
-                    <a:lumOff val="35000"/>
-                  </a:schemeClr>
-                </a:solidFill>
-                <a:latin typeface="KoPubWorld돋움체 Light" panose="00000300000000000000" pitchFamily="2" charset="-127"/>
-                <a:ea typeface="KoPubWorld돋움체 Light" panose="00000300000000000000" pitchFamily="2" charset="-127"/>
-                <a:cs typeface="KoPubWorld돋움체 Light" panose="00000300000000000000" pitchFamily="2" charset="-127"/>
-              </a:rPr>
-            </a:br>
-            <a:r>
-              <a:rPr lang="en-US" altLang="ko-KR" sz="1200" dirty="0">
-                <a:solidFill>
-                  <a:srgbClr val="FF0000"/>
-                </a:solidFill>
-                <a:latin typeface="KoPubWorld돋움체 Light" panose="00000300000000000000" pitchFamily="2" charset="-127"/>
-                <a:ea typeface="KoPubWorld돋움체 Light" panose="00000300000000000000" pitchFamily="2" charset="-127"/>
-                <a:cs typeface="KoPubWorld돋움체 Light" panose="00000300000000000000" pitchFamily="2" charset="-127"/>
-              </a:rPr>
-              <a:t>→ </a:t>
-            </a:r>
-            <a:r>
-              <a:rPr lang="ko-KR" altLang="en-US" sz="1200" dirty="0">
-                <a:solidFill>
-                  <a:srgbClr val="FF0000"/>
-                </a:solidFill>
-                <a:latin typeface="KoPubWorld돋움체 Light" panose="00000300000000000000" pitchFamily="2" charset="-127"/>
-                <a:ea typeface="KoPubWorld돋움체 Light" panose="00000300000000000000" pitchFamily="2" charset="-127"/>
-                <a:cs typeface="KoPubWorld돋움체 Light" panose="00000300000000000000" pitchFamily="2" charset="-127"/>
-              </a:rPr>
-              <a:t>주간</a:t>
-            </a:r>
-            <a:r>
-              <a:rPr lang="en-US" altLang="ko-KR" sz="1200" dirty="0">
-                <a:solidFill>
-                  <a:srgbClr val="FF0000"/>
-                </a:solidFill>
-                <a:latin typeface="KoPubWorld돋움체 Light" panose="00000300000000000000" pitchFamily="2" charset="-127"/>
-                <a:ea typeface="KoPubWorld돋움체 Light" panose="00000300000000000000" pitchFamily="2" charset="-127"/>
-                <a:cs typeface="KoPubWorld돋움체 Light" panose="00000300000000000000" pitchFamily="2" charset="-127"/>
-              </a:rPr>
-              <a:t>, </a:t>
-            </a:r>
-            <a:r>
-              <a:rPr lang="ko-KR" altLang="en-US" sz="1200" dirty="0">
-                <a:solidFill>
-                  <a:srgbClr val="FF0000"/>
-                </a:solidFill>
-                <a:latin typeface="KoPubWorld돋움체 Light" panose="00000300000000000000" pitchFamily="2" charset="-127"/>
-                <a:ea typeface="KoPubWorld돋움체 Light" panose="00000300000000000000" pitchFamily="2" charset="-127"/>
-                <a:cs typeface="KoPubWorld돋움체 Light" panose="00000300000000000000" pitchFamily="2" charset="-127"/>
-              </a:rPr>
-              <a:t>월간 소비 분석 뿐만 아니라 연간 소비 분석을 통해 향후 소비의 방향성을 </a:t>
-            </a:r>
-            <a:r>
-              <a:rPr lang="ko-KR" altLang="en-US" sz="1200" dirty="0" err="1">
-                <a:solidFill>
-                  <a:srgbClr val="FF0000"/>
-                </a:solidFill>
-                <a:latin typeface="KoPubWorld돋움체 Light" panose="00000300000000000000" pitchFamily="2" charset="-127"/>
-                <a:ea typeface="KoPubWorld돋움체 Light" panose="00000300000000000000" pitchFamily="2" charset="-127"/>
-                <a:cs typeface="KoPubWorld돋움체 Light" panose="00000300000000000000" pitchFamily="2" charset="-127"/>
-              </a:rPr>
-              <a:t>짚어줌</a:t>
-            </a:r>
-            <a:br>
-              <a:rPr lang="en-US" altLang="ko-KR" sz="1600" dirty="0">
-                <a:solidFill>
-                  <a:schemeClr val="tx1">
-                    <a:lumMod val="65000"/>
-                    <a:lumOff val="35000"/>
-                  </a:schemeClr>
-                </a:solidFill>
-                <a:latin typeface="KoPubWorld돋움체 Light" panose="00000300000000000000" pitchFamily="2" charset="-127"/>
-                <a:ea typeface="KoPubWorld돋움체 Light" panose="00000300000000000000" pitchFamily="2" charset="-127"/>
-                <a:cs typeface="KoPubWorld돋움체 Light" panose="00000300000000000000" pitchFamily="2" charset="-127"/>
-              </a:rPr>
-            </a:br>
-            <a:endParaRPr lang="en-US" altLang="ko-KR" sz="1600" dirty="0">
-              <a:solidFill>
-                <a:schemeClr val="tx1">
-                  <a:lumMod val="65000"/>
-                  <a:lumOff val="35000"/>
-                </a:schemeClr>
-              </a:solidFill>
-              <a:latin typeface="KoPubWorld돋움체 Light" panose="00000300000000000000" pitchFamily="2" charset="-127"/>
-              <a:ea typeface="KoPubWorld돋움체 Light" panose="00000300000000000000" pitchFamily="2" charset="-127"/>
-              <a:cs typeface="KoPubWorld돋움체 Light" panose="00000300000000000000" pitchFamily="2" charset="-127"/>
-            </a:endParaRPr>
-          </a:p>
-        </p:txBody>
-      </p:sp>
-      <p:sp>
-        <p:nvSpPr>
-          <p:cNvPr id="21" name="TextBox 20">
-            <a:extLst>
-              <a:ext uri="{FF2B5EF4-FFF2-40B4-BE49-F238E27FC236}">
-                <a16:creationId xmlns:a16="http://schemas.microsoft.com/office/drawing/2014/main" id="{034B67B2-180C-40C0-AD05-DFC58A3E1528}"/>
-              </a:ext>
-            </a:extLst>
-          </p:cNvPr>
-          <p:cNvSpPr txBox="1"/>
-          <p:nvPr/>
-        </p:nvSpPr>
-        <p:spPr>
-          <a:xfrm>
-            <a:off x="1263575" y="1615511"/>
-            <a:ext cx="2704418" cy="369332"/>
-          </a:xfrm>
-          <a:prstGeom prst="rect">
-            <a:avLst/>
-          </a:prstGeom>
-          <a:noFill/>
-        </p:spPr>
-        <p:txBody>
-          <a:bodyPr wrap="square" rtlCol="0">
-            <a:spAutoFit/>
-          </a:bodyPr>
-          <a:lstStyle/>
-          <a:p>
-            <a:pPr algn="ctr"/>
-            <a:r>
-              <a:rPr lang="ko-KR" altLang="en-US" dirty="0">
-                <a:solidFill>
-                  <a:schemeClr val="tx1">
-                    <a:lumMod val="65000"/>
-                    <a:lumOff val="35000"/>
-                  </a:schemeClr>
-                </a:solidFill>
-                <a:latin typeface="KoPubWorld돋움체 Bold" panose="00000800000000000000" pitchFamily="2" charset="-127"/>
-                <a:ea typeface="KoPubWorld돋움체 Bold" panose="00000800000000000000" pitchFamily="2" charset="-127"/>
-                <a:cs typeface="KoPubWorld돋움체 Bold" panose="00000800000000000000" pitchFamily="2" charset="-127"/>
-              </a:rPr>
-              <a:t>개발 </a:t>
-            </a:r>
-            <a:r>
-              <a:rPr lang="ko-KR" altLang="en-US">
-                <a:solidFill>
-                  <a:schemeClr val="tx1">
-                    <a:lumMod val="65000"/>
-                    <a:lumOff val="35000"/>
-                  </a:schemeClr>
-                </a:solidFill>
-                <a:latin typeface="KoPubWorld돋움체 Bold" panose="00000800000000000000" pitchFamily="2" charset="-127"/>
-                <a:ea typeface="KoPubWorld돋움체 Bold" panose="00000800000000000000" pitchFamily="2" charset="-127"/>
-                <a:cs typeface="KoPubWorld돋움체 Bold" panose="00000800000000000000" pitchFamily="2" charset="-127"/>
-              </a:rPr>
-              <a:t>방향성 </a:t>
-            </a:r>
-            <a:r>
-              <a:rPr lang="en-US" altLang="ko-KR" dirty="0">
-                <a:solidFill>
-                  <a:schemeClr val="tx1">
-                    <a:lumMod val="65000"/>
-                    <a:lumOff val="35000"/>
-                  </a:schemeClr>
-                </a:solidFill>
-                <a:latin typeface="KoPubWorld돋움체 Bold" panose="00000800000000000000" pitchFamily="2" charset="-127"/>
-                <a:ea typeface="KoPubWorld돋움체 Bold" panose="00000800000000000000" pitchFamily="2" charset="-127"/>
-                <a:cs typeface="KoPubWorld돋움체 Bold" panose="00000800000000000000" pitchFamily="2" charset="-127"/>
-              </a:rPr>
-              <a:t>– </a:t>
-            </a:r>
-            <a:r>
-              <a:rPr lang="ko-KR" altLang="en-US" dirty="0">
-                <a:solidFill>
-                  <a:schemeClr val="tx1">
-                    <a:lumMod val="65000"/>
-                    <a:lumOff val="35000"/>
-                  </a:schemeClr>
-                </a:solidFill>
-                <a:latin typeface="KoPubWorld돋움체 Bold" panose="00000800000000000000" pitchFamily="2" charset="-127"/>
-                <a:ea typeface="KoPubWorld돋움체 Bold" panose="00000800000000000000" pitchFamily="2" charset="-127"/>
-                <a:cs typeface="KoPubWorld돋움체 Bold" panose="00000800000000000000" pitchFamily="2" charset="-127"/>
-              </a:rPr>
-              <a:t>경쟁사 분석</a:t>
-            </a:r>
-            <a:endParaRPr lang="en-US" altLang="ko-KR" dirty="0">
-              <a:solidFill>
-                <a:schemeClr val="tx1">
-                  <a:lumMod val="65000"/>
-                  <a:lumOff val="35000"/>
-                </a:schemeClr>
-              </a:solidFill>
-              <a:latin typeface="KoPubWorld돋움체 Bold" panose="00000800000000000000" pitchFamily="2" charset="-127"/>
-              <a:ea typeface="KoPubWorld돋움체 Bold" panose="00000800000000000000" pitchFamily="2" charset="-127"/>
-              <a:cs typeface="KoPubWorld돋움체 Bold" panose="00000800000000000000" pitchFamily="2" charset="-127"/>
-            </a:endParaRPr>
-          </a:p>
-        </p:txBody>
-      </p:sp>
-      <p:cxnSp>
-        <p:nvCxnSpPr>
-          <p:cNvPr id="22" name="직선 연결선 21">
-            <a:extLst>
-              <a:ext uri="{FF2B5EF4-FFF2-40B4-BE49-F238E27FC236}">
-                <a16:creationId xmlns:a16="http://schemas.microsoft.com/office/drawing/2014/main" id="{DC111408-1EA9-421A-9BB9-5C9C6A16BA86}"/>
-              </a:ext>
-            </a:extLst>
-          </p:cNvPr>
-          <p:cNvCxnSpPr>
-            <a:cxnSpLocks/>
-          </p:cNvCxnSpPr>
-          <p:nvPr/>
-        </p:nvCxnSpPr>
-        <p:spPr>
-          <a:xfrm>
-            <a:off x="1335584" y="1984843"/>
-            <a:ext cx="2556908" cy="0"/>
-          </a:xfrm>
-          <a:prstGeom prst="line">
-            <a:avLst/>
-          </a:prstGeom>
-          <a:ln w="15875">
-            <a:solidFill>
-              <a:schemeClr val="tx1"/>
-            </a:solidFill>
-          </a:ln>
-        </p:spPr>
-        <p:style>
-          <a:lnRef idx="1">
-            <a:schemeClr val="accent1"/>
-          </a:lnRef>
-          <a:fillRef idx="0">
-            <a:schemeClr val="accent1"/>
-          </a:fillRef>
-          <a:effectRef idx="0">
-            <a:schemeClr val="accent1"/>
-          </a:effectRef>
-          <a:fontRef idx="minor">
-            <a:schemeClr val="tx1"/>
-          </a:fontRef>
-        </p:style>
-      </p:cxnSp>
-      <p:grpSp>
-        <p:nvGrpSpPr>
-          <p:cNvPr id="11" name="그룹 10">
-            <a:extLst>
-              <a:ext uri="{FF2B5EF4-FFF2-40B4-BE49-F238E27FC236}">
-                <a16:creationId xmlns:a16="http://schemas.microsoft.com/office/drawing/2014/main" id="{CB6F9824-565E-4276-8896-3E45A9D30C6F}"/>
-              </a:ext>
-            </a:extLst>
-          </p:cNvPr>
-          <p:cNvGrpSpPr/>
-          <p:nvPr/>
-        </p:nvGrpSpPr>
-        <p:grpSpPr>
-          <a:xfrm>
-            <a:off x="643770" y="188165"/>
-            <a:ext cx="3981147" cy="830997"/>
-            <a:chOff x="357588" y="188165"/>
-            <a:chExt cx="3981147" cy="830997"/>
-          </a:xfrm>
-        </p:grpSpPr>
-        <p:sp>
-          <p:nvSpPr>
-            <p:cNvPr id="12" name="직사각형 11">
-              <a:extLst>
-                <a:ext uri="{FF2B5EF4-FFF2-40B4-BE49-F238E27FC236}">
-                  <a16:creationId xmlns:a16="http://schemas.microsoft.com/office/drawing/2014/main" id="{D104D79E-901E-43F1-8667-676DFE6C40AA}"/>
-                </a:ext>
-              </a:extLst>
-            </p:cNvPr>
-            <p:cNvSpPr/>
-            <p:nvPr/>
-          </p:nvSpPr>
-          <p:spPr>
-            <a:xfrm>
-              <a:off x="1141445" y="271010"/>
-              <a:ext cx="3197290" cy="553998"/>
-            </a:xfrm>
-            <a:prstGeom prst="rect">
-              <a:avLst/>
-            </a:prstGeom>
-          </p:spPr>
-          <p:txBody>
-            <a:bodyPr wrap="square">
-              <a:spAutoFit/>
-            </a:bodyPr>
-            <a:lstStyle/>
-            <a:p>
-              <a:r>
-                <a:rPr lang="ko-KR" altLang="en-US" dirty="0">
-                  <a:solidFill>
-                    <a:schemeClr val="tx1">
-                      <a:lumMod val="65000"/>
-                      <a:lumOff val="35000"/>
-                    </a:schemeClr>
-                  </a:solidFill>
-                  <a:latin typeface="KoPubWorld돋움체 Bold" panose="00000800000000000000" pitchFamily="2" charset="-127"/>
-                  <a:ea typeface="KoPubWorld돋움체 Bold" panose="00000800000000000000" pitchFamily="2" charset="-127"/>
-                  <a:cs typeface="KoPubWorld돋움체 Bold" panose="00000800000000000000" pitchFamily="2" charset="-127"/>
-                </a:rPr>
-                <a:t>기대효과</a:t>
-              </a:r>
-              <a:endParaRPr lang="en-US" altLang="ko-KR" dirty="0">
-                <a:solidFill>
-                  <a:schemeClr val="tx1">
-                    <a:lumMod val="65000"/>
-                    <a:lumOff val="35000"/>
-                  </a:schemeClr>
-                </a:solidFill>
-                <a:latin typeface="KoPubWorld돋움체 Bold" panose="00000800000000000000" pitchFamily="2" charset="-127"/>
-                <a:ea typeface="KoPubWorld돋움체 Bold" panose="00000800000000000000" pitchFamily="2" charset="-127"/>
-                <a:cs typeface="KoPubWorld돋움체 Bold" panose="00000800000000000000" pitchFamily="2" charset="-127"/>
-              </a:endParaRPr>
-            </a:p>
-            <a:p>
-              <a:r>
-                <a:rPr lang="ko-KR" altLang="en-US" sz="1200" dirty="0">
-                  <a:solidFill>
-                    <a:schemeClr val="tx1">
-                      <a:lumMod val="65000"/>
-                      <a:lumOff val="35000"/>
-                    </a:schemeClr>
-                  </a:solidFill>
-                  <a:latin typeface="KoPubWorld돋움체 Light" panose="00000300000000000000" pitchFamily="2" charset="-127"/>
-                  <a:ea typeface="KoPubWorld돋움체 Light" panose="00000300000000000000" pitchFamily="2" charset="-127"/>
-                  <a:cs typeface="KoPubWorld돋움체 Light" panose="00000300000000000000" pitchFamily="2" charset="-127"/>
-                </a:rPr>
-                <a:t>기대효과 및 방향성</a:t>
-              </a:r>
-              <a:endParaRPr lang="ko-KR" altLang="en-US" sz="1200" dirty="0">
-                <a:solidFill>
-                  <a:schemeClr val="tx1">
-                    <a:lumMod val="65000"/>
-                    <a:lumOff val="35000"/>
-                  </a:schemeClr>
-                </a:solidFill>
-                <a:latin typeface="KoPubWorld돋움체 Light" panose="020B0600000101010101" charset="-127"/>
-                <a:ea typeface="KoPubWorld돋움체 Light" panose="020B0600000101010101" charset="-127"/>
-                <a:cs typeface="KoPubWorld돋움체 Light" panose="020B0600000101010101" charset="-127"/>
-              </a:endParaRPr>
-            </a:p>
-          </p:txBody>
-        </p:sp>
-        <p:sp>
-          <p:nvSpPr>
-            <p:cNvPr id="13" name="TextBox 12">
-              <a:extLst>
-                <a:ext uri="{FF2B5EF4-FFF2-40B4-BE49-F238E27FC236}">
-                  <a16:creationId xmlns:a16="http://schemas.microsoft.com/office/drawing/2014/main" id="{4B4E0481-940E-4AFF-93C0-15DE43686079}"/>
-                </a:ext>
-              </a:extLst>
-            </p:cNvPr>
-            <p:cNvSpPr txBox="1"/>
-            <p:nvPr/>
-          </p:nvSpPr>
-          <p:spPr>
-            <a:xfrm>
-              <a:off x="357588" y="188165"/>
-              <a:ext cx="877163" cy="830997"/>
-            </a:xfrm>
-            <a:prstGeom prst="rect">
-              <a:avLst/>
-            </a:prstGeom>
-            <a:noFill/>
-          </p:spPr>
-          <p:txBody>
-            <a:bodyPr wrap="none" rtlCol="0">
-              <a:spAutoFit/>
-            </a:bodyPr>
-            <a:lstStyle/>
-            <a:p>
-              <a:r>
-                <a:rPr lang="en-US" altLang="ko-KR" sz="4800" b="1" dirty="0">
-                  <a:solidFill>
-                    <a:srgbClr val="64DECF"/>
-                  </a:solidFill>
-                  <a:latin typeface="KoPubWorld돋움체 Bold" panose="00000800000000000000" pitchFamily="2" charset="-127"/>
-                  <a:ea typeface="KoPubWorld돋움체 Bold" panose="00000800000000000000" pitchFamily="2" charset="-127"/>
-                  <a:cs typeface="KoPubWorld돋움체 Bold" panose="00000800000000000000" pitchFamily="2" charset="-127"/>
-                </a:rPr>
-                <a:t>04</a:t>
-              </a:r>
-              <a:endParaRPr lang="ko-KR" altLang="en-US" sz="4800" b="1" dirty="0">
-                <a:solidFill>
-                  <a:srgbClr val="64DECF"/>
-                </a:solidFill>
-                <a:latin typeface="KoPubWorld돋움체 Bold" panose="00000800000000000000" pitchFamily="2" charset="-127"/>
-                <a:ea typeface="KoPubWorld돋움체 Bold" panose="00000800000000000000" pitchFamily="2" charset="-127"/>
-                <a:cs typeface="KoPubWorld돋움체 Bold" panose="00000800000000000000" pitchFamily="2" charset="-127"/>
-              </a:endParaRPr>
-            </a:p>
-          </p:txBody>
-        </p:sp>
-      </p:grpSp>
-      <p:pic>
-        <p:nvPicPr>
-          <p:cNvPr id="4" name="그림 3" descr="텍스트이(가) 표시된 사진&#10;&#10;자동 생성된 설명">
-            <a:extLst>
-              <a:ext uri="{FF2B5EF4-FFF2-40B4-BE49-F238E27FC236}">
-                <a16:creationId xmlns:a16="http://schemas.microsoft.com/office/drawing/2014/main" id="{251607E5-8BFB-4751-98F8-0C4E0C66C5E9}"/>
-              </a:ext>
-            </a:extLst>
-          </p:cNvPr>
-          <p:cNvPicPr>
-            <a:picLocks noChangeAspect="1"/>
-          </p:cNvPicPr>
-          <p:nvPr/>
-        </p:nvPicPr>
-        <p:blipFill>
-          <a:blip r:embed="rId2"/>
-          <a:stretch>
-            <a:fillRect/>
-          </a:stretch>
-        </p:blipFill>
-        <p:spPr>
-          <a:xfrm>
-            <a:off x="8333993" y="2462536"/>
-            <a:ext cx="3499439" cy="2814506"/>
-          </a:xfrm>
-          <a:prstGeom prst="rect">
-            <a:avLst/>
-          </a:prstGeom>
-        </p:spPr>
-      </p:pic>
-    </p:spTree>
-    <p:extLst>
-      <p:ext uri="{BB962C8B-B14F-4D97-AF65-F5344CB8AC3E}">
-        <p14:creationId xmlns:p14="http://schemas.microsoft.com/office/powerpoint/2010/main" val="353833582"/>
-      </p:ext>
-    </p:extLst>
-  </p:cSld>
-  <p:clrMapOvr>
-    <a:masterClrMapping/>
-  </p:clrMapOvr>
-</p:sld>
-</file>
-
-<file path=ppt/slides/slide12.xml><?xml version="1.0" encoding="utf-8"?>
-<p:sld xmlns:a="http://schemas.openxmlformats.org/drawingml/2006/main" xmlns:r="http://schemas.openxmlformats.org/officeDocument/2006/relationships" xmlns:p="http://schemas.openxmlformats.org/presentationml/2006/main">
-  <p:cSld>
-    <p:spTree>
-      <p:nvGrpSpPr>
-        <p:cNvPr id="1" name=""/>
-        <p:cNvGrpSpPr/>
-        <p:nvPr/>
-      </p:nvGrpSpPr>
-      <p:grpSpPr>
-        <a:xfrm>
-          <a:off x="0" y="0"/>
-          <a:ext cx="0" cy="0"/>
-          <a:chOff x="0" y="0"/>
-          <a:chExt cx="0" cy="0"/>
-        </a:xfrm>
-      </p:grpSpPr>
-      <p:sp>
-        <p:nvSpPr>
-          <p:cNvPr id="23" name="직사각형 22">
-            <a:extLst>
-              <a:ext uri="{FF2B5EF4-FFF2-40B4-BE49-F238E27FC236}">
-                <a16:creationId xmlns:a16="http://schemas.microsoft.com/office/drawing/2014/main" id="{505D9C9E-8325-4A59-BEFC-3BC22C85BDAD}"/>
+                <a16:creationId xmlns:a16="http://schemas.microsoft.com/office/drawing/2014/main" id="{3BD5C53C-9B19-415C-B6B8-94AEDDE075AC}"/>
               </a:ext>
             </a:extLst>
           </p:cNvPr>
@@ -5442,9 +8766,9 @@
           <p:nvPr/>
         </p:nvSpPr>
         <p:spPr>
-          <a:xfrm flipV="1">
-            <a:off x="557400" y="1001162"/>
-            <a:ext cx="11077200" cy="18000"/>
+          <a:xfrm>
+            <a:off x="0" y="6559420"/>
+            <a:ext cx="12213771" cy="298580"/>
           </a:xfrm>
           <a:prstGeom prst="rect">
             <a:avLst/>
@@ -5483,10 +8807,10 @@
       </p:sp>
       <p:sp>
         <p:nvSpPr>
-          <p:cNvPr id="19" name="TextBox 18">
+          <p:cNvPr id="8" name="TextBox 7">
             <a:extLst>
               <a:ext uri="{FF2B5EF4-FFF2-40B4-BE49-F238E27FC236}">
-                <a16:creationId xmlns:a16="http://schemas.microsoft.com/office/drawing/2014/main" id="{CC31646F-091B-4C5A-93D5-E959CD92F4AE}"/>
+                <a16:creationId xmlns:a16="http://schemas.microsoft.com/office/drawing/2014/main" id="{B084F941-B1A5-42ED-AD78-B0F57A275C9B}"/>
               </a:ext>
             </a:extLst>
           </p:cNvPr>
@@ -5495,8 +8819,8 @@
         </p:nvSpPr>
         <p:spPr>
           <a:xfrm>
-            <a:off x="1335584" y="1580958"/>
-            <a:ext cx="7381025" cy="584775"/>
+            <a:off x="4625501" y="2896811"/>
+            <a:ext cx="2940998" cy="769441"/>
           </a:xfrm>
           <a:prstGeom prst="rect">
             <a:avLst/>
@@ -5504,28 +8828,45 @@
           <a:noFill/>
         </p:spPr>
         <p:txBody>
-          <a:bodyPr wrap="square" rtlCol="0">
+          <a:bodyPr wrap="none" rtlCol="0" anchor="ctr">
             <a:spAutoFit/>
           </a:bodyPr>
           <a:lstStyle/>
           <a:p>
-            <a:pPr algn="ctr"/>
-            <a:endParaRPr lang="en-US" altLang="ko-KR" sz="3200" dirty="0">
+            <a:r>
+              <a:rPr lang="en-US" altLang="ko-KR" sz="4400" dirty="0">
+                <a:solidFill>
+                  <a:schemeClr val="tx1">
+                    <a:lumMod val="65000"/>
+                    <a:lumOff val="35000"/>
+                  </a:schemeClr>
+                </a:solidFill>
+                <a:latin typeface="KoPubWorld돋움체 Bold" panose="00000800000000000000" pitchFamily="2" charset="-127"/>
+                <a:ea typeface="KoPubWorld돋움체 Bold" panose="00000800000000000000" pitchFamily="2" charset="-127"/>
+                <a:cs typeface="KoPubWorld돋움체 Bold" panose="00000800000000000000" pitchFamily="2" charset="-127"/>
+              </a:rPr>
+              <a:t>Thank you!</a:t>
+            </a:r>
+            <a:endParaRPr lang="ko-KR" altLang="en-US" sz="4400" dirty="0">
               <a:solidFill>
-                <a:srgbClr val="00B0F0"/>
+                <a:schemeClr val="tx1">
+                  <a:lumMod val="65000"/>
+                  <a:lumOff val="35000"/>
+                </a:schemeClr>
               </a:solidFill>
-              <a:latin typeface="KoPub돋움체 Light" panose="00000300000000000000" pitchFamily="2" charset="-127"/>
-              <a:ea typeface="KoPub돋움체 Light" panose="00000300000000000000" pitchFamily="2" charset="-127"/>
+              <a:latin typeface="KoPub돋움체 Bold" panose="00000800000000000000" pitchFamily="2" charset="-127"/>
+              <a:ea typeface="KoPub돋움체 Bold" panose="00000800000000000000" pitchFamily="2" charset="-127"/>
+              <a:cs typeface="KoPubWorld돋움체 Light" panose="00000300000000000000" pitchFamily="2" charset="-127"/>
             </a:endParaRPr>
           </a:p>
         </p:txBody>
       </p:sp>
       <p:sp>
         <p:nvSpPr>
-          <p:cNvPr id="20" name="TextBox 19">
+          <p:cNvPr id="12" name="TextBox 11">
             <a:extLst>
               <a:ext uri="{FF2B5EF4-FFF2-40B4-BE49-F238E27FC236}">
-                <a16:creationId xmlns:a16="http://schemas.microsoft.com/office/drawing/2014/main" id="{8A1568D5-F63B-4A0B-A20F-3DF8DFBA0C49}"/>
+                <a16:creationId xmlns:a16="http://schemas.microsoft.com/office/drawing/2014/main" id="{4BE13764-1EF0-4A6F-8554-79E11A74BCAB}"/>
               </a:ext>
             </a:extLst>
           </p:cNvPr>
@@ -5534,8 +8875,8 @@
         </p:nvSpPr>
         <p:spPr>
           <a:xfrm>
-            <a:off x="1184392" y="2200879"/>
-            <a:ext cx="8432112" cy="3285515"/>
+            <a:off x="5166098" y="5649396"/>
+            <a:ext cx="1859805" cy="338554"/>
           </a:xfrm>
           <a:prstGeom prst="rect">
             <a:avLst/>
@@ -5543,472 +8884,57 @@
           <a:noFill/>
         </p:spPr>
         <p:txBody>
-          <a:bodyPr wrap="square" rtlCol="0">
+          <a:bodyPr wrap="none" rtlCol="0">
             <a:spAutoFit/>
           </a:bodyPr>
           <a:lstStyle/>
           <a:p>
-            <a:pPr marL="342900" indent="-342900">
-              <a:lnSpc>
-                <a:spcPct val="150000"/>
-              </a:lnSpc>
-              <a:buFont typeface="Wingdings" panose="05000000000000000000" pitchFamily="2" charset="2"/>
-              <a:buChar char="ü"/>
-            </a:pPr>
-            <a:r>
-              <a:rPr lang="ko-KR" altLang="en-US" sz="2000" dirty="0">
-                <a:solidFill>
-                  <a:schemeClr val="tx1">
-                    <a:lumMod val="65000"/>
-                    <a:lumOff val="35000"/>
-                  </a:schemeClr>
-                </a:solidFill>
-                <a:latin typeface="KoPubWorld돋움체 Light" panose="00000300000000000000" pitchFamily="2" charset="-127"/>
-                <a:ea typeface="KoPubWorld돋움체 Light" panose="00000300000000000000" pitchFamily="2" charset="-127"/>
+            <a:r>
+              <a:rPr lang="ko-KR" altLang="en-US" sz="1600" dirty="0">
+                <a:solidFill>
+                  <a:schemeClr val="tx1">
+                    <a:lumMod val="65000"/>
+                    <a:lumOff val="35000"/>
+                  </a:schemeClr>
+                </a:solidFill>
+                <a:latin typeface="KoPubWorld돋움체 Bold" panose="00000800000000000000" pitchFamily="2" charset="-127"/>
+                <a:ea typeface="KoPubWorld돋움체 Bold" panose="00000800000000000000" pitchFamily="2" charset="-127"/>
+                <a:cs typeface="KoPubWorld돋움체 Bold" panose="00000800000000000000" pitchFamily="2" charset="-127"/>
+              </a:rPr>
+              <a:t>데이터분석과 </a:t>
+            </a:r>
+            <a:r>
+              <a:rPr lang="ko-KR" altLang="en-US" sz="1600" dirty="0" err="1">
+                <a:solidFill>
+                  <a:schemeClr val="tx1">
+                    <a:lumMod val="65000"/>
+                    <a:lumOff val="35000"/>
+                  </a:schemeClr>
+                </a:solidFill>
+                <a:latin typeface="KoPub돋움체 Light" panose="00000300000000000000" pitchFamily="2" charset="-127"/>
+                <a:ea typeface="KoPub돋움체 Light" panose="00000300000000000000" pitchFamily="2" charset="-127"/>
                 <a:cs typeface="KoPubWorld돋움체 Light" panose="00000300000000000000" pitchFamily="2" charset="-127"/>
               </a:rPr>
-              <a:t>나에게 맞는 카드를 통해 고객들에게 합리적인 카드 사용을 유도</a:t>
-            </a:r>
-            <a:r>
-              <a:rPr lang="en-US" altLang="ko-KR" sz="2000" dirty="0">
-                <a:solidFill>
-                  <a:schemeClr val="tx1">
-                    <a:lumMod val="65000"/>
-                    <a:lumOff val="35000"/>
-                  </a:schemeClr>
-                </a:solidFill>
-                <a:latin typeface="KoPubWorld돋움체 Light" panose="00000300000000000000" pitchFamily="2" charset="-127"/>
-                <a:ea typeface="KoPubWorld돋움체 Light" panose="00000300000000000000" pitchFamily="2" charset="-127"/>
-                <a:cs typeface="KoPubWorld돋움체 Light" panose="00000300000000000000" pitchFamily="2" charset="-127"/>
-              </a:rPr>
-              <a:t>,</a:t>
-            </a:r>
-            <a:br>
-              <a:rPr lang="en-US" altLang="ko-KR" sz="2000" dirty="0">
-                <a:solidFill>
-                  <a:schemeClr val="tx1">
-                    <a:lumMod val="65000"/>
-                    <a:lumOff val="35000"/>
-                  </a:schemeClr>
-                </a:solidFill>
-                <a:latin typeface="KoPubWorld돋움체 Light" panose="00000300000000000000" pitchFamily="2" charset="-127"/>
-                <a:ea typeface="KoPubWorld돋움체 Light" panose="00000300000000000000" pitchFamily="2" charset="-127"/>
-                <a:cs typeface="KoPubWorld돋움체 Light" panose="00000300000000000000" pitchFamily="2" charset="-127"/>
-              </a:rPr>
-            </a:br>
-            <a:r>
-              <a:rPr lang="ko-KR" altLang="en-US" sz="2000" dirty="0">
-                <a:solidFill>
-                  <a:schemeClr val="tx1">
-                    <a:lumMod val="65000"/>
-                    <a:lumOff val="35000"/>
-                  </a:schemeClr>
-                </a:solidFill>
-                <a:latin typeface="KoPubWorld돋움체 Light" panose="00000300000000000000" pitchFamily="2" charset="-127"/>
-                <a:ea typeface="KoPubWorld돋움체 Light" panose="00000300000000000000" pitchFamily="2" charset="-127"/>
-                <a:cs typeface="KoPubWorld돋움체 Light" panose="00000300000000000000" pitchFamily="2" charset="-127"/>
-              </a:rPr>
-              <a:t>더 많은 카드 가입을 하게끔 할 수 있음</a:t>
-            </a:r>
-            <a:endParaRPr lang="en-US" altLang="ko-KR" sz="2000" dirty="0">
+              <a:t>구본성</a:t>
+            </a:r>
+            <a:endParaRPr lang="ko-KR" altLang="en-US" sz="1600" dirty="0">
               <a:solidFill>
                 <a:schemeClr val="tx1">
                   <a:lumMod val="65000"/>
                   <a:lumOff val="35000"/>
                 </a:schemeClr>
               </a:solidFill>
-              <a:latin typeface="KoPubWorld돋움체 Light" panose="00000300000000000000" pitchFamily="2" charset="-127"/>
-              <a:ea typeface="KoPubWorld돋움체 Light" panose="00000300000000000000" pitchFamily="2" charset="-127"/>
+              <a:latin typeface="KoPub돋움체 Light" panose="00000300000000000000" pitchFamily="2" charset="-127"/>
+              <a:ea typeface="KoPub돋움체 Light" panose="00000300000000000000" pitchFamily="2" charset="-127"/>
               <a:cs typeface="KoPubWorld돋움체 Light" panose="00000300000000000000" pitchFamily="2" charset="-127"/>
             </a:endParaRPr>
           </a:p>
-          <a:p>
-            <a:pPr marL="342900" indent="-342900">
-              <a:lnSpc>
-                <a:spcPct val="150000"/>
-              </a:lnSpc>
-              <a:buFont typeface="Wingdings" panose="05000000000000000000" pitchFamily="2" charset="2"/>
-              <a:buChar char="ü"/>
-            </a:pPr>
-            <a:endParaRPr lang="en-US" altLang="ko-KR" sz="2000" dirty="0">
-              <a:solidFill>
-                <a:schemeClr val="tx1">
-                  <a:lumMod val="65000"/>
-                  <a:lumOff val="35000"/>
-                </a:schemeClr>
-              </a:solidFill>
-              <a:latin typeface="KoPubWorld돋움체 Light" panose="00000300000000000000" pitchFamily="2" charset="-127"/>
-              <a:ea typeface="KoPubWorld돋움체 Light" panose="00000300000000000000" pitchFamily="2" charset="-127"/>
-              <a:cs typeface="KoPubWorld돋움체 Light" panose="00000300000000000000" pitchFamily="2" charset="-127"/>
-            </a:endParaRPr>
-          </a:p>
-          <a:p>
-            <a:pPr marL="342900" indent="-342900">
-              <a:lnSpc>
-                <a:spcPct val="150000"/>
-              </a:lnSpc>
-              <a:buFont typeface="Wingdings" panose="05000000000000000000" pitchFamily="2" charset="2"/>
-              <a:buChar char="ü"/>
-            </a:pPr>
-            <a:r>
-              <a:rPr lang="ko-KR" altLang="en-US" sz="2000" dirty="0">
-                <a:solidFill>
-                  <a:schemeClr val="tx1">
-                    <a:lumMod val="65000"/>
-                    <a:lumOff val="35000"/>
-                  </a:schemeClr>
-                </a:solidFill>
-                <a:latin typeface="KoPubWorld돋움체 Light" panose="00000300000000000000" pitchFamily="2" charset="-127"/>
-                <a:ea typeface="KoPubWorld돋움체 Light" panose="00000300000000000000" pitchFamily="2" charset="-127"/>
-                <a:cs typeface="KoPubWorld돋움체 Light" panose="00000300000000000000" pitchFamily="2" charset="-127"/>
-              </a:rPr>
-              <a:t>지속해서 제공하는 인사이트로 인해 해당 서비스와 앱에 대한 의존도 증가</a:t>
-            </a:r>
-            <a:endParaRPr lang="en-US" altLang="ko-KR" sz="2000" dirty="0">
-              <a:solidFill>
-                <a:schemeClr val="tx1">
-                  <a:lumMod val="65000"/>
-                  <a:lumOff val="35000"/>
-                </a:schemeClr>
-              </a:solidFill>
-              <a:latin typeface="KoPubWorld돋움체 Light" panose="00000300000000000000" pitchFamily="2" charset="-127"/>
-              <a:ea typeface="KoPubWorld돋움체 Light" panose="00000300000000000000" pitchFamily="2" charset="-127"/>
-              <a:cs typeface="KoPubWorld돋움체 Light" panose="00000300000000000000" pitchFamily="2" charset="-127"/>
-            </a:endParaRPr>
-          </a:p>
-          <a:p>
-            <a:pPr marL="342900" indent="-342900">
-              <a:lnSpc>
-                <a:spcPct val="150000"/>
-              </a:lnSpc>
-              <a:buFont typeface="Wingdings" panose="05000000000000000000" pitchFamily="2" charset="2"/>
-              <a:buChar char="ü"/>
-            </a:pPr>
-            <a:endParaRPr lang="en-US" altLang="ko-KR" sz="2000" dirty="0">
-              <a:solidFill>
-                <a:schemeClr val="tx1">
-                  <a:lumMod val="65000"/>
-                  <a:lumOff val="35000"/>
-                </a:schemeClr>
-              </a:solidFill>
-              <a:latin typeface="KoPubWorld돋움체 Light" panose="00000300000000000000" pitchFamily="2" charset="-127"/>
-              <a:ea typeface="KoPubWorld돋움체 Light" panose="00000300000000000000" pitchFamily="2" charset="-127"/>
-              <a:cs typeface="KoPubWorld돋움체 Light" panose="00000300000000000000" pitchFamily="2" charset="-127"/>
-            </a:endParaRPr>
-          </a:p>
-          <a:p>
-            <a:pPr marL="342900" indent="-342900">
-              <a:lnSpc>
-                <a:spcPct val="150000"/>
-              </a:lnSpc>
-              <a:buFont typeface="Wingdings" panose="05000000000000000000" pitchFamily="2" charset="2"/>
-              <a:buChar char="ü"/>
-            </a:pPr>
-            <a:r>
-              <a:rPr lang="ko-KR" altLang="en-US" sz="2000" dirty="0">
-                <a:solidFill>
-                  <a:schemeClr val="tx1">
-                    <a:lumMod val="65000"/>
-                    <a:lumOff val="35000"/>
-                  </a:schemeClr>
-                </a:solidFill>
-                <a:latin typeface="KoPubWorld돋움체 Light" panose="00000300000000000000" pitchFamily="2" charset="-127"/>
-                <a:ea typeface="KoPubWorld돋움체 Light" panose="00000300000000000000" pitchFamily="2" charset="-127"/>
-                <a:cs typeface="KoPubWorld돋움체 Light" panose="00000300000000000000" pitchFamily="2" charset="-127"/>
-              </a:rPr>
-              <a:t>소비자 스스로 스마트한 소비를 주도해 나갈 수 있음</a:t>
-            </a:r>
-            <a:endParaRPr lang="en-US" altLang="ko-KR" sz="2000" dirty="0">
-              <a:solidFill>
-                <a:schemeClr val="tx1">
-                  <a:lumMod val="65000"/>
-                  <a:lumOff val="35000"/>
-                </a:schemeClr>
-              </a:solidFill>
-              <a:latin typeface="KoPubWorld돋움체 Light" panose="00000300000000000000" pitchFamily="2" charset="-127"/>
-              <a:ea typeface="KoPubWorld돋움체 Light" panose="00000300000000000000" pitchFamily="2" charset="-127"/>
-              <a:cs typeface="KoPubWorld돋움체 Light" panose="00000300000000000000" pitchFamily="2" charset="-127"/>
-            </a:endParaRPr>
-          </a:p>
-          <a:p>
-            <a:pPr marL="342900" indent="-342900">
-              <a:lnSpc>
-                <a:spcPct val="150000"/>
-              </a:lnSpc>
-              <a:buFont typeface="Wingdings" panose="05000000000000000000" pitchFamily="2" charset="2"/>
-              <a:buChar char="ü"/>
-            </a:pPr>
-            <a:endParaRPr lang="en-US" altLang="ko-KR" sz="2000" dirty="0">
-              <a:solidFill>
-                <a:schemeClr val="tx1">
-                  <a:lumMod val="65000"/>
-                  <a:lumOff val="35000"/>
-                </a:schemeClr>
-              </a:solidFill>
-              <a:latin typeface="KoPubWorld돋움체 Light" panose="00000300000000000000" pitchFamily="2" charset="-127"/>
-              <a:ea typeface="KoPubWorld돋움체 Light" panose="00000300000000000000" pitchFamily="2" charset="-127"/>
-              <a:cs typeface="KoPubWorld돋움체 Light" panose="00000300000000000000" pitchFamily="2" charset="-127"/>
-            </a:endParaRPr>
-          </a:p>
         </p:txBody>
       </p:sp>
-      <p:sp>
-        <p:nvSpPr>
-          <p:cNvPr id="21" name="TextBox 20">
-            <a:extLst>
-              <a:ext uri="{FF2B5EF4-FFF2-40B4-BE49-F238E27FC236}">
-                <a16:creationId xmlns:a16="http://schemas.microsoft.com/office/drawing/2014/main" id="{034B67B2-180C-40C0-AD05-DFC58A3E1528}"/>
-              </a:ext>
-            </a:extLst>
-          </p:cNvPr>
-          <p:cNvSpPr txBox="1"/>
-          <p:nvPr/>
-        </p:nvSpPr>
-        <p:spPr>
-          <a:xfrm>
-            <a:off x="1263575" y="1615511"/>
-            <a:ext cx="1555125" cy="369332"/>
-          </a:xfrm>
-          <a:prstGeom prst="rect">
-            <a:avLst/>
-          </a:prstGeom>
-          <a:noFill/>
-        </p:spPr>
-        <p:txBody>
-          <a:bodyPr wrap="square" rtlCol="0">
-            <a:spAutoFit/>
-          </a:bodyPr>
-          <a:lstStyle/>
-          <a:p>
-            <a:pPr algn="ctr"/>
-            <a:r>
-              <a:rPr lang="ko-KR" altLang="en-US" dirty="0">
-                <a:solidFill>
-                  <a:schemeClr val="tx1">
-                    <a:lumMod val="65000"/>
-                    <a:lumOff val="35000"/>
-                  </a:schemeClr>
-                </a:solidFill>
-                <a:latin typeface="KoPubWorld돋움체 Bold" panose="00000800000000000000" pitchFamily="2" charset="-127"/>
-                <a:ea typeface="KoPubWorld돋움체 Bold" panose="00000800000000000000" pitchFamily="2" charset="-127"/>
-                <a:cs typeface="KoPubWorld돋움체 Bold" panose="00000800000000000000" pitchFamily="2" charset="-127"/>
-              </a:rPr>
-              <a:t>기대효과</a:t>
-            </a:r>
-            <a:endParaRPr lang="en-US" altLang="ko-KR" dirty="0">
-              <a:solidFill>
-                <a:schemeClr val="tx1">
-                  <a:lumMod val="65000"/>
-                  <a:lumOff val="35000"/>
-                </a:schemeClr>
-              </a:solidFill>
-              <a:latin typeface="KoPubWorld돋움체 Bold" panose="00000800000000000000" pitchFamily="2" charset="-127"/>
-              <a:ea typeface="KoPubWorld돋움체 Bold" panose="00000800000000000000" pitchFamily="2" charset="-127"/>
-              <a:cs typeface="KoPubWorld돋움체 Bold" panose="00000800000000000000" pitchFamily="2" charset="-127"/>
-            </a:endParaRPr>
-          </a:p>
-        </p:txBody>
-      </p:sp>
-      <p:cxnSp>
-        <p:nvCxnSpPr>
-          <p:cNvPr id="22" name="직선 연결선 21">
-            <a:extLst>
-              <a:ext uri="{FF2B5EF4-FFF2-40B4-BE49-F238E27FC236}">
-                <a16:creationId xmlns:a16="http://schemas.microsoft.com/office/drawing/2014/main" id="{DC111408-1EA9-421A-9BB9-5C9C6A16BA86}"/>
-              </a:ext>
-            </a:extLst>
-          </p:cNvPr>
-          <p:cNvCxnSpPr>
-            <a:cxnSpLocks/>
-          </p:cNvCxnSpPr>
-          <p:nvPr/>
-        </p:nvCxnSpPr>
-        <p:spPr>
-          <a:xfrm>
-            <a:off x="1335584" y="1984843"/>
-            <a:ext cx="1390838" cy="0"/>
-          </a:xfrm>
-          <a:prstGeom prst="line">
-            <a:avLst/>
-          </a:prstGeom>
-          <a:ln w="15875">
-            <a:solidFill>
-              <a:schemeClr val="tx1"/>
-            </a:solidFill>
-          </a:ln>
-        </p:spPr>
-        <p:style>
-          <a:lnRef idx="1">
-            <a:schemeClr val="accent1"/>
-          </a:lnRef>
-          <a:fillRef idx="0">
-            <a:schemeClr val="accent1"/>
-          </a:fillRef>
-          <a:effectRef idx="0">
-            <a:schemeClr val="accent1"/>
-          </a:effectRef>
-          <a:fontRef idx="minor">
-            <a:schemeClr val="tx1"/>
-          </a:fontRef>
-        </p:style>
-      </p:cxnSp>
-      <p:grpSp>
-        <p:nvGrpSpPr>
-          <p:cNvPr id="11" name="그룹 10">
-            <a:extLst>
-              <a:ext uri="{FF2B5EF4-FFF2-40B4-BE49-F238E27FC236}">
-                <a16:creationId xmlns:a16="http://schemas.microsoft.com/office/drawing/2014/main" id="{CB6F9824-565E-4276-8896-3E45A9D30C6F}"/>
-              </a:ext>
-            </a:extLst>
-          </p:cNvPr>
-          <p:cNvGrpSpPr/>
-          <p:nvPr/>
-        </p:nvGrpSpPr>
-        <p:grpSpPr>
-          <a:xfrm>
-            <a:off x="643770" y="188165"/>
-            <a:ext cx="3981147" cy="830997"/>
-            <a:chOff x="357588" y="188165"/>
-            <a:chExt cx="3981147" cy="830997"/>
-          </a:xfrm>
-        </p:grpSpPr>
-        <p:sp>
-          <p:nvSpPr>
-            <p:cNvPr id="12" name="직사각형 11">
-              <a:extLst>
-                <a:ext uri="{FF2B5EF4-FFF2-40B4-BE49-F238E27FC236}">
-                  <a16:creationId xmlns:a16="http://schemas.microsoft.com/office/drawing/2014/main" id="{D104D79E-901E-43F1-8667-676DFE6C40AA}"/>
-                </a:ext>
-              </a:extLst>
-            </p:cNvPr>
-            <p:cNvSpPr/>
-            <p:nvPr/>
-          </p:nvSpPr>
-          <p:spPr>
-            <a:xfrm>
-              <a:off x="1141445" y="271010"/>
-              <a:ext cx="3197290" cy="553998"/>
-            </a:xfrm>
-            <a:prstGeom prst="rect">
-              <a:avLst/>
-            </a:prstGeom>
-          </p:spPr>
-          <p:txBody>
-            <a:bodyPr wrap="square">
-              <a:spAutoFit/>
-            </a:bodyPr>
-            <a:lstStyle/>
-            <a:p>
-              <a:r>
-                <a:rPr lang="ko-KR" altLang="en-US" dirty="0">
-                  <a:solidFill>
-                    <a:schemeClr val="tx1">
-                      <a:lumMod val="65000"/>
-                      <a:lumOff val="35000"/>
-                    </a:schemeClr>
-                  </a:solidFill>
-                  <a:latin typeface="KoPubWorld돋움체 Bold" panose="00000800000000000000" pitchFamily="2" charset="-127"/>
-                  <a:ea typeface="KoPubWorld돋움체 Bold" panose="00000800000000000000" pitchFamily="2" charset="-127"/>
-                  <a:cs typeface="KoPubWorld돋움체 Bold" panose="00000800000000000000" pitchFamily="2" charset="-127"/>
-                </a:rPr>
-                <a:t>기대효과</a:t>
-              </a:r>
-              <a:endParaRPr lang="en-US" altLang="ko-KR" dirty="0">
-                <a:solidFill>
-                  <a:schemeClr val="tx1">
-                    <a:lumMod val="65000"/>
-                    <a:lumOff val="35000"/>
-                  </a:schemeClr>
-                </a:solidFill>
-                <a:latin typeface="KoPubWorld돋움체 Bold" panose="00000800000000000000" pitchFamily="2" charset="-127"/>
-                <a:ea typeface="KoPubWorld돋움체 Bold" panose="00000800000000000000" pitchFamily="2" charset="-127"/>
-                <a:cs typeface="KoPubWorld돋움체 Bold" panose="00000800000000000000" pitchFamily="2" charset="-127"/>
-              </a:endParaRPr>
-            </a:p>
-            <a:p>
-              <a:r>
-                <a:rPr lang="ko-KR" altLang="en-US" sz="1200" dirty="0">
-                  <a:solidFill>
-                    <a:schemeClr val="tx1">
-                      <a:lumMod val="65000"/>
-                      <a:lumOff val="35000"/>
-                    </a:schemeClr>
-                  </a:solidFill>
-                  <a:latin typeface="KoPubWorld돋움체 Light" panose="00000300000000000000" pitchFamily="2" charset="-127"/>
-                  <a:ea typeface="KoPubWorld돋움체 Light" panose="00000300000000000000" pitchFamily="2" charset="-127"/>
-                  <a:cs typeface="KoPubWorld돋움체 Light" panose="00000300000000000000" pitchFamily="2" charset="-127"/>
-                </a:rPr>
-                <a:t>기대효과 및 방향성</a:t>
-              </a:r>
-              <a:endParaRPr lang="ko-KR" altLang="en-US" sz="1200" dirty="0">
-                <a:solidFill>
-                  <a:schemeClr val="tx1">
-                    <a:lumMod val="65000"/>
-                    <a:lumOff val="35000"/>
-                  </a:schemeClr>
-                </a:solidFill>
-                <a:latin typeface="KoPubWorld돋움체 Light" panose="020B0600000101010101" charset="-127"/>
-                <a:ea typeface="KoPubWorld돋움체 Light" panose="020B0600000101010101" charset="-127"/>
-                <a:cs typeface="KoPubWorld돋움체 Light" panose="020B0600000101010101" charset="-127"/>
-              </a:endParaRPr>
-            </a:p>
-          </p:txBody>
-        </p:sp>
-        <p:sp>
-          <p:nvSpPr>
-            <p:cNvPr id="13" name="TextBox 12">
-              <a:extLst>
-                <a:ext uri="{FF2B5EF4-FFF2-40B4-BE49-F238E27FC236}">
-                  <a16:creationId xmlns:a16="http://schemas.microsoft.com/office/drawing/2014/main" id="{4B4E0481-940E-4AFF-93C0-15DE43686079}"/>
-                </a:ext>
-              </a:extLst>
-            </p:cNvPr>
-            <p:cNvSpPr txBox="1"/>
-            <p:nvPr/>
-          </p:nvSpPr>
-          <p:spPr>
-            <a:xfrm>
-              <a:off x="357588" y="188165"/>
-              <a:ext cx="877163" cy="830997"/>
-            </a:xfrm>
-            <a:prstGeom prst="rect">
-              <a:avLst/>
-            </a:prstGeom>
-            <a:noFill/>
-          </p:spPr>
-          <p:txBody>
-            <a:bodyPr wrap="none" rtlCol="0">
-              <a:spAutoFit/>
-            </a:bodyPr>
-            <a:lstStyle/>
-            <a:p>
-              <a:r>
-                <a:rPr lang="en-US" altLang="ko-KR" sz="4800" b="1" dirty="0">
-                  <a:solidFill>
-                    <a:srgbClr val="64DECF"/>
-                  </a:solidFill>
-                  <a:latin typeface="KoPubWorld돋움체 Bold" panose="00000800000000000000" pitchFamily="2" charset="-127"/>
-                  <a:ea typeface="KoPubWorld돋움체 Bold" panose="00000800000000000000" pitchFamily="2" charset="-127"/>
-                  <a:cs typeface="KoPubWorld돋움체 Bold" panose="00000800000000000000" pitchFamily="2" charset="-127"/>
-                </a:rPr>
-                <a:t>04</a:t>
-              </a:r>
-              <a:endParaRPr lang="ko-KR" altLang="en-US" sz="4800" b="1" dirty="0">
-                <a:solidFill>
-                  <a:srgbClr val="64DECF"/>
-                </a:solidFill>
-                <a:latin typeface="KoPubWorld돋움체 Bold" panose="00000800000000000000" pitchFamily="2" charset="-127"/>
-                <a:ea typeface="KoPubWorld돋움체 Bold" panose="00000800000000000000" pitchFamily="2" charset="-127"/>
-                <a:cs typeface="KoPubWorld돋움체 Bold" panose="00000800000000000000" pitchFamily="2" charset="-127"/>
-              </a:endParaRPr>
-            </a:p>
-          </p:txBody>
-        </p:sp>
-      </p:grpSp>
     </p:spTree>
     <p:extLst>
       <p:ext uri="{BB962C8B-B14F-4D97-AF65-F5344CB8AC3E}">
-        <p14:creationId xmlns:p14="http://schemas.microsoft.com/office/powerpoint/2010/main" val="2211394181"/>
+        <p14:creationId xmlns:p14="http://schemas.microsoft.com/office/powerpoint/2010/main" val="163704078"/>
       </p:ext>
     </p:extLst>
   </p:cSld>
@@ -6513,9 +9439,9 @@
         <p:grpSpPr>
           <a:xfrm>
             <a:off x="3430943" y="3975509"/>
-            <a:ext cx="5046382" cy="830997"/>
+            <a:ext cx="4732193" cy="830997"/>
             <a:chOff x="3403338" y="2598003"/>
-            <a:chExt cx="5046382" cy="830997"/>
+            <a:chExt cx="4732193" cy="830997"/>
           </a:xfrm>
         </p:grpSpPr>
         <p:grpSp>
@@ -6533,9 +9459,9 @@
           <p:grpSpPr>
             <a:xfrm>
               <a:off x="3403338" y="2598003"/>
-              <a:ext cx="1681497" cy="830997"/>
+              <a:ext cx="1995686" cy="830997"/>
               <a:chOff x="3403338" y="2598003"/>
-              <a:chExt cx="1681497" cy="830997"/>
+              <a:chExt cx="1995686" cy="830997"/>
             </a:xfrm>
           </p:grpSpPr>
           <p:sp>
@@ -6603,7 +9529,7 @@
             <p:spPr>
               <a:xfrm>
                 <a:off x="4182024" y="2667984"/>
-                <a:ext cx="902811" cy="523220"/>
+                <a:ext cx="1217000" cy="523220"/>
               </a:xfrm>
               <a:prstGeom prst="rect">
                 <a:avLst/>
@@ -6628,7 +9554,7 @@
                     <a:ea typeface="KoPubWorld돋움체 Bold" panose="00000800000000000000" pitchFamily="2" charset="-127"/>
                     <a:cs typeface="KoPubWorld돋움체 Bold" panose="00000800000000000000" pitchFamily="2" charset="-127"/>
                   </a:rPr>
-                  <a:t>기능소개</a:t>
+                  <a:t>기대효과</a:t>
                 </a:r>
                 <a:endParaRPr lang="en-US" altLang="ko-KR" sz="1600" dirty="0">
                   <a:solidFill>
@@ -6655,7 +9581,7 @@
                     <a:ea typeface="KoPubWorld돋움체 Light" panose="00000300000000000000" pitchFamily="2" charset="-127"/>
                     <a:cs typeface="KoPubWorld돋움체 Light" panose="00000300000000000000" pitchFamily="2" charset="-127"/>
                   </a:rPr>
-                  <a:t>주요기능</a:t>
+                  <a:t>기대효과 및 방향</a:t>
                 </a:r>
               </a:p>
             </p:txBody>
@@ -6676,9 +9602,9 @@
           <p:grpSpPr>
             <a:xfrm>
               <a:off x="6454034" y="2598003"/>
-              <a:ext cx="1995686" cy="830997"/>
+              <a:ext cx="1681497" cy="830997"/>
               <a:chOff x="6454034" y="2598003"/>
-              <a:chExt cx="1995686" cy="830997"/>
+              <a:chExt cx="1681497" cy="830997"/>
             </a:xfrm>
           </p:grpSpPr>
           <p:sp>
@@ -6746,7 +9672,7 @@
             <p:spPr>
               <a:xfrm>
                 <a:off x="7232720" y="2667984"/>
-                <a:ext cx="1217000" cy="523220"/>
+                <a:ext cx="902811" cy="523220"/>
               </a:xfrm>
               <a:prstGeom prst="rect">
                 <a:avLst/>
@@ -6771,7 +9697,7 @@
                     <a:ea typeface="KoPubWorld돋움체 Bold" panose="00000800000000000000" pitchFamily="2" charset="-127"/>
                     <a:cs typeface="KoPubWorld돋움체 Bold" panose="00000800000000000000" pitchFamily="2" charset="-127"/>
                   </a:rPr>
-                  <a:t>기대효과</a:t>
+                  <a:t>기능소개</a:t>
                 </a:r>
                 <a:endParaRPr lang="en-US" altLang="ko-KR" sz="1600" dirty="0">
                   <a:solidFill>
@@ -6798,7 +9724,7 @@
                     <a:ea typeface="KoPubWorld돋움체 Light" panose="00000300000000000000" pitchFamily="2" charset="-127"/>
                     <a:cs typeface="KoPubWorld돋움체 Light" panose="00000300000000000000" pitchFamily="2" charset="-127"/>
                   </a:rPr>
-                  <a:t>기대효과 및 방향</a:t>
+                  <a:t>주요기능</a:t>
                 </a:r>
               </a:p>
             </p:txBody>
@@ -7294,7 +10220,7 @@
           <p:nvPr/>
         </p:nvPicPr>
         <p:blipFill>
-          <a:blip r:embed="rId2"/>
+          <a:blip r:embed="rId3"/>
           <a:stretch>
             <a:fillRect/>
           </a:stretch>
@@ -8794,7 +11720,7 @@
         <p:spPr>
           <a:xfrm>
             <a:off x="1184392" y="2200879"/>
-            <a:ext cx="8432112" cy="4208844"/>
+            <a:ext cx="8432112" cy="4212692"/>
           </a:xfrm>
           <a:prstGeom prst="rect">
             <a:avLst/>
@@ -8815,7 +11741,7 @@
               <a:buChar char="ü"/>
             </a:pPr>
             <a:r>
-              <a:rPr lang="ko-KR" altLang="en-US" sz="2000" dirty="0">
+              <a:rPr lang="ko-KR" altLang="en-US" dirty="0">
                 <a:solidFill>
                   <a:srgbClr val="FF7C80"/>
                 </a:solidFill>
@@ -8825,7 +11751,7 @@
               </a:rPr>
               <a:t>대시보드를 활용한 다이나믹 카드명세서</a:t>
             </a:r>
-            <a:endParaRPr lang="en-US" altLang="ko-KR" sz="2000" dirty="0">
+            <a:endParaRPr lang="en-US" altLang="ko-KR" dirty="0">
               <a:solidFill>
                 <a:schemeClr val="tx1">
                   <a:lumMod val="65000"/>
@@ -8846,7 +11772,7 @@
               <a:buChar char="ü"/>
             </a:pPr>
             <a:r>
-              <a:rPr lang="ko-KR" altLang="en-US" sz="2000" dirty="0">
+              <a:rPr lang="ko-KR" altLang="en-US" dirty="0">
                 <a:solidFill>
                   <a:schemeClr val="tx1">
                     <a:lumMod val="65000"/>
@@ -8860,7 +11786,7 @@
               <a:t>개발자 </a:t>
             </a:r>
             <a:r>
-              <a:rPr lang="en-US" altLang="ko-KR" sz="2000" dirty="0">
+              <a:rPr lang="en-US" altLang="ko-KR" dirty="0">
                 <a:solidFill>
                   <a:schemeClr val="tx1">
                     <a:lumMod val="65000"/>
@@ -8874,7 +11800,7 @@
               <a:t>: </a:t>
             </a:r>
             <a:r>
-              <a:rPr lang="ko-KR" altLang="en-US" sz="2000" dirty="0">
+              <a:rPr lang="ko-KR" altLang="en-US" dirty="0">
                 <a:solidFill>
                   <a:schemeClr val="tx1">
                     <a:lumMod val="65000"/>
@@ -8888,7 +11814,7 @@
               <a:t>데이터분석과 </a:t>
             </a:r>
             <a:r>
-              <a:rPr lang="ko-KR" altLang="en-US" sz="2000" dirty="0" err="1">
+              <a:rPr lang="ko-KR" altLang="en-US" dirty="0" err="1">
                 <a:solidFill>
                   <a:schemeClr val="tx1">
                     <a:lumMod val="65000"/>
@@ -8901,7 +11827,7 @@
               </a:rPr>
               <a:t>구본성</a:t>
             </a:r>
-            <a:endParaRPr lang="en-US" altLang="ko-KR" sz="2000" dirty="0">
+            <a:endParaRPr lang="en-US" altLang="ko-KR" dirty="0">
               <a:solidFill>
                 <a:schemeClr val="tx1">
                   <a:lumMod val="65000"/>
@@ -8922,7 +11848,7 @@
               <a:buChar char="ü"/>
             </a:pPr>
             <a:r>
-              <a:rPr lang="ko-KR" altLang="en-US" sz="2000" dirty="0">
+              <a:rPr lang="ko-KR" altLang="en-US" dirty="0">
                 <a:solidFill>
                   <a:schemeClr val="tx1">
                     <a:lumMod val="65000"/>
@@ -8936,7 +11862,7 @@
               <a:t>개발기간 </a:t>
             </a:r>
             <a:r>
-              <a:rPr lang="en-US" altLang="ko-KR" sz="2000" dirty="0">
+              <a:rPr lang="en-US" altLang="ko-KR" dirty="0">
                 <a:solidFill>
                   <a:schemeClr val="tx1">
                     <a:lumMod val="65000"/>
@@ -8959,7 +11885,7 @@
               <a:buChar char="ü"/>
             </a:pPr>
             <a:r>
-              <a:rPr lang="ko-KR" altLang="en-US" sz="2000" dirty="0">
+              <a:rPr lang="ko-KR" altLang="en-US" dirty="0">
                 <a:solidFill>
                   <a:schemeClr val="tx1">
                     <a:lumMod val="65000"/>
@@ -8973,7 +11899,7 @@
               <a:t>예상 개발환경 </a:t>
             </a:r>
             <a:r>
-              <a:rPr lang="en-US" altLang="ko-KR" sz="1600" b="1" dirty="0">
+              <a:rPr lang="en-US" altLang="ko-KR" sz="1400" b="1" dirty="0">
                 <a:solidFill>
                   <a:srgbClr val="FF0000"/>
                 </a:solidFill>
@@ -8984,7 +11910,7 @@
               <a:t>(</a:t>
             </a:r>
             <a:r>
-              <a:rPr lang="ko-KR" altLang="en-US" sz="1600" b="1" dirty="0">
+              <a:rPr lang="ko-KR" altLang="en-US" sz="1400" b="1" dirty="0">
                 <a:solidFill>
                   <a:srgbClr val="FF0000"/>
                 </a:solidFill>
@@ -8995,7 +11921,7 @@
               <a:t>보완 예정</a:t>
             </a:r>
             <a:r>
-              <a:rPr lang="en-US" altLang="ko-KR" sz="1600" b="1" dirty="0">
+              <a:rPr lang="en-US" altLang="ko-KR" sz="1400" b="1" dirty="0">
                 <a:solidFill>
                   <a:srgbClr val="FF0000"/>
                 </a:solidFill>
@@ -9005,7 +11931,7 @@
               </a:rPr>
               <a:t>)</a:t>
             </a:r>
-            <a:endParaRPr lang="en-US" altLang="ko-KR" sz="2000" b="1" dirty="0">
+            <a:endParaRPr lang="en-US" altLang="ko-KR" b="1" dirty="0">
               <a:solidFill>
                 <a:srgbClr val="FF0000"/>
               </a:solidFill>
@@ -9023,7 +11949,7 @@
               <a:buChar char="ü"/>
             </a:pPr>
             <a:r>
-              <a:rPr lang="en-US" altLang="ko-KR" sz="2000" dirty="0">
+              <a:rPr lang="en-US" altLang="ko-KR" dirty="0">
                 <a:solidFill>
                   <a:schemeClr val="tx1">
                     <a:lumMod val="65000"/>
@@ -9046,7 +11972,7 @@
               <a:buChar char="ü"/>
             </a:pPr>
             <a:r>
-              <a:rPr lang="en-US" altLang="ko-KR" sz="2000" dirty="0">
+              <a:rPr lang="en-US" altLang="ko-KR" dirty="0">
                 <a:solidFill>
                   <a:schemeClr val="tx1">
                     <a:lumMod val="65000"/>
@@ -9057,7 +11983,61 @@
                 <a:ea typeface="KoPubWorld돋움체 Light" panose="00000300000000000000" pitchFamily="2" charset="-127"/>
                 <a:cs typeface="KoPubWorld돋움체 Light" panose="00000300000000000000" pitchFamily="2" charset="-127"/>
               </a:rPr>
-              <a:t>Back-End : JAVA, Python, R</a:t>
+              <a:t>Back-End : JAVA, Apache-Tomcat,</a:t>
+            </a:r>
+            <a:br>
+              <a:rPr lang="en-US" altLang="ko-KR" dirty="0">
+                <a:solidFill>
+                  <a:schemeClr val="tx1">
+                    <a:lumMod val="65000"/>
+                    <a:lumOff val="35000"/>
+                  </a:schemeClr>
+                </a:solidFill>
+                <a:latin typeface="KoPubWorld돋움체 Light" panose="00000300000000000000" pitchFamily="2" charset="-127"/>
+                <a:ea typeface="KoPubWorld돋움체 Light" panose="00000300000000000000" pitchFamily="2" charset="-127"/>
+                <a:cs typeface="KoPubWorld돋움체 Light" panose="00000300000000000000" pitchFamily="2" charset="-127"/>
+              </a:rPr>
+            </a:br>
+            <a:r>
+              <a:rPr lang="en-US" altLang="ko-KR" dirty="0">
+                <a:solidFill>
+                  <a:schemeClr val="tx1">
+                    <a:lumMod val="65000"/>
+                    <a:lumOff val="35000"/>
+                  </a:schemeClr>
+                </a:solidFill>
+                <a:latin typeface="KoPubWorld돋움체 Light" panose="00000300000000000000" pitchFamily="2" charset="-127"/>
+                <a:ea typeface="KoPubWorld돋움체 Light" panose="00000300000000000000" pitchFamily="2" charset="-127"/>
+                <a:cs typeface="KoPubWorld돋움체 Light" panose="00000300000000000000" pitchFamily="2" charset="-127"/>
+              </a:rPr>
+              <a:t>                   Python, R, Tableau,</a:t>
+            </a:r>
+            <a:br>
+              <a:rPr lang="en-US" altLang="ko-KR" dirty="0">
+                <a:solidFill>
+                  <a:schemeClr val="tx1">
+                    <a:lumMod val="65000"/>
+                    <a:lumOff val="35000"/>
+                  </a:schemeClr>
+                </a:solidFill>
+                <a:latin typeface="KoPubWorld돋움체 Light" panose="00000300000000000000" pitchFamily="2" charset="-127"/>
+                <a:ea typeface="KoPubWorld돋움체 Light" panose="00000300000000000000" pitchFamily="2" charset="-127"/>
+                <a:cs typeface="KoPubWorld돋움체 Light" panose="00000300000000000000" pitchFamily="2" charset="-127"/>
+              </a:rPr>
+            </a:br>
+            <a:r>
+              <a:rPr lang="en-US" altLang="ko-KR" dirty="0">
+                <a:solidFill>
+                  <a:schemeClr val="tx1">
+                    <a:lumMod val="65000"/>
+                    <a:lumOff val="35000"/>
+                  </a:schemeClr>
+                </a:solidFill>
+                <a:latin typeface="KoPubWorld돋움체 Light" panose="00000300000000000000" pitchFamily="2" charset="-127"/>
+                <a:ea typeface="KoPubWorld돋움체 Light" panose="00000300000000000000" pitchFamily="2" charset="-127"/>
+                <a:cs typeface="KoPubWorld돋움체 Light" panose="00000300000000000000" pitchFamily="2" charset="-127"/>
+              </a:rPr>
+              <a:t>		    Tableau Bridge</a:t>
             </a:r>
           </a:p>
           <a:p>
@@ -9069,7 +12049,7 @@
               <a:buChar char="ü"/>
             </a:pPr>
             <a:r>
-              <a:rPr lang="en-US" altLang="ko-KR" sz="2000" dirty="0">
+              <a:rPr lang="en-US" altLang="ko-KR" dirty="0">
                 <a:solidFill>
                   <a:schemeClr val="tx1">
                     <a:lumMod val="65000"/>
@@ -9092,30 +12072,7 @@
               <a:buChar char="ü"/>
             </a:pPr>
             <a:r>
-              <a:rPr lang="en-US" altLang="ko-KR" sz="2000" dirty="0">
-                <a:solidFill>
-                  <a:schemeClr val="tx1">
-                    <a:lumMod val="65000"/>
-                    <a:lumOff val="35000"/>
-                  </a:schemeClr>
-                </a:solidFill>
-                <a:latin typeface="KoPubWorld돋움체 Light" panose="00000300000000000000" pitchFamily="2" charset="-127"/>
-                <a:ea typeface="KoPubWorld돋움체 Light" panose="00000300000000000000" pitchFamily="2" charset="-127"/>
-                <a:cs typeface="KoPubWorld돋움체 Light" panose="00000300000000000000" pitchFamily="2" charset="-127"/>
-              </a:rPr>
-              <a:t>Visualization : Tableau</a:t>
-            </a:r>
-          </a:p>
-          <a:p>
-            <a:pPr marL="800100" lvl="1" indent="-342900">
-              <a:lnSpc>
-                <a:spcPct val="150000"/>
-              </a:lnSpc>
-              <a:buFont typeface="Wingdings" panose="05000000000000000000" pitchFamily="2" charset="2"/>
-              <a:buChar char="ü"/>
-            </a:pPr>
-            <a:r>
-              <a:rPr lang="en-US" altLang="ko-KR" sz="2000" dirty="0">
+              <a:rPr lang="en-US" altLang="ko-KR" dirty="0">
                 <a:solidFill>
                   <a:schemeClr val="tx1">
                     <a:lumMod val="65000"/>
@@ -9399,15 +12356,15 @@
           <p:nvPr/>
         </p:nvPicPr>
         <p:blipFill>
-          <a:blip r:embed="rId2"/>
+          <a:blip r:embed="rId3"/>
           <a:stretch>
             <a:fillRect/>
           </a:stretch>
         </p:blipFill>
         <p:spPr>
           <a:xfrm>
-            <a:off x="6431064" y="2604404"/>
-            <a:ext cx="5072722" cy="2654637"/>
+            <a:off x="6495393" y="2381768"/>
+            <a:ext cx="5018903" cy="2626473"/>
           </a:xfrm>
           <a:prstGeom prst="rect">
             <a:avLst/>
@@ -9428,6 +12385,1409 @@
 </file>
 
 <file path=ppt/slides/slide7.xml><?xml version="1.0" encoding="utf-8"?>
+<p:sld xmlns:a="http://schemas.openxmlformats.org/drawingml/2006/main" xmlns:r="http://schemas.openxmlformats.org/officeDocument/2006/relationships" xmlns:p="http://schemas.openxmlformats.org/presentationml/2006/main">
+  <p:cSld>
+    <p:spTree>
+      <p:nvGrpSpPr>
+        <p:cNvPr id="1" name=""/>
+        <p:cNvGrpSpPr/>
+        <p:nvPr/>
+      </p:nvGrpSpPr>
+      <p:grpSpPr>
+        <a:xfrm>
+          <a:off x="0" y="0"/>
+          <a:ext cx="0" cy="0"/>
+          <a:chOff x="0" y="0"/>
+          <a:chExt cx="0" cy="0"/>
+        </a:xfrm>
+      </p:grpSpPr>
+      <p:sp>
+        <p:nvSpPr>
+          <p:cNvPr id="23" name="직사각형 22">
+            <a:extLst>
+              <a:ext uri="{FF2B5EF4-FFF2-40B4-BE49-F238E27FC236}">
+                <a16:creationId xmlns:a16="http://schemas.microsoft.com/office/drawing/2014/main" id="{505D9C9E-8325-4A59-BEFC-3BC22C85BDAD}"/>
+              </a:ext>
+            </a:extLst>
+          </p:cNvPr>
+          <p:cNvSpPr/>
+          <p:nvPr/>
+        </p:nvSpPr>
+        <p:spPr>
+          <a:xfrm flipV="1">
+            <a:off x="557400" y="1001162"/>
+            <a:ext cx="11077200" cy="18000"/>
+          </a:xfrm>
+          <a:prstGeom prst="rect">
+            <a:avLst/>
+          </a:prstGeom>
+          <a:solidFill>
+            <a:srgbClr val="64DECF"/>
+          </a:solidFill>
+          <a:ln>
+            <a:noFill/>
+          </a:ln>
+        </p:spPr>
+        <p:style>
+          <a:lnRef idx="2">
+            <a:schemeClr val="accent1">
+              <a:shade val="50000"/>
+            </a:schemeClr>
+          </a:lnRef>
+          <a:fillRef idx="1">
+            <a:schemeClr val="accent1"/>
+          </a:fillRef>
+          <a:effectRef idx="0">
+            <a:schemeClr val="accent1"/>
+          </a:effectRef>
+          <a:fontRef idx="minor">
+            <a:schemeClr val="lt1"/>
+          </a:fontRef>
+        </p:style>
+        <p:txBody>
+          <a:bodyPr rtlCol="0" anchor="ctr"/>
+          <a:lstStyle/>
+          <a:p>
+            <a:pPr algn="ctr"/>
+            <a:endParaRPr lang="ko-KR" altLang="en-US"/>
+          </a:p>
+        </p:txBody>
+      </p:sp>
+      <p:sp>
+        <p:nvSpPr>
+          <p:cNvPr id="19" name="TextBox 18">
+            <a:extLst>
+              <a:ext uri="{FF2B5EF4-FFF2-40B4-BE49-F238E27FC236}">
+                <a16:creationId xmlns:a16="http://schemas.microsoft.com/office/drawing/2014/main" id="{CC31646F-091B-4C5A-93D5-E959CD92F4AE}"/>
+              </a:ext>
+            </a:extLst>
+          </p:cNvPr>
+          <p:cNvSpPr txBox="1"/>
+          <p:nvPr/>
+        </p:nvSpPr>
+        <p:spPr>
+          <a:xfrm>
+            <a:off x="1335584" y="1580958"/>
+            <a:ext cx="7381025" cy="584775"/>
+          </a:xfrm>
+          <a:prstGeom prst="rect">
+            <a:avLst/>
+          </a:prstGeom>
+          <a:noFill/>
+        </p:spPr>
+        <p:txBody>
+          <a:bodyPr wrap="square" rtlCol="0">
+            <a:spAutoFit/>
+          </a:bodyPr>
+          <a:lstStyle/>
+          <a:p>
+            <a:pPr algn="ctr"/>
+            <a:endParaRPr lang="en-US" altLang="ko-KR" sz="3200" dirty="0">
+              <a:solidFill>
+                <a:srgbClr val="00B0F0"/>
+              </a:solidFill>
+              <a:latin typeface="KoPub돋움체 Light" panose="00000300000000000000" pitchFamily="2" charset="-127"/>
+              <a:ea typeface="KoPub돋움체 Light" panose="00000300000000000000" pitchFamily="2" charset="-127"/>
+            </a:endParaRPr>
+          </a:p>
+        </p:txBody>
+      </p:sp>
+      <p:sp>
+        <p:nvSpPr>
+          <p:cNvPr id="20" name="TextBox 19">
+            <a:extLst>
+              <a:ext uri="{FF2B5EF4-FFF2-40B4-BE49-F238E27FC236}">
+                <a16:creationId xmlns:a16="http://schemas.microsoft.com/office/drawing/2014/main" id="{8A1568D5-F63B-4A0B-A20F-3DF8DFBA0C49}"/>
+              </a:ext>
+            </a:extLst>
+          </p:cNvPr>
+          <p:cNvSpPr txBox="1"/>
+          <p:nvPr/>
+        </p:nvSpPr>
+        <p:spPr>
+          <a:xfrm>
+            <a:off x="1184392" y="2200879"/>
+            <a:ext cx="8432112" cy="3570208"/>
+          </a:xfrm>
+          <a:prstGeom prst="rect">
+            <a:avLst/>
+          </a:prstGeom>
+          <a:noFill/>
+        </p:spPr>
+        <p:txBody>
+          <a:bodyPr wrap="square" rtlCol="0">
+            <a:spAutoFit/>
+          </a:bodyPr>
+          <a:lstStyle/>
+          <a:p>
+            <a:pPr marL="342900" indent="-342900">
+              <a:lnSpc>
+                <a:spcPct val="150000"/>
+              </a:lnSpc>
+              <a:buFont typeface="Wingdings" panose="05000000000000000000" pitchFamily="2" charset="2"/>
+              <a:buChar char="ü"/>
+            </a:pPr>
+            <a:r>
+              <a:rPr lang="ko-KR" altLang="en-US" sz="1600" dirty="0">
+                <a:solidFill>
+                  <a:srgbClr val="FF7C80"/>
+                </a:solidFill>
+                <a:latin typeface="KoPubWorld돋움체 Bold" panose="00000800000000000000" pitchFamily="2" charset="-127"/>
+                <a:ea typeface="KoPubWorld돋움체 Bold" panose="00000800000000000000" pitchFamily="2" charset="-127"/>
+                <a:cs typeface="KoPubWorld돋움체 Bold" panose="00000800000000000000" pitchFamily="2" charset="-127"/>
+              </a:rPr>
+              <a:t>뱅크샐러드</a:t>
+            </a:r>
+            <a:endParaRPr lang="en-US" altLang="ko-KR" sz="1600" dirty="0">
+              <a:solidFill>
+                <a:srgbClr val="FF7C80"/>
+              </a:solidFill>
+              <a:latin typeface="KoPubWorld돋움체 Bold" panose="00000800000000000000" pitchFamily="2" charset="-127"/>
+              <a:ea typeface="KoPubWorld돋움체 Bold" panose="00000800000000000000" pitchFamily="2" charset="-127"/>
+              <a:cs typeface="KoPubWorld돋움체 Bold" panose="00000800000000000000" pitchFamily="2" charset="-127"/>
+            </a:endParaRPr>
+          </a:p>
+          <a:p>
+            <a:pPr marL="342900" indent="-342900">
+              <a:lnSpc>
+                <a:spcPct val="150000"/>
+              </a:lnSpc>
+              <a:buFont typeface="Wingdings" panose="05000000000000000000" pitchFamily="2" charset="2"/>
+              <a:buChar char="ü"/>
+            </a:pPr>
+            <a:endParaRPr lang="en-US" altLang="ko-KR" sz="1600" dirty="0">
+              <a:solidFill>
+                <a:srgbClr val="FF7C80"/>
+              </a:solidFill>
+              <a:latin typeface="KoPubWorld돋움체 Bold" panose="00000800000000000000" pitchFamily="2" charset="-127"/>
+              <a:ea typeface="KoPubWorld돋움체 Bold" panose="00000800000000000000" pitchFamily="2" charset="-127"/>
+              <a:cs typeface="KoPubWorld돋움체 Bold" panose="00000800000000000000" pitchFamily="2" charset="-127"/>
+            </a:endParaRPr>
+          </a:p>
+          <a:p>
+            <a:pPr marL="342900" indent="-342900">
+              <a:lnSpc>
+                <a:spcPct val="150000"/>
+              </a:lnSpc>
+              <a:buFont typeface="Wingdings" panose="05000000000000000000" pitchFamily="2" charset="2"/>
+              <a:buChar char="ü"/>
+            </a:pPr>
+            <a:r>
+              <a:rPr lang="ko-KR" altLang="en-US" sz="1600" dirty="0">
+                <a:solidFill>
+                  <a:schemeClr val="tx1">
+                    <a:lumMod val="65000"/>
+                    <a:lumOff val="35000"/>
+                  </a:schemeClr>
+                </a:solidFill>
+                <a:latin typeface="KoPubWorld돋움체 Light" panose="00000300000000000000" pitchFamily="2" charset="-127"/>
+                <a:ea typeface="KoPubWorld돋움체 Light" panose="00000300000000000000" pitchFamily="2" charset="-127"/>
+                <a:cs typeface="KoPubWorld돋움체 Light" panose="00000300000000000000" pitchFamily="2" charset="-127"/>
+              </a:rPr>
+              <a:t>하나금융그룹 뿐만 아니라 대부분 금융사의 카드나 서비스를 추천</a:t>
+            </a:r>
+            <a:endParaRPr lang="en-US" altLang="ko-KR" sz="1600" dirty="0">
+              <a:solidFill>
+                <a:schemeClr val="tx1">
+                  <a:lumMod val="65000"/>
+                  <a:lumOff val="35000"/>
+                </a:schemeClr>
+              </a:solidFill>
+              <a:latin typeface="KoPubWorld돋움체 Light" panose="00000300000000000000" pitchFamily="2" charset="-127"/>
+              <a:ea typeface="KoPubWorld돋움체 Light" panose="00000300000000000000" pitchFamily="2" charset="-127"/>
+              <a:cs typeface="KoPubWorld돋움체 Light" panose="00000300000000000000" pitchFamily="2" charset="-127"/>
+            </a:endParaRPr>
+          </a:p>
+          <a:p>
+            <a:pPr marL="342900" indent="-342900">
+              <a:lnSpc>
+                <a:spcPct val="150000"/>
+              </a:lnSpc>
+              <a:buFont typeface="Wingdings" panose="05000000000000000000" pitchFamily="2" charset="2"/>
+              <a:buChar char="ü"/>
+            </a:pPr>
+            <a:r>
+              <a:rPr lang="ko-KR" altLang="en-US" sz="1600" dirty="0">
+                <a:solidFill>
+                  <a:schemeClr val="tx1">
+                    <a:lumMod val="65000"/>
+                    <a:lumOff val="35000"/>
+                  </a:schemeClr>
+                </a:solidFill>
+                <a:latin typeface="KoPubWorld돋움체 Light" panose="00000300000000000000" pitchFamily="2" charset="-127"/>
+                <a:ea typeface="KoPubWorld돋움체 Light" panose="00000300000000000000" pitchFamily="2" charset="-127"/>
+                <a:cs typeface="KoPubWorld돋움체 Light" panose="00000300000000000000" pitchFamily="2" charset="-127"/>
+              </a:rPr>
+              <a:t>직접 은행 앱을 통해서 하는게 아닌</a:t>
+            </a:r>
+            <a:r>
+              <a:rPr lang="en-US" altLang="ko-KR" sz="1600" dirty="0">
+                <a:solidFill>
+                  <a:schemeClr val="tx1">
+                    <a:lumMod val="65000"/>
+                    <a:lumOff val="35000"/>
+                  </a:schemeClr>
+                </a:solidFill>
+                <a:latin typeface="KoPubWorld돋움체 Light" panose="00000300000000000000" pitchFamily="2" charset="-127"/>
+                <a:ea typeface="KoPubWorld돋움체 Light" panose="00000300000000000000" pitchFamily="2" charset="-127"/>
+                <a:cs typeface="KoPubWorld돋움체 Light" panose="00000300000000000000" pitchFamily="2" charset="-127"/>
+              </a:rPr>
+              <a:t>, </a:t>
+            </a:r>
+            <a:r>
+              <a:rPr lang="ko-KR" altLang="en-US" sz="1600" dirty="0">
+                <a:solidFill>
+                  <a:schemeClr val="tx1">
+                    <a:lumMod val="65000"/>
+                    <a:lumOff val="35000"/>
+                  </a:schemeClr>
+                </a:solidFill>
+                <a:latin typeface="KoPubWorld돋움체 Light" panose="00000300000000000000" pitchFamily="2" charset="-127"/>
+                <a:ea typeface="KoPubWorld돋움체 Light" panose="00000300000000000000" pitchFamily="2" charset="-127"/>
+                <a:cs typeface="KoPubWorld돋움체 Light" panose="00000300000000000000" pitchFamily="2" charset="-127"/>
+              </a:rPr>
+              <a:t>금융인증서를 통한 절차를 밟아 개인확인 후</a:t>
+            </a:r>
+            <a:br>
+              <a:rPr lang="en-US" altLang="ko-KR" sz="1600" dirty="0">
+                <a:solidFill>
+                  <a:schemeClr val="tx1">
+                    <a:lumMod val="65000"/>
+                    <a:lumOff val="35000"/>
+                  </a:schemeClr>
+                </a:solidFill>
+                <a:latin typeface="KoPubWorld돋움체 Light" panose="00000300000000000000" pitchFamily="2" charset="-127"/>
+                <a:ea typeface="KoPubWorld돋움체 Light" panose="00000300000000000000" pitchFamily="2" charset="-127"/>
+                <a:cs typeface="KoPubWorld돋움체 Light" panose="00000300000000000000" pitchFamily="2" charset="-127"/>
+              </a:rPr>
+            </a:br>
+            <a:r>
+              <a:rPr lang="ko-KR" altLang="en-US" sz="1600" dirty="0">
+                <a:solidFill>
+                  <a:schemeClr val="tx1">
+                    <a:lumMod val="65000"/>
+                    <a:lumOff val="35000"/>
+                  </a:schemeClr>
+                </a:solidFill>
+                <a:latin typeface="KoPubWorld돋움체 Light" panose="00000300000000000000" pitchFamily="2" charset="-127"/>
+                <a:ea typeface="KoPubWorld돋움체 Light" panose="00000300000000000000" pitchFamily="2" charset="-127"/>
+                <a:cs typeface="KoPubWorld돋움체 Light" panose="00000300000000000000" pitchFamily="2" charset="-127"/>
+              </a:rPr>
+              <a:t>계좌 및 카드를 연동하는 시스템</a:t>
+            </a:r>
+            <a:endParaRPr lang="en-US" altLang="ko-KR" sz="1600" dirty="0">
+              <a:solidFill>
+                <a:srgbClr val="FF0000"/>
+              </a:solidFill>
+              <a:latin typeface="KoPubWorld돋움체 Light" panose="00000300000000000000" pitchFamily="2" charset="-127"/>
+              <a:ea typeface="KoPubWorld돋움체 Light" panose="00000300000000000000" pitchFamily="2" charset="-127"/>
+              <a:cs typeface="KoPubWorld돋움체 Light" panose="00000300000000000000" pitchFamily="2" charset="-127"/>
+            </a:endParaRPr>
+          </a:p>
+          <a:p>
+            <a:pPr marL="342900" indent="-342900">
+              <a:lnSpc>
+                <a:spcPct val="150000"/>
+              </a:lnSpc>
+              <a:buFont typeface="Wingdings" panose="05000000000000000000" pitchFamily="2" charset="2"/>
+              <a:buChar char="ü"/>
+            </a:pPr>
+            <a:r>
+              <a:rPr lang="ko-KR" altLang="en-US" sz="1600" dirty="0">
+                <a:solidFill>
+                  <a:schemeClr val="tx1">
+                    <a:lumMod val="65000"/>
+                    <a:lumOff val="35000"/>
+                  </a:schemeClr>
+                </a:solidFill>
+                <a:latin typeface="KoPubWorld돋움체 Light" panose="00000300000000000000" pitchFamily="2" charset="-127"/>
+                <a:ea typeface="KoPubWorld돋움체 Light" panose="00000300000000000000" pitchFamily="2" charset="-127"/>
+                <a:cs typeface="KoPubWorld돋움체 Light" panose="00000300000000000000" pitchFamily="2" charset="-127"/>
+              </a:rPr>
+              <a:t>주간 소비 리포트와 건강 리포트를 통해 자신의 소비를 되짚어 볼 수 있게 함</a:t>
+            </a:r>
+            <a:br>
+              <a:rPr lang="en-US" altLang="ko-KR" sz="1600" dirty="0">
+                <a:solidFill>
+                  <a:schemeClr val="tx1">
+                    <a:lumMod val="65000"/>
+                    <a:lumOff val="35000"/>
+                  </a:schemeClr>
+                </a:solidFill>
+                <a:latin typeface="KoPubWorld돋움체 Light" panose="00000300000000000000" pitchFamily="2" charset="-127"/>
+                <a:ea typeface="KoPubWorld돋움체 Light" panose="00000300000000000000" pitchFamily="2" charset="-127"/>
+                <a:cs typeface="KoPubWorld돋움체 Light" panose="00000300000000000000" pitchFamily="2" charset="-127"/>
+              </a:rPr>
+            </a:br>
+            <a:r>
+              <a:rPr lang="en-US" altLang="ko-KR" sz="1200" dirty="0">
+                <a:solidFill>
+                  <a:srgbClr val="FF0000"/>
+                </a:solidFill>
+                <a:latin typeface="KoPubWorld돋움체 Light" panose="00000300000000000000" pitchFamily="2" charset="-127"/>
+                <a:ea typeface="KoPubWorld돋움체 Light" panose="00000300000000000000" pitchFamily="2" charset="-127"/>
+                <a:cs typeface="KoPubWorld돋움체 Light" panose="00000300000000000000" pitchFamily="2" charset="-127"/>
+              </a:rPr>
+              <a:t>→ </a:t>
+            </a:r>
+            <a:r>
+              <a:rPr lang="ko-KR" altLang="en-US" sz="1200" dirty="0">
+                <a:solidFill>
+                  <a:srgbClr val="FF0000"/>
+                </a:solidFill>
+                <a:latin typeface="KoPubWorld돋움체 Light" panose="00000300000000000000" pitchFamily="2" charset="-127"/>
+                <a:ea typeface="KoPubWorld돋움체 Light" panose="00000300000000000000" pitchFamily="2" charset="-127"/>
+                <a:cs typeface="KoPubWorld돋움체 Light" panose="00000300000000000000" pitchFamily="2" charset="-127"/>
+              </a:rPr>
+              <a:t>주간</a:t>
+            </a:r>
+            <a:r>
+              <a:rPr lang="en-US" altLang="ko-KR" sz="1200" dirty="0">
+                <a:solidFill>
+                  <a:srgbClr val="FF0000"/>
+                </a:solidFill>
+                <a:latin typeface="KoPubWorld돋움체 Light" panose="00000300000000000000" pitchFamily="2" charset="-127"/>
+                <a:ea typeface="KoPubWorld돋움체 Light" panose="00000300000000000000" pitchFamily="2" charset="-127"/>
+                <a:cs typeface="KoPubWorld돋움체 Light" panose="00000300000000000000" pitchFamily="2" charset="-127"/>
+              </a:rPr>
+              <a:t>, </a:t>
+            </a:r>
+            <a:r>
+              <a:rPr lang="ko-KR" altLang="en-US" sz="1200" dirty="0">
+                <a:solidFill>
+                  <a:srgbClr val="FF0000"/>
+                </a:solidFill>
+                <a:latin typeface="KoPubWorld돋움체 Light" panose="00000300000000000000" pitchFamily="2" charset="-127"/>
+                <a:ea typeface="KoPubWorld돋움체 Light" panose="00000300000000000000" pitchFamily="2" charset="-127"/>
+                <a:cs typeface="KoPubWorld돋움체 Light" panose="00000300000000000000" pitchFamily="2" charset="-127"/>
+              </a:rPr>
+              <a:t>월간 소비 분석 뿐만 아니라 연간 소비 분석을 통해 향후 소비의 방향성을 </a:t>
+            </a:r>
+            <a:r>
+              <a:rPr lang="ko-KR" altLang="en-US" sz="1200" dirty="0" err="1">
+                <a:solidFill>
+                  <a:srgbClr val="FF0000"/>
+                </a:solidFill>
+                <a:latin typeface="KoPubWorld돋움체 Light" panose="00000300000000000000" pitchFamily="2" charset="-127"/>
+                <a:ea typeface="KoPubWorld돋움체 Light" panose="00000300000000000000" pitchFamily="2" charset="-127"/>
+                <a:cs typeface="KoPubWorld돋움체 Light" panose="00000300000000000000" pitchFamily="2" charset="-127"/>
+              </a:rPr>
+              <a:t>짚어줌</a:t>
+            </a:r>
+            <a:br>
+              <a:rPr lang="en-US" altLang="ko-KR" sz="1200" dirty="0">
+                <a:solidFill>
+                  <a:srgbClr val="FF0000"/>
+                </a:solidFill>
+                <a:latin typeface="KoPubWorld돋움체 Light" panose="00000300000000000000" pitchFamily="2" charset="-127"/>
+                <a:ea typeface="KoPubWorld돋움체 Light" panose="00000300000000000000" pitchFamily="2" charset="-127"/>
+                <a:cs typeface="KoPubWorld돋움체 Light" panose="00000300000000000000" pitchFamily="2" charset="-127"/>
+              </a:rPr>
+            </a:br>
+            <a:br>
+              <a:rPr lang="en-US" altLang="ko-KR" sz="1200" dirty="0">
+                <a:solidFill>
+                  <a:srgbClr val="FF0000"/>
+                </a:solidFill>
+                <a:latin typeface="KoPubWorld돋움체 Light" panose="00000300000000000000" pitchFamily="2" charset="-127"/>
+                <a:ea typeface="KoPubWorld돋움체 Light" panose="00000300000000000000" pitchFamily="2" charset="-127"/>
+                <a:cs typeface="KoPubWorld돋움체 Light" panose="00000300000000000000" pitchFamily="2" charset="-127"/>
+              </a:rPr>
+            </a:br>
+            <a:r>
+              <a:rPr lang="en-US" altLang="ko-KR" sz="1600" dirty="0">
+                <a:solidFill>
+                  <a:srgbClr val="FF0000"/>
+                </a:solidFill>
+                <a:latin typeface="KoPubWorld돋움체 Light" panose="00000300000000000000" pitchFamily="2" charset="-127"/>
+                <a:ea typeface="KoPubWorld돋움체 Light" panose="00000300000000000000" pitchFamily="2" charset="-127"/>
+                <a:cs typeface="KoPubWorld돋움체 Light" panose="00000300000000000000" pitchFamily="2" charset="-127"/>
+              </a:rPr>
+              <a:t>→ </a:t>
+            </a:r>
+            <a:r>
+              <a:rPr lang="ko-KR" altLang="en-US" sz="1600" dirty="0">
+                <a:solidFill>
+                  <a:srgbClr val="FF0000"/>
+                </a:solidFill>
+                <a:latin typeface="KoPubWorld돋움체 Light" panose="00000300000000000000" pitchFamily="2" charset="-127"/>
+                <a:ea typeface="KoPubWorld돋움체 Light" panose="00000300000000000000" pitchFamily="2" charset="-127"/>
+                <a:cs typeface="KoPubWorld돋움체 Light" panose="00000300000000000000" pitchFamily="2" charset="-127"/>
+              </a:rPr>
+              <a:t>뱅크샐러드와의 구체적인 차별성 구현 필요</a:t>
+            </a:r>
+            <a:br>
+              <a:rPr lang="en-US" altLang="ko-KR" sz="1600" dirty="0">
+                <a:solidFill>
+                  <a:schemeClr val="tx1">
+                    <a:lumMod val="65000"/>
+                    <a:lumOff val="35000"/>
+                  </a:schemeClr>
+                </a:solidFill>
+                <a:latin typeface="KoPubWorld돋움체 Light" panose="00000300000000000000" pitchFamily="2" charset="-127"/>
+                <a:ea typeface="KoPubWorld돋움체 Light" panose="00000300000000000000" pitchFamily="2" charset="-127"/>
+                <a:cs typeface="KoPubWorld돋움체 Light" panose="00000300000000000000" pitchFamily="2" charset="-127"/>
+              </a:rPr>
+            </a:br>
+            <a:endParaRPr lang="en-US" altLang="ko-KR" sz="1600" dirty="0">
+              <a:solidFill>
+                <a:schemeClr val="tx1">
+                  <a:lumMod val="65000"/>
+                  <a:lumOff val="35000"/>
+                </a:schemeClr>
+              </a:solidFill>
+              <a:latin typeface="KoPubWorld돋움체 Light" panose="00000300000000000000" pitchFamily="2" charset="-127"/>
+              <a:ea typeface="KoPubWorld돋움체 Light" panose="00000300000000000000" pitchFamily="2" charset="-127"/>
+              <a:cs typeface="KoPubWorld돋움체 Light" panose="00000300000000000000" pitchFamily="2" charset="-127"/>
+            </a:endParaRPr>
+          </a:p>
+        </p:txBody>
+      </p:sp>
+      <p:sp>
+        <p:nvSpPr>
+          <p:cNvPr id="21" name="TextBox 20">
+            <a:extLst>
+              <a:ext uri="{FF2B5EF4-FFF2-40B4-BE49-F238E27FC236}">
+                <a16:creationId xmlns:a16="http://schemas.microsoft.com/office/drawing/2014/main" id="{034B67B2-180C-40C0-AD05-DFC58A3E1528}"/>
+              </a:ext>
+            </a:extLst>
+          </p:cNvPr>
+          <p:cNvSpPr txBox="1"/>
+          <p:nvPr/>
+        </p:nvSpPr>
+        <p:spPr>
+          <a:xfrm>
+            <a:off x="1263575" y="1615511"/>
+            <a:ext cx="2704418" cy="369332"/>
+          </a:xfrm>
+          <a:prstGeom prst="rect">
+            <a:avLst/>
+          </a:prstGeom>
+          <a:noFill/>
+        </p:spPr>
+        <p:txBody>
+          <a:bodyPr wrap="square" rtlCol="0">
+            <a:spAutoFit/>
+          </a:bodyPr>
+          <a:lstStyle/>
+          <a:p>
+            <a:pPr algn="ctr"/>
+            <a:r>
+              <a:rPr lang="ko-KR" altLang="en-US" dirty="0">
+                <a:solidFill>
+                  <a:schemeClr val="tx1">
+                    <a:lumMod val="65000"/>
+                    <a:lumOff val="35000"/>
+                  </a:schemeClr>
+                </a:solidFill>
+                <a:latin typeface="KoPubWorld돋움체 Bold" panose="00000800000000000000" pitchFamily="2" charset="-127"/>
+                <a:ea typeface="KoPubWorld돋움체 Bold" panose="00000800000000000000" pitchFamily="2" charset="-127"/>
+                <a:cs typeface="KoPubWorld돋움체 Bold" panose="00000800000000000000" pitchFamily="2" charset="-127"/>
+              </a:rPr>
+              <a:t>개발 </a:t>
+            </a:r>
+            <a:r>
+              <a:rPr lang="ko-KR" altLang="en-US">
+                <a:solidFill>
+                  <a:schemeClr val="tx1">
+                    <a:lumMod val="65000"/>
+                    <a:lumOff val="35000"/>
+                  </a:schemeClr>
+                </a:solidFill>
+                <a:latin typeface="KoPubWorld돋움체 Bold" panose="00000800000000000000" pitchFamily="2" charset="-127"/>
+                <a:ea typeface="KoPubWorld돋움체 Bold" panose="00000800000000000000" pitchFamily="2" charset="-127"/>
+                <a:cs typeface="KoPubWorld돋움체 Bold" panose="00000800000000000000" pitchFamily="2" charset="-127"/>
+              </a:rPr>
+              <a:t>방향성 </a:t>
+            </a:r>
+            <a:r>
+              <a:rPr lang="en-US" altLang="ko-KR" dirty="0">
+                <a:solidFill>
+                  <a:schemeClr val="tx1">
+                    <a:lumMod val="65000"/>
+                    <a:lumOff val="35000"/>
+                  </a:schemeClr>
+                </a:solidFill>
+                <a:latin typeface="KoPubWorld돋움체 Bold" panose="00000800000000000000" pitchFamily="2" charset="-127"/>
+                <a:ea typeface="KoPubWorld돋움체 Bold" panose="00000800000000000000" pitchFamily="2" charset="-127"/>
+                <a:cs typeface="KoPubWorld돋움체 Bold" panose="00000800000000000000" pitchFamily="2" charset="-127"/>
+              </a:rPr>
+              <a:t>– </a:t>
+            </a:r>
+            <a:r>
+              <a:rPr lang="ko-KR" altLang="en-US" dirty="0">
+                <a:solidFill>
+                  <a:schemeClr val="tx1">
+                    <a:lumMod val="65000"/>
+                    <a:lumOff val="35000"/>
+                  </a:schemeClr>
+                </a:solidFill>
+                <a:latin typeface="KoPubWorld돋움체 Bold" panose="00000800000000000000" pitchFamily="2" charset="-127"/>
+                <a:ea typeface="KoPubWorld돋움체 Bold" panose="00000800000000000000" pitchFamily="2" charset="-127"/>
+                <a:cs typeface="KoPubWorld돋움체 Bold" panose="00000800000000000000" pitchFamily="2" charset="-127"/>
+              </a:rPr>
+              <a:t>경쟁사 분석</a:t>
+            </a:r>
+            <a:endParaRPr lang="en-US" altLang="ko-KR" dirty="0">
+              <a:solidFill>
+                <a:schemeClr val="tx1">
+                  <a:lumMod val="65000"/>
+                  <a:lumOff val="35000"/>
+                </a:schemeClr>
+              </a:solidFill>
+              <a:latin typeface="KoPubWorld돋움체 Bold" panose="00000800000000000000" pitchFamily="2" charset="-127"/>
+              <a:ea typeface="KoPubWorld돋움체 Bold" panose="00000800000000000000" pitchFamily="2" charset="-127"/>
+              <a:cs typeface="KoPubWorld돋움체 Bold" panose="00000800000000000000" pitchFamily="2" charset="-127"/>
+            </a:endParaRPr>
+          </a:p>
+        </p:txBody>
+      </p:sp>
+      <p:cxnSp>
+        <p:nvCxnSpPr>
+          <p:cNvPr id="22" name="직선 연결선 21">
+            <a:extLst>
+              <a:ext uri="{FF2B5EF4-FFF2-40B4-BE49-F238E27FC236}">
+                <a16:creationId xmlns:a16="http://schemas.microsoft.com/office/drawing/2014/main" id="{DC111408-1EA9-421A-9BB9-5C9C6A16BA86}"/>
+              </a:ext>
+            </a:extLst>
+          </p:cNvPr>
+          <p:cNvCxnSpPr>
+            <a:cxnSpLocks/>
+          </p:cNvCxnSpPr>
+          <p:nvPr/>
+        </p:nvCxnSpPr>
+        <p:spPr>
+          <a:xfrm>
+            <a:off x="1335584" y="1984843"/>
+            <a:ext cx="2556908" cy="0"/>
+          </a:xfrm>
+          <a:prstGeom prst="line">
+            <a:avLst/>
+          </a:prstGeom>
+          <a:ln w="15875">
+            <a:solidFill>
+              <a:schemeClr val="tx1"/>
+            </a:solidFill>
+          </a:ln>
+        </p:spPr>
+        <p:style>
+          <a:lnRef idx="1">
+            <a:schemeClr val="accent1"/>
+          </a:lnRef>
+          <a:fillRef idx="0">
+            <a:schemeClr val="accent1"/>
+          </a:fillRef>
+          <a:effectRef idx="0">
+            <a:schemeClr val="accent1"/>
+          </a:effectRef>
+          <a:fontRef idx="minor">
+            <a:schemeClr val="tx1"/>
+          </a:fontRef>
+        </p:style>
+      </p:cxnSp>
+      <p:grpSp>
+        <p:nvGrpSpPr>
+          <p:cNvPr id="11" name="그룹 10">
+            <a:extLst>
+              <a:ext uri="{FF2B5EF4-FFF2-40B4-BE49-F238E27FC236}">
+                <a16:creationId xmlns:a16="http://schemas.microsoft.com/office/drawing/2014/main" id="{CB6F9824-565E-4276-8896-3E45A9D30C6F}"/>
+              </a:ext>
+            </a:extLst>
+          </p:cNvPr>
+          <p:cNvGrpSpPr/>
+          <p:nvPr/>
+        </p:nvGrpSpPr>
+        <p:grpSpPr>
+          <a:xfrm>
+            <a:off x="643770" y="188165"/>
+            <a:ext cx="3981147" cy="830997"/>
+            <a:chOff x="357588" y="188165"/>
+            <a:chExt cx="3981147" cy="830997"/>
+          </a:xfrm>
+        </p:grpSpPr>
+        <p:sp>
+          <p:nvSpPr>
+            <p:cNvPr id="12" name="직사각형 11">
+              <a:extLst>
+                <a:ext uri="{FF2B5EF4-FFF2-40B4-BE49-F238E27FC236}">
+                  <a16:creationId xmlns:a16="http://schemas.microsoft.com/office/drawing/2014/main" id="{D104D79E-901E-43F1-8667-676DFE6C40AA}"/>
+                </a:ext>
+              </a:extLst>
+            </p:cNvPr>
+            <p:cNvSpPr/>
+            <p:nvPr/>
+          </p:nvSpPr>
+          <p:spPr>
+            <a:xfrm>
+              <a:off x="1141445" y="271010"/>
+              <a:ext cx="3197290" cy="553998"/>
+            </a:xfrm>
+            <a:prstGeom prst="rect">
+              <a:avLst/>
+            </a:prstGeom>
+          </p:spPr>
+          <p:txBody>
+            <a:bodyPr wrap="square">
+              <a:spAutoFit/>
+            </a:bodyPr>
+            <a:lstStyle/>
+            <a:p>
+              <a:r>
+                <a:rPr lang="ko-KR" altLang="en-US" dirty="0">
+                  <a:solidFill>
+                    <a:schemeClr val="tx1">
+                      <a:lumMod val="65000"/>
+                      <a:lumOff val="35000"/>
+                    </a:schemeClr>
+                  </a:solidFill>
+                  <a:latin typeface="KoPubWorld돋움체 Bold" panose="00000800000000000000" pitchFamily="2" charset="-127"/>
+                  <a:ea typeface="KoPubWorld돋움체 Bold" panose="00000800000000000000" pitchFamily="2" charset="-127"/>
+                  <a:cs typeface="KoPubWorld돋움체 Bold" panose="00000800000000000000" pitchFamily="2" charset="-127"/>
+                </a:rPr>
+                <a:t>기대효과</a:t>
+              </a:r>
+              <a:endParaRPr lang="en-US" altLang="ko-KR" dirty="0">
+                <a:solidFill>
+                  <a:schemeClr val="tx1">
+                    <a:lumMod val="65000"/>
+                    <a:lumOff val="35000"/>
+                  </a:schemeClr>
+                </a:solidFill>
+                <a:latin typeface="KoPubWorld돋움체 Bold" panose="00000800000000000000" pitchFamily="2" charset="-127"/>
+                <a:ea typeface="KoPubWorld돋움체 Bold" panose="00000800000000000000" pitchFamily="2" charset="-127"/>
+                <a:cs typeface="KoPubWorld돋움체 Bold" panose="00000800000000000000" pitchFamily="2" charset="-127"/>
+              </a:endParaRPr>
+            </a:p>
+            <a:p>
+              <a:r>
+                <a:rPr lang="ko-KR" altLang="en-US" sz="1200" dirty="0">
+                  <a:solidFill>
+                    <a:schemeClr val="tx1">
+                      <a:lumMod val="65000"/>
+                      <a:lumOff val="35000"/>
+                    </a:schemeClr>
+                  </a:solidFill>
+                  <a:latin typeface="KoPubWorld돋움체 Light" panose="00000300000000000000" pitchFamily="2" charset="-127"/>
+                  <a:ea typeface="KoPubWorld돋움체 Light" panose="00000300000000000000" pitchFamily="2" charset="-127"/>
+                  <a:cs typeface="KoPubWorld돋움체 Light" panose="00000300000000000000" pitchFamily="2" charset="-127"/>
+                </a:rPr>
+                <a:t>기대효과 및 방향성</a:t>
+              </a:r>
+              <a:endParaRPr lang="ko-KR" altLang="en-US" sz="1200" dirty="0">
+                <a:solidFill>
+                  <a:schemeClr val="tx1">
+                    <a:lumMod val="65000"/>
+                    <a:lumOff val="35000"/>
+                  </a:schemeClr>
+                </a:solidFill>
+                <a:latin typeface="KoPubWorld돋움체 Light" panose="020B0600000101010101" charset="-127"/>
+                <a:ea typeface="KoPubWorld돋움체 Light" panose="020B0600000101010101" charset="-127"/>
+                <a:cs typeface="KoPubWorld돋움체 Light" panose="020B0600000101010101" charset="-127"/>
+              </a:endParaRPr>
+            </a:p>
+          </p:txBody>
+        </p:sp>
+        <p:sp>
+          <p:nvSpPr>
+            <p:cNvPr id="13" name="TextBox 12">
+              <a:extLst>
+                <a:ext uri="{FF2B5EF4-FFF2-40B4-BE49-F238E27FC236}">
+                  <a16:creationId xmlns:a16="http://schemas.microsoft.com/office/drawing/2014/main" id="{4B4E0481-940E-4AFF-93C0-15DE43686079}"/>
+                </a:ext>
+              </a:extLst>
+            </p:cNvPr>
+            <p:cNvSpPr txBox="1"/>
+            <p:nvPr/>
+          </p:nvSpPr>
+          <p:spPr>
+            <a:xfrm>
+              <a:off x="357588" y="188165"/>
+              <a:ext cx="877163" cy="830997"/>
+            </a:xfrm>
+            <a:prstGeom prst="rect">
+              <a:avLst/>
+            </a:prstGeom>
+            <a:noFill/>
+          </p:spPr>
+          <p:txBody>
+            <a:bodyPr wrap="none" rtlCol="0">
+              <a:spAutoFit/>
+            </a:bodyPr>
+            <a:lstStyle/>
+            <a:p>
+              <a:r>
+                <a:rPr lang="en-US" altLang="ko-KR" sz="4800" b="1" dirty="0">
+                  <a:solidFill>
+                    <a:srgbClr val="64DECF"/>
+                  </a:solidFill>
+                  <a:latin typeface="KoPubWorld돋움체 Bold" panose="00000800000000000000" pitchFamily="2" charset="-127"/>
+                  <a:ea typeface="KoPubWorld돋움체 Bold" panose="00000800000000000000" pitchFamily="2" charset="-127"/>
+                  <a:cs typeface="KoPubWorld돋움체 Bold" panose="00000800000000000000" pitchFamily="2" charset="-127"/>
+                </a:rPr>
+                <a:t>03</a:t>
+              </a:r>
+              <a:endParaRPr lang="ko-KR" altLang="en-US" sz="4800" b="1" dirty="0">
+                <a:solidFill>
+                  <a:srgbClr val="64DECF"/>
+                </a:solidFill>
+                <a:latin typeface="KoPubWorld돋움체 Bold" panose="00000800000000000000" pitchFamily="2" charset="-127"/>
+                <a:ea typeface="KoPubWorld돋움체 Bold" panose="00000800000000000000" pitchFamily="2" charset="-127"/>
+                <a:cs typeface="KoPubWorld돋움체 Bold" panose="00000800000000000000" pitchFamily="2" charset="-127"/>
+              </a:endParaRPr>
+            </a:p>
+          </p:txBody>
+        </p:sp>
+      </p:grpSp>
+      <p:pic>
+        <p:nvPicPr>
+          <p:cNvPr id="4" name="그림 3" descr="텍스트이(가) 표시된 사진&#10;&#10;자동 생성된 설명">
+            <a:extLst>
+              <a:ext uri="{FF2B5EF4-FFF2-40B4-BE49-F238E27FC236}">
+                <a16:creationId xmlns:a16="http://schemas.microsoft.com/office/drawing/2014/main" id="{251607E5-8BFB-4751-98F8-0C4E0C66C5E9}"/>
+              </a:ext>
+            </a:extLst>
+          </p:cNvPr>
+          <p:cNvPicPr>
+            <a:picLocks noChangeAspect="1"/>
+          </p:cNvPicPr>
+          <p:nvPr/>
+        </p:nvPicPr>
+        <p:blipFill>
+          <a:blip r:embed="rId3"/>
+          <a:stretch>
+            <a:fillRect/>
+          </a:stretch>
+        </p:blipFill>
+        <p:spPr>
+          <a:xfrm>
+            <a:off x="8283751" y="2462536"/>
+            <a:ext cx="3499439" cy="2814506"/>
+          </a:xfrm>
+          <a:prstGeom prst="rect">
+            <a:avLst/>
+          </a:prstGeom>
+        </p:spPr>
+      </p:pic>
+    </p:spTree>
+    <p:extLst>
+      <p:ext uri="{BB962C8B-B14F-4D97-AF65-F5344CB8AC3E}">
+        <p14:creationId xmlns:p14="http://schemas.microsoft.com/office/powerpoint/2010/main" val="353833582"/>
+      </p:ext>
+    </p:extLst>
+  </p:cSld>
+  <p:clrMapOvr>
+    <a:masterClrMapping/>
+  </p:clrMapOvr>
+</p:sld>
+</file>
+
+<file path=ppt/slides/slide8.xml><?xml version="1.0" encoding="utf-8"?>
+<p:sld xmlns:a="http://schemas.openxmlformats.org/drawingml/2006/main" xmlns:r="http://schemas.openxmlformats.org/officeDocument/2006/relationships" xmlns:p="http://schemas.openxmlformats.org/presentationml/2006/main">
+  <p:cSld>
+    <p:spTree>
+      <p:nvGrpSpPr>
+        <p:cNvPr id="1" name=""/>
+        <p:cNvGrpSpPr/>
+        <p:nvPr/>
+      </p:nvGrpSpPr>
+      <p:grpSpPr>
+        <a:xfrm>
+          <a:off x="0" y="0"/>
+          <a:ext cx="0" cy="0"/>
+          <a:chOff x="0" y="0"/>
+          <a:chExt cx="0" cy="0"/>
+        </a:xfrm>
+      </p:grpSpPr>
+      <p:sp>
+        <p:nvSpPr>
+          <p:cNvPr id="23" name="직사각형 22">
+            <a:extLst>
+              <a:ext uri="{FF2B5EF4-FFF2-40B4-BE49-F238E27FC236}">
+                <a16:creationId xmlns:a16="http://schemas.microsoft.com/office/drawing/2014/main" id="{505D9C9E-8325-4A59-BEFC-3BC22C85BDAD}"/>
+              </a:ext>
+            </a:extLst>
+          </p:cNvPr>
+          <p:cNvSpPr/>
+          <p:nvPr/>
+        </p:nvSpPr>
+        <p:spPr>
+          <a:xfrm flipV="1">
+            <a:off x="557400" y="1001162"/>
+            <a:ext cx="11077200" cy="18000"/>
+          </a:xfrm>
+          <a:prstGeom prst="rect">
+            <a:avLst/>
+          </a:prstGeom>
+          <a:solidFill>
+            <a:srgbClr val="64DECF"/>
+          </a:solidFill>
+          <a:ln>
+            <a:noFill/>
+          </a:ln>
+        </p:spPr>
+        <p:style>
+          <a:lnRef idx="2">
+            <a:schemeClr val="accent1">
+              <a:shade val="50000"/>
+            </a:schemeClr>
+          </a:lnRef>
+          <a:fillRef idx="1">
+            <a:schemeClr val="accent1"/>
+          </a:fillRef>
+          <a:effectRef idx="0">
+            <a:schemeClr val="accent1"/>
+          </a:effectRef>
+          <a:fontRef idx="minor">
+            <a:schemeClr val="lt1"/>
+          </a:fontRef>
+        </p:style>
+        <p:txBody>
+          <a:bodyPr rtlCol="0" anchor="ctr"/>
+          <a:lstStyle/>
+          <a:p>
+            <a:pPr algn="ctr"/>
+            <a:endParaRPr lang="ko-KR" altLang="en-US"/>
+          </a:p>
+        </p:txBody>
+      </p:sp>
+      <p:sp>
+        <p:nvSpPr>
+          <p:cNvPr id="19" name="TextBox 18">
+            <a:extLst>
+              <a:ext uri="{FF2B5EF4-FFF2-40B4-BE49-F238E27FC236}">
+                <a16:creationId xmlns:a16="http://schemas.microsoft.com/office/drawing/2014/main" id="{CC31646F-091B-4C5A-93D5-E959CD92F4AE}"/>
+              </a:ext>
+            </a:extLst>
+          </p:cNvPr>
+          <p:cNvSpPr txBox="1"/>
+          <p:nvPr/>
+        </p:nvSpPr>
+        <p:spPr>
+          <a:xfrm>
+            <a:off x="1335584" y="1580958"/>
+            <a:ext cx="7381025" cy="584775"/>
+          </a:xfrm>
+          <a:prstGeom prst="rect">
+            <a:avLst/>
+          </a:prstGeom>
+          <a:noFill/>
+        </p:spPr>
+        <p:txBody>
+          <a:bodyPr wrap="square" rtlCol="0">
+            <a:spAutoFit/>
+          </a:bodyPr>
+          <a:lstStyle/>
+          <a:p>
+            <a:pPr algn="ctr"/>
+            <a:endParaRPr lang="en-US" altLang="ko-KR" sz="3200" dirty="0">
+              <a:solidFill>
+                <a:srgbClr val="00B0F0"/>
+              </a:solidFill>
+              <a:latin typeface="KoPub돋움체 Light" panose="00000300000000000000" pitchFamily="2" charset="-127"/>
+              <a:ea typeface="KoPub돋움체 Light" panose="00000300000000000000" pitchFamily="2" charset="-127"/>
+            </a:endParaRPr>
+          </a:p>
+        </p:txBody>
+      </p:sp>
+      <p:sp>
+        <p:nvSpPr>
+          <p:cNvPr id="20" name="TextBox 19">
+            <a:extLst>
+              <a:ext uri="{FF2B5EF4-FFF2-40B4-BE49-F238E27FC236}">
+                <a16:creationId xmlns:a16="http://schemas.microsoft.com/office/drawing/2014/main" id="{8A1568D5-F63B-4A0B-A20F-3DF8DFBA0C49}"/>
+              </a:ext>
+            </a:extLst>
+          </p:cNvPr>
+          <p:cNvSpPr txBox="1"/>
+          <p:nvPr/>
+        </p:nvSpPr>
+        <p:spPr>
+          <a:xfrm>
+            <a:off x="1184392" y="2200879"/>
+            <a:ext cx="8432112" cy="3285515"/>
+          </a:xfrm>
+          <a:prstGeom prst="rect">
+            <a:avLst/>
+          </a:prstGeom>
+          <a:noFill/>
+        </p:spPr>
+        <p:txBody>
+          <a:bodyPr wrap="square" rtlCol="0">
+            <a:spAutoFit/>
+          </a:bodyPr>
+          <a:lstStyle/>
+          <a:p>
+            <a:pPr marL="342900" indent="-342900">
+              <a:lnSpc>
+                <a:spcPct val="150000"/>
+              </a:lnSpc>
+              <a:buFont typeface="Wingdings" panose="05000000000000000000" pitchFamily="2" charset="2"/>
+              <a:buChar char="ü"/>
+            </a:pPr>
+            <a:r>
+              <a:rPr lang="ko-KR" altLang="en-US" sz="2000" dirty="0">
+                <a:solidFill>
+                  <a:schemeClr val="tx1">
+                    <a:lumMod val="65000"/>
+                    <a:lumOff val="35000"/>
+                  </a:schemeClr>
+                </a:solidFill>
+                <a:latin typeface="KoPubWorld돋움체 Light" panose="00000300000000000000" pitchFamily="2" charset="-127"/>
+                <a:ea typeface="KoPubWorld돋움체 Light" panose="00000300000000000000" pitchFamily="2" charset="-127"/>
+                <a:cs typeface="KoPubWorld돋움체 Light" panose="00000300000000000000" pitchFamily="2" charset="-127"/>
+              </a:rPr>
+              <a:t>나에게 맞는 카드를 통해 고객들에게 합리적인 카드 사용을 유도</a:t>
+            </a:r>
+            <a:r>
+              <a:rPr lang="en-US" altLang="ko-KR" sz="2000" dirty="0">
+                <a:solidFill>
+                  <a:schemeClr val="tx1">
+                    <a:lumMod val="65000"/>
+                    <a:lumOff val="35000"/>
+                  </a:schemeClr>
+                </a:solidFill>
+                <a:latin typeface="KoPubWorld돋움체 Light" panose="00000300000000000000" pitchFamily="2" charset="-127"/>
+                <a:ea typeface="KoPubWorld돋움체 Light" panose="00000300000000000000" pitchFamily="2" charset="-127"/>
+                <a:cs typeface="KoPubWorld돋움체 Light" panose="00000300000000000000" pitchFamily="2" charset="-127"/>
+              </a:rPr>
+              <a:t>,</a:t>
+            </a:r>
+            <a:br>
+              <a:rPr lang="en-US" altLang="ko-KR" sz="2000" dirty="0">
+                <a:solidFill>
+                  <a:schemeClr val="tx1">
+                    <a:lumMod val="65000"/>
+                    <a:lumOff val="35000"/>
+                  </a:schemeClr>
+                </a:solidFill>
+                <a:latin typeface="KoPubWorld돋움체 Light" panose="00000300000000000000" pitchFamily="2" charset="-127"/>
+                <a:ea typeface="KoPubWorld돋움체 Light" panose="00000300000000000000" pitchFamily="2" charset="-127"/>
+                <a:cs typeface="KoPubWorld돋움체 Light" panose="00000300000000000000" pitchFamily="2" charset="-127"/>
+              </a:rPr>
+            </a:br>
+            <a:r>
+              <a:rPr lang="ko-KR" altLang="en-US" sz="2000" dirty="0">
+                <a:solidFill>
+                  <a:schemeClr val="tx1">
+                    <a:lumMod val="65000"/>
+                    <a:lumOff val="35000"/>
+                  </a:schemeClr>
+                </a:solidFill>
+                <a:latin typeface="KoPubWorld돋움체 Light" panose="00000300000000000000" pitchFamily="2" charset="-127"/>
+                <a:ea typeface="KoPubWorld돋움체 Light" panose="00000300000000000000" pitchFamily="2" charset="-127"/>
+                <a:cs typeface="KoPubWorld돋움체 Light" panose="00000300000000000000" pitchFamily="2" charset="-127"/>
+              </a:rPr>
+              <a:t>더 많은 카드 가입을 하게끔 할 수 있음</a:t>
+            </a:r>
+            <a:endParaRPr lang="en-US" altLang="ko-KR" sz="2000" dirty="0">
+              <a:solidFill>
+                <a:schemeClr val="tx1">
+                  <a:lumMod val="65000"/>
+                  <a:lumOff val="35000"/>
+                </a:schemeClr>
+              </a:solidFill>
+              <a:latin typeface="KoPubWorld돋움체 Light" panose="00000300000000000000" pitchFamily="2" charset="-127"/>
+              <a:ea typeface="KoPubWorld돋움체 Light" panose="00000300000000000000" pitchFamily="2" charset="-127"/>
+              <a:cs typeface="KoPubWorld돋움체 Light" panose="00000300000000000000" pitchFamily="2" charset="-127"/>
+            </a:endParaRPr>
+          </a:p>
+          <a:p>
+            <a:pPr marL="342900" indent="-342900">
+              <a:lnSpc>
+                <a:spcPct val="150000"/>
+              </a:lnSpc>
+              <a:buFont typeface="Wingdings" panose="05000000000000000000" pitchFamily="2" charset="2"/>
+              <a:buChar char="ü"/>
+            </a:pPr>
+            <a:endParaRPr lang="en-US" altLang="ko-KR" sz="2000" dirty="0">
+              <a:solidFill>
+                <a:schemeClr val="tx1">
+                  <a:lumMod val="65000"/>
+                  <a:lumOff val="35000"/>
+                </a:schemeClr>
+              </a:solidFill>
+              <a:latin typeface="KoPubWorld돋움체 Light" panose="00000300000000000000" pitchFamily="2" charset="-127"/>
+              <a:ea typeface="KoPubWorld돋움체 Light" panose="00000300000000000000" pitchFamily="2" charset="-127"/>
+              <a:cs typeface="KoPubWorld돋움체 Light" panose="00000300000000000000" pitchFamily="2" charset="-127"/>
+            </a:endParaRPr>
+          </a:p>
+          <a:p>
+            <a:pPr marL="342900" indent="-342900">
+              <a:lnSpc>
+                <a:spcPct val="150000"/>
+              </a:lnSpc>
+              <a:buFont typeface="Wingdings" panose="05000000000000000000" pitchFamily="2" charset="2"/>
+              <a:buChar char="ü"/>
+            </a:pPr>
+            <a:r>
+              <a:rPr lang="ko-KR" altLang="en-US" sz="2000" dirty="0">
+                <a:solidFill>
+                  <a:schemeClr val="tx1">
+                    <a:lumMod val="65000"/>
+                    <a:lumOff val="35000"/>
+                  </a:schemeClr>
+                </a:solidFill>
+                <a:latin typeface="KoPubWorld돋움체 Light" panose="00000300000000000000" pitchFamily="2" charset="-127"/>
+                <a:ea typeface="KoPubWorld돋움체 Light" panose="00000300000000000000" pitchFamily="2" charset="-127"/>
+                <a:cs typeface="KoPubWorld돋움체 Light" panose="00000300000000000000" pitchFamily="2" charset="-127"/>
+              </a:rPr>
+              <a:t>지속해서 제공하는 인사이트로 인해 해당 서비스와 앱에 대한 의존도 증가</a:t>
+            </a:r>
+            <a:endParaRPr lang="en-US" altLang="ko-KR" sz="2000" dirty="0">
+              <a:solidFill>
+                <a:schemeClr val="tx1">
+                  <a:lumMod val="65000"/>
+                  <a:lumOff val="35000"/>
+                </a:schemeClr>
+              </a:solidFill>
+              <a:latin typeface="KoPubWorld돋움체 Light" panose="00000300000000000000" pitchFamily="2" charset="-127"/>
+              <a:ea typeface="KoPubWorld돋움체 Light" panose="00000300000000000000" pitchFamily="2" charset="-127"/>
+              <a:cs typeface="KoPubWorld돋움체 Light" panose="00000300000000000000" pitchFamily="2" charset="-127"/>
+            </a:endParaRPr>
+          </a:p>
+          <a:p>
+            <a:pPr marL="342900" indent="-342900">
+              <a:lnSpc>
+                <a:spcPct val="150000"/>
+              </a:lnSpc>
+              <a:buFont typeface="Wingdings" panose="05000000000000000000" pitchFamily="2" charset="2"/>
+              <a:buChar char="ü"/>
+            </a:pPr>
+            <a:endParaRPr lang="en-US" altLang="ko-KR" sz="2000" dirty="0">
+              <a:solidFill>
+                <a:schemeClr val="tx1">
+                  <a:lumMod val="65000"/>
+                  <a:lumOff val="35000"/>
+                </a:schemeClr>
+              </a:solidFill>
+              <a:latin typeface="KoPubWorld돋움체 Light" panose="00000300000000000000" pitchFamily="2" charset="-127"/>
+              <a:ea typeface="KoPubWorld돋움체 Light" panose="00000300000000000000" pitchFamily="2" charset="-127"/>
+              <a:cs typeface="KoPubWorld돋움체 Light" panose="00000300000000000000" pitchFamily="2" charset="-127"/>
+            </a:endParaRPr>
+          </a:p>
+          <a:p>
+            <a:pPr marL="342900" indent="-342900">
+              <a:lnSpc>
+                <a:spcPct val="150000"/>
+              </a:lnSpc>
+              <a:buFont typeface="Wingdings" panose="05000000000000000000" pitchFamily="2" charset="2"/>
+              <a:buChar char="ü"/>
+            </a:pPr>
+            <a:r>
+              <a:rPr lang="ko-KR" altLang="en-US" sz="2000" dirty="0">
+                <a:solidFill>
+                  <a:schemeClr val="tx1">
+                    <a:lumMod val="65000"/>
+                    <a:lumOff val="35000"/>
+                  </a:schemeClr>
+                </a:solidFill>
+                <a:latin typeface="KoPubWorld돋움체 Light" panose="00000300000000000000" pitchFamily="2" charset="-127"/>
+                <a:ea typeface="KoPubWorld돋움체 Light" panose="00000300000000000000" pitchFamily="2" charset="-127"/>
+                <a:cs typeface="KoPubWorld돋움체 Light" panose="00000300000000000000" pitchFamily="2" charset="-127"/>
+              </a:rPr>
+              <a:t>소비자 스스로 스마트한 소비를 주도해 나갈 수 있음</a:t>
+            </a:r>
+            <a:endParaRPr lang="en-US" altLang="ko-KR" sz="2000" dirty="0">
+              <a:solidFill>
+                <a:schemeClr val="tx1">
+                  <a:lumMod val="65000"/>
+                  <a:lumOff val="35000"/>
+                </a:schemeClr>
+              </a:solidFill>
+              <a:latin typeface="KoPubWorld돋움체 Light" panose="00000300000000000000" pitchFamily="2" charset="-127"/>
+              <a:ea typeface="KoPubWorld돋움체 Light" panose="00000300000000000000" pitchFamily="2" charset="-127"/>
+              <a:cs typeface="KoPubWorld돋움체 Light" panose="00000300000000000000" pitchFamily="2" charset="-127"/>
+            </a:endParaRPr>
+          </a:p>
+          <a:p>
+            <a:pPr marL="342900" indent="-342900">
+              <a:lnSpc>
+                <a:spcPct val="150000"/>
+              </a:lnSpc>
+              <a:buFont typeface="Wingdings" panose="05000000000000000000" pitchFamily="2" charset="2"/>
+              <a:buChar char="ü"/>
+            </a:pPr>
+            <a:endParaRPr lang="en-US" altLang="ko-KR" sz="2000" dirty="0">
+              <a:solidFill>
+                <a:schemeClr val="tx1">
+                  <a:lumMod val="65000"/>
+                  <a:lumOff val="35000"/>
+                </a:schemeClr>
+              </a:solidFill>
+              <a:latin typeface="KoPubWorld돋움체 Light" panose="00000300000000000000" pitchFamily="2" charset="-127"/>
+              <a:ea typeface="KoPubWorld돋움체 Light" panose="00000300000000000000" pitchFamily="2" charset="-127"/>
+              <a:cs typeface="KoPubWorld돋움체 Light" panose="00000300000000000000" pitchFamily="2" charset="-127"/>
+            </a:endParaRPr>
+          </a:p>
+        </p:txBody>
+      </p:sp>
+      <p:sp>
+        <p:nvSpPr>
+          <p:cNvPr id="21" name="TextBox 20">
+            <a:extLst>
+              <a:ext uri="{FF2B5EF4-FFF2-40B4-BE49-F238E27FC236}">
+                <a16:creationId xmlns:a16="http://schemas.microsoft.com/office/drawing/2014/main" id="{034B67B2-180C-40C0-AD05-DFC58A3E1528}"/>
+              </a:ext>
+            </a:extLst>
+          </p:cNvPr>
+          <p:cNvSpPr txBox="1"/>
+          <p:nvPr/>
+        </p:nvSpPr>
+        <p:spPr>
+          <a:xfrm>
+            <a:off x="1263576" y="1615511"/>
+            <a:ext cx="1195846" cy="369332"/>
+          </a:xfrm>
+          <a:prstGeom prst="rect">
+            <a:avLst/>
+          </a:prstGeom>
+          <a:noFill/>
+        </p:spPr>
+        <p:txBody>
+          <a:bodyPr wrap="square" rtlCol="0">
+            <a:spAutoFit/>
+          </a:bodyPr>
+          <a:lstStyle/>
+          <a:p>
+            <a:pPr algn="ctr"/>
+            <a:r>
+              <a:rPr lang="ko-KR" altLang="en-US" dirty="0">
+                <a:solidFill>
+                  <a:schemeClr val="tx1">
+                    <a:lumMod val="65000"/>
+                    <a:lumOff val="35000"/>
+                  </a:schemeClr>
+                </a:solidFill>
+                <a:latin typeface="KoPubWorld돋움체 Bold" panose="00000800000000000000" pitchFamily="2" charset="-127"/>
+                <a:ea typeface="KoPubWorld돋움체 Bold" panose="00000800000000000000" pitchFamily="2" charset="-127"/>
+                <a:cs typeface="KoPubWorld돋움체 Bold" panose="00000800000000000000" pitchFamily="2" charset="-127"/>
+              </a:rPr>
+              <a:t>기대효과</a:t>
+            </a:r>
+            <a:endParaRPr lang="en-US" altLang="ko-KR" dirty="0">
+              <a:solidFill>
+                <a:schemeClr val="tx1">
+                  <a:lumMod val="65000"/>
+                  <a:lumOff val="35000"/>
+                </a:schemeClr>
+              </a:solidFill>
+              <a:latin typeface="KoPubWorld돋움체 Bold" panose="00000800000000000000" pitchFamily="2" charset="-127"/>
+              <a:ea typeface="KoPubWorld돋움체 Bold" panose="00000800000000000000" pitchFamily="2" charset="-127"/>
+              <a:cs typeface="KoPubWorld돋움체 Bold" panose="00000800000000000000" pitchFamily="2" charset="-127"/>
+            </a:endParaRPr>
+          </a:p>
+        </p:txBody>
+      </p:sp>
+      <p:cxnSp>
+        <p:nvCxnSpPr>
+          <p:cNvPr id="22" name="직선 연결선 21">
+            <a:extLst>
+              <a:ext uri="{FF2B5EF4-FFF2-40B4-BE49-F238E27FC236}">
+                <a16:creationId xmlns:a16="http://schemas.microsoft.com/office/drawing/2014/main" id="{DC111408-1EA9-421A-9BB9-5C9C6A16BA86}"/>
+              </a:ext>
+            </a:extLst>
+          </p:cNvPr>
+          <p:cNvCxnSpPr>
+            <a:cxnSpLocks/>
+          </p:cNvCxnSpPr>
+          <p:nvPr/>
+        </p:nvCxnSpPr>
+        <p:spPr>
+          <a:xfrm>
+            <a:off x="1335584" y="1984843"/>
+            <a:ext cx="966182" cy="0"/>
+          </a:xfrm>
+          <a:prstGeom prst="line">
+            <a:avLst/>
+          </a:prstGeom>
+          <a:ln w="15875">
+            <a:solidFill>
+              <a:schemeClr val="tx1"/>
+            </a:solidFill>
+          </a:ln>
+        </p:spPr>
+        <p:style>
+          <a:lnRef idx="1">
+            <a:schemeClr val="accent1"/>
+          </a:lnRef>
+          <a:fillRef idx="0">
+            <a:schemeClr val="accent1"/>
+          </a:fillRef>
+          <a:effectRef idx="0">
+            <a:schemeClr val="accent1"/>
+          </a:effectRef>
+          <a:fontRef idx="minor">
+            <a:schemeClr val="tx1"/>
+          </a:fontRef>
+        </p:style>
+      </p:cxnSp>
+      <p:grpSp>
+        <p:nvGrpSpPr>
+          <p:cNvPr id="11" name="그룹 10">
+            <a:extLst>
+              <a:ext uri="{FF2B5EF4-FFF2-40B4-BE49-F238E27FC236}">
+                <a16:creationId xmlns:a16="http://schemas.microsoft.com/office/drawing/2014/main" id="{CB6F9824-565E-4276-8896-3E45A9D30C6F}"/>
+              </a:ext>
+            </a:extLst>
+          </p:cNvPr>
+          <p:cNvGrpSpPr/>
+          <p:nvPr/>
+        </p:nvGrpSpPr>
+        <p:grpSpPr>
+          <a:xfrm>
+            <a:off x="643770" y="188165"/>
+            <a:ext cx="3981147" cy="830997"/>
+            <a:chOff x="357588" y="188165"/>
+            <a:chExt cx="3981147" cy="830997"/>
+          </a:xfrm>
+        </p:grpSpPr>
+        <p:sp>
+          <p:nvSpPr>
+            <p:cNvPr id="12" name="직사각형 11">
+              <a:extLst>
+                <a:ext uri="{FF2B5EF4-FFF2-40B4-BE49-F238E27FC236}">
+                  <a16:creationId xmlns:a16="http://schemas.microsoft.com/office/drawing/2014/main" id="{D104D79E-901E-43F1-8667-676DFE6C40AA}"/>
+                </a:ext>
+              </a:extLst>
+            </p:cNvPr>
+            <p:cNvSpPr/>
+            <p:nvPr/>
+          </p:nvSpPr>
+          <p:spPr>
+            <a:xfrm>
+              <a:off x="1141445" y="271010"/>
+              <a:ext cx="3197290" cy="553998"/>
+            </a:xfrm>
+            <a:prstGeom prst="rect">
+              <a:avLst/>
+            </a:prstGeom>
+          </p:spPr>
+          <p:txBody>
+            <a:bodyPr wrap="square">
+              <a:spAutoFit/>
+            </a:bodyPr>
+            <a:lstStyle/>
+            <a:p>
+              <a:r>
+                <a:rPr lang="ko-KR" altLang="en-US" dirty="0">
+                  <a:solidFill>
+                    <a:schemeClr val="tx1">
+                      <a:lumMod val="65000"/>
+                      <a:lumOff val="35000"/>
+                    </a:schemeClr>
+                  </a:solidFill>
+                  <a:latin typeface="KoPubWorld돋움체 Bold" panose="00000800000000000000" pitchFamily="2" charset="-127"/>
+                  <a:ea typeface="KoPubWorld돋움체 Bold" panose="00000800000000000000" pitchFamily="2" charset="-127"/>
+                  <a:cs typeface="KoPubWorld돋움체 Bold" panose="00000800000000000000" pitchFamily="2" charset="-127"/>
+                </a:rPr>
+                <a:t>기대효과</a:t>
+              </a:r>
+              <a:endParaRPr lang="en-US" altLang="ko-KR" dirty="0">
+                <a:solidFill>
+                  <a:schemeClr val="tx1">
+                    <a:lumMod val="65000"/>
+                    <a:lumOff val="35000"/>
+                  </a:schemeClr>
+                </a:solidFill>
+                <a:latin typeface="KoPubWorld돋움체 Bold" panose="00000800000000000000" pitchFamily="2" charset="-127"/>
+                <a:ea typeface="KoPubWorld돋움체 Bold" panose="00000800000000000000" pitchFamily="2" charset="-127"/>
+                <a:cs typeface="KoPubWorld돋움체 Bold" panose="00000800000000000000" pitchFamily="2" charset="-127"/>
+              </a:endParaRPr>
+            </a:p>
+            <a:p>
+              <a:r>
+                <a:rPr lang="ko-KR" altLang="en-US" sz="1200" dirty="0">
+                  <a:solidFill>
+                    <a:schemeClr val="tx1">
+                      <a:lumMod val="65000"/>
+                      <a:lumOff val="35000"/>
+                    </a:schemeClr>
+                  </a:solidFill>
+                  <a:latin typeface="KoPubWorld돋움체 Light" panose="00000300000000000000" pitchFamily="2" charset="-127"/>
+                  <a:ea typeface="KoPubWorld돋움체 Light" panose="00000300000000000000" pitchFamily="2" charset="-127"/>
+                  <a:cs typeface="KoPubWorld돋움체 Light" panose="00000300000000000000" pitchFamily="2" charset="-127"/>
+                </a:rPr>
+                <a:t>기대효과 및 방향성</a:t>
+              </a:r>
+              <a:endParaRPr lang="ko-KR" altLang="en-US" sz="1200" dirty="0">
+                <a:solidFill>
+                  <a:schemeClr val="tx1">
+                    <a:lumMod val="65000"/>
+                    <a:lumOff val="35000"/>
+                  </a:schemeClr>
+                </a:solidFill>
+                <a:latin typeface="KoPubWorld돋움체 Light" panose="020B0600000101010101" charset="-127"/>
+                <a:ea typeface="KoPubWorld돋움체 Light" panose="020B0600000101010101" charset="-127"/>
+                <a:cs typeface="KoPubWorld돋움체 Light" panose="020B0600000101010101" charset="-127"/>
+              </a:endParaRPr>
+            </a:p>
+          </p:txBody>
+        </p:sp>
+        <p:sp>
+          <p:nvSpPr>
+            <p:cNvPr id="13" name="TextBox 12">
+              <a:extLst>
+                <a:ext uri="{FF2B5EF4-FFF2-40B4-BE49-F238E27FC236}">
+                  <a16:creationId xmlns:a16="http://schemas.microsoft.com/office/drawing/2014/main" id="{4B4E0481-940E-4AFF-93C0-15DE43686079}"/>
+                </a:ext>
+              </a:extLst>
+            </p:cNvPr>
+            <p:cNvSpPr txBox="1"/>
+            <p:nvPr/>
+          </p:nvSpPr>
+          <p:spPr>
+            <a:xfrm>
+              <a:off x="357588" y="188165"/>
+              <a:ext cx="877163" cy="830997"/>
+            </a:xfrm>
+            <a:prstGeom prst="rect">
+              <a:avLst/>
+            </a:prstGeom>
+            <a:noFill/>
+          </p:spPr>
+          <p:txBody>
+            <a:bodyPr wrap="none" rtlCol="0">
+              <a:spAutoFit/>
+            </a:bodyPr>
+            <a:lstStyle/>
+            <a:p>
+              <a:r>
+                <a:rPr lang="en-US" altLang="ko-KR" sz="4800" b="1" dirty="0">
+                  <a:solidFill>
+                    <a:srgbClr val="64DECF"/>
+                  </a:solidFill>
+                  <a:latin typeface="KoPubWorld돋움체 Bold" panose="00000800000000000000" pitchFamily="2" charset="-127"/>
+                  <a:ea typeface="KoPubWorld돋움체 Bold" panose="00000800000000000000" pitchFamily="2" charset="-127"/>
+                  <a:cs typeface="KoPubWorld돋움체 Bold" panose="00000800000000000000" pitchFamily="2" charset="-127"/>
+                </a:rPr>
+                <a:t>03</a:t>
+              </a:r>
+              <a:endParaRPr lang="ko-KR" altLang="en-US" sz="4800" b="1" dirty="0">
+                <a:solidFill>
+                  <a:srgbClr val="64DECF"/>
+                </a:solidFill>
+                <a:latin typeface="KoPubWorld돋움체 Bold" panose="00000800000000000000" pitchFamily="2" charset="-127"/>
+                <a:ea typeface="KoPubWorld돋움체 Bold" panose="00000800000000000000" pitchFamily="2" charset="-127"/>
+                <a:cs typeface="KoPubWorld돋움체 Bold" panose="00000800000000000000" pitchFamily="2" charset="-127"/>
+              </a:endParaRPr>
+            </a:p>
+          </p:txBody>
+        </p:sp>
+      </p:grpSp>
+    </p:spTree>
+    <p:extLst>
+      <p:ext uri="{BB962C8B-B14F-4D97-AF65-F5344CB8AC3E}">
+        <p14:creationId xmlns:p14="http://schemas.microsoft.com/office/powerpoint/2010/main" val="2211394181"/>
+      </p:ext>
+    </p:extLst>
+  </p:cSld>
+  <p:clrMapOvr>
+    <a:masterClrMapping/>
+  </p:clrMapOvr>
+</p:sld>
+</file>
+
+<file path=ppt/slides/slide9.xml><?xml version="1.0" encoding="utf-8"?>
 <p:sld xmlns:a="http://schemas.openxmlformats.org/drawingml/2006/main" xmlns:r="http://schemas.openxmlformats.org/officeDocument/2006/relationships" xmlns:p="http://schemas.openxmlformats.org/presentationml/2006/main">
   <p:cSld>
     <p:spTree>
@@ -10046,7 +14406,7 @@
                   <a:ea typeface="KoPubWorld돋움체 Bold" panose="00000800000000000000" pitchFamily="2" charset="-127"/>
                   <a:cs typeface="KoPubWorld돋움체 Bold" panose="00000800000000000000" pitchFamily="2" charset="-127"/>
                 </a:rPr>
-                <a:t>03</a:t>
+                <a:t>04</a:t>
               </a:r>
               <a:endParaRPr lang="ko-KR" altLang="en-US" sz="4800" b="1" dirty="0">
                 <a:solidFill>
@@ -10075,14 +14435,14 @@
           <p:nvPr/>
         </p:nvPicPr>
         <p:blipFill>
-          <a:blip r:embed="rId2"/>
+          <a:blip r:embed="rId3"/>
           <a:stretch>
             <a:fillRect/>
           </a:stretch>
         </p:blipFill>
         <p:spPr>
           <a:xfrm>
-            <a:off x="6597460" y="2073303"/>
+            <a:off x="6671032" y="2073901"/>
             <a:ext cx="4684761" cy="3459744"/>
           </a:xfrm>
           <a:prstGeom prst="rect">
@@ -10094,1734 +14454,6 @@
     <p:extLst>
       <p:ext uri="{BB962C8B-B14F-4D97-AF65-F5344CB8AC3E}">
         <p14:creationId xmlns:p14="http://schemas.microsoft.com/office/powerpoint/2010/main" val="1894916721"/>
-      </p:ext>
-    </p:extLst>
-  </p:cSld>
-  <p:clrMapOvr>
-    <a:masterClrMapping/>
-  </p:clrMapOvr>
-</p:sld>
-</file>
-
-<file path=ppt/slides/slide8.xml><?xml version="1.0" encoding="utf-8"?>
-<p:sld xmlns:a="http://schemas.openxmlformats.org/drawingml/2006/main" xmlns:r="http://schemas.openxmlformats.org/officeDocument/2006/relationships" xmlns:p="http://schemas.openxmlformats.org/presentationml/2006/main">
-  <p:cSld>
-    <p:spTree>
-      <p:nvGrpSpPr>
-        <p:cNvPr id="1" name=""/>
-        <p:cNvGrpSpPr/>
-        <p:nvPr/>
-      </p:nvGrpSpPr>
-      <p:grpSpPr>
-        <a:xfrm>
-          <a:off x="0" y="0"/>
-          <a:ext cx="0" cy="0"/>
-          <a:chOff x="0" y="0"/>
-          <a:chExt cx="0" cy="0"/>
-        </a:xfrm>
-      </p:grpSpPr>
-      <p:sp>
-        <p:nvSpPr>
-          <p:cNvPr id="23" name="직사각형 22">
-            <a:extLst>
-              <a:ext uri="{FF2B5EF4-FFF2-40B4-BE49-F238E27FC236}">
-                <a16:creationId xmlns:a16="http://schemas.microsoft.com/office/drawing/2014/main" id="{505D9C9E-8325-4A59-BEFC-3BC22C85BDAD}"/>
-              </a:ext>
-            </a:extLst>
-          </p:cNvPr>
-          <p:cNvSpPr/>
-          <p:nvPr/>
-        </p:nvSpPr>
-        <p:spPr>
-          <a:xfrm flipV="1">
-            <a:off x="557400" y="1001162"/>
-            <a:ext cx="11077200" cy="18000"/>
-          </a:xfrm>
-          <a:prstGeom prst="rect">
-            <a:avLst/>
-          </a:prstGeom>
-          <a:solidFill>
-            <a:srgbClr val="64DECF"/>
-          </a:solidFill>
-          <a:ln>
-            <a:noFill/>
-          </a:ln>
-        </p:spPr>
-        <p:style>
-          <a:lnRef idx="2">
-            <a:schemeClr val="accent1">
-              <a:shade val="50000"/>
-            </a:schemeClr>
-          </a:lnRef>
-          <a:fillRef idx="1">
-            <a:schemeClr val="accent1"/>
-          </a:fillRef>
-          <a:effectRef idx="0">
-            <a:schemeClr val="accent1"/>
-          </a:effectRef>
-          <a:fontRef idx="minor">
-            <a:schemeClr val="lt1"/>
-          </a:fontRef>
-        </p:style>
-        <p:txBody>
-          <a:bodyPr rtlCol="0" anchor="ctr"/>
-          <a:lstStyle/>
-          <a:p>
-            <a:pPr algn="ctr"/>
-            <a:endParaRPr lang="ko-KR" altLang="en-US"/>
-          </a:p>
-        </p:txBody>
-      </p:sp>
-      <p:sp>
-        <p:nvSpPr>
-          <p:cNvPr id="19" name="TextBox 18">
-            <a:extLst>
-              <a:ext uri="{FF2B5EF4-FFF2-40B4-BE49-F238E27FC236}">
-                <a16:creationId xmlns:a16="http://schemas.microsoft.com/office/drawing/2014/main" id="{CC31646F-091B-4C5A-93D5-E959CD92F4AE}"/>
-              </a:ext>
-            </a:extLst>
-          </p:cNvPr>
-          <p:cNvSpPr txBox="1"/>
-          <p:nvPr/>
-        </p:nvSpPr>
-        <p:spPr>
-          <a:xfrm>
-            <a:off x="1335585" y="1580958"/>
-            <a:ext cx="3521642" cy="584775"/>
-          </a:xfrm>
-          <a:prstGeom prst="rect">
-            <a:avLst/>
-          </a:prstGeom>
-          <a:noFill/>
-        </p:spPr>
-        <p:txBody>
-          <a:bodyPr wrap="square" rtlCol="0">
-            <a:spAutoFit/>
-          </a:bodyPr>
-          <a:lstStyle/>
-          <a:p>
-            <a:pPr algn="ctr"/>
-            <a:endParaRPr lang="en-US" altLang="ko-KR" sz="3200" dirty="0">
-              <a:solidFill>
-                <a:srgbClr val="00B0F0"/>
-              </a:solidFill>
-              <a:latin typeface="KoPub돋움체 Light" panose="00000300000000000000" pitchFamily="2" charset="-127"/>
-              <a:ea typeface="KoPub돋움체 Light" panose="00000300000000000000" pitchFamily="2" charset="-127"/>
-            </a:endParaRPr>
-          </a:p>
-        </p:txBody>
-      </p:sp>
-      <p:sp>
-        <p:nvSpPr>
-          <p:cNvPr id="20" name="TextBox 19">
-            <a:extLst>
-              <a:ext uri="{FF2B5EF4-FFF2-40B4-BE49-F238E27FC236}">
-                <a16:creationId xmlns:a16="http://schemas.microsoft.com/office/drawing/2014/main" id="{8A1568D5-F63B-4A0B-A20F-3DF8DFBA0C49}"/>
-              </a:ext>
-            </a:extLst>
-          </p:cNvPr>
-          <p:cNvSpPr txBox="1"/>
-          <p:nvPr/>
-        </p:nvSpPr>
-        <p:spPr>
-          <a:xfrm>
-            <a:off x="1184392" y="2200879"/>
-            <a:ext cx="8432112" cy="2646878"/>
-          </a:xfrm>
-          <a:prstGeom prst="rect">
-            <a:avLst/>
-          </a:prstGeom>
-          <a:noFill/>
-        </p:spPr>
-        <p:txBody>
-          <a:bodyPr wrap="square" rtlCol="0">
-            <a:spAutoFit/>
-          </a:bodyPr>
-          <a:lstStyle/>
-          <a:p>
-            <a:pPr marL="342900" indent="-342900">
-              <a:lnSpc>
-                <a:spcPct val="150000"/>
-              </a:lnSpc>
-              <a:buFont typeface="Wingdings" panose="05000000000000000000" pitchFamily="2" charset="2"/>
-              <a:buChar char="ü"/>
-            </a:pPr>
-            <a:r>
-              <a:rPr lang="ko-KR" altLang="en-US" sz="2000" dirty="0">
-                <a:solidFill>
-                  <a:srgbClr val="FF7C80"/>
-                </a:solidFill>
-                <a:latin typeface="KoPubWorld돋움체 Bold" panose="00000800000000000000" pitchFamily="2" charset="-127"/>
-                <a:ea typeface="KoPubWorld돋움체 Bold" panose="00000800000000000000" pitchFamily="2" charset="-127"/>
-                <a:cs typeface="KoPubWorld돋움체 Bold" panose="00000800000000000000" pitchFamily="2" charset="-127"/>
-              </a:rPr>
-              <a:t>최근 </a:t>
-            </a:r>
-            <a:r>
-              <a:rPr lang="en-US" altLang="ko-KR" sz="2000" dirty="0">
-                <a:solidFill>
-                  <a:srgbClr val="FF7C80"/>
-                </a:solidFill>
-                <a:latin typeface="KoPubWorld돋움체 Bold" panose="00000800000000000000" pitchFamily="2" charset="-127"/>
-                <a:ea typeface="KoPubWorld돋움체 Bold" panose="00000800000000000000" pitchFamily="2" charset="-127"/>
-                <a:cs typeface="KoPubWorld돋움체 Bold" panose="00000800000000000000" pitchFamily="2" charset="-127"/>
-              </a:rPr>
-              <a:t>30</a:t>
-            </a:r>
-            <a:r>
-              <a:rPr lang="ko-KR" altLang="en-US" sz="2000" dirty="0">
-                <a:solidFill>
-                  <a:srgbClr val="FF7C80"/>
-                </a:solidFill>
-                <a:latin typeface="KoPubWorld돋움체 Bold" panose="00000800000000000000" pitchFamily="2" charset="-127"/>
-                <a:ea typeface="KoPubWorld돋움체 Bold" panose="00000800000000000000" pitchFamily="2" charset="-127"/>
-                <a:cs typeface="KoPubWorld돋움체 Bold" panose="00000800000000000000" pitchFamily="2" charset="-127"/>
-              </a:rPr>
-              <a:t>일</a:t>
-            </a:r>
-            <a:r>
-              <a:rPr lang="en-US" altLang="ko-KR" sz="2000" dirty="0">
-                <a:solidFill>
-                  <a:srgbClr val="FF7C80"/>
-                </a:solidFill>
-                <a:latin typeface="KoPubWorld돋움체 Bold" panose="00000800000000000000" pitchFamily="2" charset="-127"/>
-                <a:ea typeface="KoPubWorld돋움체 Bold" panose="00000800000000000000" pitchFamily="2" charset="-127"/>
-                <a:cs typeface="KoPubWorld돋움체 Bold" panose="00000800000000000000" pitchFamily="2" charset="-127"/>
-              </a:rPr>
-              <a:t>, 60</a:t>
-            </a:r>
-            <a:r>
-              <a:rPr lang="ko-KR" altLang="en-US" sz="2000" dirty="0">
-                <a:solidFill>
-                  <a:srgbClr val="FF7C80"/>
-                </a:solidFill>
-                <a:latin typeface="KoPubWorld돋움체 Bold" panose="00000800000000000000" pitchFamily="2" charset="-127"/>
-                <a:ea typeface="KoPubWorld돋움체 Bold" panose="00000800000000000000" pitchFamily="2" charset="-127"/>
-                <a:cs typeface="KoPubWorld돋움체 Bold" panose="00000800000000000000" pitchFamily="2" charset="-127"/>
-              </a:rPr>
-              <a:t>일</a:t>
-            </a:r>
-            <a:r>
-              <a:rPr lang="en-US" altLang="ko-KR" sz="2000" dirty="0">
-                <a:solidFill>
-                  <a:srgbClr val="FF7C80"/>
-                </a:solidFill>
-                <a:latin typeface="KoPubWorld돋움체 Bold" panose="00000800000000000000" pitchFamily="2" charset="-127"/>
-                <a:ea typeface="KoPubWorld돋움체 Bold" panose="00000800000000000000" pitchFamily="2" charset="-127"/>
-                <a:cs typeface="KoPubWorld돋움체 Bold" panose="00000800000000000000" pitchFamily="2" charset="-127"/>
-              </a:rPr>
-              <a:t>, 90</a:t>
-            </a:r>
-            <a:r>
-              <a:rPr lang="ko-KR" altLang="en-US" sz="2000" dirty="0">
-                <a:solidFill>
-                  <a:srgbClr val="FF7C80"/>
-                </a:solidFill>
-                <a:latin typeface="KoPubWorld돋움체 Bold" panose="00000800000000000000" pitchFamily="2" charset="-127"/>
-                <a:ea typeface="KoPubWorld돋움체 Bold" panose="00000800000000000000" pitchFamily="2" charset="-127"/>
-                <a:cs typeface="KoPubWorld돋움체 Bold" panose="00000800000000000000" pitchFamily="2" charset="-127"/>
-              </a:rPr>
-              <a:t>일의 카드 내역서를 보여줌</a:t>
-            </a:r>
-            <a:endParaRPr lang="en-US" altLang="ko-KR" sz="2000" dirty="0">
-              <a:solidFill>
-                <a:srgbClr val="FF7C80"/>
-              </a:solidFill>
-              <a:latin typeface="KoPubWorld돋움체 Bold" panose="00000800000000000000" pitchFamily="2" charset="-127"/>
-              <a:ea typeface="KoPubWorld돋움체 Bold" panose="00000800000000000000" pitchFamily="2" charset="-127"/>
-              <a:cs typeface="KoPubWorld돋움체 Bold" panose="00000800000000000000" pitchFamily="2" charset="-127"/>
-            </a:endParaRPr>
-          </a:p>
-          <a:p>
-            <a:pPr marL="342900" indent="-342900">
-              <a:lnSpc>
-                <a:spcPct val="150000"/>
-              </a:lnSpc>
-              <a:buFont typeface="Wingdings" panose="05000000000000000000" pitchFamily="2" charset="2"/>
-              <a:buChar char="ü"/>
-            </a:pPr>
-            <a:r>
-              <a:rPr lang="ko-KR" altLang="en-US" sz="2000" dirty="0">
-                <a:solidFill>
-                  <a:schemeClr val="tx1">
-                    <a:lumMod val="65000"/>
-                    <a:lumOff val="35000"/>
-                  </a:schemeClr>
-                </a:solidFill>
-                <a:latin typeface="KoPubWorld돋움체 Light" panose="00000300000000000000" pitchFamily="2" charset="-127"/>
-                <a:ea typeface="KoPubWorld돋움체 Light" panose="00000300000000000000" pitchFamily="2" charset="-127"/>
-                <a:cs typeface="KoPubWorld돋움체 Light" panose="00000300000000000000" pitchFamily="2" charset="-127"/>
-              </a:rPr>
-              <a:t>갚아야 할 할부 목록 제공</a:t>
-            </a:r>
-            <a:endParaRPr lang="en-US" altLang="ko-KR" sz="2000" dirty="0">
-              <a:solidFill>
-                <a:schemeClr val="tx1">
-                  <a:lumMod val="65000"/>
-                  <a:lumOff val="35000"/>
-                </a:schemeClr>
-              </a:solidFill>
-              <a:latin typeface="KoPubWorld돋움체 Light" panose="00000300000000000000" pitchFamily="2" charset="-127"/>
-              <a:ea typeface="KoPubWorld돋움체 Light" panose="00000300000000000000" pitchFamily="2" charset="-127"/>
-              <a:cs typeface="KoPubWorld돋움체 Light" panose="00000300000000000000" pitchFamily="2" charset="-127"/>
-            </a:endParaRPr>
-          </a:p>
-          <a:p>
-            <a:pPr marL="342900" indent="-342900">
-              <a:lnSpc>
-                <a:spcPct val="150000"/>
-              </a:lnSpc>
-              <a:buFont typeface="Wingdings" panose="05000000000000000000" pitchFamily="2" charset="2"/>
-              <a:buChar char="ü"/>
-            </a:pPr>
-            <a:endParaRPr lang="en-US" altLang="ko-KR" sz="2000" dirty="0">
-              <a:solidFill>
-                <a:schemeClr val="tx1">
-                  <a:lumMod val="65000"/>
-                  <a:lumOff val="35000"/>
-                </a:schemeClr>
-              </a:solidFill>
-              <a:latin typeface="KoPubWorld돋움체 Light" panose="00000300000000000000" pitchFamily="2" charset="-127"/>
-              <a:ea typeface="KoPubWorld돋움체 Light" panose="00000300000000000000" pitchFamily="2" charset="-127"/>
-              <a:cs typeface="KoPubWorld돋움체 Light" panose="00000300000000000000" pitchFamily="2" charset="-127"/>
-            </a:endParaRPr>
-          </a:p>
-          <a:p>
-            <a:pPr marL="342900" indent="-342900">
-              <a:lnSpc>
-                <a:spcPct val="150000"/>
-              </a:lnSpc>
-              <a:buFont typeface="Wingdings" panose="05000000000000000000" pitchFamily="2" charset="2"/>
-              <a:buChar char="ü"/>
-            </a:pPr>
-            <a:r>
-              <a:rPr lang="ko-KR" altLang="en-US" sz="2000" dirty="0">
-                <a:solidFill>
-                  <a:schemeClr val="tx1">
-                    <a:lumMod val="65000"/>
-                    <a:lumOff val="35000"/>
-                  </a:schemeClr>
-                </a:solidFill>
-                <a:latin typeface="KoPubWorld돋움체 Light" panose="00000300000000000000" pitchFamily="2" charset="-127"/>
-                <a:ea typeface="KoPubWorld돋움체 Light" panose="00000300000000000000" pitchFamily="2" charset="-127"/>
-                <a:cs typeface="KoPubWorld돋움체 Light" panose="00000300000000000000" pitchFamily="2" charset="-127"/>
-              </a:rPr>
-              <a:t>주간 인사이트 제공</a:t>
-            </a:r>
-            <a:endParaRPr lang="en-US" altLang="ko-KR" sz="2000" dirty="0">
-              <a:solidFill>
-                <a:schemeClr val="tx1">
-                  <a:lumMod val="65000"/>
-                  <a:lumOff val="35000"/>
-                </a:schemeClr>
-              </a:solidFill>
-              <a:latin typeface="KoPubWorld돋움체 Light" panose="00000300000000000000" pitchFamily="2" charset="-127"/>
-              <a:ea typeface="KoPubWorld돋움체 Light" panose="00000300000000000000" pitchFamily="2" charset="-127"/>
-              <a:cs typeface="KoPubWorld돋움체 Light" panose="00000300000000000000" pitchFamily="2" charset="-127"/>
-            </a:endParaRPr>
-          </a:p>
-          <a:p>
-            <a:pPr>
-              <a:lnSpc>
-                <a:spcPct val="150000"/>
-              </a:lnSpc>
-            </a:pPr>
-            <a:r>
-              <a:rPr lang="ko-KR" altLang="en-US" sz="1600" dirty="0">
-                <a:solidFill>
-                  <a:schemeClr val="tx1">
-                    <a:lumMod val="65000"/>
-                    <a:lumOff val="35000"/>
-                  </a:schemeClr>
-                </a:solidFill>
-                <a:latin typeface="KoPubWorld돋움체 Light" panose="00000300000000000000" pitchFamily="2" charset="-127"/>
-                <a:ea typeface="KoPubWorld돋움체 Light" panose="00000300000000000000" pitchFamily="2" charset="-127"/>
-                <a:cs typeface="KoPubWorld돋움체 Light" panose="00000300000000000000" pitchFamily="2" charset="-127"/>
-              </a:rPr>
-              <a:t>예</a:t>
-            </a:r>
-            <a:r>
-              <a:rPr lang="en-US" altLang="ko-KR" sz="1600" dirty="0">
-                <a:solidFill>
-                  <a:schemeClr val="tx1">
-                    <a:lumMod val="65000"/>
-                    <a:lumOff val="35000"/>
-                  </a:schemeClr>
-                </a:solidFill>
-                <a:latin typeface="KoPubWorld돋움체 Light" panose="00000300000000000000" pitchFamily="2" charset="-127"/>
-                <a:ea typeface="KoPubWorld돋움체 Light" panose="00000300000000000000" pitchFamily="2" charset="-127"/>
-                <a:cs typeface="KoPubWorld돋움체 Light" panose="00000300000000000000" pitchFamily="2" charset="-127"/>
-              </a:rPr>
-              <a:t>) </a:t>
-            </a:r>
-            <a:r>
-              <a:rPr lang="ko-KR" altLang="en-US" sz="1600" dirty="0">
-                <a:solidFill>
-                  <a:schemeClr val="tx1">
-                    <a:lumMod val="65000"/>
-                    <a:lumOff val="35000"/>
-                  </a:schemeClr>
-                </a:solidFill>
-                <a:latin typeface="KoPubWorld돋움체 Light" panose="00000300000000000000" pitchFamily="2" charset="-127"/>
-                <a:ea typeface="KoPubWorld돋움체 Light" panose="00000300000000000000" pitchFamily="2" charset="-127"/>
-                <a:cs typeface="KoPubWorld돋움체 Light" panose="00000300000000000000" pitchFamily="2" charset="-127"/>
-              </a:rPr>
-              <a:t>이번주는 최근 </a:t>
-            </a:r>
-            <a:r>
-              <a:rPr lang="en-US" altLang="ko-KR" sz="1600" dirty="0">
-                <a:solidFill>
-                  <a:schemeClr val="tx1">
-                    <a:lumMod val="65000"/>
-                    <a:lumOff val="35000"/>
-                  </a:schemeClr>
-                </a:solidFill>
-                <a:latin typeface="KoPubWorld돋움체 Light" panose="00000300000000000000" pitchFamily="2" charset="-127"/>
-                <a:ea typeface="KoPubWorld돋움체 Light" panose="00000300000000000000" pitchFamily="2" charset="-127"/>
-                <a:cs typeface="KoPubWorld돋움체 Light" panose="00000300000000000000" pitchFamily="2" charset="-127"/>
-              </a:rPr>
-              <a:t>90</a:t>
-            </a:r>
-            <a:r>
-              <a:rPr lang="ko-KR" altLang="en-US" sz="1600" dirty="0">
-                <a:solidFill>
-                  <a:schemeClr val="tx1">
-                    <a:lumMod val="65000"/>
-                    <a:lumOff val="35000"/>
-                  </a:schemeClr>
-                </a:solidFill>
-                <a:latin typeface="KoPubWorld돋움체 Light" panose="00000300000000000000" pitchFamily="2" charset="-127"/>
-                <a:ea typeface="KoPubWorld돋움체 Light" panose="00000300000000000000" pitchFamily="2" charset="-127"/>
-                <a:cs typeface="KoPubWorld돋움체 Light" panose="00000300000000000000" pitchFamily="2" charset="-127"/>
-              </a:rPr>
-              <a:t>일 내 들어 식비 지출이 많아졌습니다</a:t>
-            </a:r>
-            <a:r>
-              <a:rPr lang="en-US" altLang="ko-KR" sz="1600" dirty="0">
-                <a:solidFill>
-                  <a:schemeClr val="tx1">
-                    <a:lumMod val="65000"/>
-                    <a:lumOff val="35000"/>
-                  </a:schemeClr>
-                </a:solidFill>
-                <a:latin typeface="KoPubWorld돋움체 Light" panose="00000300000000000000" pitchFamily="2" charset="-127"/>
-                <a:ea typeface="KoPubWorld돋움체 Light" panose="00000300000000000000" pitchFamily="2" charset="-127"/>
-                <a:cs typeface="KoPubWorld돋움체 Light" panose="00000300000000000000" pitchFamily="2" charset="-127"/>
-              </a:rPr>
-              <a:t>.</a:t>
-            </a:r>
-          </a:p>
-          <a:p>
-            <a:pPr>
-              <a:lnSpc>
-                <a:spcPct val="150000"/>
-              </a:lnSpc>
-            </a:pPr>
-            <a:r>
-              <a:rPr lang="ko-KR" altLang="en-US" sz="1600" dirty="0">
-                <a:solidFill>
-                  <a:schemeClr val="tx1">
-                    <a:lumMod val="65000"/>
-                    <a:lumOff val="35000"/>
-                  </a:schemeClr>
-                </a:solidFill>
-                <a:latin typeface="KoPubWorld돋움체 Light" panose="00000300000000000000" pitchFamily="2" charset="-127"/>
-                <a:ea typeface="KoPubWorld돋움체 Light" panose="00000300000000000000" pitchFamily="2" charset="-127"/>
-                <a:cs typeface="KoPubWorld돋움체 Light" panose="00000300000000000000" pitchFamily="2" charset="-127"/>
-              </a:rPr>
-              <a:t>예</a:t>
-            </a:r>
-            <a:r>
-              <a:rPr lang="en-US" altLang="ko-KR" sz="1600" dirty="0">
-                <a:solidFill>
-                  <a:schemeClr val="tx1">
-                    <a:lumMod val="65000"/>
-                    <a:lumOff val="35000"/>
-                  </a:schemeClr>
-                </a:solidFill>
-                <a:latin typeface="KoPubWorld돋움체 Light" panose="00000300000000000000" pitchFamily="2" charset="-127"/>
-                <a:ea typeface="KoPubWorld돋움체 Light" panose="00000300000000000000" pitchFamily="2" charset="-127"/>
-                <a:cs typeface="KoPubWorld돋움체 Light" panose="00000300000000000000" pitchFamily="2" charset="-127"/>
-              </a:rPr>
-              <a:t>) </a:t>
-            </a:r>
-            <a:r>
-              <a:rPr lang="ko-KR" altLang="en-US" sz="1600" dirty="0">
-                <a:solidFill>
-                  <a:schemeClr val="tx1">
-                    <a:lumMod val="65000"/>
-                    <a:lumOff val="35000"/>
-                  </a:schemeClr>
-                </a:solidFill>
-                <a:latin typeface="KoPubWorld돋움체 Light" panose="00000300000000000000" pitchFamily="2" charset="-127"/>
-                <a:ea typeface="KoPubWorld돋움체 Light" panose="00000300000000000000" pitchFamily="2" charset="-127"/>
-                <a:cs typeface="KoPubWorld돋움체 Light" panose="00000300000000000000" pitchFamily="2" charset="-127"/>
-              </a:rPr>
-              <a:t>이번주는 지출이 줄었군요</a:t>
-            </a:r>
-            <a:endParaRPr lang="en-US" altLang="ko-KR" sz="1600" dirty="0">
-              <a:solidFill>
-                <a:schemeClr val="tx1">
-                  <a:lumMod val="65000"/>
-                  <a:lumOff val="35000"/>
-                </a:schemeClr>
-              </a:solidFill>
-              <a:latin typeface="KoPubWorld돋움체 Light" panose="00000300000000000000" pitchFamily="2" charset="-127"/>
-              <a:ea typeface="KoPubWorld돋움체 Light" panose="00000300000000000000" pitchFamily="2" charset="-127"/>
-              <a:cs typeface="KoPubWorld돋움체 Light" panose="00000300000000000000" pitchFamily="2" charset="-127"/>
-            </a:endParaRPr>
-          </a:p>
-        </p:txBody>
-      </p:sp>
-      <p:sp>
-        <p:nvSpPr>
-          <p:cNvPr id="21" name="TextBox 20">
-            <a:extLst>
-              <a:ext uri="{FF2B5EF4-FFF2-40B4-BE49-F238E27FC236}">
-                <a16:creationId xmlns:a16="http://schemas.microsoft.com/office/drawing/2014/main" id="{034B67B2-180C-40C0-AD05-DFC58A3E1528}"/>
-              </a:ext>
-            </a:extLst>
-          </p:cNvPr>
-          <p:cNvSpPr txBox="1"/>
-          <p:nvPr/>
-        </p:nvSpPr>
-        <p:spPr>
-          <a:xfrm>
-            <a:off x="1263575" y="1615511"/>
-            <a:ext cx="4096990" cy="369332"/>
-          </a:xfrm>
-          <a:prstGeom prst="rect">
-            <a:avLst/>
-          </a:prstGeom>
-          <a:noFill/>
-        </p:spPr>
-        <p:txBody>
-          <a:bodyPr wrap="square" rtlCol="0">
-            <a:spAutoFit/>
-          </a:bodyPr>
-          <a:lstStyle/>
-          <a:p>
-            <a:r>
-              <a:rPr lang="ko-KR" altLang="en-US" dirty="0">
-                <a:solidFill>
-                  <a:schemeClr val="tx1">
-                    <a:lumMod val="65000"/>
-                    <a:lumOff val="35000"/>
-                  </a:schemeClr>
-                </a:solidFill>
-                <a:latin typeface="KoPubWorld돋움체 Bold" panose="00000800000000000000" pitchFamily="2" charset="-127"/>
-                <a:ea typeface="KoPubWorld돋움체 Bold" panose="00000800000000000000" pitchFamily="2" charset="-127"/>
-                <a:cs typeface="KoPubWorld돋움체 Bold" panose="00000800000000000000" pitchFamily="2" charset="-127"/>
-              </a:rPr>
-              <a:t>주요기능 </a:t>
-            </a:r>
-            <a:r>
-              <a:rPr lang="en-US" altLang="ko-KR" dirty="0">
-                <a:solidFill>
-                  <a:schemeClr val="tx1">
-                    <a:lumMod val="65000"/>
-                    <a:lumOff val="35000"/>
-                  </a:schemeClr>
-                </a:solidFill>
-                <a:latin typeface="KoPubWorld돋움체 Bold" panose="00000800000000000000" pitchFamily="2" charset="-127"/>
-                <a:ea typeface="KoPubWorld돋움체 Bold" panose="00000800000000000000" pitchFamily="2" charset="-127"/>
-                <a:cs typeface="KoPubWorld돋움체 Bold" panose="00000800000000000000" pitchFamily="2" charset="-127"/>
-              </a:rPr>
-              <a:t>2 : </a:t>
-            </a:r>
-            <a:r>
-              <a:rPr lang="ko-KR" altLang="en-US" dirty="0">
-                <a:solidFill>
-                  <a:schemeClr val="tx1">
-                    <a:lumMod val="65000"/>
-                    <a:lumOff val="35000"/>
-                  </a:schemeClr>
-                </a:solidFill>
-                <a:latin typeface="KoPubWorld돋움체 Bold" panose="00000800000000000000" pitchFamily="2" charset="-127"/>
-                <a:ea typeface="KoPubWorld돋움체 Bold" panose="00000800000000000000" pitchFamily="2" charset="-127"/>
-                <a:cs typeface="KoPubWorld돋움체 Bold" panose="00000800000000000000" pitchFamily="2" charset="-127"/>
-              </a:rPr>
-              <a:t>실시간 내역서</a:t>
-            </a:r>
-            <a:endParaRPr lang="en-US" altLang="ko-KR" dirty="0">
-              <a:solidFill>
-                <a:schemeClr val="tx1">
-                  <a:lumMod val="65000"/>
-                  <a:lumOff val="35000"/>
-                </a:schemeClr>
-              </a:solidFill>
-              <a:latin typeface="KoPubWorld돋움체 Bold" panose="00000800000000000000" pitchFamily="2" charset="-127"/>
-              <a:ea typeface="KoPubWorld돋움체 Bold" panose="00000800000000000000" pitchFamily="2" charset="-127"/>
-              <a:cs typeface="KoPubWorld돋움체 Bold" panose="00000800000000000000" pitchFamily="2" charset="-127"/>
-            </a:endParaRPr>
-          </a:p>
-        </p:txBody>
-      </p:sp>
-      <p:cxnSp>
-        <p:nvCxnSpPr>
-          <p:cNvPr id="22" name="직선 연결선 21">
-            <a:extLst>
-              <a:ext uri="{FF2B5EF4-FFF2-40B4-BE49-F238E27FC236}">
-                <a16:creationId xmlns:a16="http://schemas.microsoft.com/office/drawing/2014/main" id="{DC111408-1EA9-421A-9BB9-5C9C6A16BA86}"/>
-              </a:ext>
-            </a:extLst>
-          </p:cNvPr>
-          <p:cNvCxnSpPr>
-            <a:cxnSpLocks/>
-          </p:cNvCxnSpPr>
-          <p:nvPr/>
-        </p:nvCxnSpPr>
-        <p:spPr>
-          <a:xfrm>
-            <a:off x="1335584" y="1984843"/>
-            <a:ext cx="2607242" cy="0"/>
-          </a:xfrm>
-          <a:prstGeom prst="line">
-            <a:avLst/>
-          </a:prstGeom>
-          <a:ln w="15875">
-            <a:solidFill>
-              <a:schemeClr val="tx1"/>
-            </a:solidFill>
-          </a:ln>
-        </p:spPr>
-        <p:style>
-          <a:lnRef idx="1">
-            <a:schemeClr val="accent1"/>
-          </a:lnRef>
-          <a:fillRef idx="0">
-            <a:schemeClr val="accent1"/>
-          </a:fillRef>
-          <a:effectRef idx="0">
-            <a:schemeClr val="accent1"/>
-          </a:effectRef>
-          <a:fontRef idx="minor">
-            <a:schemeClr val="tx1"/>
-          </a:fontRef>
-        </p:style>
-      </p:cxnSp>
-      <p:grpSp>
-        <p:nvGrpSpPr>
-          <p:cNvPr id="11" name="그룹 10">
-            <a:extLst>
-              <a:ext uri="{FF2B5EF4-FFF2-40B4-BE49-F238E27FC236}">
-                <a16:creationId xmlns:a16="http://schemas.microsoft.com/office/drawing/2014/main" id="{CB6F9824-565E-4276-8896-3E45A9D30C6F}"/>
-              </a:ext>
-            </a:extLst>
-          </p:cNvPr>
-          <p:cNvGrpSpPr/>
-          <p:nvPr/>
-        </p:nvGrpSpPr>
-        <p:grpSpPr>
-          <a:xfrm>
-            <a:off x="643770" y="188165"/>
-            <a:ext cx="3981147" cy="830997"/>
-            <a:chOff x="357588" y="188165"/>
-            <a:chExt cx="3981147" cy="830997"/>
-          </a:xfrm>
-        </p:grpSpPr>
-        <p:sp>
-          <p:nvSpPr>
-            <p:cNvPr id="12" name="직사각형 11">
-              <a:extLst>
-                <a:ext uri="{FF2B5EF4-FFF2-40B4-BE49-F238E27FC236}">
-                  <a16:creationId xmlns:a16="http://schemas.microsoft.com/office/drawing/2014/main" id="{D104D79E-901E-43F1-8667-676DFE6C40AA}"/>
-                </a:ext>
-              </a:extLst>
-            </p:cNvPr>
-            <p:cNvSpPr/>
-            <p:nvPr/>
-          </p:nvSpPr>
-          <p:spPr>
-            <a:xfrm>
-              <a:off x="1141445" y="271010"/>
-              <a:ext cx="3197290" cy="553998"/>
-            </a:xfrm>
-            <a:prstGeom prst="rect">
-              <a:avLst/>
-            </a:prstGeom>
-          </p:spPr>
-          <p:txBody>
-            <a:bodyPr wrap="square">
-              <a:spAutoFit/>
-            </a:bodyPr>
-            <a:lstStyle/>
-            <a:p>
-              <a:r>
-                <a:rPr lang="ko-KR" altLang="en-US" dirty="0">
-                  <a:solidFill>
-                    <a:schemeClr val="tx1">
-                      <a:lumMod val="65000"/>
-                      <a:lumOff val="35000"/>
-                    </a:schemeClr>
-                  </a:solidFill>
-                  <a:latin typeface="KoPubWorld돋움체 Bold" panose="00000800000000000000" pitchFamily="2" charset="-127"/>
-                  <a:ea typeface="KoPubWorld돋움체 Bold" panose="00000800000000000000" pitchFamily="2" charset="-127"/>
-                  <a:cs typeface="KoPubWorld돋움체 Bold" panose="00000800000000000000" pitchFamily="2" charset="-127"/>
-                </a:rPr>
-                <a:t>기능소개</a:t>
-              </a:r>
-              <a:endParaRPr lang="en-US" altLang="ko-KR" dirty="0">
-                <a:solidFill>
-                  <a:schemeClr val="tx1">
-                    <a:lumMod val="65000"/>
-                    <a:lumOff val="35000"/>
-                  </a:schemeClr>
-                </a:solidFill>
-                <a:latin typeface="KoPubWorld돋움체 Bold" panose="00000800000000000000" pitchFamily="2" charset="-127"/>
-                <a:ea typeface="KoPubWorld돋움체 Bold" panose="00000800000000000000" pitchFamily="2" charset="-127"/>
-                <a:cs typeface="KoPubWorld돋움체 Bold" panose="00000800000000000000" pitchFamily="2" charset="-127"/>
-              </a:endParaRPr>
-            </a:p>
-            <a:p>
-              <a:r>
-                <a:rPr lang="ko-KR" altLang="en-US" sz="1200" dirty="0">
-                  <a:solidFill>
-                    <a:schemeClr val="tx1">
-                      <a:lumMod val="65000"/>
-                      <a:lumOff val="35000"/>
-                    </a:schemeClr>
-                  </a:solidFill>
-                  <a:latin typeface="KoPubWorld돋움체 Light" panose="00000300000000000000" pitchFamily="2" charset="-127"/>
-                  <a:ea typeface="KoPubWorld돋움체 Light" panose="00000300000000000000" pitchFamily="2" charset="-127"/>
-                  <a:cs typeface="KoPubWorld돋움체 Light" panose="00000300000000000000" pitchFamily="2" charset="-127"/>
-                </a:rPr>
-                <a:t>주요기능</a:t>
-              </a:r>
-              <a:endParaRPr lang="ko-KR" altLang="en-US" sz="1200" dirty="0">
-                <a:solidFill>
-                  <a:schemeClr val="tx1">
-                    <a:lumMod val="65000"/>
-                    <a:lumOff val="35000"/>
-                  </a:schemeClr>
-                </a:solidFill>
-                <a:latin typeface="KoPubWorld돋움체 Light" panose="020B0600000101010101" charset="-127"/>
-                <a:ea typeface="KoPubWorld돋움체 Light" panose="020B0600000101010101" charset="-127"/>
-                <a:cs typeface="KoPubWorld돋움체 Light" panose="020B0600000101010101" charset="-127"/>
-              </a:endParaRPr>
-            </a:p>
-          </p:txBody>
-        </p:sp>
-        <p:sp>
-          <p:nvSpPr>
-            <p:cNvPr id="13" name="TextBox 12">
-              <a:extLst>
-                <a:ext uri="{FF2B5EF4-FFF2-40B4-BE49-F238E27FC236}">
-                  <a16:creationId xmlns:a16="http://schemas.microsoft.com/office/drawing/2014/main" id="{4B4E0481-940E-4AFF-93C0-15DE43686079}"/>
-                </a:ext>
-              </a:extLst>
-            </p:cNvPr>
-            <p:cNvSpPr txBox="1"/>
-            <p:nvPr/>
-          </p:nvSpPr>
-          <p:spPr>
-            <a:xfrm>
-              <a:off x="357588" y="188165"/>
-              <a:ext cx="877163" cy="830997"/>
-            </a:xfrm>
-            <a:prstGeom prst="rect">
-              <a:avLst/>
-            </a:prstGeom>
-            <a:noFill/>
-          </p:spPr>
-          <p:txBody>
-            <a:bodyPr wrap="none" rtlCol="0">
-              <a:spAutoFit/>
-            </a:bodyPr>
-            <a:lstStyle/>
-            <a:p>
-              <a:r>
-                <a:rPr lang="en-US" altLang="ko-KR" sz="4800" b="1" dirty="0">
-                  <a:solidFill>
-                    <a:srgbClr val="64DECF"/>
-                  </a:solidFill>
-                  <a:latin typeface="KoPubWorld돋움체 Bold" panose="00000800000000000000" pitchFamily="2" charset="-127"/>
-                  <a:ea typeface="KoPubWorld돋움체 Bold" panose="00000800000000000000" pitchFamily="2" charset="-127"/>
-                  <a:cs typeface="KoPubWorld돋움체 Bold" panose="00000800000000000000" pitchFamily="2" charset="-127"/>
-                </a:rPr>
-                <a:t>03</a:t>
-              </a:r>
-              <a:endParaRPr lang="ko-KR" altLang="en-US" sz="4800" b="1" dirty="0">
-                <a:solidFill>
-                  <a:srgbClr val="64DECF"/>
-                </a:solidFill>
-                <a:latin typeface="KoPubWorld돋움체 Bold" panose="00000800000000000000" pitchFamily="2" charset="-127"/>
-                <a:ea typeface="KoPubWorld돋움체 Bold" panose="00000800000000000000" pitchFamily="2" charset="-127"/>
-                <a:cs typeface="KoPubWorld돋움체 Bold" panose="00000800000000000000" pitchFamily="2" charset="-127"/>
-              </a:endParaRPr>
-            </a:p>
-          </p:txBody>
-        </p:sp>
-      </p:grpSp>
-      <p:pic>
-        <p:nvPicPr>
-          <p:cNvPr id="6" name="그림 5">
-            <a:extLst>
-              <a:ext uri="{FF2B5EF4-FFF2-40B4-BE49-F238E27FC236}">
-                <a16:creationId xmlns:a16="http://schemas.microsoft.com/office/drawing/2014/main" id="{09BFA422-00B3-46DA-9594-A6307D12FD66}"/>
-              </a:ext>
-            </a:extLst>
-          </p:cNvPr>
-          <p:cNvPicPr>
-            <a:picLocks noChangeAspect="1"/>
-          </p:cNvPicPr>
-          <p:nvPr/>
-        </p:nvPicPr>
-        <p:blipFill>
-          <a:blip r:embed="rId2"/>
-          <a:stretch>
-            <a:fillRect/>
-          </a:stretch>
-        </p:blipFill>
-        <p:spPr>
-          <a:xfrm>
-            <a:off x="6939443" y="1580958"/>
-            <a:ext cx="4251471" cy="4139196"/>
-          </a:xfrm>
-          <a:prstGeom prst="rect">
-            <a:avLst/>
-          </a:prstGeom>
-        </p:spPr>
-      </p:pic>
-    </p:spTree>
-    <p:extLst>
-      <p:ext uri="{BB962C8B-B14F-4D97-AF65-F5344CB8AC3E}">
-        <p14:creationId xmlns:p14="http://schemas.microsoft.com/office/powerpoint/2010/main" val="1325226389"/>
-      </p:ext>
-    </p:extLst>
-  </p:cSld>
-  <p:clrMapOvr>
-    <a:masterClrMapping/>
-  </p:clrMapOvr>
-</p:sld>
-</file>
-
-<file path=ppt/slides/slide9.xml><?xml version="1.0" encoding="utf-8"?>
-<p:sld xmlns:a="http://schemas.openxmlformats.org/drawingml/2006/main" xmlns:r="http://schemas.openxmlformats.org/officeDocument/2006/relationships" xmlns:p="http://schemas.openxmlformats.org/presentationml/2006/main">
-  <p:cSld>
-    <p:spTree>
-      <p:nvGrpSpPr>
-        <p:cNvPr id="1" name=""/>
-        <p:cNvGrpSpPr/>
-        <p:nvPr/>
-      </p:nvGrpSpPr>
-      <p:grpSpPr>
-        <a:xfrm>
-          <a:off x="0" y="0"/>
-          <a:ext cx="0" cy="0"/>
-          <a:chOff x="0" y="0"/>
-          <a:chExt cx="0" cy="0"/>
-        </a:xfrm>
-      </p:grpSpPr>
-      <p:sp>
-        <p:nvSpPr>
-          <p:cNvPr id="23" name="직사각형 22">
-            <a:extLst>
-              <a:ext uri="{FF2B5EF4-FFF2-40B4-BE49-F238E27FC236}">
-                <a16:creationId xmlns:a16="http://schemas.microsoft.com/office/drawing/2014/main" id="{505D9C9E-8325-4A59-BEFC-3BC22C85BDAD}"/>
-              </a:ext>
-            </a:extLst>
-          </p:cNvPr>
-          <p:cNvSpPr/>
-          <p:nvPr/>
-        </p:nvSpPr>
-        <p:spPr>
-          <a:xfrm flipV="1">
-            <a:off x="557400" y="1001162"/>
-            <a:ext cx="11077200" cy="18000"/>
-          </a:xfrm>
-          <a:prstGeom prst="rect">
-            <a:avLst/>
-          </a:prstGeom>
-          <a:solidFill>
-            <a:srgbClr val="64DECF"/>
-          </a:solidFill>
-          <a:ln>
-            <a:noFill/>
-          </a:ln>
-        </p:spPr>
-        <p:style>
-          <a:lnRef idx="2">
-            <a:schemeClr val="accent1">
-              <a:shade val="50000"/>
-            </a:schemeClr>
-          </a:lnRef>
-          <a:fillRef idx="1">
-            <a:schemeClr val="accent1"/>
-          </a:fillRef>
-          <a:effectRef idx="0">
-            <a:schemeClr val="accent1"/>
-          </a:effectRef>
-          <a:fontRef idx="minor">
-            <a:schemeClr val="lt1"/>
-          </a:fontRef>
-        </p:style>
-        <p:txBody>
-          <a:bodyPr rtlCol="0" anchor="ctr"/>
-          <a:lstStyle/>
-          <a:p>
-            <a:pPr algn="ctr"/>
-            <a:endParaRPr lang="ko-KR" altLang="en-US"/>
-          </a:p>
-        </p:txBody>
-      </p:sp>
-      <p:sp>
-        <p:nvSpPr>
-          <p:cNvPr id="19" name="TextBox 18">
-            <a:extLst>
-              <a:ext uri="{FF2B5EF4-FFF2-40B4-BE49-F238E27FC236}">
-                <a16:creationId xmlns:a16="http://schemas.microsoft.com/office/drawing/2014/main" id="{CC31646F-091B-4C5A-93D5-E959CD92F4AE}"/>
-              </a:ext>
-            </a:extLst>
-          </p:cNvPr>
-          <p:cNvSpPr txBox="1"/>
-          <p:nvPr/>
-        </p:nvSpPr>
-        <p:spPr>
-          <a:xfrm>
-            <a:off x="1335585" y="1580958"/>
-            <a:ext cx="3521642" cy="584775"/>
-          </a:xfrm>
-          <a:prstGeom prst="rect">
-            <a:avLst/>
-          </a:prstGeom>
-          <a:noFill/>
-        </p:spPr>
-        <p:txBody>
-          <a:bodyPr wrap="square" rtlCol="0">
-            <a:spAutoFit/>
-          </a:bodyPr>
-          <a:lstStyle/>
-          <a:p>
-            <a:pPr algn="ctr"/>
-            <a:endParaRPr lang="en-US" altLang="ko-KR" sz="3200" dirty="0">
-              <a:solidFill>
-                <a:srgbClr val="00B0F0"/>
-              </a:solidFill>
-              <a:latin typeface="KoPub돋움체 Light" panose="00000300000000000000" pitchFamily="2" charset="-127"/>
-              <a:ea typeface="KoPub돋움체 Light" panose="00000300000000000000" pitchFamily="2" charset="-127"/>
-            </a:endParaRPr>
-          </a:p>
-        </p:txBody>
-      </p:sp>
-      <p:sp>
-        <p:nvSpPr>
-          <p:cNvPr id="20" name="TextBox 19">
-            <a:extLst>
-              <a:ext uri="{FF2B5EF4-FFF2-40B4-BE49-F238E27FC236}">
-                <a16:creationId xmlns:a16="http://schemas.microsoft.com/office/drawing/2014/main" id="{8A1568D5-F63B-4A0B-A20F-3DF8DFBA0C49}"/>
-              </a:ext>
-            </a:extLst>
-          </p:cNvPr>
-          <p:cNvSpPr txBox="1"/>
-          <p:nvPr/>
-        </p:nvSpPr>
-        <p:spPr>
-          <a:xfrm>
-            <a:off x="1184392" y="2200879"/>
-            <a:ext cx="8432112" cy="4031873"/>
-          </a:xfrm>
-          <a:prstGeom prst="rect">
-            <a:avLst/>
-          </a:prstGeom>
-          <a:noFill/>
-        </p:spPr>
-        <p:txBody>
-          <a:bodyPr wrap="square" rtlCol="0">
-            <a:spAutoFit/>
-          </a:bodyPr>
-          <a:lstStyle/>
-          <a:p>
-            <a:pPr marL="342900" indent="-342900">
-              <a:lnSpc>
-                <a:spcPct val="150000"/>
-              </a:lnSpc>
-              <a:buFont typeface="Wingdings" panose="05000000000000000000" pitchFamily="2" charset="2"/>
-              <a:buChar char="ü"/>
-            </a:pPr>
-            <a:r>
-              <a:rPr lang="ko-KR" altLang="en-US" sz="2000" dirty="0">
-                <a:solidFill>
-                  <a:srgbClr val="FF7C80"/>
-                </a:solidFill>
-                <a:latin typeface="KoPubWorld돋움체 Bold" panose="00000800000000000000" pitchFamily="2" charset="-127"/>
-                <a:ea typeface="KoPubWorld돋움체 Bold" panose="00000800000000000000" pitchFamily="2" charset="-127"/>
-                <a:cs typeface="KoPubWorld돋움체 Bold" panose="00000800000000000000" pitchFamily="2" charset="-127"/>
-              </a:rPr>
-              <a:t>매월 </a:t>
-            </a:r>
-            <a:r>
-              <a:rPr lang="en-US" altLang="ko-KR" sz="2000" dirty="0">
-                <a:solidFill>
-                  <a:srgbClr val="FF7C80"/>
-                </a:solidFill>
-                <a:latin typeface="KoPubWorld돋움체 Bold" panose="00000800000000000000" pitchFamily="2" charset="-127"/>
-                <a:ea typeface="KoPubWorld돋움체 Bold" panose="00000800000000000000" pitchFamily="2" charset="-127"/>
-                <a:cs typeface="KoPubWorld돋움체 Bold" panose="00000800000000000000" pitchFamily="2" charset="-127"/>
-              </a:rPr>
-              <a:t>1</a:t>
-            </a:r>
-            <a:r>
-              <a:rPr lang="ko-KR" altLang="en-US" sz="2000" dirty="0">
-                <a:solidFill>
-                  <a:srgbClr val="FF7C80"/>
-                </a:solidFill>
-                <a:latin typeface="KoPubWorld돋움체 Bold" panose="00000800000000000000" pitchFamily="2" charset="-127"/>
-                <a:ea typeface="KoPubWorld돋움체 Bold" panose="00000800000000000000" pitchFamily="2" charset="-127"/>
-                <a:cs typeface="KoPubWorld돋움체 Bold" panose="00000800000000000000" pitchFamily="2" charset="-127"/>
-              </a:rPr>
-              <a:t>일 사용자에게 월간 카드 거래 리포트를 발송</a:t>
-            </a:r>
-            <a:endParaRPr lang="en-US" altLang="ko-KR" sz="2000" dirty="0">
-              <a:solidFill>
-                <a:srgbClr val="FF7C80"/>
-              </a:solidFill>
-              <a:latin typeface="KoPubWorld돋움체 Bold" panose="00000800000000000000" pitchFamily="2" charset="-127"/>
-              <a:ea typeface="KoPubWorld돋움체 Bold" panose="00000800000000000000" pitchFamily="2" charset="-127"/>
-              <a:cs typeface="KoPubWorld돋움체 Bold" panose="00000800000000000000" pitchFamily="2" charset="-127"/>
-            </a:endParaRPr>
-          </a:p>
-          <a:p>
-            <a:pPr marL="342900" indent="-342900">
-              <a:lnSpc>
-                <a:spcPct val="150000"/>
-              </a:lnSpc>
-              <a:buFont typeface="Wingdings" panose="05000000000000000000" pitchFamily="2" charset="2"/>
-              <a:buChar char="ü"/>
-            </a:pPr>
-            <a:r>
-              <a:rPr lang="ko-KR" altLang="en-US" sz="2000" dirty="0">
-                <a:solidFill>
-                  <a:schemeClr val="tx1">
-                    <a:lumMod val="65000"/>
-                    <a:lumOff val="35000"/>
-                  </a:schemeClr>
-                </a:solidFill>
-                <a:latin typeface="KoPubWorld돋움체 Light" panose="00000300000000000000" pitchFamily="2" charset="-127"/>
-                <a:ea typeface="KoPubWorld돋움체 Light" panose="00000300000000000000" pitchFamily="2" charset="-127"/>
-                <a:cs typeface="KoPubWorld돋움체 Light" panose="00000300000000000000" pitchFamily="2" charset="-127"/>
-              </a:rPr>
-              <a:t>과거의 월간 거래 리포트 조회 가능</a:t>
-            </a:r>
-            <a:endParaRPr lang="en-US" altLang="ko-KR" sz="2000" dirty="0">
-              <a:solidFill>
-                <a:schemeClr val="tx1">
-                  <a:lumMod val="65000"/>
-                  <a:lumOff val="35000"/>
-                </a:schemeClr>
-              </a:solidFill>
-              <a:latin typeface="KoPubWorld돋움체 Light" panose="00000300000000000000" pitchFamily="2" charset="-127"/>
-              <a:ea typeface="KoPubWorld돋움체 Light" panose="00000300000000000000" pitchFamily="2" charset="-127"/>
-              <a:cs typeface="KoPubWorld돋움체 Light" panose="00000300000000000000" pitchFamily="2" charset="-127"/>
-            </a:endParaRPr>
-          </a:p>
-          <a:p>
-            <a:pPr marL="342900" indent="-342900">
-              <a:lnSpc>
-                <a:spcPct val="150000"/>
-              </a:lnSpc>
-              <a:buFont typeface="Wingdings" panose="05000000000000000000" pitchFamily="2" charset="2"/>
-              <a:buChar char="ü"/>
-            </a:pPr>
-            <a:endParaRPr lang="en-US" altLang="ko-KR" sz="2000" dirty="0">
-              <a:solidFill>
-                <a:schemeClr val="tx1">
-                  <a:lumMod val="65000"/>
-                  <a:lumOff val="35000"/>
-                </a:schemeClr>
-              </a:solidFill>
-              <a:latin typeface="KoPubWorld돋움체 Light" panose="00000300000000000000" pitchFamily="2" charset="-127"/>
-              <a:ea typeface="KoPubWorld돋움체 Light" panose="00000300000000000000" pitchFamily="2" charset="-127"/>
-              <a:cs typeface="KoPubWorld돋움체 Light" panose="00000300000000000000" pitchFamily="2" charset="-127"/>
-            </a:endParaRPr>
-          </a:p>
-          <a:p>
-            <a:pPr marL="342900" indent="-342900">
-              <a:lnSpc>
-                <a:spcPct val="150000"/>
-              </a:lnSpc>
-              <a:buFont typeface="Wingdings" panose="05000000000000000000" pitchFamily="2" charset="2"/>
-              <a:buChar char="ü"/>
-            </a:pPr>
-            <a:r>
-              <a:rPr lang="ko-KR" altLang="en-US" sz="2000" dirty="0">
-                <a:solidFill>
-                  <a:schemeClr val="tx1">
-                    <a:lumMod val="65000"/>
-                    <a:lumOff val="35000"/>
-                  </a:schemeClr>
-                </a:solidFill>
-                <a:latin typeface="KoPubWorld돋움체 Light" panose="00000300000000000000" pitchFamily="2" charset="-127"/>
-                <a:ea typeface="KoPubWorld돋움체 Light" panose="00000300000000000000" pitchFamily="2" charset="-127"/>
-                <a:cs typeface="KoPubWorld돋움체 Light" panose="00000300000000000000" pitchFamily="2" charset="-127"/>
-              </a:rPr>
-              <a:t>주간거래 분석 </a:t>
-            </a:r>
-            <a:r>
-              <a:rPr lang="en-US" altLang="ko-KR" sz="2000" dirty="0">
-                <a:solidFill>
-                  <a:schemeClr val="tx1">
-                    <a:lumMod val="65000"/>
-                    <a:lumOff val="35000"/>
-                  </a:schemeClr>
-                </a:solidFill>
-                <a:latin typeface="KoPubWorld돋움체 Light" panose="00000300000000000000" pitchFamily="2" charset="-127"/>
-                <a:ea typeface="KoPubWorld돋움체 Light" panose="00000300000000000000" pitchFamily="2" charset="-127"/>
-                <a:cs typeface="KoPubWorld돋움체 Light" panose="00000300000000000000" pitchFamily="2" charset="-127"/>
-              </a:rPr>
-              <a:t>(</a:t>
-            </a:r>
-            <a:r>
-              <a:rPr lang="ko-KR" altLang="en-US" sz="2000" dirty="0">
-                <a:solidFill>
-                  <a:schemeClr val="tx1">
-                    <a:lumMod val="65000"/>
-                    <a:lumOff val="35000"/>
-                  </a:schemeClr>
-                </a:solidFill>
-                <a:latin typeface="KoPubWorld돋움체 Light" panose="00000300000000000000" pitchFamily="2" charset="-127"/>
-                <a:ea typeface="KoPubWorld돋움체 Light" panose="00000300000000000000" pitchFamily="2" charset="-127"/>
-                <a:cs typeface="KoPubWorld돋움체 Light" panose="00000300000000000000" pitchFamily="2" charset="-127"/>
-              </a:rPr>
-              <a:t>가장 지출이 많은 주</a:t>
-            </a:r>
-            <a:r>
-              <a:rPr lang="en-US" altLang="ko-KR" sz="2000" dirty="0">
-                <a:solidFill>
-                  <a:schemeClr val="tx1">
-                    <a:lumMod val="65000"/>
-                    <a:lumOff val="35000"/>
-                  </a:schemeClr>
-                </a:solidFill>
-                <a:latin typeface="KoPubWorld돋움체 Light" panose="00000300000000000000" pitchFamily="2" charset="-127"/>
-                <a:ea typeface="KoPubWorld돋움체 Light" panose="00000300000000000000" pitchFamily="2" charset="-127"/>
-                <a:cs typeface="KoPubWorld돋움체 Light" panose="00000300000000000000" pitchFamily="2" charset="-127"/>
-              </a:rPr>
-              <a:t>, </a:t>
-            </a:r>
-            <a:r>
-              <a:rPr lang="ko-KR" altLang="en-US" sz="2000" dirty="0">
-                <a:solidFill>
-                  <a:schemeClr val="tx1">
-                    <a:lumMod val="65000"/>
-                    <a:lumOff val="35000"/>
-                  </a:schemeClr>
-                </a:solidFill>
-                <a:latin typeface="KoPubWorld돋움체 Light" panose="00000300000000000000" pitchFamily="2" charset="-127"/>
-                <a:ea typeface="KoPubWorld돋움체 Light" panose="00000300000000000000" pitchFamily="2" charset="-127"/>
-                <a:cs typeface="KoPubWorld돋움체 Light" panose="00000300000000000000" pitchFamily="2" charset="-127"/>
-              </a:rPr>
-              <a:t>월 평균 지출액 제공</a:t>
-            </a:r>
-            <a:r>
-              <a:rPr lang="en-US" altLang="ko-KR" sz="2000" dirty="0">
-                <a:solidFill>
-                  <a:schemeClr val="tx1">
-                    <a:lumMod val="65000"/>
-                    <a:lumOff val="35000"/>
-                  </a:schemeClr>
-                </a:solidFill>
-                <a:latin typeface="KoPubWorld돋움체 Light" panose="00000300000000000000" pitchFamily="2" charset="-127"/>
-                <a:ea typeface="KoPubWorld돋움체 Light" panose="00000300000000000000" pitchFamily="2" charset="-127"/>
-                <a:cs typeface="KoPubWorld돋움체 Light" panose="00000300000000000000" pitchFamily="2" charset="-127"/>
-              </a:rPr>
-              <a:t>)</a:t>
-            </a:r>
-          </a:p>
-          <a:p>
-            <a:pPr marL="342900" indent="-342900">
-              <a:lnSpc>
-                <a:spcPct val="150000"/>
-              </a:lnSpc>
-              <a:buFont typeface="Wingdings" panose="05000000000000000000" pitchFamily="2" charset="2"/>
-              <a:buChar char="ü"/>
-            </a:pPr>
-            <a:r>
-              <a:rPr lang="ko-KR" altLang="en-US" sz="2000" dirty="0" err="1">
-                <a:solidFill>
-                  <a:schemeClr val="tx1">
-                    <a:lumMod val="65000"/>
-                    <a:lumOff val="35000"/>
-                  </a:schemeClr>
-                </a:solidFill>
-                <a:latin typeface="KoPubWorld돋움체 Light" panose="00000300000000000000" pitchFamily="2" charset="-127"/>
-                <a:ea typeface="KoPubWorld돋움체 Light" panose="00000300000000000000" pitchFamily="2" charset="-127"/>
-                <a:cs typeface="KoPubWorld돋움체 Light" panose="00000300000000000000" pitchFamily="2" charset="-127"/>
-              </a:rPr>
-              <a:t>요일별</a:t>
-            </a:r>
-            <a:r>
-              <a:rPr lang="ko-KR" altLang="en-US" sz="2000" dirty="0">
-                <a:solidFill>
-                  <a:schemeClr val="tx1">
-                    <a:lumMod val="65000"/>
-                    <a:lumOff val="35000"/>
-                  </a:schemeClr>
-                </a:solidFill>
-                <a:latin typeface="KoPubWorld돋움체 Light" panose="00000300000000000000" pitchFamily="2" charset="-127"/>
-                <a:ea typeface="KoPubWorld돋움체 Light" panose="00000300000000000000" pitchFamily="2" charset="-127"/>
-                <a:cs typeface="KoPubWorld돋움체 Light" panose="00000300000000000000" pitchFamily="2" charset="-127"/>
-              </a:rPr>
-              <a:t> 거래 분석 </a:t>
-            </a:r>
-            <a:r>
-              <a:rPr lang="en-US" altLang="ko-KR" sz="2000" dirty="0">
-                <a:solidFill>
-                  <a:schemeClr val="tx1">
-                    <a:lumMod val="65000"/>
-                    <a:lumOff val="35000"/>
-                  </a:schemeClr>
-                </a:solidFill>
-                <a:latin typeface="KoPubWorld돋움체 Light" panose="00000300000000000000" pitchFamily="2" charset="-127"/>
-                <a:ea typeface="KoPubWorld돋움체 Light" panose="00000300000000000000" pitchFamily="2" charset="-127"/>
-                <a:cs typeface="KoPubWorld돋움체 Light" panose="00000300000000000000" pitchFamily="2" charset="-127"/>
-              </a:rPr>
-              <a:t>(</a:t>
-            </a:r>
-            <a:r>
-              <a:rPr lang="ko-KR" altLang="en-US" sz="2000" dirty="0">
-                <a:solidFill>
-                  <a:schemeClr val="tx1">
-                    <a:lumMod val="65000"/>
-                    <a:lumOff val="35000"/>
-                  </a:schemeClr>
-                </a:solidFill>
-                <a:latin typeface="KoPubWorld돋움체 Light" panose="00000300000000000000" pitchFamily="2" charset="-127"/>
-                <a:ea typeface="KoPubWorld돋움체 Light" panose="00000300000000000000" pitchFamily="2" charset="-127"/>
-                <a:cs typeface="KoPubWorld돋움체 Light" panose="00000300000000000000" pitchFamily="2" charset="-127"/>
-              </a:rPr>
-              <a:t>가장 지출이 많은 요일</a:t>
-            </a:r>
-            <a:r>
-              <a:rPr lang="en-US" altLang="ko-KR" sz="2000" dirty="0">
-                <a:solidFill>
-                  <a:schemeClr val="tx1">
-                    <a:lumMod val="65000"/>
-                    <a:lumOff val="35000"/>
-                  </a:schemeClr>
-                </a:solidFill>
-                <a:latin typeface="KoPubWorld돋움체 Light" panose="00000300000000000000" pitchFamily="2" charset="-127"/>
-                <a:ea typeface="KoPubWorld돋움체 Light" panose="00000300000000000000" pitchFamily="2" charset="-127"/>
-                <a:cs typeface="KoPubWorld돋움체 Light" panose="00000300000000000000" pitchFamily="2" charset="-127"/>
-              </a:rPr>
-              <a:t>)</a:t>
-            </a:r>
-          </a:p>
-          <a:p>
-            <a:pPr marL="342900" indent="-342900">
-              <a:lnSpc>
-                <a:spcPct val="150000"/>
-              </a:lnSpc>
-              <a:buFont typeface="Wingdings" panose="05000000000000000000" pitchFamily="2" charset="2"/>
-              <a:buChar char="ü"/>
-            </a:pPr>
-            <a:r>
-              <a:rPr lang="ko-KR" altLang="en-US" sz="2000" dirty="0">
-                <a:solidFill>
-                  <a:schemeClr val="tx1">
-                    <a:lumMod val="65000"/>
-                    <a:lumOff val="35000"/>
-                  </a:schemeClr>
-                </a:solidFill>
-                <a:latin typeface="KoPubWorld돋움체 Light" panose="00000300000000000000" pitchFamily="2" charset="-127"/>
-                <a:ea typeface="KoPubWorld돋움체 Light" panose="00000300000000000000" pitchFamily="2" charset="-127"/>
-                <a:cs typeface="KoPubWorld돋움체 Light" panose="00000300000000000000" pitchFamily="2" charset="-127"/>
-              </a:rPr>
-              <a:t>상세 거래 항목 제공</a:t>
-            </a:r>
-          </a:p>
-          <a:p>
-            <a:pPr marL="342900" indent="-342900">
-              <a:lnSpc>
-                <a:spcPct val="150000"/>
-              </a:lnSpc>
-              <a:buFont typeface="Wingdings" panose="05000000000000000000" pitchFamily="2" charset="2"/>
-              <a:buChar char="ü"/>
-            </a:pPr>
-            <a:r>
-              <a:rPr lang="ko-KR" altLang="en-US" sz="2000" dirty="0">
-                <a:solidFill>
-                  <a:schemeClr val="tx1">
-                    <a:lumMod val="65000"/>
-                    <a:lumOff val="35000"/>
-                  </a:schemeClr>
-                </a:solidFill>
-                <a:latin typeface="KoPubWorld돋움체 Light" panose="00000300000000000000" pitchFamily="2" charset="-127"/>
-                <a:ea typeface="KoPubWorld돋움체 Light" panose="00000300000000000000" pitchFamily="2" charset="-127"/>
-                <a:cs typeface="KoPubWorld돋움체 Light" panose="00000300000000000000" pitchFamily="2" charset="-127"/>
-              </a:rPr>
-              <a:t>거래금액 기준 카테고리 분포</a:t>
-            </a:r>
-          </a:p>
-          <a:p>
-            <a:pPr>
-              <a:lnSpc>
-                <a:spcPct val="150000"/>
-              </a:lnSpc>
-            </a:pPr>
-            <a:r>
-              <a:rPr lang="ko-KR" altLang="en-US" sz="1600" dirty="0">
-                <a:solidFill>
-                  <a:schemeClr val="tx1">
-                    <a:lumMod val="65000"/>
-                    <a:lumOff val="35000"/>
-                  </a:schemeClr>
-                </a:solidFill>
-                <a:latin typeface="KoPubWorld돋움체 Light" panose="00000300000000000000" pitchFamily="2" charset="-127"/>
-                <a:ea typeface="KoPubWorld돋움체 Light" panose="00000300000000000000" pitchFamily="2" charset="-127"/>
-                <a:cs typeface="KoPubWorld돋움체 Light" panose="00000300000000000000" pitchFamily="2" charset="-127"/>
-              </a:rPr>
-              <a:t>예</a:t>
-            </a:r>
-            <a:r>
-              <a:rPr lang="en-US" altLang="ko-KR" sz="1600" dirty="0">
-                <a:solidFill>
-                  <a:schemeClr val="tx1">
-                    <a:lumMod val="65000"/>
-                    <a:lumOff val="35000"/>
-                  </a:schemeClr>
-                </a:solidFill>
-                <a:latin typeface="KoPubWorld돋움체 Light" panose="00000300000000000000" pitchFamily="2" charset="-127"/>
-                <a:ea typeface="KoPubWorld돋움체 Light" panose="00000300000000000000" pitchFamily="2" charset="-127"/>
-                <a:cs typeface="KoPubWorld돋움체 Light" panose="00000300000000000000" pitchFamily="2" charset="-127"/>
-              </a:rPr>
-              <a:t>) </a:t>
-            </a:r>
-            <a:r>
-              <a:rPr lang="ko-KR" altLang="en-US" sz="1600" dirty="0">
-                <a:solidFill>
-                  <a:schemeClr val="tx1">
-                    <a:lumMod val="65000"/>
-                    <a:lumOff val="35000"/>
-                  </a:schemeClr>
-                </a:solidFill>
-                <a:latin typeface="KoPubWorld돋움체 Light" panose="00000300000000000000" pitchFamily="2" charset="-127"/>
-                <a:ea typeface="KoPubWorld돋움체 Light" panose="00000300000000000000" pitchFamily="2" charset="-127"/>
-                <a:cs typeface="KoPubWorld돋움체 Light" panose="00000300000000000000" pitchFamily="2" charset="-127"/>
-              </a:rPr>
-              <a:t>김미미님은 음식에 가장 많은 금액을 소비하셨습니다</a:t>
-            </a:r>
-            <a:r>
-              <a:rPr lang="en-US" altLang="ko-KR" sz="1600" dirty="0">
-                <a:solidFill>
-                  <a:schemeClr val="tx1">
-                    <a:lumMod val="65000"/>
-                    <a:lumOff val="35000"/>
-                  </a:schemeClr>
-                </a:solidFill>
-                <a:latin typeface="KoPubWorld돋움체 Light" panose="00000300000000000000" pitchFamily="2" charset="-127"/>
-                <a:ea typeface="KoPubWorld돋움체 Light" panose="00000300000000000000" pitchFamily="2" charset="-127"/>
-                <a:cs typeface="KoPubWorld돋움체 Light" panose="00000300000000000000" pitchFamily="2" charset="-127"/>
-              </a:rPr>
-              <a:t>.</a:t>
-            </a:r>
-          </a:p>
-          <a:p>
-            <a:pPr>
-              <a:lnSpc>
-                <a:spcPct val="150000"/>
-              </a:lnSpc>
-            </a:pPr>
-            <a:r>
-              <a:rPr lang="ko-KR" altLang="en-US" sz="1600" dirty="0">
-                <a:solidFill>
-                  <a:schemeClr val="tx1">
-                    <a:lumMod val="65000"/>
-                    <a:lumOff val="35000"/>
-                  </a:schemeClr>
-                </a:solidFill>
-                <a:latin typeface="KoPubWorld돋움체 Light" panose="00000300000000000000" pitchFamily="2" charset="-127"/>
-                <a:ea typeface="KoPubWorld돋움체 Light" panose="00000300000000000000" pitchFamily="2" charset="-127"/>
-                <a:cs typeface="KoPubWorld돋움체 Light" panose="00000300000000000000" pitchFamily="2" charset="-127"/>
-              </a:rPr>
-              <a:t>예</a:t>
-            </a:r>
-            <a:r>
-              <a:rPr lang="en-US" altLang="ko-KR" sz="1600" dirty="0">
-                <a:solidFill>
-                  <a:schemeClr val="tx1">
-                    <a:lumMod val="65000"/>
-                    <a:lumOff val="35000"/>
-                  </a:schemeClr>
-                </a:solidFill>
-                <a:latin typeface="KoPubWorld돋움체 Light" panose="00000300000000000000" pitchFamily="2" charset="-127"/>
-                <a:ea typeface="KoPubWorld돋움체 Light" panose="00000300000000000000" pitchFamily="2" charset="-127"/>
-                <a:cs typeface="KoPubWorld돋움체 Light" panose="00000300000000000000" pitchFamily="2" charset="-127"/>
-              </a:rPr>
-              <a:t>) </a:t>
-            </a:r>
-            <a:r>
-              <a:rPr lang="ko-KR" altLang="en-US" sz="1600" dirty="0">
-                <a:solidFill>
-                  <a:schemeClr val="tx1">
-                    <a:lumMod val="65000"/>
-                    <a:lumOff val="35000"/>
-                  </a:schemeClr>
-                </a:solidFill>
-                <a:latin typeface="KoPubWorld돋움체 Light" panose="00000300000000000000" pitchFamily="2" charset="-127"/>
-                <a:ea typeface="KoPubWorld돋움체 Light" panose="00000300000000000000" pitchFamily="2" charset="-127"/>
-                <a:cs typeface="KoPubWorld돋움체 Light" panose="00000300000000000000" pitchFamily="2" charset="-127"/>
-              </a:rPr>
-              <a:t>그럴 경우 음식에 관한 상세 거래 내역 제공</a:t>
-            </a:r>
-            <a:endParaRPr lang="en-US" altLang="ko-KR" sz="1200" dirty="0">
-              <a:solidFill>
-                <a:schemeClr val="tx1">
-                  <a:lumMod val="65000"/>
-                  <a:lumOff val="35000"/>
-                </a:schemeClr>
-              </a:solidFill>
-              <a:latin typeface="KoPubWorld돋움체 Light" panose="00000300000000000000" pitchFamily="2" charset="-127"/>
-              <a:ea typeface="KoPubWorld돋움체 Light" panose="00000300000000000000" pitchFamily="2" charset="-127"/>
-              <a:cs typeface="KoPubWorld돋움체 Light" panose="00000300000000000000" pitchFamily="2" charset="-127"/>
-            </a:endParaRPr>
-          </a:p>
-        </p:txBody>
-      </p:sp>
-      <p:sp>
-        <p:nvSpPr>
-          <p:cNvPr id="21" name="TextBox 20">
-            <a:extLst>
-              <a:ext uri="{FF2B5EF4-FFF2-40B4-BE49-F238E27FC236}">
-                <a16:creationId xmlns:a16="http://schemas.microsoft.com/office/drawing/2014/main" id="{034B67B2-180C-40C0-AD05-DFC58A3E1528}"/>
-              </a:ext>
-            </a:extLst>
-          </p:cNvPr>
-          <p:cNvSpPr txBox="1"/>
-          <p:nvPr/>
-        </p:nvSpPr>
-        <p:spPr>
-          <a:xfrm>
-            <a:off x="1263575" y="1615511"/>
-            <a:ext cx="4096990" cy="369332"/>
-          </a:xfrm>
-          <a:prstGeom prst="rect">
-            <a:avLst/>
-          </a:prstGeom>
-          <a:noFill/>
-        </p:spPr>
-        <p:txBody>
-          <a:bodyPr wrap="square" rtlCol="0">
-            <a:spAutoFit/>
-          </a:bodyPr>
-          <a:lstStyle/>
-          <a:p>
-            <a:r>
-              <a:rPr lang="ko-KR" altLang="en-US" dirty="0">
-                <a:solidFill>
-                  <a:schemeClr val="tx1">
-                    <a:lumMod val="65000"/>
-                    <a:lumOff val="35000"/>
-                  </a:schemeClr>
-                </a:solidFill>
-                <a:latin typeface="KoPubWorld돋움체 Bold" panose="00000800000000000000" pitchFamily="2" charset="-127"/>
-                <a:ea typeface="KoPubWorld돋움체 Bold" panose="00000800000000000000" pitchFamily="2" charset="-127"/>
-                <a:cs typeface="KoPubWorld돋움체 Bold" panose="00000800000000000000" pitchFamily="2" charset="-127"/>
-              </a:rPr>
-              <a:t>주요기능 </a:t>
-            </a:r>
-            <a:r>
-              <a:rPr lang="en-US" altLang="ko-KR" dirty="0">
-                <a:solidFill>
-                  <a:schemeClr val="tx1">
-                    <a:lumMod val="65000"/>
-                    <a:lumOff val="35000"/>
-                  </a:schemeClr>
-                </a:solidFill>
-                <a:latin typeface="KoPubWorld돋움체 Bold" panose="00000800000000000000" pitchFamily="2" charset="-127"/>
-                <a:ea typeface="KoPubWorld돋움체 Bold" panose="00000800000000000000" pitchFamily="2" charset="-127"/>
-                <a:cs typeface="KoPubWorld돋움체 Bold" panose="00000800000000000000" pitchFamily="2" charset="-127"/>
-              </a:rPr>
-              <a:t>3 : </a:t>
-            </a:r>
-            <a:r>
-              <a:rPr lang="ko-KR" altLang="en-US" dirty="0">
-                <a:solidFill>
-                  <a:schemeClr val="tx1">
-                    <a:lumMod val="65000"/>
-                    <a:lumOff val="35000"/>
-                  </a:schemeClr>
-                </a:solidFill>
-                <a:latin typeface="KoPubWorld돋움체 Bold" panose="00000800000000000000" pitchFamily="2" charset="-127"/>
-                <a:ea typeface="KoPubWorld돋움체 Bold" panose="00000800000000000000" pitchFamily="2" charset="-127"/>
-                <a:cs typeface="KoPubWorld돋움체 Bold" panose="00000800000000000000" pitchFamily="2" charset="-127"/>
-              </a:rPr>
-              <a:t>월간 거래 리포트</a:t>
-            </a:r>
-            <a:endParaRPr lang="en-US" altLang="ko-KR" dirty="0">
-              <a:solidFill>
-                <a:schemeClr val="tx1">
-                  <a:lumMod val="65000"/>
-                  <a:lumOff val="35000"/>
-                </a:schemeClr>
-              </a:solidFill>
-              <a:latin typeface="KoPubWorld돋움체 Bold" panose="00000800000000000000" pitchFamily="2" charset="-127"/>
-              <a:ea typeface="KoPubWorld돋움체 Bold" panose="00000800000000000000" pitchFamily="2" charset="-127"/>
-              <a:cs typeface="KoPubWorld돋움체 Bold" panose="00000800000000000000" pitchFamily="2" charset="-127"/>
-            </a:endParaRPr>
-          </a:p>
-        </p:txBody>
-      </p:sp>
-      <p:cxnSp>
-        <p:nvCxnSpPr>
-          <p:cNvPr id="22" name="직선 연결선 21">
-            <a:extLst>
-              <a:ext uri="{FF2B5EF4-FFF2-40B4-BE49-F238E27FC236}">
-                <a16:creationId xmlns:a16="http://schemas.microsoft.com/office/drawing/2014/main" id="{DC111408-1EA9-421A-9BB9-5C9C6A16BA86}"/>
-              </a:ext>
-            </a:extLst>
-          </p:cNvPr>
-          <p:cNvCxnSpPr>
-            <a:cxnSpLocks/>
-          </p:cNvCxnSpPr>
-          <p:nvPr/>
-        </p:nvCxnSpPr>
-        <p:spPr>
-          <a:xfrm>
-            <a:off x="1335584" y="1984843"/>
-            <a:ext cx="2867300" cy="0"/>
-          </a:xfrm>
-          <a:prstGeom prst="line">
-            <a:avLst/>
-          </a:prstGeom>
-          <a:ln w="15875">
-            <a:solidFill>
-              <a:schemeClr val="tx1"/>
-            </a:solidFill>
-          </a:ln>
-        </p:spPr>
-        <p:style>
-          <a:lnRef idx="1">
-            <a:schemeClr val="accent1"/>
-          </a:lnRef>
-          <a:fillRef idx="0">
-            <a:schemeClr val="accent1"/>
-          </a:fillRef>
-          <a:effectRef idx="0">
-            <a:schemeClr val="accent1"/>
-          </a:effectRef>
-          <a:fontRef idx="minor">
-            <a:schemeClr val="tx1"/>
-          </a:fontRef>
-        </p:style>
-      </p:cxnSp>
-      <p:grpSp>
-        <p:nvGrpSpPr>
-          <p:cNvPr id="11" name="그룹 10">
-            <a:extLst>
-              <a:ext uri="{FF2B5EF4-FFF2-40B4-BE49-F238E27FC236}">
-                <a16:creationId xmlns:a16="http://schemas.microsoft.com/office/drawing/2014/main" id="{CB6F9824-565E-4276-8896-3E45A9D30C6F}"/>
-              </a:ext>
-            </a:extLst>
-          </p:cNvPr>
-          <p:cNvGrpSpPr/>
-          <p:nvPr/>
-        </p:nvGrpSpPr>
-        <p:grpSpPr>
-          <a:xfrm>
-            <a:off x="643770" y="188165"/>
-            <a:ext cx="3981147" cy="830997"/>
-            <a:chOff x="357588" y="188165"/>
-            <a:chExt cx="3981147" cy="830997"/>
-          </a:xfrm>
-        </p:grpSpPr>
-        <p:sp>
-          <p:nvSpPr>
-            <p:cNvPr id="12" name="직사각형 11">
-              <a:extLst>
-                <a:ext uri="{FF2B5EF4-FFF2-40B4-BE49-F238E27FC236}">
-                  <a16:creationId xmlns:a16="http://schemas.microsoft.com/office/drawing/2014/main" id="{D104D79E-901E-43F1-8667-676DFE6C40AA}"/>
-                </a:ext>
-              </a:extLst>
-            </p:cNvPr>
-            <p:cNvSpPr/>
-            <p:nvPr/>
-          </p:nvSpPr>
-          <p:spPr>
-            <a:xfrm>
-              <a:off x="1141445" y="271010"/>
-              <a:ext cx="3197290" cy="553998"/>
-            </a:xfrm>
-            <a:prstGeom prst="rect">
-              <a:avLst/>
-            </a:prstGeom>
-          </p:spPr>
-          <p:txBody>
-            <a:bodyPr wrap="square">
-              <a:spAutoFit/>
-            </a:bodyPr>
-            <a:lstStyle/>
-            <a:p>
-              <a:r>
-                <a:rPr lang="ko-KR" altLang="en-US" dirty="0">
-                  <a:solidFill>
-                    <a:schemeClr val="tx1">
-                      <a:lumMod val="65000"/>
-                      <a:lumOff val="35000"/>
-                    </a:schemeClr>
-                  </a:solidFill>
-                  <a:latin typeface="KoPubWorld돋움체 Bold" panose="00000800000000000000" pitchFamily="2" charset="-127"/>
-                  <a:ea typeface="KoPubWorld돋움체 Bold" panose="00000800000000000000" pitchFamily="2" charset="-127"/>
-                  <a:cs typeface="KoPubWorld돋움체 Bold" panose="00000800000000000000" pitchFamily="2" charset="-127"/>
-                </a:rPr>
-                <a:t>기능소개</a:t>
-              </a:r>
-              <a:endParaRPr lang="en-US" altLang="ko-KR" dirty="0">
-                <a:solidFill>
-                  <a:schemeClr val="tx1">
-                    <a:lumMod val="65000"/>
-                    <a:lumOff val="35000"/>
-                  </a:schemeClr>
-                </a:solidFill>
-                <a:latin typeface="KoPubWorld돋움체 Bold" panose="00000800000000000000" pitchFamily="2" charset="-127"/>
-                <a:ea typeface="KoPubWorld돋움체 Bold" panose="00000800000000000000" pitchFamily="2" charset="-127"/>
-                <a:cs typeface="KoPubWorld돋움체 Bold" panose="00000800000000000000" pitchFamily="2" charset="-127"/>
-              </a:endParaRPr>
-            </a:p>
-            <a:p>
-              <a:r>
-                <a:rPr lang="ko-KR" altLang="en-US" sz="1200" dirty="0">
-                  <a:solidFill>
-                    <a:schemeClr val="tx1">
-                      <a:lumMod val="65000"/>
-                      <a:lumOff val="35000"/>
-                    </a:schemeClr>
-                  </a:solidFill>
-                  <a:latin typeface="KoPubWorld돋움체 Light" panose="00000300000000000000" pitchFamily="2" charset="-127"/>
-                  <a:ea typeface="KoPubWorld돋움체 Light" panose="00000300000000000000" pitchFamily="2" charset="-127"/>
-                  <a:cs typeface="KoPubWorld돋움체 Light" panose="00000300000000000000" pitchFamily="2" charset="-127"/>
-                </a:rPr>
-                <a:t>주요기능</a:t>
-              </a:r>
-              <a:endParaRPr lang="ko-KR" altLang="en-US" sz="1200" dirty="0">
-                <a:solidFill>
-                  <a:schemeClr val="tx1">
-                    <a:lumMod val="65000"/>
-                    <a:lumOff val="35000"/>
-                  </a:schemeClr>
-                </a:solidFill>
-                <a:latin typeface="KoPubWorld돋움체 Light" panose="020B0600000101010101" charset="-127"/>
-                <a:ea typeface="KoPubWorld돋움체 Light" panose="020B0600000101010101" charset="-127"/>
-                <a:cs typeface="KoPubWorld돋움체 Light" panose="020B0600000101010101" charset="-127"/>
-              </a:endParaRPr>
-            </a:p>
-          </p:txBody>
-        </p:sp>
-        <p:sp>
-          <p:nvSpPr>
-            <p:cNvPr id="13" name="TextBox 12">
-              <a:extLst>
-                <a:ext uri="{FF2B5EF4-FFF2-40B4-BE49-F238E27FC236}">
-                  <a16:creationId xmlns:a16="http://schemas.microsoft.com/office/drawing/2014/main" id="{4B4E0481-940E-4AFF-93C0-15DE43686079}"/>
-                </a:ext>
-              </a:extLst>
-            </p:cNvPr>
-            <p:cNvSpPr txBox="1"/>
-            <p:nvPr/>
-          </p:nvSpPr>
-          <p:spPr>
-            <a:xfrm>
-              <a:off x="357588" y="188165"/>
-              <a:ext cx="877163" cy="830997"/>
-            </a:xfrm>
-            <a:prstGeom prst="rect">
-              <a:avLst/>
-            </a:prstGeom>
-            <a:noFill/>
-          </p:spPr>
-          <p:txBody>
-            <a:bodyPr wrap="none" rtlCol="0">
-              <a:spAutoFit/>
-            </a:bodyPr>
-            <a:lstStyle/>
-            <a:p>
-              <a:r>
-                <a:rPr lang="en-US" altLang="ko-KR" sz="4800" b="1" dirty="0">
-                  <a:solidFill>
-                    <a:srgbClr val="64DECF"/>
-                  </a:solidFill>
-                  <a:latin typeface="KoPubWorld돋움체 Bold" panose="00000800000000000000" pitchFamily="2" charset="-127"/>
-                  <a:ea typeface="KoPubWorld돋움체 Bold" panose="00000800000000000000" pitchFamily="2" charset="-127"/>
-                  <a:cs typeface="KoPubWorld돋움체 Bold" panose="00000800000000000000" pitchFamily="2" charset="-127"/>
-                </a:rPr>
-                <a:t>03</a:t>
-              </a:r>
-              <a:endParaRPr lang="ko-KR" altLang="en-US" sz="4800" b="1" dirty="0">
-                <a:solidFill>
-                  <a:srgbClr val="64DECF"/>
-                </a:solidFill>
-                <a:latin typeface="KoPubWorld돋움체 Bold" panose="00000800000000000000" pitchFamily="2" charset="-127"/>
-                <a:ea typeface="KoPubWorld돋움체 Bold" panose="00000800000000000000" pitchFamily="2" charset="-127"/>
-                <a:cs typeface="KoPubWorld돋움체 Bold" panose="00000800000000000000" pitchFamily="2" charset="-127"/>
-              </a:endParaRPr>
-            </a:p>
-          </p:txBody>
-        </p:sp>
-      </p:grpSp>
-      <p:pic>
-        <p:nvPicPr>
-          <p:cNvPr id="4" name="그림 3">
-            <a:extLst>
-              <a:ext uri="{FF2B5EF4-FFF2-40B4-BE49-F238E27FC236}">
-                <a16:creationId xmlns:a16="http://schemas.microsoft.com/office/drawing/2014/main" id="{C6C56E9C-F21E-4F5B-BF8C-D5B1BF43A35B}"/>
-              </a:ext>
-            </a:extLst>
-          </p:cNvPr>
-          <p:cNvPicPr>
-            <a:picLocks noChangeAspect="1"/>
-          </p:cNvPicPr>
-          <p:nvPr/>
-        </p:nvPicPr>
-        <p:blipFill>
-          <a:blip r:embed="rId2"/>
-          <a:stretch>
-            <a:fillRect/>
-          </a:stretch>
-        </p:blipFill>
-        <p:spPr>
-          <a:xfrm>
-            <a:off x="7506663" y="1281784"/>
-            <a:ext cx="4219681" cy="2554814"/>
-          </a:xfrm>
-          <a:prstGeom prst="rect">
-            <a:avLst/>
-          </a:prstGeom>
-        </p:spPr>
-      </p:pic>
-      <p:pic>
-        <p:nvPicPr>
-          <p:cNvPr id="7" name="그림 6">
-            <a:extLst>
-              <a:ext uri="{FF2B5EF4-FFF2-40B4-BE49-F238E27FC236}">
-                <a16:creationId xmlns:a16="http://schemas.microsoft.com/office/drawing/2014/main" id="{5D8A150B-B6B8-4E99-B8D6-655AA1520FFB}"/>
-              </a:ext>
-            </a:extLst>
-          </p:cNvPr>
-          <p:cNvPicPr>
-            <a:picLocks noChangeAspect="1"/>
-          </p:cNvPicPr>
-          <p:nvPr/>
-        </p:nvPicPr>
-        <p:blipFill>
-          <a:blip r:embed="rId3"/>
-          <a:stretch>
-            <a:fillRect/>
-          </a:stretch>
-        </p:blipFill>
-        <p:spPr>
-          <a:xfrm>
-            <a:off x="7506663" y="3802208"/>
-            <a:ext cx="4239221" cy="2716038"/>
-          </a:xfrm>
-          <a:prstGeom prst="rect">
-            <a:avLst/>
-          </a:prstGeom>
-        </p:spPr>
-      </p:pic>
-    </p:spTree>
-    <p:extLst>
-      <p:ext uri="{BB962C8B-B14F-4D97-AF65-F5344CB8AC3E}">
-        <p14:creationId xmlns:p14="http://schemas.microsoft.com/office/powerpoint/2010/main" val="2153350462"/>
       </p:ext>
     </p:extLst>
   </p:cSld>
@@ -12124,4 +14756,299 @@
     </a:ext>
   </a:extLst>
 </a:theme>
+</file>
+
+<file path=ppt/theme/theme2.xml><?xml version="1.0" encoding="utf-8"?>
+<a:theme xmlns:a="http://schemas.openxmlformats.org/drawingml/2006/main" name="Office 테마">
+  <a:themeElements>
+    <a:clrScheme name="Office">
+      <a:dk1>
+        <a:sysClr val="windowText" lastClr="000000"/>
+      </a:dk1>
+      <a:lt1>
+        <a:sysClr val="window" lastClr="FFFFFF"/>
+      </a:lt1>
+      <a:dk2>
+        <a:srgbClr val="44546A"/>
+      </a:dk2>
+      <a:lt2>
+        <a:srgbClr val="E7E6E6"/>
+      </a:lt2>
+      <a:accent1>
+        <a:srgbClr val="4472C4"/>
+      </a:accent1>
+      <a:accent2>
+        <a:srgbClr val="ED7D31"/>
+      </a:accent2>
+      <a:accent3>
+        <a:srgbClr val="A5A5A5"/>
+      </a:accent3>
+      <a:accent4>
+        <a:srgbClr val="FFC000"/>
+      </a:accent4>
+      <a:accent5>
+        <a:srgbClr val="5B9BD5"/>
+      </a:accent5>
+      <a:accent6>
+        <a:srgbClr val="70AD47"/>
+      </a:accent6>
+      <a:hlink>
+        <a:srgbClr val="0563C1"/>
+      </a:hlink>
+      <a:folHlink>
+        <a:srgbClr val="954F72"/>
+      </a:folHlink>
+    </a:clrScheme>
+    <a:fontScheme name="Office">
+      <a:majorFont>
+        <a:latin typeface="맑은 고딕" panose="020F0302020204030204"/>
+        <a:ea typeface=""/>
+        <a:cs typeface=""/>
+        <a:font script="Jpan" typeface="游ゴシック Light"/>
+        <a:font script="Hang" typeface="맑은 고딕"/>
+        <a:font script="Hans" typeface="等线 Light"/>
+        <a:font script="Hant" typeface="新細明體"/>
+        <a:font script="Arab" typeface="Times New Roman"/>
+        <a:font script="Hebr" typeface="Times New Roman"/>
+        <a:font script="Thai" typeface="Angsana New"/>
+        <a:font script="Ethi" typeface="Nyala"/>
+        <a:font script="Beng" typeface="Vrinda"/>
+        <a:font script="Gujr" typeface="Shruti"/>
+        <a:font script="Khmr" typeface="MoolBoran"/>
+        <a:font script="Knda" typeface="Tunga"/>
+        <a:font script="Guru" typeface="Raavi"/>
+        <a:font script="Cans" typeface="Euphemia"/>
+        <a:font script="Cher" typeface="Plantagenet Cherokee"/>
+        <a:font script="Yiii" typeface="Microsoft Yi Baiti"/>
+        <a:font script="Tibt" typeface="Microsoft Himalaya"/>
+        <a:font script="Thaa" typeface="MV Boli"/>
+        <a:font script="Deva" typeface="Mangal"/>
+        <a:font script="Telu" typeface="Gautami"/>
+        <a:font script="Taml" typeface="Latha"/>
+        <a:font script="Syrc" typeface="Estrangelo Edessa"/>
+        <a:font script="Orya" typeface="Kalinga"/>
+        <a:font script="Mlym" typeface="Kartika"/>
+        <a:font script="Laoo" typeface="DokChampa"/>
+        <a:font script="Sinh" typeface="Iskoola Pota"/>
+        <a:font script="Mong" typeface="Mongolian Baiti"/>
+        <a:font script="Viet" typeface="Times New Roman"/>
+        <a:font script="Uigh" typeface="Microsoft Uighur"/>
+        <a:font script="Geor" typeface="Sylfaen"/>
+        <a:font script="Armn" typeface="Arial"/>
+        <a:font script="Bugi" typeface="Leelawadee UI"/>
+        <a:font script="Bopo" typeface="Microsoft JhengHei"/>
+        <a:font script="Java" typeface="Javanese Text"/>
+        <a:font script="Lisu" typeface="Segoe UI"/>
+        <a:font script="Mymr" typeface="Myanmar Text"/>
+        <a:font script="Nkoo" typeface="Ebrima"/>
+        <a:font script="Olck" typeface="Nirmala UI"/>
+        <a:font script="Osma" typeface="Ebrima"/>
+        <a:font script="Phag" typeface="Phagspa"/>
+        <a:font script="Syrn" typeface="Estrangelo Edessa"/>
+        <a:font script="Syrj" typeface="Estrangelo Edessa"/>
+        <a:font script="Syre" typeface="Estrangelo Edessa"/>
+        <a:font script="Sora" typeface="Nirmala UI"/>
+        <a:font script="Tale" typeface="Microsoft Tai Le"/>
+        <a:font script="Talu" typeface="Microsoft New Tai Lue"/>
+        <a:font script="Tfng" typeface="Ebrima"/>
+      </a:majorFont>
+      <a:minorFont>
+        <a:latin typeface="맑은 고딕" panose="020F0502020204030204"/>
+        <a:ea typeface=""/>
+        <a:cs typeface=""/>
+        <a:font script="Jpan" typeface="游ゴシック"/>
+        <a:font script="Hang" typeface="맑은 고딕"/>
+        <a:font script="Hans" typeface="等线"/>
+        <a:font script="Hant" typeface="新細明體"/>
+        <a:font script="Arab" typeface="Arial"/>
+        <a:font script="Hebr" typeface="Arial"/>
+        <a:font script="Thai" typeface="Cordia New"/>
+        <a:font script="Ethi" typeface="Nyala"/>
+        <a:font script="Beng" typeface="Vrinda"/>
+        <a:font script="Gujr" typeface="Shruti"/>
+        <a:font script="Khmr" typeface="DaunPenh"/>
+        <a:font script="Knda" typeface="Tunga"/>
+        <a:font script="Guru" typeface="Raavi"/>
+        <a:font script="Cans" typeface="Euphemia"/>
+        <a:font script="Cher" typeface="Plantagenet Cherokee"/>
+        <a:font script="Yiii" typeface="Microsoft Yi Baiti"/>
+        <a:font script="Tibt" typeface="Microsoft Himalaya"/>
+        <a:font script="Thaa" typeface="MV Boli"/>
+        <a:font script="Deva" typeface="Mangal"/>
+        <a:font script="Telu" typeface="Gautami"/>
+        <a:font script="Taml" typeface="Latha"/>
+        <a:font script="Syrc" typeface="Estrangelo Edessa"/>
+        <a:font script="Orya" typeface="Kalinga"/>
+        <a:font script="Mlym" typeface="Kartika"/>
+        <a:font script="Laoo" typeface="DokChampa"/>
+        <a:font script="Sinh" typeface="Iskoola Pota"/>
+        <a:font script="Mong" typeface="Mongolian Baiti"/>
+        <a:font script="Viet" typeface="Arial"/>
+        <a:font script="Uigh" typeface="Microsoft Uighur"/>
+        <a:font script="Geor" typeface="Sylfaen"/>
+        <a:font script="Armn" typeface="Arial"/>
+        <a:font script="Bugi" typeface="Leelawadee UI"/>
+        <a:font script="Bopo" typeface="Microsoft JhengHei"/>
+        <a:font script="Java" typeface="Javanese Text"/>
+        <a:font script="Lisu" typeface="Segoe UI"/>
+        <a:font script="Mymr" typeface="Myanmar Text"/>
+        <a:font script="Nkoo" typeface="Ebrima"/>
+        <a:font script="Olck" typeface="Nirmala UI"/>
+        <a:font script="Osma" typeface="Ebrima"/>
+        <a:font script="Phag" typeface="Phagspa"/>
+        <a:font script="Syrn" typeface="Estrangelo Edessa"/>
+        <a:font script="Syrj" typeface="Estrangelo Edessa"/>
+        <a:font script="Syre" typeface="Estrangelo Edessa"/>
+        <a:font script="Sora" typeface="Nirmala UI"/>
+        <a:font script="Tale" typeface="Microsoft Tai Le"/>
+        <a:font script="Talu" typeface="Microsoft New Tai Lue"/>
+        <a:font script="Tfng" typeface="Ebrima"/>
+      </a:minorFont>
+    </a:fontScheme>
+    <a:fmtScheme name="Office">
+      <a:fillStyleLst>
+        <a:solidFill>
+          <a:schemeClr val="phClr"/>
+        </a:solidFill>
+        <a:gradFill rotWithShape="1">
+          <a:gsLst>
+            <a:gs pos="0">
+              <a:schemeClr val="phClr">
+                <a:lumMod val="110000"/>
+                <a:satMod val="105000"/>
+                <a:tint val="67000"/>
+              </a:schemeClr>
+            </a:gs>
+            <a:gs pos="50000">
+              <a:schemeClr val="phClr">
+                <a:lumMod val="105000"/>
+                <a:satMod val="103000"/>
+                <a:tint val="73000"/>
+              </a:schemeClr>
+            </a:gs>
+            <a:gs pos="100000">
+              <a:schemeClr val="phClr">
+                <a:lumMod val="105000"/>
+                <a:satMod val="109000"/>
+                <a:tint val="81000"/>
+              </a:schemeClr>
+            </a:gs>
+          </a:gsLst>
+          <a:lin ang="5400000" scaled="0"/>
+        </a:gradFill>
+        <a:gradFill rotWithShape="1">
+          <a:gsLst>
+            <a:gs pos="0">
+              <a:schemeClr val="phClr">
+                <a:satMod val="103000"/>
+                <a:lumMod val="102000"/>
+                <a:tint val="94000"/>
+              </a:schemeClr>
+            </a:gs>
+            <a:gs pos="50000">
+              <a:schemeClr val="phClr">
+                <a:satMod val="110000"/>
+                <a:lumMod val="100000"/>
+                <a:shade val="100000"/>
+              </a:schemeClr>
+            </a:gs>
+            <a:gs pos="100000">
+              <a:schemeClr val="phClr">
+                <a:lumMod val="99000"/>
+                <a:satMod val="120000"/>
+                <a:shade val="78000"/>
+              </a:schemeClr>
+            </a:gs>
+          </a:gsLst>
+          <a:lin ang="5400000" scaled="0"/>
+        </a:gradFill>
+      </a:fillStyleLst>
+      <a:lnStyleLst>
+        <a:ln w="6350" cap="flat" cmpd="sng" algn="ctr">
+          <a:solidFill>
+            <a:schemeClr val="phClr"/>
+          </a:solidFill>
+          <a:prstDash val="solid"/>
+          <a:miter lim="800000"/>
+        </a:ln>
+        <a:ln w="12700" cap="flat" cmpd="sng" algn="ctr">
+          <a:solidFill>
+            <a:schemeClr val="phClr"/>
+          </a:solidFill>
+          <a:prstDash val="solid"/>
+          <a:miter lim="800000"/>
+        </a:ln>
+        <a:ln w="19050" cap="flat" cmpd="sng" algn="ctr">
+          <a:solidFill>
+            <a:schemeClr val="phClr"/>
+          </a:solidFill>
+          <a:prstDash val="solid"/>
+          <a:miter lim="800000"/>
+        </a:ln>
+      </a:lnStyleLst>
+      <a:effectStyleLst>
+        <a:effectStyle>
+          <a:effectLst/>
+        </a:effectStyle>
+        <a:effectStyle>
+          <a:effectLst/>
+        </a:effectStyle>
+        <a:effectStyle>
+          <a:effectLst>
+            <a:outerShdw blurRad="57150" dist="19050" dir="5400000" algn="ctr" rotWithShape="0">
+              <a:srgbClr val="000000">
+                <a:alpha val="63000"/>
+              </a:srgbClr>
+            </a:outerShdw>
+          </a:effectLst>
+        </a:effectStyle>
+      </a:effectStyleLst>
+      <a:bgFillStyleLst>
+        <a:solidFill>
+          <a:schemeClr val="phClr"/>
+        </a:solidFill>
+        <a:solidFill>
+          <a:schemeClr val="phClr">
+            <a:tint val="95000"/>
+            <a:satMod val="170000"/>
+          </a:schemeClr>
+        </a:solidFill>
+        <a:gradFill rotWithShape="1">
+          <a:gsLst>
+            <a:gs pos="0">
+              <a:schemeClr val="phClr">
+                <a:tint val="93000"/>
+                <a:satMod val="150000"/>
+                <a:shade val="98000"/>
+                <a:lumMod val="102000"/>
+              </a:schemeClr>
+            </a:gs>
+            <a:gs pos="50000">
+              <a:schemeClr val="phClr">
+                <a:tint val="98000"/>
+                <a:satMod val="130000"/>
+                <a:shade val="90000"/>
+                <a:lumMod val="103000"/>
+              </a:schemeClr>
+            </a:gs>
+            <a:gs pos="100000">
+              <a:schemeClr val="phClr">
+                <a:shade val="63000"/>
+                <a:satMod val="120000"/>
+              </a:schemeClr>
+            </a:gs>
+          </a:gsLst>
+          <a:lin ang="5400000" scaled="0"/>
+        </a:gradFill>
+      </a:bgFillStyleLst>
+    </a:fmtScheme>
+  </a:themeElements>
+  <a:objectDefaults/>
+  <a:extraClrSchemeLst/>
+  <a:extLst>
+    <a:ext uri="{05A4C25C-085E-4340-85A3-A5531E510DB2}">
+      <thm15:themeFamily xmlns:thm15="http://schemas.microsoft.com/office/thememl/2012/main" name="Office Theme" id="{62F939B6-93AF-4DB8-9C6B-D6C7DFDC589F}" vid="{4A3C46E8-61CC-4603-A589-7422A47A8E4A}"/>
+    </a:ext>
+  </a:extLst>
+</a:theme>
 </file>